--- a/《PHP核心技术与最佳实践》第3章--正则表达式基础与应用/3.3 正则表达式匹配规则.pptx
+++ b/《PHP核心技术与最佳实践》第3章--正则表达式基础与应用/3.3 正则表达式匹配规则.pptx
@@ -20,6 +20,13 @@
     <p:sldId id="268" r:id="rId14"/>
     <p:sldId id="269" r:id="rId15"/>
     <p:sldId id="270" r:id="rId16"/>
+    <p:sldId id="271" r:id="rId17"/>
+    <p:sldId id="272" r:id="rId18"/>
+    <p:sldId id="273" r:id="rId19"/>
+    <p:sldId id="274" r:id="rId20"/>
+    <p:sldId id="275" r:id="rId21"/>
+    <p:sldId id="276" r:id="rId22"/>
+    <p:sldId id="277" r:id="rId23"/>
   </p:sldIdLst>
   <p:sldSz cx="9144000" cy="6858000" type="screen4x3"/>
   <p:notesSz cx="6858000" cy="9144000"/>
@@ -302,7 +309,7 @@
           <a:p>
             <a:fld id="{530820CF-B880-4189-942D-D702A7CBA730}" type="datetimeFigureOut">
               <a:rPr lang="zh-CN" altLang="en-US" smtClean="0"/>
-              <a:t>2018/3/19</a:t>
+              <a:t>2018/3/20</a:t>
             </a:fld>
             <a:endParaRPr lang="zh-CN" altLang="en-US"/>
           </a:p>
@@ -467,7 +474,7 @@
           <a:p>
             <a:fld id="{530820CF-B880-4189-942D-D702A7CBA730}" type="datetimeFigureOut">
               <a:rPr lang="zh-CN" altLang="en-US" smtClean="0"/>
-              <a:t>2018/3/19</a:t>
+              <a:t>2018/3/20</a:t>
             </a:fld>
             <a:endParaRPr lang="zh-CN" altLang="en-US"/>
           </a:p>
@@ -642,7 +649,7 @@
           <a:p>
             <a:fld id="{530820CF-B880-4189-942D-D702A7CBA730}" type="datetimeFigureOut">
               <a:rPr lang="zh-CN" altLang="en-US" smtClean="0"/>
-              <a:t>2018/3/19</a:t>
+              <a:t>2018/3/20</a:t>
             </a:fld>
             <a:endParaRPr lang="zh-CN" altLang="en-US"/>
           </a:p>
@@ -807,7 +814,7 @@
           <a:p>
             <a:fld id="{530820CF-B880-4189-942D-D702A7CBA730}" type="datetimeFigureOut">
               <a:rPr lang="zh-CN" altLang="en-US" smtClean="0"/>
-              <a:t>2018/3/19</a:t>
+              <a:t>2018/3/20</a:t>
             </a:fld>
             <a:endParaRPr lang="zh-CN" altLang="en-US"/>
           </a:p>
@@ -1048,7 +1055,7 @@
           <a:p>
             <a:fld id="{530820CF-B880-4189-942D-D702A7CBA730}" type="datetimeFigureOut">
               <a:rPr lang="zh-CN" altLang="en-US" smtClean="0"/>
-              <a:t>2018/3/19</a:t>
+              <a:t>2018/3/20</a:t>
             </a:fld>
             <a:endParaRPr lang="zh-CN" altLang="en-US"/>
           </a:p>
@@ -1331,7 +1338,7 @@
           <a:p>
             <a:fld id="{530820CF-B880-4189-942D-D702A7CBA730}" type="datetimeFigureOut">
               <a:rPr lang="zh-CN" altLang="en-US" smtClean="0"/>
-              <a:t>2018/3/19</a:t>
+              <a:t>2018/3/20</a:t>
             </a:fld>
             <a:endParaRPr lang="zh-CN" altLang="en-US"/>
           </a:p>
@@ -1748,7 +1755,7 @@
           <a:p>
             <a:fld id="{530820CF-B880-4189-942D-D702A7CBA730}" type="datetimeFigureOut">
               <a:rPr lang="zh-CN" altLang="en-US" smtClean="0"/>
-              <a:t>2018/3/19</a:t>
+              <a:t>2018/3/20</a:t>
             </a:fld>
             <a:endParaRPr lang="zh-CN" altLang="en-US"/>
           </a:p>
@@ -1861,7 +1868,7 @@
           <a:p>
             <a:fld id="{530820CF-B880-4189-942D-D702A7CBA730}" type="datetimeFigureOut">
               <a:rPr lang="zh-CN" altLang="en-US" smtClean="0"/>
-              <a:t>2018/3/19</a:t>
+              <a:t>2018/3/20</a:t>
             </a:fld>
             <a:endParaRPr lang="zh-CN" altLang="en-US"/>
           </a:p>
@@ -1951,7 +1958,7 @@
           <a:p>
             <a:fld id="{530820CF-B880-4189-942D-D702A7CBA730}" type="datetimeFigureOut">
               <a:rPr lang="zh-CN" altLang="en-US" smtClean="0"/>
-              <a:t>2018/3/19</a:t>
+              <a:t>2018/3/20</a:t>
             </a:fld>
             <a:endParaRPr lang="zh-CN" altLang="en-US"/>
           </a:p>
@@ -2223,7 +2230,7 @@
           <a:p>
             <a:fld id="{530820CF-B880-4189-942D-D702A7CBA730}" type="datetimeFigureOut">
               <a:rPr lang="zh-CN" altLang="en-US" smtClean="0"/>
-              <a:t>2018/3/19</a:t>
+              <a:t>2018/3/20</a:t>
             </a:fld>
             <a:endParaRPr lang="zh-CN" altLang="en-US"/>
           </a:p>
@@ -2471,7 +2478,7 @@
           <a:p>
             <a:fld id="{530820CF-B880-4189-942D-D702A7CBA730}" type="datetimeFigureOut">
               <a:rPr lang="zh-CN" altLang="en-US" smtClean="0"/>
-              <a:t>2018/3/19</a:t>
+              <a:t>2018/3/20</a:t>
             </a:fld>
             <a:endParaRPr lang="zh-CN" altLang="en-US"/>
           </a:p>
@@ -2679,7 +2686,7 @@
           <a:p>
             <a:fld id="{530820CF-B880-4189-942D-D702A7CBA730}" type="datetimeFigureOut">
               <a:rPr lang="zh-CN" altLang="en-US" smtClean="0"/>
-              <a:t>2018/3/19</a:t>
+              <a:t>2018/3/20</a:t>
             </a:fld>
             <a:endParaRPr lang="zh-CN" altLang="en-US"/>
           </a:p>
@@ -4176,8 +4183,27 @@
           <a:lstStyle/>
           <a:p>
             <a:r>
-              <a:rPr lang="zh-CN" altLang="en-US" sz="1400" dirty="0" smtClean="0"/>
-              <a:t>代码见</a:t>
+              <a:rPr lang="en-US" altLang="zh-CN" sz="1400" b="1" dirty="0"/>
+              <a:t>5) </a:t>
+            </a:r>
+            <a:r>
+              <a:rPr lang="zh-CN" altLang="en-US" sz="1400" b="1" dirty="0"/>
+              <a:t>正则表达式中的元字符转义</a:t>
+            </a:r>
+            <a:r>
+              <a:rPr lang="zh-CN" altLang="en-US" sz="1400" b="1" dirty="0" smtClean="0"/>
+              <a:t>问题</a:t>
+            </a:r>
+            <a:endParaRPr lang="en-US" altLang="zh-CN" sz="1400" dirty="0" smtClean="0"/>
+          </a:p>
+          <a:p>
+            <a:r>
+              <a:rPr lang="zh-CN" altLang="en-US" sz="1400" dirty="0" smtClean="0"/>
+              <a:t>代码</a:t>
+            </a:r>
+            <a:r>
+              <a:rPr lang="zh-CN" altLang="en-US" sz="1400" dirty="0" smtClean="0"/>
+              <a:t>见</a:t>
             </a:r>
             <a:r>
               <a:rPr lang="en-US" altLang="zh-CN" sz="1400" dirty="0" smtClean="0"/>
@@ -4457,8 +4483,27 @@
           <a:lstStyle/>
           <a:p>
             <a:r>
-              <a:rPr lang="zh-CN" altLang="en-US" sz="1400" dirty="0" smtClean="0"/>
-              <a:t>可以看到匹配</a:t>
+              <a:rPr lang="en-US" altLang="zh-CN" sz="1400" b="1" dirty="0"/>
+              <a:t>5) </a:t>
+            </a:r>
+            <a:r>
+              <a:rPr lang="zh-CN" altLang="en-US" sz="1400" b="1" dirty="0"/>
+              <a:t>正则表达式中的元字符转义</a:t>
+            </a:r>
+            <a:r>
+              <a:rPr lang="zh-CN" altLang="en-US" sz="1400" b="1" dirty="0" smtClean="0"/>
+              <a:t>问题</a:t>
+            </a:r>
+            <a:endParaRPr lang="en-US" altLang="zh-CN" sz="1400" dirty="0" smtClean="0"/>
+          </a:p>
+          <a:p>
+            <a:r>
+              <a:rPr lang="zh-CN" altLang="en-US" sz="1400" dirty="0" smtClean="0"/>
+              <a:t>可以</a:t>
+            </a:r>
+            <a:r>
+              <a:rPr lang="zh-CN" altLang="en-US" sz="1400" dirty="0" smtClean="0"/>
+              <a:t>看到匹配</a:t>
             </a:r>
             <a:r>
               <a:rPr lang="en-US" altLang="zh-CN" sz="1400" dirty="0" smtClean="0"/>
@@ -4673,7 +4718,7 @@
         </p:blipFill>
         <p:spPr bwMode="auto">
           <a:xfrm>
-            <a:off x="0" y="3717032"/>
+            <a:off x="0" y="4368899"/>
             <a:ext cx="3962400" cy="1076325"/>
           </a:xfrm>
           <a:prstGeom prst="rect">
@@ -4737,7 +4782,7 @@
         </p:blipFill>
         <p:spPr bwMode="auto">
           <a:xfrm>
-            <a:off x="0" y="4794446"/>
+            <a:off x="0" y="5504259"/>
             <a:ext cx="7018337" cy="1381125"/>
           </a:xfrm>
           <a:prstGeom prst="rect">
@@ -4852,8 +4897,27 @@
           <a:lstStyle/>
           <a:p>
             <a:r>
-              <a:rPr lang="zh-CN" altLang="en-US" sz="1400" dirty="0" smtClean="0"/>
-              <a:t>报错情况</a:t>
+              <a:rPr lang="en-US" altLang="zh-CN" sz="1400" b="1" dirty="0"/>
+              <a:t>5) </a:t>
+            </a:r>
+            <a:r>
+              <a:rPr lang="zh-CN" altLang="en-US" sz="1400" b="1" dirty="0"/>
+              <a:t>正则表达式中的元字符转义</a:t>
+            </a:r>
+            <a:r>
+              <a:rPr lang="zh-CN" altLang="en-US" sz="1400" b="1" dirty="0" smtClean="0"/>
+              <a:t>问题</a:t>
+            </a:r>
+            <a:endParaRPr lang="en-US" altLang="zh-CN" sz="1400" dirty="0" smtClean="0"/>
+          </a:p>
+          <a:p>
+            <a:r>
+              <a:rPr lang="zh-CN" altLang="en-US" sz="1400" dirty="0" smtClean="0"/>
+              <a:t>报</a:t>
+            </a:r>
+            <a:r>
+              <a:rPr lang="zh-CN" altLang="en-US" sz="1400" dirty="0" smtClean="0"/>
+              <a:t>错情况</a:t>
             </a:r>
             <a:r>
               <a:rPr lang="en-US" altLang="zh-CN" sz="1400" dirty="0" smtClean="0"/>
@@ -4888,7 +4952,7 @@
         </p:blipFill>
         <p:spPr bwMode="auto">
           <a:xfrm>
-            <a:off x="0" y="2132856"/>
+            <a:off x="0" y="3500611"/>
             <a:ext cx="4143375" cy="1152525"/>
           </a:xfrm>
           <a:prstGeom prst="rect">
@@ -4952,7 +5016,7 @@
         </p:blipFill>
         <p:spPr bwMode="auto">
           <a:xfrm>
-            <a:off x="0" y="3285381"/>
+            <a:off x="0" y="4742259"/>
             <a:ext cx="9094787" cy="2143125"/>
           </a:xfrm>
           <a:prstGeom prst="rect">
@@ -4997,6 +5061,1161 @@
     <p:extLst>
       <p:ext uri="{BB962C8B-B14F-4D97-AF65-F5344CB8AC3E}">
         <p14:creationId xmlns:p14="http://schemas.microsoft.com/office/powerpoint/2010/main" val="1747553313"/>
+      </p:ext>
+    </p:extLst>
+  </p:cSld>
+  <p:clrMapOvr>
+    <a:masterClrMapping/>
+  </p:clrMapOvr>
+</p:sld>
+</file>
+
+<file path=ppt/slides/slide16.xml><?xml version="1.0" encoding="utf-8"?>
+<p:sld xmlns:a="http://schemas.openxmlformats.org/drawingml/2006/main" xmlns:r="http://schemas.openxmlformats.org/officeDocument/2006/relationships" xmlns:p="http://schemas.openxmlformats.org/presentationml/2006/main">
+  <p:cSld>
+    <p:spTree>
+      <p:nvGrpSpPr>
+        <p:cNvPr id="1" name=""/>
+        <p:cNvGrpSpPr/>
+        <p:nvPr/>
+      </p:nvGrpSpPr>
+      <p:grpSpPr>
+        <a:xfrm>
+          <a:off x="0" y="0"/>
+          <a:ext cx="0" cy="0"/>
+          <a:chOff x="0" y="0"/>
+          <a:chExt cx="0" cy="0"/>
+        </a:xfrm>
+      </p:grpSpPr>
+      <p:sp>
+        <p:nvSpPr>
+          <p:cNvPr id="2" name="标题 1"/>
+          <p:cNvSpPr>
+            <a:spLocks noGrp="1"/>
+          </p:cNvSpPr>
+          <p:nvPr>
+            <p:ph type="title"/>
+          </p:nvPr>
+        </p:nvSpPr>
+        <p:spPr/>
+        <p:txBody>
+          <a:bodyPr/>
+          <a:lstStyle/>
+          <a:p>
+            <a:r>
+              <a:rPr lang="en-US" altLang="zh-CN" dirty="0"/>
+              <a:t>3.3.2 </a:t>
+            </a:r>
+            <a:r>
+              <a:rPr lang="zh-CN" altLang="en-US" dirty="0"/>
+              <a:t>转义</a:t>
+            </a:r>
+          </a:p>
+        </p:txBody>
+      </p:sp>
+      <p:sp>
+        <p:nvSpPr>
+          <p:cNvPr id="3" name="内容占位符 2"/>
+          <p:cNvSpPr>
+            <a:spLocks noGrp="1"/>
+          </p:cNvSpPr>
+          <p:nvPr>
+            <p:ph idx="1"/>
+          </p:nvPr>
+        </p:nvSpPr>
+        <p:spPr/>
+        <p:txBody>
+          <a:bodyPr>
+            <a:normAutofit/>
+          </a:bodyPr>
+          <a:lstStyle/>
+          <a:p>
+            <a:r>
+              <a:rPr lang="zh-CN" altLang="en-US" sz="1400" dirty="0" smtClean="0"/>
+              <a:t>那么进一步我们来探讨字符组中可能出现的情况。</a:t>
+            </a:r>
+            <a:endParaRPr lang="en-US" altLang="zh-CN" sz="1400" dirty="0" smtClean="0"/>
+          </a:p>
+          <a:p>
+            <a:r>
+              <a:rPr lang="en-US" altLang="zh-CN" sz="1400" b="1" dirty="0" smtClean="0"/>
+              <a:t>6) </a:t>
+            </a:r>
+            <a:r>
+              <a:rPr lang="zh-CN" altLang="en-US" sz="1400" b="1" dirty="0" smtClean="0"/>
+              <a:t>字符组中能否使用预定义元字符？</a:t>
+            </a:r>
+            <a:endParaRPr lang="en-US" altLang="zh-CN" sz="1400" b="1" dirty="0" smtClean="0"/>
+          </a:p>
+          <a:p>
+            <a:r>
+              <a:rPr lang="zh-CN" altLang="en-US" sz="1400" dirty="0" smtClean="0"/>
+              <a:t>需求</a:t>
+            </a:r>
+            <a:r>
+              <a:rPr lang="en-US" altLang="zh-CN" sz="1400" dirty="0" smtClean="0"/>
+              <a:t>:</a:t>
+            </a:r>
+            <a:r>
+              <a:rPr lang="zh-CN" altLang="en-US" sz="1400" dirty="0" smtClean="0"/>
+              <a:t>在</a:t>
+            </a:r>
+            <a:r>
+              <a:rPr lang="en-US" altLang="zh-CN" sz="1400" dirty="0" smtClean="0"/>
+              <a:t>PHP</a:t>
+            </a:r>
+            <a:r>
+              <a:rPr lang="zh-CN" altLang="en-US" sz="1400" dirty="0" smtClean="0"/>
+              <a:t>脚本中使用字符组匹配</a:t>
+            </a:r>
+            <a:r>
+              <a:rPr lang="en-US" altLang="zh-CN" sz="1400" dirty="0" err="1" smtClean="0"/>
+              <a:t>c”xxx”t</a:t>
+            </a:r>
+            <a:r>
+              <a:rPr lang="en-US" altLang="zh-CN" sz="1400" dirty="0" smtClean="0"/>
+              <a:t> </a:t>
+            </a:r>
+            <a:r>
+              <a:rPr lang="zh-CN" altLang="en-US" sz="1400" dirty="0" smtClean="0"/>
+              <a:t>其中</a:t>
+            </a:r>
+            <a:r>
+              <a:rPr lang="en-US" altLang="zh-CN" sz="1400" dirty="0" smtClean="0"/>
+              <a:t>xxx</a:t>
+            </a:r>
+            <a:r>
+              <a:rPr lang="zh-CN" altLang="en-US" sz="1400" dirty="0" smtClean="0"/>
+              <a:t>可以为</a:t>
+            </a:r>
+            <a:r>
+              <a:rPr lang="en-US" altLang="zh-CN" sz="1400" dirty="0" smtClean="0"/>
+              <a:t>a</a:t>
+            </a:r>
+            <a:r>
+              <a:rPr lang="zh-CN" altLang="en-US" sz="1400" dirty="0" smtClean="0"/>
+              <a:t>、</a:t>
+            </a:r>
+            <a:r>
+              <a:rPr lang="en-US" altLang="zh-CN" sz="1400" dirty="0" smtClean="0"/>
+              <a:t>o</a:t>
+            </a:r>
+            <a:r>
+              <a:rPr lang="zh-CN" altLang="en-US" sz="1400" dirty="0" smtClean="0"/>
+              <a:t>、</a:t>
+            </a:r>
+            <a:r>
+              <a:rPr lang="en-US" altLang="zh-CN" sz="1400" dirty="0" smtClean="0"/>
+              <a:t>u</a:t>
+            </a:r>
+            <a:r>
+              <a:rPr lang="zh-CN" altLang="en-US" sz="1400" dirty="0" smtClean="0"/>
+              <a:t>、或任意一个数字</a:t>
+            </a:r>
+            <a:endParaRPr lang="en-US" altLang="zh-CN" sz="1400" dirty="0" smtClean="0"/>
+          </a:p>
+          <a:p>
+            <a:r>
+              <a:rPr lang="zh-CN" altLang="en-US" sz="1400" dirty="0" smtClean="0"/>
+              <a:t>代码见</a:t>
+            </a:r>
+            <a:r>
+              <a:rPr lang="en-US" altLang="zh-CN" sz="1400" dirty="0"/>
+              <a:t>3.3.2-5 </a:t>
+            </a:r>
+            <a:r>
+              <a:rPr lang="zh-CN" altLang="en-US" sz="1400" dirty="0"/>
+              <a:t>转义</a:t>
+            </a:r>
+            <a:r>
+              <a:rPr lang="en-US" altLang="zh-CN" sz="1400" dirty="0"/>
+              <a:t>.</a:t>
+            </a:r>
+            <a:r>
+              <a:rPr lang="en-US" altLang="zh-CN" sz="1400" dirty="0" err="1" smtClean="0"/>
+              <a:t>php</a:t>
+            </a:r>
+            <a:endParaRPr lang="en-US" altLang="zh-CN" sz="1400" dirty="0" smtClean="0"/>
+          </a:p>
+          <a:p>
+            <a:r>
+              <a:rPr lang="zh-CN" altLang="en-US" sz="1400" dirty="0"/>
+              <a:t>运行</a:t>
+            </a:r>
+            <a:r>
+              <a:rPr lang="zh-CN" altLang="en-US" sz="1400" dirty="0" smtClean="0"/>
+              <a:t>结果</a:t>
+            </a:r>
+            <a:r>
+              <a:rPr lang="en-US" altLang="zh-CN" sz="1400" dirty="0" smtClean="0"/>
+              <a:t>:</a:t>
+            </a:r>
+          </a:p>
+          <a:p>
+            <a:r>
+              <a:rPr lang="zh-CN" altLang="en-US" sz="1400" dirty="0" smtClean="0"/>
+              <a:t>可以看到，字符组中使用</a:t>
+            </a:r>
+            <a:r>
+              <a:rPr lang="en-US" altLang="zh-CN" sz="1400" dirty="0" smtClean="0"/>
+              <a:t>\d</a:t>
+            </a:r>
+            <a:r>
+              <a:rPr lang="zh-CN" altLang="en-US" sz="1400" dirty="0" smtClean="0"/>
+              <a:t>匹配一个数字的结果是成功的。这说明：</a:t>
+            </a:r>
+            <a:r>
+              <a:rPr lang="zh-CN" altLang="en-US" sz="1400" b="1" dirty="0" smtClean="0"/>
+              <a:t>字符组中可以使用预定义元字符。</a:t>
+            </a:r>
+            <a:endParaRPr lang="zh-CN" altLang="en-US" sz="1400" b="1" dirty="0"/>
+          </a:p>
+        </p:txBody>
+      </p:sp>
+      <p:pic>
+        <p:nvPicPr>
+          <p:cNvPr id="1026" name="Picture 2"/>
+          <p:cNvPicPr>
+            <a:picLocks noChangeAspect="1" noChangeArrowheads="1"/>
+          </p:cNvPicPr>
+          <p:nvPr/>
+        </p:nvPicPr>
+        <p:blipFill>
+          <a:blip r:embed="rId2">
+            <a:extLst>
+              <a:ext uri="{28A0092B-C50C-407E-A947-70E740481C1C}">
+                <a14:useLocalDpi xmlns:a14="http://schemas.microsoft.com/office/drawing/2010/main" val="0"/>
+              </a:ext>
+            </a:extLst>
+          </a:blip>
+          <a:srcRect/>
+          <a:stretch>
+            <a:fillRect/>
+          </a:stretch>
+        </p:blipFill>
+        <p:spPr bwMode="auto">
+          <a:xfrm>
+            <a:off x="-2556792" y="5597549"/>
+            <a:ext cx="6010275" cy="5248275"/>
+          </a:xfrm>
+          <a:prstGeom prst="rect">
+            <a:avLst/>
+          </a:prstGeom>
+          <a:noFill/>
+          <a:ln>
+            <a:noFill/>
+          </a:ln>
+          <a:effectLst/>
+          <a:extLst>
+            <a:ext uri="{909E8E84-426E-40DD-AFC4-6F175D3DCCD1}">
+              <a14:hiddenFill xmlns:a14="http://schemas.microsoft.com/office/drawing/2010/main">
+                <a:solidFill>
+                  <a:schemeClr val="accent1"/>
+                </a:solidFill>
+              </a14:hiddenFill>
+            </a:ext>
+            <a:ext uri="{91240B29-F687-4F45-9708-019B960494DF}">
+              <a14:hiddenLine xmlns:a14="http://schemas.microsoft.com/office/drawing/2010/main" w="9525">
+                <a:solidFill>
+                  <a:schemeClr val="tx1"/>
+                </a:solidFill>
+                <a:miter lim="800000"/>
+                <a:headEnd/>
+                <a:tailEnd/>
+              </a14:hiddenLine>
+            </a:ext>
+            <a:ext uri="{AF507438-7753-43E0-B8FC-AC1667EBCBE1}">
+              <a14:hiddenEffects xmlns:a14="http://schemas.microsoft.com/office/drawing/2010/main">
+                <a:effectLst>
+                  <a:outerShdw dist="35921" dir="2700000" algn="ctr" rotWithShape="0">
+                    <a:schemeClr val="bg2"/>
+                  </a:outerShdw>
+                </a:effectLst>
+              </a14:hiddenEffects>
+            </a:ext>
+          </a:extLst>
+        </p:spPr>
+      </p:pic>
+      <p:pic>
+        <p:nvPicPr>
+          <p:cNvPr id="1027" name="Picture 3"/>
+          <p:cNvPicPr>
+            <a:picLocks noChangeAspect="1" noChangeArrowheads="1"/>
+          </p:cNvPicPr>
+          <p:nvPr/>
+        </p:nvPicPr>
+        <p:blipFill>
+          <a:blip r:embed="rId3">
+            <a:extLst>
+              <a:ext uri="{28A0092B-C50C-407E-A947-70E740481C1C}">
+                <a14:useLocalDpi xmlns:a14="http://schemas.microsoft.com/office/drawing/2010/main" val="0"/>
+              </a:ext>
+            </a:extLst>
+          </a:blip>
+          <a:srcRect/>
+          <a:stretch>
+            <a:fillRect/>
+          </a:stretch>
+        </p:blipFill>
+        <p:spPr bwMode="auto">
+          <a:xfrm>
+            <a:off x="3525491" y="5597549"/>
+            <a:ext cx="9153526" cy="5000625"/>
+          </a:xfrm>
+          <a:prstGeom prst="rect">
+            <a:avLst/>
+          </a:prstGeom>
+          <a:noFill/>
+          <a:ln>
+            <a:noFill/>
+          </a:ln>
+          <a:effectLst/>
+          <a:extLst>
+            <a:ext uri="{909E8E84-426E-40DD-AFC4-6F175D3DCCD1}">
+              <a14:hiddenFill xmlns:a14="http://schemas.microsoft.com/office/drawing/2010/main">
+                <a:solidFill>
+                  <a:schemeClr val="accent1"/>
+                </a:solidFill>
+              </a14:hiddenFill>
+            </a:ext>
+            <a:ext uri="{91240B29-F687-4F45-9708-019B960494DF}">
+              <a14:hiddenLine xmlns:a14="http://schemas.microsoft.com/office/drawing/2010/main" w="9525">
+                <a:solidFill>
+                  <a:schemeClr val="tx1"/>
+                </a:solidFill>
+                <a:miter lim="800000"/>
+                <a:headEnd/>
+                <a:tailEnd/>
+              </a14:hiddenLine>
+            </a:ext>
+            <a:ext uri="{AF507438-7753-43E0-B8FC-AC1667EBCBE1}">
+              <a14:hiddenEffects xmlns:a14="http://schemas.microsoft.com/office/drawing/2010/main">
+                <a:effectLst>
+                  <a:outerShdw dist="35921" dir="2700000" algn="ctr" rotWithShape="0">
+                    <a:schemeClr val="bg2"/>
+                  </a:outerShdw>
+                </a:effectLst>
+              </a14:hiddenEffects>
+            </a:ext>
+          </a:extLst>
+        </p:spPr>
+      </p:pic>
+    </p:spTree>
+    <p:extLst>
+      <p:ext uri="{BB962C8B-B14F-4D97-AF65-F5344CB8AC3E}">
+        <p14:creationId xmlns:p14="http://schemas.microsoft.com/office/powerpoint/2010/main" val="805238439"/>
+      </p:ext>
+    </p:extLst>
+  </p:cSld>
+  <p:clrMapOvr>
+    <a:masterClrMapping/>
+  </p:clrMapOvr>
+</p:sld>
+</file>
+
+<file path=ppt/slides/slide17.xml><?xml version="1.0" encoding="utf-8"?>
+<p:sld xmlns:a="http://schemas.openxmlformats.org/drawingml/2006/main" xmlns:r="http://schemas.openxmlformats.org/officeDocument/2006/relationships" xmlns:p="http://schemas.openxmlformats.org/presentationml/2006/main">
+  <p:cSld>
+    <p:spTree>
+      <p:nvGrpSpPr>
+        <p:cNvPr id="1" name=""/>
+        <p:cNvGrpSpPr/>
+        <p:nvPr/>
+      </p:nvGrpSpPr>
+      <p:grpSpPr>
+        <a:xfrm>
+          <a:off x="0" y="0"/>
+          <a:ext cx="0" cy="0"/>
+          <a:chOff x="0" y="0"/>
+          <a:chExt cx="0" cy="0"/>
+        </a:xfrm>
+      </p:grpSpPr>
+      <p:sp>
+        <p:nvSpPr>
+          <p:cNvPr id="2" name="标题 1"/>
+          <p:cNvSpPr>
+            <a:spLocks noGrp="1"/>
+          </p:cNvSpPr>
+          <p:nvPr>
+            <p:ph type="title"/>
+          </p:nvPr>
+        </p:nvSpPr>
+        <p:spPr/>
+        <p:txBody>
+          <a:bodyPr/>
+          <a:lstStyle/>
+          <a:p>
+            <a:r>
+              <a:rPr lang="en-US" altLang="zh-CN" dirty="0"/>
+              <a:t>3.3.3 </a:t>
+            </a:r>
+            <a:r>
+              <a:rPr lang="zh-CN" altLang="en-US" dirty="0"/>
+              <a:t>反义</a:t>
+            </a:r>
+            <a:endParaRPr lang="en-US" altLang="zh-CN" dirty="0"/>
+          </a:p>
+        </p:txBody>
+      </p:sp>
+      <p:sp>
+        <p:nvSpPr>
+          <p:cNvPr id="3" name="内容占位符 2"/>
+          <p:cNvSpPr>
+            <a:spLocks noGrp="1"/>
+          </p:cNvSpPr>
+          <p:nvPr>
+            <p:ph idx="1"/>
+          </p:nvPr>
+        </p:nvSpPr>
+        <p:spPr/>
+        <p:txBody>
+          <a:bodyPr>
+            <a:normAutofit/>
+          </a:bodyPr>
+          <a:lstStyle/>
+          <a:p>
+            <a:r>
+              <a:rPr lang="zh-CN" altLang="en-US" sz="1400" dirty="0" smtClean="0"/>
+              <a:t>有时，我们的需求为查找的字符不属于某个字符类，换言之就是表达式和已知定义相反（比如需求为匹配除数字以外的任何字符），这种场景下需要使用反义。</a:t>
+            </a:r>
+            <a:endParaRPr lang="en-US" altLang="zh-CN" sz="1400" dirty="0" smtClean="0"/>
+          </a:p>
+          <a:p>
+            <a:r>
+              <a:rPr lang="en-US" altLang="zh-CN" sz="1400" dirty="0" smtClean="0"/>
+              <a:t>\W		</a:t>
+            </a:r>
+            <a:r>
+              <a:rPr lang="zh-CN" altLang="en-US" sz="1400" dirty="0" smtClean="0"/>
+              <a:t>匹配任意不是字母、数字、汉字、下划线的字符</a:t>
+            </a:r>
+            <a:endParaRPr lang="en-US" altLang="zh-CN" sz="1400" dirty="0" smtClean="0"/>
+          </a:p>
+          <a:p>
+            <a:r>
+              <a:rPr lang="en-US" altLang="zh-CN" sz="1400" dirty="0" smtClean="0"/>
+              <a:t>\S		</a:t>
+            </a:r>
+            <a:r>
+              <a:rPr lang="zh-CN" altLang="en-US" sz="1400" dirty="0" smtClean="0"/>
+              <a:t>匹配任意不是空白符的字符</a:t>
+            </a:r>
+            <a:endParaRPr lang="en-US" altLang="zh-CN" sz="1400" dirty="0" smtClean="0"/>
+          </a:p>
+          <a:p>
+            <a:r>
+              <a:rPr lang="en-US" altLang="zh-CN" sz="1400" dirty="0" smtClean="0"/>
+              <a:t>\D		</a:t>
+            </a:r>
+            <a:r>
+              <a:rPr lang="zh-CN" altLang="en-US" sz="1400" dirty="0" smtClean="0"/>
+              <a:t>匹配任意不是数字的字符</a:t>
+            </a:r>
+            <a:endParaRPr lang="en-US" altLang="zh-CN" sz="1400" dirty="0" smtClean="0"/>
+          </a:p>
+          <a:p>
+            <a:r>
+              <a:rPr lang="en-US" altLang="zh-CN" sz="1400" dirty="0" smtClean="0"/>
+              <a:t>\B		</a:t>
+            </a:r>
+            <a:r>
+              <a:rPr lang="zh-CN" altLang="en-US" sz="1400" dirty="0" smtClean="0"/>
+              <a:t>匹配不是单词开头或结束的位置</a:t>
+            </a:r>
+            <a:endParaRPr lang="en-US" altLang="zh-CN" sz="1400" dirty="0" smtClean="0"/>
+          </a:p>
+          <a:p>
+            <a:r>
+              <a:rPr lang="en-US" altLang="zh-CN" sz="1400" dirty="0" smtClean="0"/>
+              <a:t>[^x]		</a:t>
+            </a:r>
+            <a:r>
+              <a:rPr lang="zh-CN" altLang="en-US" sz="1400" dirty="0" smtClean="0"/>
+              <a:t>匹配除了</a:t>
+            </a:r>
+            <a:r>
+              <a:rPr lang="en-US" altLang="zh-CN" sz="1400" dirty="0" smtClean="0"/>
+              <a:t>x</a:t>
+            </a:r>
+            <a:r>
+              <a:rPr lang="zh-CN" altLang="en-US" sz="1400" dirty="0" smtClean="0"/>
+              <a:t>以外的任意字符</a:t>
+            </a:r>
+            <a:endParaRPr lang="en-US" altLang="zh-CN" sz="1400" dirty="0" smtClean="0"/>
+          </a:p>
+          <a:p>
+            <a:r>
+              <a:rPr lang="en-US" altLang="zh-CN" sz="1400" dirty="0" smtClean="0"/>
+              <a:t>[^</a:t>
+            </a:r>
+            <a:r>
+              <a:rPr lang="en-US" altLang="zh-CN" sz="1400" dirty="0" err="1" smtClean="0"/>
+              <a:t>aeiou</a:t>
+            </a:r>
+            <a:r>
+              <a:rPr lang="en-US" altLang="zh-CN" sz="1400" dirty="0" smtClean="0"/>
+              <a:t>]	</a:t>
+            </a:r>
+            <a:r>
+              <a:rPr lang="zh-CN" altLang="en-US" sz="1400" dirty="0" smtClean="0"/>
+              <a:t>匹配除了</a:t>
+            </a:r>
+            <a:r>
+              <a:rPr lang="en-US" altLang="zh-CN" sz="1400" dirty="0" err="1" smtClean="0"/>
+              <a:t>aeiou</a:t>
+            </a:r>
+            <a:r>
+              <a:rPr lang="zh-CN" altLang="en-US" sz="1400" dirty="0" smtClean="0"/>
+              <a:t>这几个字符之外的任意字符</a:t>
+            </a:r>
+            <a:endParaRPr lang="en-US" altLang="zh-CN" sz="1400" dirty="0" smtClean="0"/>
+          </a:p>
+          <a:p>
+            <a:endParaRPr lang="en-US" altLang="zh-CN" sz="1400" dirty="0"/>
+          </a:p>
+          <a:p>
+            <a:r>
+              <a:rPr lang="zh-CN" altLang="en-US" sz="1400" dirty="0" smtClean="0"/>
+              <a:t>这里我们看到一种新的语法</a:t>
+            </a:r>
+            <a:r>
+              <a:rPr lang="en-US" altLang="zh-CN" sz="1400" dirty="0" smtClean="0"/>
+              <a:t>:[^string]</a:t>
+            </a:r>
+            <a:r>
+              <a:rPr lang="zh-CN" altLang="en-US" sz="1400" dirty="0" smtClean="0"/>
+              <a:t>。也就是说</a:t>
+            </a:r>
+            <a:r>
+              <a:rPr lang="en-US" altLang="zh-CN" sz="1400" dirty="0" smtClean="0"/>
+              <a:t>^</a:t>
+            </a:r>
+            <a:r>
+              <a:rPr lang="zh-CN" altLang="en-US" sz="1400" dirty="0" smtClean="0"/>
+              <a:t>这个原本表示起始位置的元字符，当它出现在字符组中且没有被转义时，它要表达的含义是对后续的</a:t>
+            </a:r>
+            <a:r>
+              <a:rPr lang="en-US" altLang="zh-CN" sz="1400" dirty="0" smtClean="0"/>
+              <a:t>1</a:t>
+            </a:r>
+            <a:r>
+              <a:rPr lang="zh-CN" altLang="en-US" sz="1400" dirty="0" smtClean="0"/>
+              <a:t>个或多个字符取反。</a:t>
+            </a:r>
+            <a:endParaRPr lang="en-US" altLang="zh-CN" sz="1400" dirty="0" smtClean="0"/>
+          </a:p>
+          <a:p>
+            <a:r>
+              <a:rPr lang="zh-CN" altLang="en-US" sz="1400" dirty="0" smtClean="0"/>
+              <a:t>用几个需求来说明问题。</a:t>
+            </a:r>
+            <a:endParaRPr lang="zh-CN" altLang="en-US" sz="1400" dirty="0"/>
+          </a:p>
+        </p:txBody>
+      </p:sp>
+    </p:spTree>
+    <p:extLst>
+      <p:ext uri="{BB962C8B-B14F-4D97-AF65-F5344CB8AC3E}">
+        <p14:creationId xmlns:p14="http://schemas.microsoft.com/office/powerpoint/2010/main" val="2050490211"/>
+      </p:ext>
+    </p:extLst>
+  </p:cSld>
+  <p:clrMapOvr>
+    <a:masterClrMapping/>
+  </p:clrMapOvr>
+</p:sld>
+</file>
+
+<file path=ppt/slides/slide18.xml><?xml version="1.0" encoding="utf-8"?>
+<p:sld xmlns:a="http://schemas.openxmlformats.org/drawingml/2006/main" xmlns:r="http://schemas.openxmlformats.org/officeDocument/2006/relationships" xmlns:p="http://schemas.openxmlformats.org/presentationml/2006/main">
+  <p:cSld>
+    <p:spTree>
+      <p:nvGrpSpPr>
+        <p:cNvPr id="1" name=""/>
+        <p:cNvGrpSpPr/>
+        <p:nvPr/>
+      </p:nvGrpSpPr>
+      <p:grpSpPr>
+        <a:xfrm>
+          <a:off x="0" y="0"/>
+          <a:ext cx="0" cy="0"/>
+          <a:chOff x="0" y="0"/>
+          <a:chExt cx="0" cy="0"/>
+        </a:xfrm>
+      </p:grpSpPr>
+      <p:sp>
+        <p:nvSpPr>
+          <p:cNvPr id="2" name="标题 1"/>
+          <p:cNvSpPr>
+            <a:spLocks noGrp="1"/>
+          </p:cNvSpPr>
+          <p:nvPr>
+            <p:ph type="title"/>
+          </p:nvPr>
+        </p:nvSpPr>
+        <p:spPr/>
+        <p:txBody>
+          <a:bodyPr/>
+          <a:lstStyle/>
+          <a:p>
+            <a:r>
+              <a:rPr lang="en-US" altLang="zh-CN" dirty="0"/>
+              <a:t>3.3.3 </a:t>
+            </a:r>
+            <a:r>
+              <a:rPr lang="zh-CN" altLang="en-US" dirty="0"/>
+              <a:t>反义</a:t>
+            </a:r>
+          </a:p>
+        </p:txBody>
+      </p:sp>
+      <p:sp>
+        <p:nvSpPr>
+          <p:cNvPr id="3" name="内容占位符 2"/>
+          <p:cNvSpPr>
+            <a:spLocks noGrp="1"/>
+          </p:cNvSpPr>
+          <p:nvPr>
+            <p:ph idx="1"/>
+          </p:nvPr>
+        </p:nvSpPr>
+        <p:spPr/>
+        <p:txBody>
+          <a:bodyPr>
+            <a:normAutofit/>
+          </a:bodyPr>
+          <a:lstStyle/>
+          <a:p>
+            <a:r>
+              <a:rPr lang="en-US" altLang="zh-CN" sz="1400" b="1" dirty="0" smtClean="0"/>
+              <a:t>1) </a:t>
+            </a:r>
+            <a:r>
+              <a:rPr lang="zh-CN" altLang="en-US" sz="1400" b="1" dirty="0" smtClean="0"/>
+              <a:t>匹配一个不包含空白符的字符串</a:t>
+            </a:r>
+            <a:endParaRPr lang="en-US" altLang="zh-CN" sz="1400" b="1" dirty="0" smtClean="0"/>
+          </a:p>
+          <a:p>
+            <a:r>
+              <a:rPr lang="en-US" altLang="zh-CN" sz="1400" dirty="0" smtClean="0"/>
+              <a:t>\S+</a:t>
+            </a:r>
+          </a:p>
+          <a:p>
+            <a:r>
+              <a:rPr lang="zh-CN" altLang="en-US" sz="1400" dirty="0" smtClean="0"/>
+              <a:t>代码见</a:t>
+            </a:r>
+            <a:r>
+              <a:rPr lang="en-US" altLang="zh-CN" sz="1400" dirty="0"/>
+              <a:t>3.3.3-1 </a:t>
+            </a:r>
+            <a:r>
+              <a:rPr lang="zh-CN" altLang="en-US" sz="1400" dirty="0"/>
+              <a:t>反义</a:t>
+            </a:r>
+            <a:r>
+              <a:rPr lang="en-US" altLang="zh-CN" sz="1400" dirty="0"/>
+              <a:t>.</a:t>
+            </a:r>
+            <a:r>
+              <a:rPr lang="en-US" altLang="zh-CN" sz="1400" dirty="0" err="1" smtClean="0"/>
+              <a:t>php</a:t>
+            </a:r>
+            <a:endParaRPr lang="en-US" altLang="zh-CN" sz="1400" dirty="0" smtClean="0"/>
+          </a:p>
+          <a:p>
+            <a:r>
+              <a:rPr lang="zh-CN" altLang="en-US" sz="1400" dirty="0" smtClean="0"/>
+              <a:t>从运行结果可知</a:t>
+            </a:r>
+            <a:r>
+              <a:rPr lang="en-US" altLang="zh-CN" sz="1400" dirty="0" smtClean="0"/>
+              <a:t>,\S+</a:t>
+            </a:r>
+            <a:r>
+              <a:rPr lang="zh-CN" altLang="en-US" sz="1400" dirty="0" smtClean="0"/>
+              <a:t>匹配</a:t>
+            </a:r>
+            <a:r>
+              <a:rPr lang="en-US" altLang="zh-CN" sz="1400" dirty="0" smtClean="0"/>
+              <a:t>$</a:t>
+            </a:r>
+            <a:r>
+              <a:rPr lang="en-US" altLang="zh-CN" sz="1400" dirty="0" err="1" smtClean="0"/>
+              <a:t>subjectSpace</a:t>
+            </a:r>
+            <a:r>
+              <a:rPr lang="zh-CN" altLang="en-US" sz="1400" dirty="0" smtClean="0"/>
+              <a:t>的结果是失败的。这证明了</a:t>
+            </a:r>
+            <a:r>
+              <a:rPr lang="en-US" altLang="zh-CN" sz="1400" dirty="0" smtClean="0"/>
+              <a:t>\S</a:t>
+            </a:r>
+            <a:r>
+              <a:rPr lang="zh-CN" altLang="en-US" sz="1400" dirty="0" smtClean="0"/>
+              <a:t>表示匹配非空白符的含义。</a:t>
+            </a:r>
+            <a:endParaRPr lang="zh-CN" altLang="en-US" sz="1400" dirty="0"/>
+          </a:p>
+        </p:txBody>
+      </p:sp>
+      <p:pic>
+        <p:nvPicPr>
+          <p:cNvPr id="2050" name="Picture 2"/>
+          <p:cNvPicPr>
+            <a:picLocks noChangeAspect="1" noChangeArrowheads="1"/>
+          </p:cNvPicPr>
+          <p:nvPr/>
+        </p:nvPicPr>
+        <p:blipFill>
+          <a:blip r:embed="rId2">
+            <a:extLst>
+              <a:ext uri="{28A0092B-C50C-407E-A947-70E740481C1C}">
+                <a14:useLocalDpi xmlns:a14="http://schemas.microsoft.com/office/drawing/2010/main" val="0"/>
+              </a:ext>
+            </a:extLst>
+          </a:blip>
+          <a:srcRect/>
+          <a:stretch>
+            <a:fillRect/>
+          </a:stretch>
+        </p:blipFill>
+        <p:spPr bwMode="auto">
+          <a:xfrm>
+            <a:off x="-18701" y="4240485"/>
+            <a:ext cx="6067425" cy="2428875"/>
+          </a:xfrm>
+          <a:prstGeom prst="rect">
+            <a:avLst/>
+          </a:prstGeom>
+          <a:noFill/>
+          <a:ln>
+            <a:noFill/>
+          </a:ln>
+          <a:effectLst/>
+          <a:extLst>
+            <a:ext uri="{909E8E84-426E-40DD-AFC4-6F175D3DCCD1}">
+              <a14:hiddenFill xmlns:a14="http://schemas.microsoft.com/office/drawing/2010/main">
+                <a:solidFill>
+                  <a:schemeClr val="accent1"/>
+                </a:solidFill>
+              </a14:hiddenFill>
+            </a:ext>
+            <a:ext uri="{91240B29-F687-4F45-9708-019B960494DF}">
+              <a14:hiddenLine xmlns:a14="http://schemas.microsoft.com/office/drawing/2010/main" w="9525">
+                <a:solidFill>
+                  <a:schemeClr val="tx1"/>
+                </a:solidFill>
+                <a:miter lim="800000"/>
+                <a:headEnd/>
+                <a:tailEnd/>
+              </a14:hiddenLine>
+            </a:ext>
+            <a:ext uri="{AF507438-7753-43E0-B8FC-AC1667EBCBE1}">
+              <a14:hiddenEffects xmlns:a14="http://schemas.microsoft.com/office/drawing/2010/main">
+                <a:effectLst>
+                  <a:outerShdw dist="35921" dir="2700000" algn="ctr" rotWithShape="0">
+                    <a:schemeClr val="bg2"/>
+                  </a:outerShdw>
+                </a:effectLst>
+              </a14:hiddenEffects>
+            </a:ext>
+          </a:extLst>
+        </p:spPr>
+      </p:pic>
+      <p:pic>
+        <p:nvPicPr>
+          <p:cNvPr id="2051" name="Picture 3"/>
+          <p:cNvPicPr>
+            <a:picLocks noChangeAspect="1" noChangeArrowheads="1"/>
+          </p:cNvPicPr>
+          <p:nvPr/>
+        </p:nvPicPr>
+        <p:blipFill>
+          <a:blip r:embed="rId3">
+            <a:extLst>
+              <a:ext uri="{28A0092B-C50C-407E-A947-70E740481C1C}">
+                <a14:useLocalDpi xmlns:a14="http://schemas.microsoft.com/office/drawing/2010/main" val="0"/>
+              </a:ext>
+            </a:extLst>
+          </a:blip>
+          <a:srcRect/>
+          <a:stretch>
+            <a:fillRect/>
+          </a:stretch>
+        </p:blipFill>
+        <p:spPr bwMode="auto">
+          <a:xfrm>
+            <a:off x="-18701" y="6637709"/>
+            <a:ext cx="9153526" cy="2047875"/>
+          </a:xfrm>
+          <a:prstGeom prst="rect">
+            <a:avLst/>
+          </a:prstGeom>
+          <a:noFill/>
+          <a:ln>
+            <a:noFill/>
+          </a:ln>
+          <a:effectLst/>
+          <a:extLst>
+            <a:ext uri="{909E8E84-426E-40DD-AFC4-6F175D3DCCD1}">
+              <a14:hiddenFill xmlns:a14="http://schemas.microsoft.com/office/drawing/2010/main">
+                <a:solidFill>
+                  <a:schemeClr val="accent1"/>
+                </a:solidFill>
+              </a14:hiddenFill>
+            </a:ext>
+            <a:ext uri="{91240B29-F687-4F45-9708-019B960494DF}">
+              <a14:hiddenLine xmlns:a14="http://schemas.microsoft.com/office/drawing/2010/main" w="9525">
+                <a:solidFill>
+                  <a:schemeClr val="tx1"/>
+                </a:solidFill>
+                <a:miter lim="800000"/>
+                <a:headEnd/>
+                <a:tailEnd/>
+              </a14:hiddenLine>
+            </a:ext>
+            <a:ext uri="{AF507438-7753-43E0-B8FC-AC1667EBCBE1}">
+              <a14:hiddenEffects xmlns:a14="http://schemas.microsoft.com/office/drawing/2010/main">
+                <a:effectLst>
+                  <a:outerShdw dist="35921" dir="2700000" algn="ctr" rotWithShape="0">
+                    <a:schemeClr val="bg2"/>
+                  </a:outerShdw>
+                </a:effectLst>
+              </a14:hiddenEffects>
+            </a:ext>
+          </a:extLst>
+        </p:spPr>
+      </p:pic>
+    </p:spTree>
+    <p:extLst>
+      <p:ext uri="{BB962C8B-B14F-4D97-AF65-F5344CB8AC3E}">
+        <p14:creationId xmlns:p14="http://schemas.microsoft.com/office/powerpoint/2010/main" val="1569447798"/>
+      </p:ext>
+    </p:extLst>
+  </p:cSld>
+  <p:clrMapOvr>
+    <a:masterClrMapping/>
+  </p:clrMapOvr>
+</p:sld>
+</file>
+
+<file path=ppt/slides/slide19.xml><?xml version="1.0" encoding="utf-8"?>
+<p:sld xmlns:a="http://schemas.openxmlformats.org/drawingml/2006/main" xmlns:r="http://schemas.openxmlformats.org/officeDocument/2006/relationships" xmlns:p="http://schemas.openxmlformats.org/presentationml/2006/main">
+  <p:cSld>
+    <p:spTree>
+      <p:nvGrpSpPr>
+        <p:cNvPr id="1" name=""/>
+        <p:cNvGrpSpPr/>
+        <p:nvPr/>
+      </p:nvGrpSpPr>
+      <p:grpSpPr>
+        <a:xfrm>
+          <a:off x="0" y="0"/>
+          <a:ext cx="0" cy="0"/>
+          <a:chOff x="0" y="0"/>
+          <a:chExt cx="0" cy="0"/>
+        </a:xfrm>
+      </p:grpSpPr>
+      <p:sp>
+        <p:nvSpPr>
+          <p:cNvPr id="2" name="标题 1"/>
+          <p:cNvSpPr>
+            <a:spLocks noGrp="1"/>
+          </p:cNvSpPr>
+          <p:nvPr>
+            <p:ph type="title"/>
+          </p:nvPr>
+        </p:nvSpPr>
+        <p:spPr/>
+        <p:txBody>
+          <a:bodyPr/>
+          <a:lstStyle/>
+          <a:p>
+            <a:r>
+              <a:rPr lang="en-US" altLang="zh-CN" dirty="0"/>
+              <a:t>3.3.3 </a:t>
+            </a:r>
+            <a:r>
+              <a:rPr lang="zh-CN" altLang="en-US" dirty="0"/>
+              <a:t>反义</a:t>
+            </a:r>
+          </a:p>
+        </p:txBody>
+      </p:sp>
+      <p:sp>
+        <p:nvSpPr>
+          <p:cNvPr id="3" name="内容占位符 2"/>
+          <p:cNvSpPr>
+            <a:spLocks noGrp="1"/>
+          </p:cNvSpPr>
+          <p:nvPr>
+            <p:ph idx="1"/>
+          </p:nvPr>
+        </p:nvSpPr>
+        <p:spPr/>
+        <p:txBody>
+          <a:bodyPr>
+            <a:normAutofit/>
+          </a:bodyPr>
+          <a:lstStyle/>
+          <a:p>
+            <a:r>
+              <a:rPr lang="en-US" altLang="zh-CN" sz="1400" b="1" dirty="0" smtClean="0"/>
+              <a:t>2) </a:t>
+            </a:r>
+            <a:r>
+              <a:rPr lang="zh-CN" altLang="en-US" sz="1400" b="1" dirty="0" smtClean="0"/>
+              <a:t>匹配一个用尖括号括起来、以</a:t>
+            </a:r>
+            <a:r>
+              <a:rPr lang="en-US" altLang="zh-CN" sz="1400" b="1" dirty="0" smtClean="0"/>
+              <a:t>a</a:t>
+            </a:r>
+            <a:r>
+              <a:rPr lang="zh-CN" altLang="en-US" sz="1400" b="1" dirty="0" smtClean="0"/>
+              <a:t>开头的字符串</a:t>
+            </a:r>
+            <a:endParaRPr lang="en-US" altLang="zh-CN" sz="1400" b="1" dirty="0" smtClean="0"/>
+          </a:p>
+          <a:p>
+            <a:r>
+              <a:rPr lang="zh-CN" altLang="en-US" sz="1400" dirty="0" smtClean="0"/>
+              <a:t>我的想法如下：</a:t>
+            </a:r>
+            <a:endParaRPr lang="en-US" altLang="zh-CN" sz="1400" dirty="0" smtClean="0"/>
+          </a:p>
+          <a:p>
+            <a:r>
+              <a:rPr lang="zh-CN" altLang="en-US" sz="1400" dirty="0"/>
+              <a:t>这</a:t>
+            </a:r>
+            <a:r>
+              <a:rPr lang="zh-CN" altLang="en-US" sz="1400" dirty="0" smtClean="0"/>
+              <a:t>是不符合需求的。再来看一遍需求</a:t>
+            </a:r>
+            <a:r>
+              <a:rPr lang="en-US" altLang="zh-CN" sz="1400" dirty="0" smtClean="0"/>
+              <a:t>:</a:t>
+            </a:r>
+            <a:r>
+              <a:rPr lang="zh-CN" altLang="en-US" sz="1400" dirty="0" smtClean="0"/>
+              <a:t>匹配一个用尖括号括起来的且以</a:t>
+            </a:r>
+            <a:r>
+              <a:rPr lang="en-US" altLang="zh-CN" sz="1400" dirty="0" smtClean="0"/>
+              <a:t>a</a:t>
+            </a:r>
+            <a:r>
+              <a:rPr lang="zh-CN" altLang="en-US" sz="1400" dirty="0" smtClean="0"/>
+              <a:t>开头的字符串。</a:t>
+            </a:r>
+            <a:endParaRPr lang="en-US" altLang="zh-CN" sz="1400" dirty="0" smtClean="0"/>
+          </a:p>
+          <a:p>
+            <a:r>
+              <a:rPr lang="zh-CN" altLang="en-US" sz="1400" dirty="0" smtClean="0"/>
+              <a:t>也就是说需求中想要的内容是 </a:t>
+            </a:r>
+            <a:r>
+              <a:rPr lang="en-US" altLang="zh-CN" sz="1400" dirty="0" smtClean="0"/>
+              <a:t>“a </a:t>
+            </a:r>
+            <a:r>
+              <a:rPr lang="en-US" altLang="zh-CN" sz="1400" dirty="0" err="1" smtClean="0"/>
+              <a:t>href</a:t>
+            </a:r>
+            <a:r>
+              <a:rPr lang="en-US" altLang="zh-CN" sz="1400" dirty="0" smtClean="0"/>
+              <a:t>=‘http://www.baidu.com’” </a:t>
+            </a:r>
+            <a:r>
+              <a:rPr lang="zh-CN" altLang="en-US" sz="1400" dirty="0" smtClean="0"/>
+              <a:t>而不是一个以</a:t>
+            </a:r>
+            <a:r>
+              <a:rPr lang="en-US" altLang="zh-CN" sz="1400" dirty="0" smtClean="0"/>
+              <a:t>&lt;a</a:t>
+            </a:r>
+            <a:r>
+              <a:rPr lang="zh-CN" altLang="en-US" sz="1400" dirty="0" smtClean="0"/>
+              <a:t>开头的字符串。</a:t>
+            </a:r>
+            <a:endParaRPr lang="en-US" altLang="zh-CN" sz="1400" dirty="0" smtClean="0"/>
+          </a:p>
+          <a:p>
+            <a:r>
+              <a:rPr lang="zh-CN" altLang="en-US" sz="1400" dirty="0" smtClean="0"/>
+              <a:t>因此我的想法是错误的。</a:t>
+            </a:r>
+            <a:endParaRPr lang="en-US" altLang="zh-CN" sz="1400" dirty="0" smtClean="0"/>
+          </a:p>
+          <a:p>
+            <a:r>
+              <a:rPr lang="zh-CN" altLang="en-US" sz="1400" dirty="0"/>
+              <a:t>我</a:t>
+            </a:r>
+            <a:r>
+              <a:rPr lang="zh-CN" altLang="en-US" sz="1400" dirty="0" smtClean="0"/>
+              <a:t>在思考这个需求时没有思路。</a:t>
+            </a:r>
+            <a:endParaRPr lang="en-US" altLang="zh-CN" sz="1400" dirty="0" smtClean="0"/>
+          </a:p>
+          <a:p>
+            <a:endParaRPr lang="en-US" altLang="zh-CN" sz="1400" dirty="0"/>
+          </a:p>
+          <a:p>
+            <a:endParaRPr lang="en-US" altLang="zh-CN" sz="1400" dirty="0" smtClean="0"/>
+          </a:p>
+          <a:p>
+            <a:endParaRPr lang="en-US" altLang="zh-CN" sz="1400" dirty="0"/>
+          </a:p>
+          <a:p>
+            <a:endParaRPr lang="en-US" altLang="zh-CN" sz="1400" dirty="0" smtClean="0"/>
+          </a:p>
+          <a:p>
+            <a:endParaRPr lang="en-US" altLang="zh-CN" sz="1400" dirty="0"/>
+          </a:p>
+          <a:p>
+            <a:endParaRPr lang="zh-CN" altLang="en-US" sz="1400" dirty="0"/>
+          </a:p>
+        </p:txBody>
+      </p:sp>
+      <p:pic>
+        <p:nvPicPr>
+          <p:cNvPr id="3074" name="Picture 2"/>
+          <p:cNvPicPr>
+            <a:picLocks noChangeAspect="1" noChangeArrowheads="1"/>
+          </p:cNvPicPr>
+          <p:nvPr/>
+        </p:nvPicPr>
+        <p:blipFill>
+          <a:blip r:embed="rId2">
+            <a:extLst>
+              <a:ext uri="{28A0092B-C50C-407E-A947-70E740481C1C}">
+                <a14:useLocalDpi xmlns:a14="http://schemas.microsoft.com/office/drawing/2010/main" val="0"/>
+              </a:ext>
+            </a:extLst>
+          </a:blip>
+          <a:srcRect/>
+          <a:stretch>
+            <a:fillRect/>
+          </a:stretch>
+        </p:blipFill>
+        <p:spPr bwMode="auto">
+          <a:xfrm>
+            <a:off x="0" y="3501008"/>
+            <a:ext cx="6086475" cy="1476375"/>
+          </a:xfrm>
+          <a:prstGeom prst="rect">
+            <a:avLst/>
+          </a:prstGeom>
+          <a:noFill/>
+          <a:ln>
+            <a:noFill/>
+          </a:ln>
+          <a:effectLst/>
+          <a:extLst>
+            <a:ext uri="{909E8E84-426E-40DD-AFC4-6F175D3DCCD1}">
+              <a14:hiddenFill xmlns:a14="http://schemas.microsoft.com/office/drawing/2010/main">
+                <a:solidFill>
+                  <a:schemeClr val="accent1"/>
+                </a:solidFill>
+              </a14:hiddenFill>
+            </a:ext>
+            <a:ext uri="{91240B29-F687-4F45-9708-019B960494DF}">
+              <a14:hiddenLine xmlns:a14="http://schemas.microsoft.com/office/drawing/2010/main" w="9525">
+                <a:solidFill>
+                  <a:schemeClr val="tx1"/>
+                </a:solidFill>
+                <a:miter lim="800000"/>
+                <a:headEnd/>
+                <a:tailEnd/>
+              </a14:hiddenLine>
+            </a:ext>
+            <a:ext uri="{AF507438-7753-43E0-B8FC-AC1667EBCBE1}">
+              <a14:hiddenEffects xmlns:a14="http://schemas.microsoft.com/office/drawing/2010/main">
+                <a:effectLst>
+                  <a:outerShdw dist="35921" dir="2700000" algn="ctr" rotWithShape="0">
+                    <a:schemeClr val="bg2"/>
+                  </a:outerShdw>
+                </a:effectLst>
+              </a14:hiddenEffects>
+            </a:ext>
+          </a:extLst>
+        </p:spPr>
+      </p:pic>
+      <p:pic>
+        <p:nvPicPr>
+          <p:cNvPr id="3075" name="Picture 3"/>
+          <p:cNvPicPr>
+            <a:picLocks noChangeAspect="1" noChangeArrowheads="1"/>
+          </p:cNvPicPr>
+          <p:nvPr/>
+        </p:nvPicPr>
+        <p:blipFill>
+          <a:blip r:embed="rId3">
+            <a:extLst>
+              <a:ext uri="{28A0092B-C50C-407E-A947-70E740481C1C}">
+                <a14:useLocalDpi xmlns:a14="http://schemas.microsoft.com/office/drawing/2010/main" val="0"/>
+              </a:ext>
+            </a:extLst>
+          </a:blip>
+          <a:srcRect/>
+          <a:stretch>
+            <a:fillRect/>
+          </a:stretch>
+        </p:blipFill>
+        <p:spPr bwMode="auto">
+          <a:xfrm>
+            <a:off x="0" y="4977383"/>
+            <a:ext cx="7246937" cy="1095375"/>
+          </a:xfrm>
+          <a:prstGeom prst="rect">
+            <a:avLst/>
+          </a:prstGeom>
+          <a:noFill/>
+          <a:ln>
+            <a:noFill/>
+          </a:ln>
+          <a:effectLst/>
+          <a:extLst>
+            <a:ext uri="{909E8E84-426E-40DD-AFC4-6F175D3DCCD1}">
+              <a14:hiddenFill xmlns:a14="http://schemas.microsoft.com/office/drawing/2010/main">
+                <a:solidFill>
+                  <a:schemeClr val="accent1"/>
+                </a:solidFill>
+              </a14:hiddenFill>
+            </a:ext>
+            <a:ext uri="{91240B29-F687-4F45-9708-019B960494DF}">
+              <a14:hiddenLine xmlns:a14="http://schemas.microsoft.com/office/drawing/2010/main" w="9525">
+                <a:solidFill>
+                  <a:schemeClr val="tx1"/>
+                </a:solidFill>
+                <a:miter lim="800000"/>
+                <a:headEnd/>
+                <a:tailEnd/>
+              </a14:hiddenLine>
+            </a:ext>
+            <a:ext uri="{AF507438-7753-43E0-B8FC-AC1667EBCBE1}">
+              <a14:hiddenEffects xmlns:a14="http://schemas.microsoft.com/office/drawing/2010/main">
+                <a:effectLst>
+                  <a:outerShdw dist="35921" dir="2700000" algn="ctr" rotWithShape="0">
+                    <a:schemeClr val="bg2"/>
+                  </a:outerShdw>
+                </a:effectLst>
+              </a14:hiddenEffects>
+            </a:ext>
+          </a:extLst>
+        </p:spPr>
+      </p:pic>
+    </p:spTree>
+    <p:extLst>
+      <p:ext uri="{BB962C8B-B14F-4D97-AF65-F5344CB8AC3E}">
+        <p14:creationId xmlns:p14="http://schemas.microsoft.com/office/powerpoint/2010/main" val="3580092705"/>
       </p:ext>
     </p:extLst>
   </p:cSld>
@@ -5246,6 +6465,855 @@
     <p:extLst>
       <p:ext uri="{BB962C8B-B14F-4D97-AF65-F5344CB8AC3E}">
         <p14:creationId xmlns:p14="http://schemas.microsoft.com/office/powerpoint/2010/main" val="3507422561"/>
+      </p:ext>
+    </p:extLst>
+  </p:cSld>
+  <p:clrMapOvr>
+    <a:masterClrMapping/>
+  </p:clrMapOvr>
+</p:sld>
+</file>
+
+<file path=ppt/slides/slide20.xml><?xml version="1.0" encoding="utf-8"?>
+<p:sld xmlns:a="http://schemas.openxmlformats.org/drawingml/2006/main" xmlns:r="http://schemas.openxmlformats.org/officeDocument/2006/relationships" xmlns:p="http://schemas.openxmlformats.org/presentationml/2006/main">
+  <p:cSld>
+    <p:spTree>
+      <p:nvGrpSpPr>
+        <p:cNvPr id="1" name=""/>
+        <p:cNvGrpSpPr/>
+        <p:nvPr/>
+      </p:nvGrpSpPr>
+      <p:grpSpPr>
+        <a:xfrm>
+          <a:off x="0" y="0"/>
+          <a:ext cx="0" cy="0"/>
+          <a:chOff x="0" y="0"/>
+          <a:chExt cx="0" cy="0"/>
+        </a:xfrm>
+      </p:grpSpPr>
+      <p:sp>
+        <p:nvSpPr>
+          <p:cNvPr id="2" name="标题 1"/>
+          <p:cNvSpPr>
+            <a:spLocks noGrp="1"/>
+          </p:cNvSpPr>
+          <p:nvPr>
+            <p:ph type="title"/>
+          </p:nvPr>
+        </p:nvSpPr>
+        <p:spPr/>
+        <p:txBody>
+          <a:bodyPr/>
+          <a:lstStyle/>
+          <a:p>
+            <a:r>
+              <a:rPr lang="en-US" altLang="zh-CN" dirty="0"/>
+              <a:t>3.3.3 </a:t>
+            </a:r>
+            <a:r>
+              <a:rPr lang="zh-CN" altLang="en-US" dirty="0"/>
+              <a:t>反义</a:t>
+            </a:r>
+          </a:p>
+        </p:txBody>
+      </p:sp>
+      <p:sp>
+        <p:nvSpPr>
+          <p:cNvPr id="3" name="内容占位符 2"/>
+          <p:cNvSpPr>
+            <a:spLocks noGrp="1"/>
+          </p:cNvSpPr>
+          <p:nvPr>
+            <p:ph idx="1"/>
+          </p:nvPr>
+        </p:nvSpPr>
+        <p:spPr/>
+        <p:txBody>
+          <a:bodyPr>
+            <a:normAutofit/>
+          </a:bodyPr>
+          <a:lstStyle/>
+          <a:p>
+            <a:r>
+              <a:rPr lang="en-US" altLang="zh-CN" sz="1400" b="1" dirty="0"/>
+              <a:t>2) </a:t>
+            </a:r>
+            <a:r>
+              <a:rPr lang="zh-CN" altLang="en-US" sz="1400" b="1" dirty="0"/>
+              <a:t>匹配一个用尖括号括起来、以</a:t>
+            </a:r>
+            <a:r>
+              <a:rPr lang="en-US" altLang="zh-CN" sz="1400" b="1" dirty="0"/>
+              <a:t>a</a:t>
+            </a:r>
+            <a:r>
+              <a:rPr lang="zh-CN" altLang="en-US" sz="1400" b="1" dirty="0"/>
+              <a:t>开头的字符串</a:t>
+            </a:r>
+            <a:endParaRPr lang="en-US" altLang="zh-CN" sz="1400" b="1" dirty="0"/>
+          </a:p>
+          <a:p>
+            <a:r>
+              <a:rPr lang="zh-CN" altLang="en-US" sz="1400" dirty="0" smtClean="0"/>
+              <a:t>正确答案</a:t>
+            </a:r>
+            <a:r>
+              <a:rPr lang="en-US" altLang="zh-CN" sz="1400" dirty="0" smtClean="0"/>
+              <a:t>:</a:t>
+            </a:r>
+          </a:p>
+          <a:p>
+            <a:r>
+              <a:rPr lang="en-US" altLang="zh-CN" sz="1400" dirty="0" smtClean="0"/>
+              <a:t>&lt;a[^&gt;]+&gt;</a:t>
+            </a:r>
+          </a:p>
+          <a:p>
+            <a:r>
+              <a:rPr lang="zh-CN" altLang="en-US" sz="1400" dirty="0" smtClean="0"/>
+              <a:t>这个表达式的含义为</a:t>
+            </a:r>
+            <a:r>
+              <a:rPr lang="en-US" altLang="zh-CN" sz="1400" dirty="0" smtClean="0"/>
+              <a:t>:</a:t>
+            </a:r>
+            <a:r>
+              <a:rPr lang="zh-CN" altLang="en-US" sz="1400" dirty="0" smtClean="0"/>
+              <a:t>匹配以</a:t>
+            </a:r>
+            <a:r>
+              <a:rPr lang="en-US" altLang="zh-CN" sz="1400" dirty="0" smtClean="0"/>
+              <a:t>&lt;a</a:t>
+            </a:r>
+            <a:r>
+              <a:rPr lang="zh-CN" altLang="en-US" sz="1400" dirty="0" smtClean="0"/>
+              <a:t>开头且以</a:t>
+            </a:r>
+            <a:r>
+              <a:rPr lang="en-US" altLang="zh-CN" sz="1400" dirty="0" smtClean="0"/>
+              <a:t>&gt;</a:t>
+            </a:r>
+            <a:r>
+              <a:rPr lang="zh-CN" altLang="en-US" sz="1400" dirty="0" smtClean="0"/>
+              <a:t>结尾的字符串。对该字符串处于</a:t>
+            </a:r>
+            <a:r>
+              <a:rPr lang="en-US" altLang="zh-CN" sz="1400" dirty="0" smtClean="0"/>
+              <a:t>&lt;a</a:t>
+            </a:r>
+            <a:r>
+              <a:rPr lang="zh-CN" altLang="en-US" sz="1400" dirty="0" smtClean="0"/>
+              <a:t>和</a:t>
+            </a:r>
+            <a:r>
+              <a:rPr lang="en-US" altLang="zh-CN" sz="1400" dirty="0" smtClean="0"/>
+              <a:t>&gt;</a:t>
+            </a:r>
+            <a:r>
+              <a:rPr lang="zh-CN" altLang="en-US" sz="1400" dirty="0" smtClean="0"/>
+              <a:t>中间的每个字符，只要该字符不为</a:t>
+            </a:r>
+            <a:r>
+              <a:rPr lang="en-US" altLang="zh-CN" sz="1400" dirty="0" smtClean="0"/>
+              <a:t>&gt;</a:t>
+            </a:r>
+            <a:r>
+              <a:rPr lang="zh-CN" altLang="en-US" sz="1400" dirty="0" smtClean="0"/>
+              <a:t>，均可通过匹配。</a:t>
+            </a:r>
+            <a:endParaRPr lang="en-US" altLang="zh-CN" sz="1400" dirty="0" smtClean="0"/>
+          </a:p>
+          <a:p>
+            <a:r>
+              <a:rPr lang="zh-CN" altLang="en-US" sz="1400" dirty="0" smtClean="0"/>
+              <a:t>这个答案本身是没有问题的。但是当我读到这里时，我又有了一个新的想法。我将这个正则修改为了</a:t>
+            </a:r>
+            <a:r>
+              <a:rPr lang="en-US" altLang="zh-CN" sz="1400" dirty="0" smtClean="0"/>
+              <a:t>:</a:t>
+            </a:r>
+          </a:p>
+          <a:p>
+            <a:r>
+              <a:rPr lang="en-US" altLang="zh-CN" sz="1400" dirty="0" smtClean="0"/>
+              <a:t>^&lt;a[^&gt;]&gt;$</a:t>
+            </a:r>
+          </a:p>
+          <a:p>
+            <a:r>
+              <a:rPr lang="zh-CN" altLang="en-US" sz="1400" dirty="0" smtClean="0"/>
+              <a:t>结果匹配失败了。请分析失败的原因何在，以及将正则应用到</a:t>
+            </a:r>
+            <a:r>
+              <a:rPr lang="en-US" altLang="zh-CN" sz="1400" dirty="0" smtClean="0"/>
+              <a:t>PHP</a:t>
+            </a:r>
+            <a:r>
+              <a:rPr lang="zh-CN" altLang="en-US" sz="1400" dirty="0" smtClean="0"/>
+              <a:t>脚本中的思维误区在哪？</a:t>
+            </a:r>
+            <a:endParaRPr lang="en-US" altLang="zh-CN" sz="1400" dirty="0"/>
+          </a:p>
+          <a:p>
+            <a:endParaRPr lang="en-US" altLang="zh-CN" sz="1400" dirty="0" smtClean="0"/>
+          </a:p>
+          <a:p>
+            <a:endParaRPr lang="en-US" altLang="zh-CN" sz="1400" dirty="0"/>
+          </a:p>
+          <a:p>
+            <a:endParaRPr lang="en-US" altLang="zh-CN" sz="1400" dirty="0" smtClean="0"/>
+          </a:p>
+          <a:p>
+            <a:endParaRPr lang="zh-CN" altLang="en-US" sz="1400" dirty="0"/>
+          </a:p>
+        </p:txBody>
+      </p:sp>
+      <p:pic>
+        <p:nvPicPr>
+          <p:cNvPr id="4098" name="Picture 2"/>
+          <p:cNvPicPr>
+            <a:picLocks noChangeAspect="1" noChangeArrowheads="1"/>
+          </p:cNvPicPr>
+          <p:nvPr/>
+        </p:nvPicPr>
+        <p:blipFill>
+          <a:blip r:embed="rId2">
+            <a:extLst>
+              <a:ext uri="{28A0092B-C50C-407E-A947-70E740481C1C}">
+                <a14:useLocalDpi xmlns:a14="http://schemas.microsoft.com/office/drawing/2010/main" val="0"/>
+              </a:ext>
+            </a:extLst>
+          </a:blip>
+          <a:srcRect/>
+          <a:stretch>
+            <a:fillRect/>
+          </a:stretch>
+        </p:blipFill>
+        <p:spPr bwMode="auto">
+          <a:xfrm>
+            <a:off x="0" y="4365104"/>
+            <a:ext cx="5943600" cy="990600"/>
+          </a:xfrm>
+          <a:prstGeom prst="rect">
+            <a:avLst/>
+          </a:prstGeom>
+          <a:noFill/>
+          <a:ln>
+            <a:noFill/>
+          </a:ln>
+          <a:effectLst/>
+          <a:extLst>
+            <a:ext uri="{909E8E84-426E-40DD-AFC4-6F175D3DCCD1}">
+              <a14:hiddenFill xmlns:a14="http://schemas.microsoft.com/office/drawing/2010/main">
+                <a:solidFill>
+                  <a:schemeClr val="accent1"/>
+                </a:solidFill>
+              </a14:hiddenFill>
+            </a:ext>
+            <a:ext uri="{91240B29-F687-4F45-9708-019B960494DF}">
+              <a14:hiddenLine xmlns:a14="http://schemas.microsoft.com/office/drawing/2010/main" w="9525">
+                <a:solidFill>
+                  <a:schemeClr val="tx1"/>
+                </a:solidFill>
+                <a:miter lim="800000"/>
+                <a:headEnd/>
+                <a:tailEnd/>
+              </a14:hiddenLine>
+            </a:ext>
+            <a:ext uri="{AF507438-7753-43E0-B8FC-AC1667EBCBE1}">
+              <a14:hiddenEffects xmlns:a14="http://schemas.microsoft.com/office/drawing/2010/main">
+                <a:effectLst>
+                  <a:outerShdw dist="35921" dir="2700000" algn="ctr" rotWithShape="0">
+                    <a:schemeClr val="bg2"/>
+                  </a:outerShdw>
+                </a:effectLst>
+              </a14:hiddenEffects>
+            </a:ext>
+          </a:extLst>
+        </p:spPr>
+      </p:pic>
+      <p:pic>
+        <p:nvPicPr>
+          <p:cNvPr id="4099" name="Picture 3"/>
+          <p:cNvPicPr>
+            <a:picLocks noChangeAspect="1" noChangeArrowheads="1"/>
+          </p:cNvPicPr>
+          <p:nvPr/>
+        </p:nvPicPr>
+        <p:blipFill>
+          <a:blip r:embed="rId3">
+            <a:extLst>
+              <a:ext uri="{28A0092B-C50C-407E-A947-70E740481C1C}">
+                <a14:useLocalDpi xmlns:a14="http://schemas.microsoft.com/office/drawing/2010/main" val="0"/>
+              </a:ext>
+            </a:extLst>
+          </a:blip>
+          <a:srcRect/>
+          <a:stretch>
+            <a:fillRect/>
+          </a:stretch>
+        </p:blipFill>
+        <p:spPr bwMode="auto">
+          <a:xfrm>
+            <a:off x="0" y="5355704"/>
+            <a:ext cx="7046913" cy="847725"/>
+          </a:xfrm>
+          <a:prstGeom prst="rect">
+            <a:avLst/>
+          </a:prstGeom>
+          <a:noFill/>
+          <a:ln>
+            <a:noFill/>
+          </a:ln>
+          <a:effectLst/>
+          <a:extLst>
+            <a:ext uri="{909E8E84-426E-40DD-AFC4-6F175D3DCCD1}">
+              <a14:hiddenFill xmlns:a14="http://schemas.microsoft.com/office/drawing/2010/main">
+                <a:solidFill>
+                  <a:schemeClr val="accent1"/>
+                </a:solidFill>
+              </a14:hiddenFill>
+            </a:ext>
+            <a:ext uri="{91240B29-F687-4F45-9708-019B960494DF}">
+              <a14:hiddenLine xmlns:a14="http://schemas.microsoft.com/office/drawing/2010/main" w="9525">
+                <a:solidFill>
+                  <a:schemeClr val="tx1"/>
+                </a:solidFill>
+                <a:miter lim="800000"/>
+                <a:headEnd/>
+                <a:tailEnd/>
+              </a14:hiddenLine>
+            </a:ext>
+            <a:ext uri="{AF507438-7753-43E0-B8FC-AC1667EBCBE1}">
+              <a14:hiddenEffects xmlns:a14="http://schemas.microsoft.com/office/drawing/2010/main">
+                <a:effectLst>
+                  <a:outerShdw dist="35921" dir="2700000" algn="ctr" rotWithShape="0">
+                    <a:schemeClr val="bg2"/>
+                  </a:outerShdw>
+                </a:effectLst>
+              </a14:hiddenEffects>
+            </a:ext>
+          </a:extLst>
+        </p:spPr>
+      </p:pic>
+    </p:spTree>
+    <p:extLst>
+      <p:ext uri="{BB962C8B-B14F-4D97-AF65-F5344CB8AC3E}">
+        <p14:creationId xmlns:p14="http://schemas.microsoft.com/office/powerpoint/2010/main" val="3822630929"/>
+      </p:ext>
+    </p:extLst>
+  </p:cSld>
+  <p:clrMapOvr>
+    <a:masterClrMapping/>
+  </p:clrMapOvr>
+</p:sld>
+</file>
+
+<file path=ppt/slides/slide21.xml><?xml version="1.0" encoding="utf-8"?>
+<p:sld xmlns:a="http://schemas.openxmlformats.org/drawingml/2006/main" xmlns:r="http://schemas.openxmlformats.org/officeDocument/2006/relationships" xmlns:p="http://schemas.openxmlformats.org/presentationml/2006/main">
+  <p:cSld>
+    <p:spTree>
+      <p:nvGrpSpPr>
+        <p:cNvPr id="1" name=""/>
+        <p:cNvGrpSpPr/>
+        <p:nvPr/>
+      </p:nvGrpSpPr>
+      <p:grpSpPr>
+        <a:xfrm>
+          <a:off x="0" y="0"/>
+          <a:ext cx="0" cy="0"/>
+          <a:chOff x="0" y="0"/>
+          <a:chExt cx="0" cy="0"/>
+        </a:xfrm>
+      </p:grpSpPr>
+      <p:sp>
+        <p:nvSpPr>
+          <p:cNvPr id="2" name="标题 1"/>
+          <p:cNvSpPr>
+            <a:spLocks noGrp="1"/>
+          </p:cNvSpPr>
+          <p:nvPr>
+            <p:ph type="title"/>
+          </p:nvPr>
+        </p:nvSpPr>
+        <p:spPr/>
+        <p:txBody>
+          <a:bodyPr/>
+          <a:lstStyle/>
+          <a:p>
+            <a:r>
+              <a:rPr lang="en-US" altLang="zh-CN" dirty="0"/>
+              <a:t>3.3.3 </a:t>
+            </a:r>
+            <a:r>
+              <a:rPr lang="zh-CN" altLang="en-US" dirty="0"/>
+              <a:t>反义</a:t>
+            </a:r>
+          </a:p>
+        </p:txBody>
+      </p:sp>
+      <p:sp>
+        <p:nvSpPr>
+          <p:cNvPr id="3" name="内容占位符 2"/>
+          <p:cNvSpPr>
+            <a:spLocks noGrp="1"/>
+          </p:cNvSpPr>
+          <p:nvPr>
+            <p:ph idx="1"/>
+          </p:nvPr>
+        </p:nvSpPr>
+        <p:spPr/>
+        <p:txBody>
+          <a:bodyPr>
+            <a:normAutofit/>
+          </a:bodyPr>
+          <a:lstStyle/>
+          <a:p>
+            <a:r>
+              <a:rPr lang="en-US" altLang="zh-CN" sz="1400" b="1" dirty="0"/>
+              <a:t>2) </a:t>
+            </a:r>
+            <a:r>
+              <a:rPr lang="zh-CN" altLang="en-US" sz="1400" b="1" dirty="0"/>
+              <a:t>匹配一个用尖括号括起来、以</a:t>
+            </a:r>
+            <a:r>
+              <a:rPr lang="en-US" altLang="zh-CN" sz="1400" b="1" dirty="0"/>
+              <a:t>a</a:t>
+            </a:r>
+            <a:r>
+              <a:rPr lang="zh-CN" altLang="en-US" sz="1400" b="1" dirty="0"/>
+              <a:t>开头的字符串</a:t>
+            </a:r>
+            <a:endParaRPr lang="en-US" altLang="zh-CN" sz="1400" b="1" dirty="0"/>
+          </a:p>
+          <a:p>
+            <a:r>
+              <a:rPr lang="en-US" altLang="zh-CN" sz="1400" dirty="0"/>
+              <a:t>^&lt;a</a:t>
+            </a:r>
+            <a:r>
+              <a:rPr lang="en-US" altLang="zh-CN" sz="1400" dirty="0" smtClean="0"/>
+              <a:t>[^&gt;]&gt;$</a:t>
+            </a:r>
+          </a:p>
+          <a:p>
+            <a:r>
+              <a:rPr lang="zh-CN" altLang="en-US" sz="1400" dirty="0" smtClean="0"/>
+              <a:t>① 失败原因</a:t>
+            </a:r>
+            <a:endParaRPr lang="en-US" altLang="zh-CN" sz="1400" dirty="0"/>
+          </a:p>
+          <a:p>
+            <a:r>
+              <a:rPr lang="zh-CN" altLang="en-US" sz="1400" dirty="0" smtClean="0"/>
+              <a:t>这个表达式所描述的匹配模式为</a:t>
+            </a:r>
+            <a:r>
+              <a:rPr lang="en-US" altLang="zh-CN" sz="1400" dirty="0" smtClean="0"/>
+              <a:t>:</a:t>
+            </a:r>
+            <a:r>
+              <a:rPr lang="zh-CN" altLang="en-US" sz="1400" dirty="0" smtClean="0"/>
+              <a:t>以</a:t>
+            </a:r>
+            <a:r>
+              <a:rPr lang="en-US" altLang="zh-CN" sz="1400" dirty="0" smtClean="0"/>
+              <a:t>&lt;a</a:t>
+            </a:r>
+            <a:r>
+              <a:rPr lang="zh-CN" altLang="en-US" sz="1400" dirty="0" smtClean="0"/>
+              <a:t>开头且以</a:t>
+            </a:r>
+            <a:r>
+              <a:rPr lang="en-US" altLang="zh-CN" sz="1400" dirty="0" smtClean="0"/>
+              <a:t>&gt;</a:t>
+            </a:r>
+            <a:r>
+              <a:rPr lang="zh-CN" altLang="en-US" sz="1400" dirty="0" smtClean="0"/>
+              <a:t>结尾，且中间的任何一个字符均不能为</a:t>
+            </a:r>
+            <a:r>
+              <a:rPr lang="en-US" altLang="zh-CN" sz="1400" dirty="0" smtClean="0"/>
+              <a:t>&gt;</a:t>
+            </a:r>
+            <a:r>
+              <a:rPr lang="zh-CN" altLang="en-US" sz="1400" dirty="0" smtClean="0"/>
+              <a:t>，才能通过匹配。</a:t>
+            </a:r>
+            <a:endParaRPr lang="en-US" altLang="zh-CN" sz="1400" dirty="0" smtClean="0"/>
+          </a:p>
+          <a:p>
+            <a:r>
+              <a:rPr lang="zh-CN" altLang="en-US" sz="1400" dirty="0" smtClean="0"/>
+              <a:t>那么再来看一下初始的字符串</a:t>
+            </a:r>
+            <a:r>
+              <a:rPr lang="en-US" altLang="zh-CN" sz="1400" dirty="0" smtClean="0"/>
+              <a:t>:</a:t>
+            </a:r>
+          </a:p>
+          <a:p>
+            <a:r>
+              <a:rPr lang="pt-BR" altLang="zh-CN" sz="1400" dirty="0"/>
+              <a:t>&lt;a href='http://www.baidu.com'</a:t>
+            </a:r>
+            <a:r>
+              <a:rPr lang="pt-BR" altLang="zh-CN" sz="1400" dirty="0">
+                <a:solidFill>
+                  <a:srgbClr val="FF0000"/>
+                </a:solidFill>
+              </a:rPr>
+              <a:t>&gt;</a:t>
+            </a:r>
+            <a:r>
+              <a:rPr lang="zh-CN" altLang="pt-BR" sz="1400" dirty="0"/>
+              <a:t>百度</a:t>
+            </a:r>
+            <a:r>
+              <a:rPr lang="pt-BR" altLang="zh-CN" sz="1400" dirty="0"/>
+              <a:t>&lt;/a</a:t>
+            </a:r>
+            <a:r>
+              <a:rPr lang="pt-BR" altLang="zh-CN" sz="1400" dirty="0" smtClean="0"/>
+              <a:t>&gt;</a:t>
+            </a:r>
+          </a:p>
+          <a:p>
+            <a:r>
+              <a:rPr lang="zh-CN" altLang="en-US" sz="1400" dirty="0"/>
+              <a:t>标</a:t>
+            </a:r>
+            <a:r>
+              <a:rPr lang="zh-CN" altLang="en-US" sz="1400" dirty="0" smtClean="0"/>
+              <a:t>红部分不符合匹配模式，故匹配失败。</a:t>
+            </a:r>
+            <a:endParaRPr lang="en-US" altLang="zh-CN" sz="1400" dirty="0" smtClean="0"/>
+          </a:p>
+          <a:p>
+            <a:r>
+              <a:rPr lang="zh-CN" altLang="en-US" sz="1400" dirty="0" smtClean="0"/>
+              <a:t>② 思维误区</a:t>
+            </a:r>
+            <a:endParaRPr lang="en-US" altLang="zh-CN" sz="1400" dirty="0" smtClean="0"/>
+          </a:p>
+          <a:p>
+            <a:r>
+              <a:rPr lang="en-US" altLang="zh-CN" sz="1400" dirty="0" smtClean="0"/>
+              <a:t>PHP</a:t>
+            </a:r>
+            <a:r>
+              <a:rPr lang="zh-CN" altLang="en-US" sz="1400" dirty="0" smtClean="0"/>
+              <a:t>中的</a:t>
+            </a:r>
+            <a:r>
+              <a:rPr lang="en-US" altLang="zh-CN" sz="1400" dirty="0" err="1" smtClean="0"/>
+              <a:t>preg_match_all</a:t>
+            </a:r>
+            <a:r>
+              <a:rPr lang="en-US" altLang="zh-CN" sz="1400" dirty="0" smtClean="0"/>
+              <a:t>()</a:t>
+            </a:r>
+            <a:r>
+              <a:rPr lang="zh-CN" altLang="en-US" sz="1400" dirty="0" smtClean="0"/>
+              <a:t>函数，可以在匹配成功的情况下将符合模式的字符串截取出来作为结果放入一个变量中。但是当匹配失败时，该变量值为</a:t>
+            </a:r>
+            <a:r>
+              <a:rPr lang="en-US" altLang="zh-CN" sz="1400" dirty="0" smtClean="0"/>
+              <a:t>null</a:t>
+            </a:r>
+            <a:r>
+              <a:rPr lang="zh-CN" altLang="en-US" sz="1400" dirty="0" smtClean="0"/>
+              <a:t>。</a:t>
+            </a:r>
+            <a:endParaRPr lang="en-US" altLang="zh-CN" sz="1400" dirty="0" smtClean="0"/>
+          </a:p>
+          <a:p>
+            <a:r>
+              <a:rPr lang="zh-CN" altLang="en-US" sz="1400" dirty="0" smtClean="0"/>
+              <a:t>而之所以会写出</a:t>
+            </a:r>
+            <a:r>
+              <a:rPr lang="en-US" altLang="zh-CN" sz="1400" dirty="0"/>
+              <a:t>^&lt;a</a:t>
+            </a:r>
+            <a:r>
+              <a:rPr lang="en-US" altLang="zh-CN" sz="1400" dirty="0" smtClean="0"/>
+              <a:t>[^&gt;]&gt;$</a:t>
+            </a:r>
+            <a:r>
+              <a:rPr lang="zh-CN" altLang="en-US" sz="1400" dirty="0" smtClean="0"/>
+              <a:t>，是我认为</a:t>
+            </a:r>
+            <a:r>
+              <a:rPr lang="en-US" altLang="zh-CN" sz="1400" dirty="0" err="1" smtClean="0"/>
+              <a:t>preg_match_all</a:t>
+            </a:r>
+            <a:r>
+              <a:rPr lang="en-US" altLang="zh-CN" sz="1400" dirty="0" smtClean="0"/>
+              <a:t>()</a:t>
+            </a:r>
+            <a:r>
+              <a:rPr lang="zh-CN" altLang="en-US" sz="1400" dirty="0" smtClean="0"/>
+              <a:t>函数的功能为</a:t>
+            </a:r>
+            <a:r>
+              <a:rPr lang="en-US" altLang="zh-CN" sz="1400" dirty="0" smtClean="0"/>
+              <a:t>”</a:t>
+            </a:r>
+            <a:r>
+              <a:rPr lang="zh-CN" altLang="en-US" sz="1400" dirty="0" smtClean="0"/>
+              <a:t>截取待匹配字符串中符合模式的部分作为结果放入变量中</a:t>
+            </a:r>
+            <a:r>
+              <a:rPr lang="en-US" altLang="zh-CN" sz="1400" dirty="0" smtClean="0"/>
+              <a:t>”</a:t>
+            </a:r>
+            <a:r>
+              <a:rPr lang="zh-CN" altLang="en-US" sz="1400" dirty="0" smtClean="0"/>
+              <a:t>，忽视了大前提</a:t>
+            </a:r>
+            <a:r>
+              <a:rPr lang="en-US" altLang="zh-CN" sz="1400" dirty="0" smtClean="0"/>
+              <a:t>”</a:t>
+            </a:r>
+            <a:r>
+              <a:rPr lang="zh-CN" altLang="en-US" sz="1400" dirty="0" smtClean="0"/>
+              <a:t>在匹配成功的状态下</a:t>
+            </a:r>
+            <a:r>
+              <a:rPr lang="en-US" altLang="zh-CN" sz="1400" dirty="0" smtClean="0"/>
+              <a:t>”</a:t>
+            </a:r>
+            <a:r>
+              <a:rPr lang="zh-CN" altLang="en-US" sz="1400" dirty="0" smtClean="0"/>
+              <a:t>。</a:t>
+            </a:r>
+            <a:endParaRPr lang="en-US" altLang="zh-CN" sz="1400" dirty="0"/>
+          </a:p>
+        </p:txBody>
+      </p:sp>
+    </p:spTree>
+    <p:extLst>
+      <p:ext uri="{BB962C8B-B14F-4D97-AF65-F5344CB8AC3E}">
+        <p14:creationId xmlns:p14="http://schemas.microsoft.com/office/powerpoint/2010/main" val="2549840311"/>
+      </p:ext>
+    </p:extLst>
+  </p:cSld>
+  <p:clrMapOvr>
+    <a:masterClrMapping/>
+  </p:clrMapOvr>
+</p:sld>
+</file>
+
+<file path=ppt/slides/slide22.xml><?xml version="1.0" encoding="utf-8"?>
+<p:sld xmlns:a="http://schemas.openxmlformats.org/drawingml/2006/main" xmlns:r="http://schemas.openxmlformats.org/officeDocument/2006/relationships" xmlns:p="http://schemas.openxmlformats.org/presentationml/2006/main">
+  <p:cSld>
+    <p:spTree>
+      <p:nvGrpSpPr>
+        <p:cNvPr id="1" name=""/>
+        <p:cNvGrpSpPr/>
+        <p:nvPr/>
+      </p:nvGrpSpPr>
+      <p:grpSpPr>
+        <a:xfrm>
+          <a:off x="0" y="0"/>
+          <a:ext cx="0" cy="0"/>
+          <a:chOff x="0" y="0"/>
+          <a:chExt cx="0" cy="0"/>
+        </a:xfrm>
+      </p:grpSpPr>
+      <p:sp>
+        <p:nvSpPr>
+          <p:cNvPr id="2" name="标题 1"/>
+          <p:cNvSpPr>
+            <a:spLocks noGrp="1"/>
+          </p:cNvSpPr>
+          <p:nvPr>
+            <p:ph type="title"/>
+          </p:nvPr>
+        </p:nvSpPr>
+        <p:spPr/>
+        <p:txBody>
+          <a:bodyPr/>
+          <a:lstStyle/>
+          <a:p>
+            <a:r>
+              <a:rPr lang="en-US" altLang="zh-CN" dirty="0"/>
+              <a:t>3.3.3 </a:t>
+            </a:r>
+            <a:r>
+              <a:rPr lang="zh-CN" altLang="en-US" dirty="0"/>
+              <a:t>反义</a:t>
+            </a:r>
+          </a:p>
+        </p:txBody>
+      </p:sp>
+      <p:sp>
+        <p:nvSpPr>
+          <p:cNvPr id="3" name="内容占位符 2"/>
+          <p:cNvSpPr>
+            <a:spLocks noGrp="1"/>
+          </p:cNvSpPr>
+          <p:nvPr>
+            <p:ph idx="1"/>
+          </p:nvPr>
+        </p:nvSpPr>
+        <p:spPr/>
+        <p:txBody>
+          <a:bodyPr>
+            <a:normAutofit/>
+          </a:bodyPr>
+          <a:lstStyle/>
+          <a:p>
+            <a:r>
+              <a:rPr lang="en-US" altLang="zh-CN" sz="1400" b="1" dirty="0" smtClean="0"/>
+              <a:t>3) ^</a:t>
+            </a:r>
+            <a:r>
+              <a:rPr lang="zh-CN" altLang="en-US" sz="1400" b="1" dirty="0" smtClean="0"/>
+              <a:t>在不同位置所起到的不同作用</a:t>
+            </a:r>
+            <a:endParaRPr lang="en-US" altLang="zh-CN" sz="1400" b="1" dirty="0" smtClean="0"/>
+          </a:p>
+          <a:p>
+            <a:r>
+              <a:rPr lang="zh-CN" altLang="en-US" sz="1400" dirty="0" smtClean="0"/>
+              <a:t>① </a:t>
+            </a:r>
+            <a:r>
+              <a:rPr lang="en-US" altLang="zh-CN" sz="1400" dirty="0" smtClean="0"/>
+              <a:t>^</a:t>
+            </a:r>
+            <a:r>
+              <a:rPr lang="zh-CN" altLang="en-US" sz="1400" dirty="0" smtClean="0"/>
+              <a:t>出现在表达式的最前端，表示开始位置</a:t>
+            </a:r>
+            <a:endParaRPr lang="en-US" altLang="zh-CN" sz="1400" dirty="0" smtClean="0"/>
+          </a:p>
+          <a:p>
+            <a:r>
+              <a:rPr lang="zh-CN" altLang="en-US" sz="1400" dirty="0" smtClean="0"/>
+              <a:t>② </a:t>
+            </a:r>
+            <a:r>
+              <a:rPr lang="en-US" altLang="zh-CN" sz="1400" dirty="0" smtClean="0"/>
+              <a:t>^</a:t>
+            </a:r>
+            <a:r>
+              <a:rPr lang="zh-CN" altLang="en-US" sz="1400" dirty="0" smtClean="0"/>
+              <a:t>出现在字符组中，表示取非</a:t>
+            </a:r>
+            <a:endParaRPr lang="en-US" altLang="zh-CN" sz="1400" dirty="0" smtClean="0"/>
+          </a:p>
+          <a:p>
+            <a:endParaRPr lang="en-US" altLang="zh-CN" sz="1400" dirty="0" smtClean="0"/>
+          </a:p>
+          <a:p>
+            <a:r>
+              <a:rPr lang="en-US" altLang="zh-CN" sz="1400" dirty="0" smtClean="0"/>
+              <a:t>4) </a:t>
+            </a:r>
+            <a:r>
+              <a:rPr lang="zh-CN" altLang="en-US" sz="1400" dirty="0" smtClean="0"/>
+              <a:t>反义在使用时的注意事项</a:t>
+            </a:r>
+            <a:endParaRPr lang="en-US" altLang="zh-CN" sz="1400" dirty="0" smtClean="0"/>
+          </a:p>
+          <a:p>
+            <a:r>
+              <a:rPr lang="zh-CN" altLang="en-US" sz="1400" dirty="0" smtClean="0"/>
+              <a:t>由于取反的缘故，使得匹配的范围扩大了。</a:t>
+            </a:r>
+            <a:endParaRPr lang="en-US" altLang="zh-CN" sz="1400" dirty="0" smtClean="0"/>
+          </a:p>
+          <a:p>
+            <a:r>
+              <a:rPr lang="zh-CN" altLang="en-US" sz="1400" dirty="0"/>
+              <a:t>举个</a:t>
+            </a:r>
+            <a:r>
+              <a:rPr lang="zh-CN" altLang="en-US" sz="1400" dirty="0" smtClean="0"/>
+              <a:t>例子，匹配</a:t>
+            </a:r>
+            <a:r>
+              <a:rPr lang="zh-CN" altLang="en-US" sz="1400" dirty="0"/>
+              <a:t>一</a:t>
+            </a:r>
+            <a:r>
+              <a:rPr lang="zh-CN" altLang="en-US" sz="1400" dirty="0" smtClean="0"/>
+              <a:t>个</a:t>
+            </a:r>
+            <a:r>
+              <a:rPr lang="en-US" altLang="zh-CN" sz="1400" dirty="0" smtClean="0"/>
+              <a:t>PHP</a:t>
+            </a:r>
+            <a:r>
+              <a:rPr lang="zh-CN" altLang="en-US" sz="1400" dirty="0" smtClean="0"/>
+              <a:t>中的变量名。</a:t>
+            </a:r>
+            <a:endParaRPr lang="en-US" altLang="zh-CN" sz="1400" dirty="0" smtClean="0"/>
+          </a:p>
+          <a:p>
+            <a:r>
+              <a:rPr lang="zh-CN" altLang="en-US" sz="1400" dirty="0" smtClean="0"/>
+              <a:t>如果写成</a:t>
+            </a:r>
+            <a:r>
+              <a:rPr lang="en-US" altLang="zh-CN" sz="1400" dirty="0" smtClean="0"/>
+              <a:t>\D,</a:t>
+            </a:r>
+            <a:r>
+              <a:rPr lang="zh-CN" altLang="en-US" sz="1400" dirty="0" smtClean="0"/>
+              <a:t>就是不符合需求的。因为变量的第一个字符不仅仅不能为数字，也不能为除</a:t>
+            </a:r>
+            <a:r>
+              <a:rPr lang="en-US" altLang="zh-CN" sz="1400" dirty="0" smtClean="0"/>
+              <a:t>26</a:t>
+            </a:r>
+            <a:r>
+              <a:rPr lang="zh-CN" altLang="en-US" sz="1400" dirty="0" smtClean="0"/>
+              <a:t>个大小写字母和下划线以外的任何字符。因此正确的表达式应该是</a:t>
+            </a:r>
+            <a:r>
+              <a:rPr lang="en-US" altLang="zh-CN" sz="1400" dirty="0" smtClean="0"/>
+              <a:t>^[a-</a:t>
+            </a:r>
+            <a:r>
+              <a:rPr lang="en-US" altLang="zh-CN" sz="1400" dirty="0" err="1" smtClean="0"/>
+              <a:t>zA</a:t>
+            </a:r>
+            <a:r>
+              <a:rPr lang="en-US" altLang="zh-CN" sz="1400" dirty="0" smtClean="0"/>
+              <a:t>-Z_]</a:t>
+            </a:r>
+            <a:r>
+              <a:rPr lang="zh-CN" altLang="en-US" sz="1400" dirty="0" smtClean="0"/>
+              <a:t>，而不</a:t>
+            </a:r>
+            <a:r>
+              <a:rPr lang="en-US" altLang="zh-CN" sz="1400" dirty="0" smtClean="0"/>
+              <a:t>D</a:t>
+            </a:r>
+            <a:r>
+              <a:rPr lang="zh-CN" altLang="en-US" sz="1400" dirty="0" smtClean="0"/>
+              <a:t>。</a:t>
+            </a:r>
+            <a:endParaRPr lang="en-US" altLang="zh-CN" sz="1400" dirty="0" smtClean="0"/>
+          </a:p>
+          <a:p>
+            <a:r>
+              <a:rPr lang="zh-CN" altLang="en-US" sz="1400" smtClean="0"/>
+              <a:t>因此，不要随意使用反义，以免在没有注意到的情况下扩大范围，进而出现思维漏洞。</a:t>
+            </a:r>
+            <a:endParaRPr lang="zh-CN" altLang="en-US" sz="1400" dirty="0"/>
+          </a:p>
+        </p:txBody>
+      </p:sp>
+    </p:spTree>
+    <p:extLst>
+      <p:ext uri="{BB962C8B-B14F-4D97-AF65-F5344CB8AC3E}">
+        <p14:creationId xmlns:p14="http://schemas.microsoft.com/office/powerpoint/2010/main" val="3222559068"/>
       </p:ext>
     </p:extLst>
   </p:cSld>

--- a/《PHP核心技术与最佳实践》第3章--正则表达式基础与应用/3.3 正则表达式匹配规则.pptx
+++ b/《PHP核心技术与最佳实践》第3章--正则表达式基础与应用/3.3 正则表达式匹配规则.pptx
@@ -27,6 +27,12 @@
     <p:sldId id="275" r:id="rId21"/>
     <p:sldId id="276" r:id="rId22"/>
     <p:sldId id="277" r:id="rId23"/>
+    <p:sldId id="278" r:id="rId24"/>
+    <p:sldId id="279" r:id="rId25"/>
+    <p:sldId id="280" r:id="rId26"/>
+    <p:sldId id="281" r:id="rId27"/>
+    <p:sldId id="282" r:id="rId28"/>
+    <p:sldId id="283" r:id="rId29"/>
   </p:sldIdLst>
   <p:sldSz cx="9144000" cy="6858000" type="screen4x3"/>
   <p:notesSz cx="6858000" cy="9144000"/>
@@ -4199,11 +4205,7 @@
           <a:p>
             <a:r>
               <a:rPr lang="zh-CN" altLang="en-US" sz="1400" dirty="0" smtClean="0"/>
-              <a:t>代码</a:t>
-            </a:r>
-            <a:r>
-              <a:rPr lang="zh-CN" altLang="en-US" sz="1400" dirty="0" smtClean="0"/>
-              <a:t>见</a:t>
+              <a:t>代码见</a:t>
             </a:r>
             <a:r>
               <a:rPr lang="en-US" altLang="zh-CN" sz="1400" dirty="0" smtClean="0"/>
@@ -4499,11 +4501,7 @@
           <a:p>
             <a:r>
               <a:rPr lang="zh-CN" altLang="en-US" sz="1400" dirty="0" smtClean="0"/>
-              <a:t>可以</a:t>
-            </a:r>
-            <a:r>
-              <a:rPr lang="zh-CN" altLang="en-US" sz="1400" dirty="0" smtClean="0"/>
-              <a:t>看到匹配</a:t>
+              <a:t>可以看到匹配</a:t>
             </a:r>
             <a:r>
               <a:rPr lang="en-US" altLang="zh-CN" sz="1400" dirty="0" smtClean="0"/>
@@ -4913,11 +4911,7 @@
           <a:p>
             <a:r>
               <a:rPr lang="zh-CN" altLang="en-US" sz="1400" dirty="0" smtClean="0"/>
-              <a:t>报</a:t>
-            </a:r>
-            <a:r>
-              <a:rPr lang="zh-CN" altLang="en-US" sz="1400" dirty="0" smtClean="0"/>
-              <a:t>错情况</a:t>
+              <a:t>报错情况</a:t>
             </a:r>
             <a:r>
               <a:rPr lang="en-US" altLang="zh-CN" sz="1400" dirty="0" smtClean="0"/>
@@ -7314,6 +7308,1855 @@
     <p:extLst>
       <p:ext uri="{BB962C8B-B14F-4D97-AF65-F5344CB8AC3E}">
         <p14:creationId xmlns:p14="http://schemas.microsoft.com/office/powerpoint/2010/main" val="3222559068"/>
+      </p:ext>
+    </p:extLst>
+  </p:cSld>
+  <p:clrMapOvr>
+    <a:masterClrMapping/>
+  </p:clrMapOvr>
+</p:sld>
+</file>
+
+<file path=ppt/slides/slide23.xml><?xml version="1.0" encoding="utf-8"?>
+<p:sld xmlns:a="http://schemas.openxmlformats.org/drawingml/2006/main" xmlns:r="http://schemas.openxmlformats.org/officeDocument/2006/relationships" xmlns:p="http://schemas.openxmlformats.org/presentationml/2006/main">
+  <p:cSld>
+    <p:spTree>
+      <p:nvGrpSpPr>
+        <p:cNvPr id="1" name=""/>
+        <p:cNvGrpSpPr/>
+        <p:nvPr/>
+      </p:nvGrpSpPr>
+      <p:grpSpPr>
+        <a:xfrm>
+          <a:off x="0" y="0"/>
+          <a:ext cx="0" cy="0"/>
+          <a:chOff x="0" y="0"/>
+          <a:chExt cx="0" cy="0"/>
+        </a:xfrm>
+      </p:grpSpPr>
+      <p:sp>
+        <p:nvSpPr>
+          <p:cNvPr id="2" name="标题 1"/>
+          <p:cNvSpPr>
+            <a:spLocks noGrp="1"/>
+          </p:cNvSpPr>
+          <p:nvPr>
+            <p:ph type="title"/>
+          </p:nvPr>
+        </p:nvSpPr>
+        <p:spPr/>
+        <p:txBody>
+          <a:bodyPr>
+            <a:normAutofit/>
+          </a:bodyPr>
+          <a:lstStyle/>
+          <a:p>
+            <a:r>
+              <a:rPr lang="en-US" altLang="zh-CN" dirty="0"/>
+              <a:t>3.3.4 </a:t>
+            </a:r>
+            <a:r>
+              <a:rPr lang="zh-CN" altLang="en-US" dirty="0" smtClean="0"/>
+              <a:t>分支</a:t>
+            </a:r>
+            <a:endParaRPr lang="zh-CN" altLang="en-US" dirty="0"/>
+          </a:p>
+        </p:txBody>
+      </p:sp>
+      <p:sp>
+        <p:nvSpPr>
+          <p:cNvPr id="3" name="内容占位符 2"/>
+          <p:cNvSpPr>
+            <a:spLocks noGrp="1"/>
+          </p:cNvSpPr>
+          <p:nvPr>
+            <p:ph idx="1"/>
+          </p:nvPr>
+        </p:nvSpPr>
+        <p:spPr/>
+        <p:txBody>
+          <a:bodyPr>
+            <a:normAutofit/>
+          </a:bodyPr>
+          <a:lstStyle/>
+          <a:p>
+            <a:r>
+              <a:rPr lang="zh-CN" altLang="en-US" sz="1400" dirty="0" smtClean="0"/>
+              <a:t>分支的含义非常好理解。就是存在多种可能匹配的情况。</a:t>
+            </a:r>
+            <a:endParaRPr lang="en-US" altLang="zh-CN" sz="1400" dirty="0" smtClean="0"/>
+          </a:p>
+          <a:p>
+            <a:r>
+              <a:rPr lang="zh-CN" altLang="en-US" sz="1400" dirty="0" smtClean="0"/>
+              <a:t>例如</a:t>
+            </a:r>
+            <a:r>
+              <a:rPr lang="en-US" altLang="zh-CN" sz="1400" dirty="0" smtClean="0"/>
+              <a:t>:</a:t>
+            </a:r>
+          </a:p>
+          <a:p>
+            <a:r>
+              <a:rPr lang="zh-CN" altLang="en-US" sz="1400" dirty="0" smtClean="0"/>
+              <a:t>匹配</a:t>
+            </a:r>
+            <a:r>
+              <a:rPr lang="en-US" altLang="zh-CN" sz="1400" dirty="0" smtClean="0"/>
+              <a:t>cat</a:t>
+            </a:r>
+            <a:r>
+              <a:rPr lang="zh-CN" altLang="en-US" sz="1400" dirty="0" smtClean="0"/>
+              <a:t>或</a:t>
+            </a:r>
+            <a:r>
+              <a:rPr lang="en-US" altLang="zh-CN" sz="1400" dirty="0" smtClean="0"/>
+              <a:t>hat</a:t>
+            </a:r>
+            <a:r>
+              <a:rPr lang="zh-CN" altLang="en-US" sz="1400" dirty="0" smtClean="0"/>
+              <a:t>。则对应的正则表达式为</a:t>
+            </a:r>
+            <a:r>
+              <a:rPr lang="en-US" altLang="zh-CN" sz="1400" dirty="0" smtClean="0"/>
+              <a:t>[</a:t>
+            </a:r>
+            <a:r>
+              <a:rPr lang="en-US" altLang="zh-CN" sz="1400" dirty="0" err="1" smtClean="0"/>
+              <a:t>ch</a:t>
+            </a:r>
+            <a:r>
+              <a:rPr lang="en-US" altLang="zh-CN" sz="1400" dirty="0" smtClean="0"/>
+              <a:t>]at</a:t>
+            </a:r>
+            <a:r>
+              <a:rPr lang="zh-CN" altLang="en-US" sz="1400" dirty="0" smtClean="0"/>
+              <a:t>；</a:t>
+            </a:r>
+            <a:endParaRPr lang="en-US" altLang="zh-CN" sz="1400" dirty="0" smtClean="0"/>
+          </a:p>
+          <a:p>
+            <a:r>
+              <a:rPr lang="zh-CN" altLang="en-US" sz="1400" dirty="0" smtClean="0"/>
+              <a:t>但是如果需求为匹配</a:t>
+            </a:r>
+            <a:r>
+              <a:rPr lang="en-US" altLang="zh-CN" sz="1400" dirty="0" smtClean="0"/>
+              <a:t>cat</a:t>
+            </a:r>
+            <a:r>
+              <a:rPr lang="zh-CN" altLang="en-US" sz="1400" dirty="0" smtClean="0"/>
+              <a:t>或</a:t>
+            </a:r>
+            <a:r>
+              <a:rPr lang="en-US" altLang="zh-CN" sz="1400" dirty="0" smtClean="0"/>
+              <a:t>hat</a:t>
+            </a:r>
+            <a:r>
+              <a:rPr lang="zh-CN" altLang="en-US" sz="1400" dirty="0" smtClean="0"/>
+              <a:t>或</a:t>
+            </a:r>
+            <a:r>
+              <a:rPr lang="en-US" altLang="zh-CN" sz="1400" dirty="0" smtClean="0"/>
+              <a:t>fat</a:t>
+            </a:r>
+            <a:r>
+              <a:rPr lang="zh-CN" altLang="en-US" sz="1400" dirty="0" smtClean="0"/>
+              <a:t>或</a:t>
+            </a:r>
+            <a:r>
+              <a:rPr lang="en-US" altLang="zh-CN" sz="1400" dirty="0" err="1" smtClean="0"/>
+              <a:t>toat</a:t>
+            </a:r>
+            <a:r>
+              <a:rPr lang="zh-CN" altLang="en-US" sz="1400" dirty="0" smtClean="0"/>
+              <a:t>，那么使用字符组就不能满足需求了。因为字符组只能对单个字符生效，无法匹配</a:t>
+            </a:r>
+            <a:r>
+              <a:rPr lang="en-US" altLang="zh-CN" sz="1400" dirty="0" err="1" smtClean="0"/>
+              <a:t>toat</a:t>
+            </a:r>
+            <a:r>
+              <a:rPr lang="zh-CN" altLang="en-US" sz="1400" dirty="0" smtClean="0"/>
+              <a:t>中的</a:t>
+            </a:r>
+            <a:r>
+              <a:rPr lang="en-US" altLang="zh-CN" sz="1400" dirty="0" smtClean="0"/>
+              <a:t>to</a:t>
+            </a:r>
+            <a:r>
+              <a:rPr lang="zh-CN" altLang="en-US" sz="1400" dirty="0" smtClean="0"/>
+              <a:t>，因为</a:t>
+            </a:r>
+            <a:r>
+              <a:rPr lang="en-US" altLang="zh-CN" sz="1400" dirty="0" smtClean="0"/>
+              <a:t>to</a:t>
+            </a:r>
+            <a:r>
+              <a:rPr lang="zh-CN" altLang="en-US" sz="1400" dirty="0" smtClean="0"/>
+              <a:t>是</a:t>
+            </a:r>
+            <a:r>
+              <a:rPr lang="en-US" altLang="zh-CN" sz="1400" dirty="0" smtClean="0"/>
+              <a:t>2</a:t>
+            </a:r>
+            <a:r>
+              <a:rPr lang="zh-CN" altLang="en-US" sz="1400" dirty="0" smtClean="0"/>
+              <a:t>个字符。</a:t>
+            </a:r>
+            <a:endParaRPr lang="en-US" altLang="zh-CN" sz="1400" dirty="0" smtClean="0"/>
+          </a:p>
+          <a:p>
+            <a:r>
+              <a:rPr lang="zh-CN" altLang="en-US" sz="1400" dirty="0" smtClean="0"/>
+              <a:t>这时就要使用分支形式。</a:t>
+            </a:r>
+            <a:endParaRPr lang="en-US" altLang="zh-CN" sz="1400" dirty="0" smtClean="0"/>
+          </a:p>
+          <a:p>
+            <a:r>
+              <a:rPr lang="en-US" altLang="zh-CN" sz="1400" dirty="0" smtClean="0"/>
+              <a:t>(</a:t>
+            </a:r>
+            <a:r>
+              <a:rPr lang="en-US" altLang="zh-CN" sz="1400" dirty="0" err="1" smtClean="0"/>
+              <a:t>c|h|f|to</a:t>
+            </a:r>
+            <a:r>
+              <a:rPr lang="en-US" altLang="zh-CN" sz="1400" dirty="0" smtClean="0"/>
+              <a:t>)at</a:t>
+            </a:r>
+          </a:p>
+          <a:p>
+            <a:r>
+              <a:rPr lang="zh-CN" altLang="en-US" sz="1400" dirty="0" smtClean="0"/>
+              <a:t>这里的</a:t>
+            </a:r>
+            <a:r>
+              <a:rPr lang="en-US" altLang="zh-CN" sz="1400" dirty="0" smtClean="0"/>
+              <a:t>()</a:t>
+            </a:r>
+            <a:r>
+              <a:rPr lang="zh-CN" altLang="en-US" sz="1400" dirty="0" smtClean="0"/>
+              <a:t>中的表达式将视作一个整体，后文中会提到分组的概念。</a:t>
+            </a:r>
+            <a:r>
+              <a:rPr lang="en-US" altLang="zh-CN" sz="1400" dirty="0" smtClean="0"/>
+              <a:t>|</a:t>
+            </a:r>
+            <a:r>
+              <a:rPr lang="zh-CN" altLang="en-US" sz="1400" dirty="0" smtClean="0"/>
+              <a:t>是本小节要讲述的重点，该字符表示分支的含义，即可能存在多种情况，可以匹配多个字符。</a:t>
+            </a:r>
+            <a:endParaRPr lang="en-US" altLang="zh-CN" sz="1400" dirty="0" smtClean="0"/>
+          </a:p>
+          <a:p>
+            <a:r>
+              <a:rPr lang="zh-CN" altLang="en-US" sz="1400" dirty="0" smtClean="0"/>
+              <a:t>分支比字符组功能强大之处在于，字符组只能匹配一个字符，而分支可以匹配多个字符甚至更复杂的表达式。</a:t>
+            </a:r>
+            <a:endParaRPr lang="en-US" altLang="zh-CN" sz="1400" dirty="0" smtClean="0"/>
+          </a:p>
+          <a:p>
+            <a:r>
+              <a:rPr lang="zh-CN" altLang="en-US" sz="1400" b="1" dirty="0" smtClean="0">
+                <a:solidFill>
+                  <a:srgbClr val="FF0000"/>
+                </a:solidFill>
+              </a:rPr>
+              <a:t>但是如果匹配单个字符，字符组的效率更高。</a:t>
+            </a:r>
+            <a:endParaRPr lang="en-US" altLang="zh-CN" sz="1400" b="1" dirty="0" smtClean="0">
+              <a:solidFill>
+                <a:srgbClr val="FF0000"/>
+              </a:solidFill>
+            </a:endParaRPr>
+          </a:p>
+          <a:p>
+            <a:r>
+              <a:rPr lang="zh-CN" altLang="en-US" sz="1400" b="1" dirty="0" smtClean="0">
+                <a:solidFill>
+                  <a:srgbClr val="FF0000"/>
+                </a:solidFill>
+              </a:rPr>
+              <a:t>也就是说，能使用字符组的情况下，就不要使用分支。</a:t>
+            </a:r>
+            <a:endParaRPr lang="en-US" altLang="zh-CN" sz="1400" b="1" dirty="0" smtClean="0">
+              <a:solidFill>
+                <a:srgbClr val="FF0000"/>
+              </a:solidFill>
+            </a:endParaRPr>
+          </a:p>
+          <a:p>
+            <a:r>
+              <a:rPr lang="zh-CN" altLang="en-US" sz="1400" dirty="0" smtClean="0"/>
+              <a:t>那么我们回过头来看</a:t>
+            </a:r>
+            <a:r>
+              <a:rPr lang="en-US" altLang="zh-CN" sz="1400" dirty="0" smtClean="0"/>
+              <a:t>[</a:t>
+            </a:r>
+            <a:r>
+              <a:rPr lang="en-US" altLang="zh-CN" sz="1400" dirty="0" err="1" smtClean="0"/>
+              <a:t>ch</a:t>
+            </a:r>
+            <a:r>
+              <a:rPr lang="en-US" altLang="zh-CN" sz="1400" dirty="0" smtClean="0"/>
+              <a:t>]at</a:t>
+            </a:r>
+            <a:r>
+              <a:rPr lang="zh-CN" altLang="en-US" sz="1400" dirty="0" smtClean="0"/>
+              <a:t>，它是否等价于 </a:t>
+            </a:r>
+            <a:r>
+              <a:rPr lang="en-US" altLang="zh-CN" sz="1400" dirty="0" smtClean="0"/>
+              <a:t>(</a:t>
+            </a:r>
+            <a:r>
+              <a:rPr lang="en-US" altLang="zh-CN" sz="1400" dirty="0" err="1" smtClean="0"/>
+              <a:t>c|h</a:t>
+            </a:r>
+            <a:r>
+              <a:rPr lang="en-US" altLang="zh-CN" sz="1400" dirty="0" smtClean="0"/>
+              <a:t>)at</a:t>
+            </a:r>
+            <a:r>
+              <a:rPr lang="zh-CN" altLang="en-US" sz="1400" dirty="0" smtClean="0"/>
+              <a:t>呢？</a:t>
+            </a:r>
+            <a:endParaRPr lang="en-US" altLang="zh-CN" sz="1400" dirty="0" smtClean="0"/>
+          </a:p>
+          <a:p>
+            <a:r>
+              <a:rPr lang="zh-CN" altLang="en-US" sz="1400" dirty="0"/>
+              <a:t>答案</a:t>
+            </a:r>
+            <a:r>
+              <a:rPr lang="zh-CN" altLang="en-US" sz="1400" dirty="0" smtClean="0"/>
+              <a:t>是等价的。</a:t>
+            </a:r>
+            <a:endParaRPr lang="en-US" altLang="zh-CN" sz="1400" dirty="0" smtClean="0"/>
+          </a:p>
+          <a:p>
+            <a:r>
+              <a:rPr lang="zh-CN" altLang="en-US" sz="1400" dirty="0"/>
+              <a:t>这里要</a:t>
+            </a:r>
+            <a:r>
+              <a:rPr lang="zh-CN" altLang="en-US" sz="1400" dirty="0" smtClean="0"/>
+              <a:t>注意</a:t>
+            </a:r>
+            <a:r>
+              <a:rPr lang="en-US" altLang="zh-CN" sz="1400" dirty="0" smtClean="0"/>
+              <a:t>:</a:t>
+            </a:r>
+            <a:r>
+              <a:rPr lang="zh-CN" altLang="en-US" sz="1400" dirty="0" smtClean="0"/>
+              <a:t>括号匹配会捕获文本，使用</a:t>
+            </a:r>
+            <a:r>
+              <a:rPr lang="en-US" altLang="zh-CN" sz="1400" dirty="0" smtClean="0"/>
+              <a:t>(?:)</a:t>
+            </a:r>
+            <a:r>
+              <a:rPr lang="zh-CN" altLang="en-US" sz="1400" dirty="0" smtClean="0"/>
+              <a:t>即可，后面还会讲到。</a:t>
+            </a:r>
+            <a:endParaRPr lang="en-US" altLang="zh-CN" sz="1400" dirty="0" smtClean="0"/>
+          </a:p>
+          <a:p>
+            <a:r>
+              <a:rPr lang="zh-CN" altLang="en-US" sz="1400" dirty="0" smtClean="0"/>
+              <a:t>代码见</a:t>
+            </a:r>
+            <a:r>
+              <a:rPr lang="en-US" altLang="zh-CN" sz="1400" dirty="0"/>
+              <a:t>3.3.4-1 </a:t>
+            </a:r>
+            <a:r>
+              <a:rPr lang="zh-CN" altLang="en-US" sz="1400" dirty="0"/>
+              <a:t>分支</a:t>
+            </a:r>
+            <a:r>
+              <a:rPr lang="en-US" altLang="zh-CN" sz="1400" dirty="0"/>
+              <a:t>.</a:t>
+            </a:r>
+            <a:r>
+              <a:rPr lang="en-US" altLang="zh-CN" sz="1400" dirty="0" err="1"/>
+              <a:t>php</a:t>
+            </a:r>
+            <a:endParaRPr lang="zh-CN" altLang="en-US" sz="1400" dirty="0"/>
+          </a:p>
+        </p:txBody>
+      </p:sp>
+    </p:spTree>
+    <p:extLst>
+      <p:ext uri="{BB962C8B-B14F-4D97-AF65-F5344CB8AC3E}">
+        <p14:creationId xmlns:p14="http://schemas.microsoft.com/office/powerpoint/2010/main" val="1891159043"/>
+      </p:ext>
+    </p:extLst>
+  </p:cSld>
+  <p:clrMapOvr>
+    <a:masterClrMapping/>
+  </p:clrMapOvr>
+</p:sld>
+</file>
+
+<file path=ppt/slides/slide24.xml><?xml version="1.0" encoding="utf-8"?>
+<p:sld xmlns:a="http://schemas.openxmlformats.org/drawingml/2006/main" xmlns:r="http://schemas.openxmlformats.org/officeDocument/2006/relationships" xmlns:p="http://schemas.openxmlformats.org/presentationml/2006/main">
+  <p:cSld>
+    <p:spTree>
+      <p:nvGrpSpPr>
+        <p:cNvPr id="1" name=""/>
+        <p:cNvGrpSpPr/>
+        <p:nvPr/>
+      </p:nvGrpSpPr>
+      <p:grpSpPr>
+        <a:xfrm>
+          <a:off x="0" y="0"/>
+          <a:ext cx="0" cy="0"/>
+          <a:chOff x="0" y="0"/>
+          <a:chExt cx="0" cy="0"/>
+        </a:xfrm>
+      </p:grpSpPr>
+      <p:sp>
+        <p:nvSpPr>
+          <p:cNvPr id="2" name="标题 1"/>
+          <p:cNvSpPr>
+            <a:spLocks noGrp="1"/>
+          </p:cNvSpPr>
+          <p:nvPr>
+            <p:ph type="title"/>
+          </p:nvPr>
+        </p:nvSpPr>
+        <p:spPr/>
+        <p:txBody>
+          <a:bodyPr/>
+          <a:lstStyle/>
+          <a:p>
+            <a:r>
+              <a:rPr lang="en-US" altLang="zh-CN" dirty="0"/>
+              <a:t>3.3.4 </a:t>
+            </a:r>
+            <a:r>
+              <a:rPr lang="zh-CN" altLang="en-US" dirty="0"/>
+              <a:t>分支</a:t>
+            </a:r>
+          </a:p>
+        </p:txBody>
+      </p:sp>
+      <p:sp>
+        <p:nvSpPr>
+          <p:cNvPr id="3" name="内容占位符 2"/>
+          <p:cNvSpPr>
+            <a:spLocks noGrp="1"/>
+          </p:cNvSpPr>
+          <p:nvPr>
+            <p:ph idx="1"/>
+          </p:nvPr>
+        </p:nvSpPr>
+        <p:spPr/>
+        <p:txBody>
+          <a:bodyPr>
+            <a:normAutofit/>
+          </a:bodyPr>
+          <a:lstStyle/>
+          <a:p>
+            <a:r>
+              <a:rPr lang="zh-CN" altLang="en-US" sz="1400" b="1" dirty="0" smtClean="0"/>
+              <a:t>捕获的含义</a:t>
+            </a:r>
+            <a:endParaRPr lang="en-US" altLang="zh-CN" sz="1400" b="1" dirty="0" smtClean="0"/>
+          </a:p>
+          <a:p>
+            <a:r>
+              <a:rPr lang="zh-CN" altLang="en-US" sz="1400" dirty="0" smtClean="0"/>
+              <a:t>从下图的运行结果中可以看到，符合</a:t>
+            </a:r>
+            <a:r>
+              <a:rPr lang="en-US" altLang="zh-CN" sz="1400" dirty="0" smtClean="0"/>
+              <a:t>()</a:t>
+            </a:r>
+            <a:r>
+              <a:rPr lang="zh-CN" altLang="en-US" sz="1400" dirty="0" smtClean="0"/>
+              <a:t>中的匹配模式的字符又被单独抓取出来，和通过匹配的原字符串一起</a:t>
+            </a:r>
+            <a:r>
+              <a:rPr lang="zh-CN" altLang="en-US" sz="1400" dirty="0"/>
+              <a:t>放</a:t>
+            </a:r>
+            <a:r>
+              <a:rPr lang="zh-CN" altLang="en-US" sz="1400" dirty="0" smtClean="0"/>
+              <a:t>入了同一个子数组中。</a:t>
+            </a:r>
+            <a:endParaRPr lang="zh-CN" altLang="en-US" sz="1400" dirty="0"/>
+          </a:p>
+        </p:txBody>
+      </p:sp>
+      <p:pic>
+        <p:nvPicPr>
+          <p:cNvPr id="1026" name="Picture 2"/>
+          <p:cNvPicPr>
+            <a:picLocks noChangeAspect="1" noChangeArrowheads="1"/>
+          </p:cNvPicPr>
+          <p:nvPr/>
+        </p:nvPicPr>
+        <p:blipFill>
+          <a:blip r:embed="rId2">
+            <a:extLst>
+              <a:ext uri="{28A0092B-C50C-407E-A947-70E740481C1C}">
+                <a14:useLocalDpi xmlns:a14="http://schemas.microsoft.com/office/drawing/2010/main" val="0"/>
+              </a:ext>
+            </a:extLst>
+          </a:blip>
+          <a:srcRect/>
+          <a:stretch>
+            <a:fillRect/>
+          </a:stretch>
+        </p:blipFill>
+        <p:spPr bwMode="auto">
+          <a:xfrm>
+            <a:off x="-2196752" y="2420888"/>
+            <a:ext cx="6057900" cy="4810125"/>
+          </a:xfrm>
+          <a:prstGeom prst="rect">
+            <a:avLst/>
+          </a:prstGeom>
+          <a:noFill/>
+          <a:ln>
+            <a:noFill/>
+          </a:ln>
+          <a:effectLst/>
+          <a:extLst>
+            <a:ext uri="{909E8E84-426E-40DD-AFC4-6F175D3DCCD1}">
+              <a14:hiddenFill xmlns:a14="http://schemas.microsoft.com/office/drawing/2010/main">
+                <a:solidFill>
+                  <a:schemeClr val="accent1"/>
+                </a:solidFill>
+              </a14:hiddenFill>
+            </a:ext>
+            <a:ext uri="{91240B29-F687-4F45-9708-019B960494DF}">
+              <a14:hiddenLine xmlns:a14="http://schemas.microsoft.com/office/drawing/2010/main" w="9525">
+                <a:solidFill>
+                  <a:schemeClr val="tx1"/>
+                </a:solidFill>
+                <a:miter lim="800000"/>
+                <a:headEnd/>
+                <a:tailEnd/>
+              </a14:hiddenLine>
+            </a:ext>
+            <a:ext uri="{AF507438-7753-43E0-B8FC-AC1667EBCBE1}">
+              <a14:hiddenEffects xmlns:a14="http://schemas.microsoft.com/office/drawing/2010/main">
+                <a:effectLst>
+                  <a:outerShdw dist="35921" dir="2700000" algn="ctr" rotWithShape="0">
+                    <a:schemeClr val="bg2"/>
+                  </a:outerShdw>
+                </a:effectLst>
+              </a14:hiddenEffects>
+            </a:ext>
+          </a:extLst>
+        </p:spPr>
+      </p:pic>
+      <p:pic>
+        <p:nvPicPr>
+          <p:cNvPr id="1027" name="Picture 3"/>
+          <p:cNvPicPr>
+            <a:picLocks noChangeAspect="1" noChangeArrowheads="1"/>
+          </p:cNvPicPr>
+          <p:nvPr/>
+        </p:nvPicPr>
+        <p:blipFill>
+          <a:blip r:embed="rId3">
+            <a:extLst>
+              <a:ext uri="{28A0092B-C50C-407E-A947-70E740481C1C}">
+                <a14:useLocalDpi xmlns:a14="http://schemas.microsoft.com/office/drawing/2010/main" val="0"/>
+              </a:ext>
+            </a:extLst>
+          </a:blip>
+          <a:srcRect/>
+          <a:stretch>
+            <a:fillRect/>
+          </a:stretch>
+        </p:blipFill>
+        <p:spPr bwMode="auto">
+          <a:xfrm>
+            <a:off x="3861148" y="2420888"/>
+            <a:ext cx="9153526" cy="5667375"/>
+          </a:xfrm>
+          <a:prstGeom prst="rect">
+            <a:avLst/>
+          </a:prstGeom>
+          <a:noFill/>
+          <a:ln>
+            <a:noFill/>
+          </a:ln>
+          <a:effectLst/>
+          <a:extLst>
+            <a:ext uri="{909E8E84-426E-40DD-AFC4-6F175D3DCCD1}">
+              <a14:hiddenFill xmlns:a14="http://schemas.microsoft.com/office/drawing/2010/main">
+                <a:solidFill>
+                  <a:schemeClr val="accent1"/>
+                </a:solidFill>
+              </a14:hiddenFill>
+            </a:ext>
+            <a:ext uri="{91240B29-F687-4F45-9708-019B960494DF}">
+              <a14:hiddenLine xmlns:a14="http://schemas.microsoft.com/office/drawing/2010/main" w="9525">
+                <a:solidFill>
+                  <a:schemeClr val="tx1"/>
+                </a:solidFill>
+                <a:miter lim="800000"/>
+                <a:headEnd/>
+                <a:tailEnd/>
+              </a14:hiddenLine>
+            </a:ext>
+            <a:ext uri="{AF507438-7753-43E0-B8FC-AC1667EBCBE1}">
+              <a14:hiddenEffects xmlns:a14="http://schemas.microsoft.com/office/drawing/2010/main">
+                <a:effectLst>
+                  <a:outerShdw dist="35921" dir="2700000" algn="ctr" rotWithShape="0">
+                    <a:schemeClr val="bg2"/>
+                  </a:outerShdw>
+                </a:effectLst>
+              </a14:hiddenEffects>
+            </a:ext>
+          </a:extLst>
+        </p:spPr>
+      </p:pic>
+    </p:spTree>
+    <p:extLst>
+      <p:ext uri="{BB962C8B-B14F-4D97-AF65-F5344CB8AC3E}">
+        <p14:creationId xmlns:p14="http://schemas.microsoft.com/office/powerpoint/2010/main" val="4259964493"/>
+      </p:ext>
+    </p:extLst>
+  </p:cSld>
+  <p:clrMapOvr>
+    <a:masterClrMapping/>
+  </p:clrMapOvr>
+</p:sld>
+</file>
+
+<file path=ppt/slides/slide25.xml><?xml version="1.0" encoding="utf-8"?>
+<p:sld xmlns:a="http://schemas.openxmlformats.org/drawingml/2006/main" xmlns:r="http://schemas.openxmlformats.org/officeDocument/2006/relationships" xmlns:p="http://schemas.openxmlformats.org/presentationml/2006/main">
+  <p:cSld>
+    <p:spTree>
+      <p:nvGrpSpPr>
+        <p:cNvPr id="1" name=""/>
+        <p:cNvGrpSpPr/>
+        <p:nvPr/>
+      </p:nvGrpSpPr>
+      <p:grpSpPr>
+        <a:xfrm>
+          <a:off x="0" y="0"/>
+          <a:ext cx="0" cy="0"/>
+          <a:chOff x="0" y="0"/>
+          <a:chExt cx="0" cy="0"/>
+        </a:xfrm>
+      </p:grpSpPr>
+      <p:sp>
+        <p:nvSpPr>
+          <p:cNvPr id="2" name="标题 1"/>
+          <p:cNvSpPr>
+            <a:spLocks noGrp="1"/>
+          </p:cNvSpPr>
+          <p:nvPr>
+            <p:ph type="title"/>
+          </p:nvPr>
+        </p:nvSpPr>
+        <p:spPr/>
+        <p:txBody>
+          <a:bodyPr/>
+          <a:lstStyle/>
+          <a:p>
+            <a:r>
+              <a:rPr lang="en-US" altLang="zh-CN" dirty="0"/>
+              <a:t>3.3.4 </a:t>
+            </a:r>
+            <a:r>
+              <a:rPr lang="zh-CN" altLang="en-US" dirty="0"/>
+              <a:t>分支</a:t>
+            </a:r>
+          </a:p>
+        </p:txBody>
+      </p:sp>
+      <p:sp>
+        <p:nvSpPr>
+          <p:cNvPr id="3" name="内容占位符 2"/>
+          <p:cNvSpPr>
+            <a:spLocks noGrp="1"/>
+          </p:cNvSpPr>
+          <p:nvPr>
+            <p:ph idx="1"/>
+          </p:nvPr>
+        </p:nvSpPr>
+        <p:spPr/>
+        <p:txBody>
+          <a:bodyPr>
+            <a:normAutofit/>
+          </a:bodyPr>
+          <a:lstStyle/>
+          <a:p>
+            <a:r>
+              <a:rPr lang="zh-CN" altLang="en-US" sz="1400" b="1" dirty="0"/>
+              <a:t>使用</a:t>
+            </a:r>
+            <a:r>
+              <a:rPr lang="en-US" altLang="zh-CN" sz="1400" b="1" dirty="0" smtClean="0"/>
+              <a:t>(?:)</a:t>
+            </a:r>
+            <a:r>
+              <a:rPr lang="zh-CN" altLang="en-US" sz="1400" b="1" dirty="0" smtClean="0"/>
+              <a:t>取消捕获</a:t>
+            </a:r>
+            <a:endParaRPr lang="en-US" altLang="zh-CN" sz="1400" b="1" dirty="0" smtClean="0"/>
+          </a:p>
+          <a:p>
+            <a:r>
+              <a:rPr lang="zh-CN" altLang="en-US" sz="1400" dirty="0" smtClean="0"/>
+              <a:t>可以看到，在</a:t>
+            </a:r>
+            <a:r>
+              <a:rPr lang="en-US" altLang="zh-CN" sz="1400" dirty="0" smtClean="0"/>
+              <a:t>()</a:t>
+            </a:r>
+            <a:r>
+              <a:rPr lang="zh-CN" altLang="en-US" sz="1400" dirty="0" smtClean="0"/>
+              <a:t>中的最前端添加</a:t>
+            </a:r>
+            <a:r>
+              <a:rPr lang="en-US" altLang="zh-CN" sz="1400" dirty="0" smtClean="0"/>
+              <a:t>?:</a:t>
+            </a:r>
+            <a:r>
+              <a:rPr lang="zh-CN" altLang="en-US" sz="1400" dirty="0" smtClean="0"/>
+              <a:t>后，最终的捕获结果数组中，不再含有符合</a:t>
+            </a:r>
+            <a:r>
+              <a:rPr lang="en-US" altLang="zh-CN" sz="1400" dirty="0" smtClean="0"/>
+              <a:t>()</a:t>
+            </a:r>
+            <a:r>
+              <a:rPr lang="zh-CN" altLang="en-US" sz="1400" dirty="0" smtClean="0"/>
+              <a:t>中的匹配模式的字符串。</a:t>
+            </a:r>
+            <a:endParaRPr lang="zh-CN" altLang="en-US" sz="1400" dirty="0"/>
+          </a:p>
+        </p:txBody>
+      </p:sp>
+      <p:pic>
+        <p:nvPicPr>
+          <p:cNvPr id="2050" name="Picture 2"/>
+          <p:cNvPicPr>
+            <a:picLocks noChangeAspect="1" noChangeArrowheads="1"/>
+          </p:cNvPicPr>
+          <p:nvPr/>
+        </p:nvPicPr>
+        <p:blipFill>
+          <a:blip r:embed="rId2">
+            <a:extLst>
+              <a:ext uri="{28A0092B-C50C-407E-A947-70E740481C1C}">
+                <a14:useLocalDpi xmlns:a14="http://schemas.microsoft.com/office/drawing/2010/main" val="0"/>
+              </a:ext>
+            </a:extLst>
+          </a:blip>
+          <a:srcRect/>
+          <a:stretch>
+            <a:fillRect/>
+          </a:stretch>
+        </p:blipFill>
+        <p:spPr bwMode="auto">
+          <a:xfrm>
+            <a:off x="-2484784" y="2420888"/>
+            <a:ext cx="5915025" cy="3181350"/>
+          </a:xfrm>
+          <a:prstGeom prst="rect">
+            <a:avLst/>
+          </a:prstGeom>
+          <a:noFill/>
+          <a:ln>
+            <a:noFill/>
+          </a:ln>
+          <a:effectLst/>
+          <a:extLst>
+            <a:ext uri="{909E8E84-426E-40DD-AFC4-6F175D3DCCD1}">
+              <a14:hiddenFill xmlns:a14="http://schemas.microsoft.com/office/drawing/2010/main">
+                <a:solidFill>
+                  <a:schemeClr val="accent1"/>
+                </a:solidFill>
+              </a14:hiddenFill>
+            </a:ext>
+            <a:ext uri="{91240B29-F687-4F45-9708-019B960494DF}">
+              <a14:hiddenLine xmlns:a14="http://schemas.microsoft.com/office/drawing/2010/main" w="9525">
+                <a:solidFill>
+                  <a:schemeClr val="tx1"/>
+                </a:solidFill>
+                <a:miter lim="800000"/>
+                <a:headEnd/>
+                <a:tailEnd/>
+              </a14:hiddenLine>
+            </a:ext>
+            <a:ext uri="{AF507438-7753-43E0-B8FC-AC1667EBCBE1}">
+              <a14:hiddenEffects xmlns:a14="http://schemas.microsoft.com/office/drawing/2010/main">
+                <a:effectLst>
+                  <a:outerShdw dist="35921" dir="2700000" algn="ctr" rotWithShape="0">
+                    <a:schemeClr val="bg2"/>
+                  </a:outerShdw>
+                </a:effectLst>
+              </a14:hiddenEffects>
+            </a:ext>
+          </a:extLst>
+        </p:spPr>
+      </p:pic>
+      <p:pic>
+        <p:nvPicPr>
+          <p:cNvPr id="2051" name="Picture 3"/>
+          <p:cNvPicPr>
+            <a:picLocks noChangeAspect="1" noChangeArrowheads="1"/>
+          </p:cNvPicPr>
+          <p:nvPr/>
+        </p:nvPicPr>
+        <p:blipFill>
+          <a:blip r:embed="rId3">
+            <a:extLst>
+              <a:ext uri="{28A0092B-C50C-407E-A947-70E740481C1C}">
+                <a14:useLocalDpi xmlns:a14="http://schemas.microsoft.com/office/drawing/2010/main" val="0"/>
+              </a:ext>
+            </a:extLst>
+          </a:blip>
+          <a:srcRect/>
+          <a:stretch>
+            <a:fillRect/>
+          </a:stretch>
+        </p:blipFill>
+        <p:spPr bwMode="auto">
+          <a:xfrm>
+            <a:off x="3443561" y="2420888"/>
+            <a:ext cx="9153526" cy="3962400"/>
+          </a:xfrm>
+          <a:prstGeom prst="rect">
+            <a:avLst/>
+          </a:prstGeom>
+          <a:noFill/>
+          <a:ln>
+            <a:noFill/>
+          </a:ln>
+          <a:effectLst/>
+          <a:extLst>
+            <a:ext uri="{909E8E84-426E-40DD-AFC4-6F175D3DCCD1}">
+              <a14:hiddenFill xmlns:a14="http://schemas.microsoft.com/office/drawing/2010/main">
+                <a:solidFill>
+                  <a:schemeClr val="accent1"/>
+                </a:solidFill>
+              </a14:hiddenFill>
+            </a:ext>
+            <a:ext uri="{91240B29-F687-4F45-9708-019B960494DF}">
+              <a14:hiddenLine xmlns:a14="http://schemas.microsoft.com/office/drawing/2010/main" w="9525">
+                <a:solidFill>
+                  <a:schemeClr val="tx1"/>
+                </a:solidFill>
+                <a:miter lim="800000"/>
+                <a:headEnd/>
+                <a:tailEnd/>
+              </a14:hiddenLine>
+            </a:ext>
+            <a:ext uri="{AF507438-7753-43E0-B8FC-AC1667EBCBE1}">
+              <a14:hiddenEffects xmlns:a14="http://schemas.microsoft.com/office/drawing/2010/main">
+                <a:effectLst>
+                  <a:outerShdw dist="35921" dir="2700000" algn="ctr" rotWithShape="0">
+                    <a:schemeClr val="bg2"/>
+                  </a:outerShdw>
+                </a:effectLst>
+              </a14:hiddenEffects>
+            </a:ext>
+          </a:extLst>
+        </p:spPr>
+      </p:pic>
+    </p:spTree>
+    <p:extLst>
+      <p:ext uri="{BB962C8B-B14F-4D97-AF65-F5344CB8AC3E}">
+        <p14:creationId xmlns:p14="http://schemas.microsoft.com/office/powerpoint/2010/main" val="85282071"/>
+      </p:ext>
+    </p:extLst>
+  </p:cSld>
+  <p:clrMapOvr>
+    <a:masterClrMapping/>
+  </p:clrMapOvr>
+</p:sld>
+</file>
+
+<file path=ppt/slides/slide26.xml><?xml version="1.0" encoding="utf-8"?>
+<p:sld xmlns:a="http://schemas.openxmlformats.org/drawingml/2006/main" xmlns:r="http://schemas.openxmlformats.org/officeDocument/2006/relationships" xmlns:p="http://schemas.openxmlformats.org/presentationml/2006/main">
+  <p:cSld>
+    <p:spTree>
+      <p:nvGrpSpPr>
+        <p:cNvPr id="1" name=""/>
+        <p:cNvGrpSpPr/>
+        <p:nvPr/>
+      </p:nvGrpSpPr>
+      <p:grpSpPr>
+        <a:xfrm>
+          <a:off x="0" y="0"/>
+          <a:ext cx="0" cy="0"/>
+          <a:chOff x="0" y="0"/>
+          <a:chExt cx="0" cy="0"/>
+        </a:xfrm>
+      </p:grpSpPr>
+      <p:sp>
+        <p:nvSpPr>
+          <p:cNvPr id="2" name="标题 1"/>
+          <p:cNvSpPr>
+            <a:spLocks noGrp="1"/>
+          </p:cNvSpPr>
+          <p:nvPr>
+            <p:ph type="title"/>
+          </p:nvPr>
+        </p:nvSpPr>
+        <p:spPr/>
+        <p:txBody>
+          <a:bodyPr/>
+          <a:lstStyle/>
+          <a:p>
+            <a:r>
+              <a:rPr lang="en-US" altLang="zh-CN" dirty="0"/>
+              <a:t>3.3.4 </a:t>
+            </a:r>
+            <a:r>
+              <a:rPr lang="zh-CN" altLang="en-US" dirty="0"/>
+              <a:t>分支</a:t>
+            </a:r>
+          </a:p>
+        </p:txBody>
+      </p:sp>
+      <p:sp>
+        <p:nvSpPr>
+          <p:cNvPr id="3" name="内容占位符 2"/>
+          <p:cNvSpPr>
+            <a:spLocks noGrp="1"/>
+          </p:cNvSpPr>
+          <p:nvPr>
+            <p:ph idx="1"/>
+          </p:nvPr>
+        </p:nvSpPr>
+        <p:spPr/>
+        <p:txBody>
+          <a:bodyPr>
+            <a:normAutofit/>
+          </a:bodyPr>
+          <a:lstStyle/>
+          <a:p>
+            <a:r>
+              <a:rPr lang="en-US" altLang="zh-CN" sz="1400" b="1" dirty="0" smtClean="0"/>
+              <a:t>1) </a:t>
+            </a:r>
+            <a:r>
+              <a:rPr lang="zh-CN" altLang="en-US" sz="1400" b="1" dirty="0" smtClean="0"/>
+              <a:t>使用正则表达式的分支条件，匹配如下</a:t>
+            </a:r>
+            <a:r>
+              <a:rPr lang="en-US" altLang="zh-CN" sz="1400" b="1" dirty="0" smtClean="0"/>
+              <a:t>2</a:t>
+            </a:r>
+            <a:r>
+              <a:rPr lang="zh-CN" altLang="en-US" sz="1400" b="1" dirty="0" smtClean="0"/>
+              <a:t>种格式的座机号</a:t>
+            </a:r>
+            <a:endParaRPr lang="en-US" altLang="zh-CN" sz="1400" b="1" dirty="0" smtClean="0"/>
+          </a:p>
+          <a:p>
+            <a:r>
+              <a:rPr lang="zh-CN" altLang="en-US" sz="1400" dirty="0" smtClean="0"/>
+              <a:t>①</a:t>
+            </a:r>
+            <a:r>
+              <a:rPr lang="en-US" altLang="zh-CN" sz="1400" dirty="0" smtClean="0"/>
+              <a:t>:3</a:t>
+            </a:r>
+            <a:r>
+              <a:rPr lang="zh-CN" altLang="en-US" sz="1400" dirty="0" smtClean="0"/>
+              <a:t>位区号</a:t>
+            </a:r>
+            <a:r>
+              <a:rPr lang="en-US" altLang="zh-CN" sz="1400" dirty="0" smtClean="0"/>
+              <a:t>-8</a:t>
+            </a:r>
+            <a:r>
+              <a:rPr lang="zh-CN" altLang="en-US" sz="1400" dirty="0" smtClean="0"/>
+              <a:t>位本地号 </a:t>
+            </a:r>
+            <a:r>
+              <a:rPr lang="en-US" altLang="zh-CN" sz="1400" dirty="0" smtClean="0"/>
+              <a:t>(</a:t>
+            </a:r>
+            <a:r>
+              <a:rPr lang="zh-CN" altLang="en-US" sz="1400" dirty="0" smtClean="0"/>
+              <a:t>如</a:t>
+            </a:r>
+            <a:r>
+              <a:rPr lang="en-US" altLang="zh-CN" sz="1400" dirty="0" smtClean="0"/>
+              <a:t>:010-12345678)</a:t>
+            </a:r>
+          </a:p>
+          <a:p>
+            <a:r>
+              <a:rPr lang="zh-CN" altLang="en-US" sz="1400" dirty="0" smtClean="0"/>
+              <a:t>②</a:t>
+            </a:r>
+            <a:r>
+              <a:rPr lang="en-US" altLang="zh-CN" sz="1400" dirty="0" smtClean="0"/>
+              <a:t>:4</a:t>
+            </a:r>
+            <a:r>
+              <a:rPr lang="zh-CN" altLang="en-US" sz="1400" dirty="0" smtClean="0"/>
+              <a:t>位区号</a:t>
+            </a:r>
+            <a:r>
+              <a:rPr lang="en-US" altLang="zh-CN" sz="1400" dirty="0" smtClean="0"/>
+              <a:t>-7</a:t>
+            </a:r>
+            <a:r>
+              <a:rPr lang="zh-CN" altLang="en-US" sz="1400" dirty="0" smtClean="0"/>
+              <a:t>位本地号 </a:t>
+            </a:r>
+            <a:r>
+              <a:rPr lang="en-US" altLang="zh-CN" sz="1400" dirty="0" smtClean="0"/>
+              <a:t>(</a:t>
+            </a:r>
+            <a:r>
+              <a:rPr lang="zh-CN" altLang="en-US" sz="1400" dirty="0" smtClean="0"/>
+              <a:t>如</a:t>
+            </a:r>
+            <a:r>
+              <a:rPr lang="en-US" altLang="zh-CN" sz="1400" dirty="0" smtClean="0"/>
+              <a:t>:0471-1234567)</a:t>
+            </a:r>
+          </a:p>
+          <a:p>
+            <a:r>
+              <a:rPr lang="zh-CN" altLang="en-US" sz="1400" dirty="0" smtClean="0"/>
+              <a:t>代码见</a:t>
+            </a:r>
+            <a:r>
+              <a:rPr lang="en-US" altLang="zh-CN" sz="1400" dirty="0" smtClean="0"/>
+              <a:t>3.3.4-2 </a:t>
+            </a:r>
+            <a:r>
+              <a:rPr lang="zh-CN" altLang="en-US" sz="1400" dirty="0"/>
+              <a:t>分支</a:t>
+            </a:r>
+            <a:r>
+              <a:rPr lang="en-US" altLang="zh-CN" sz="1400" dirty="0"/>
+              <a:t>.</a:t>
+            </a:r>
+            <a:r>
+              <a:rPr lang="en-US" altLang="zh-CN" sz="1400" dirty="0" err="1" smtClean="0"/>
+              <a:t>php</a:t>
+            </a:r>
+            <a:endParaRPr lang="en-US" altLang="zh-CN" sz="1400" dirty="0" smtClean="0"/>
+          </a:p>
+          <a:p>
+            <a:endParaRPr lang="zh-CN" altLang="en-US" sz="1400" dirty="0"/>
+          </a:p>
+        </p:txBody>
+      </p:sp>
+      <p:pic>
+        <p:nvPicPr>
+          <p:cNvPr id="3074" name="Picture 2"/>
+          <p:cNvPicPr>
+            <a:picLocks noChangeAspect="1" noChangeArrowheads="1"/>
+          </p:cNvPicPr>
+          <p:nvPr/>
+        </p:nvPicPr>
+        <p:blipFill>
+          <a:blip r:embed="rId2">
+            <a:extLst>
+              <a:ext uri="{28A0092B-C50C-407E-A947-70E740481C1C}">
+                <a14:useLocalDpi xmlns:a14="http://schemas.microsoft.com/office/drawing/2010/main" val="0"/>
+              </a:ext>
+            </a:extLst>
+          </a:blip>
+          <a:srcRect/>
+          <a:stretch>
+            <a:fillRect/>
+          </a:stretch>
+        </p:blipFill>
+        <p:spPr bwMode="auto">
+          <a:xfrm>
+            <a:off x="-2484784" y="2708920"/>
+            <a:ext cx="6057900" cy="2809875"/>
+          </a:xfrm>
+          <a:prstGeom prst="rect">
+            <a:avLst/>
+          </a:prstGeom>
+          <a:noFill/>
+          <a:ln>
+            <a:noFill/>
+          </a:ln>
+          <a:effectLst/>
+          <a:extLst>
+            <a:ext uri="{909E8E84-426E-40DD-AFC4-6F175D3DCCD1}">
+              <a14:hiddenFill xmlns:a14="http://schemas.microsoft.com/office/drawing/2010/main">
+                <a:solidFill>
+                  <a:schemeClr val="accent1"/>
+                </a:solidFill>
+              </a14:hiddenFill>
+            </a:ext>
+            <a:ext uri="{91240B29-F687-4F45-9708-019B960494DF}">
+              <a14:hiddenLine xmlns:a14="http://schemas.microsoft.com/office/drawing/2010/main" w="9525">
+                <a:solidFill>
+                  <a:schemeClr val="tx1"/>
+                </a:solidFill>
+                <a:miter lim="800000"/>
+                <a:headEnd/>
+                <a:tailEnd/>
+              </a14:hiddenLine>
+            </a:ext>
+            <a:ext uri="{AF507438-7753-43E0-B8FC-AC1667EBCBE1}">
+              <a14:hiddenEffects xmlns:a14="http://schemas.microsoft.com/office/drawing/2010/main">
+                <a:effectLst>
+                  <a:outerShdw dist="35921" dir="2700000" algn="ctr" rotWithShape="0">
+                    <a:schemeClr val="bg2"/>
+                  </a:outerShdw>
+                </a:effectLst>
+              </a14:hiddenEffects>
+            </a:ext>
+          </a:extLst>
+        </p:spPr>
+      </p:pic>
+      <p:pic>
+        <p:nvPicPr>
+          <p:cNvPr id="3075" name="Picture 3"/>
+          <p:cNvPicPr>
+            <a:picLocks noChangeAspect="1" noChangeArrowheads="1"/>
+          </p:cNvPicPr>
+          <p:nvPr/>
+        </p:nvPicPr>
+        <p:blipFill>
+          <a:blip r:embed="rId3">
+            <a:extLst>
+              <a:ext uri="{28A0092B-C50C-407E-A947-70E740481C1C}">
+                <a14:useLocalDpi xmlns:a14="http://schemas.microsoft.com/office/drawing/2010/main" val="0"/>
+              </a:ext>
+            </a:extLst>
+          </a:blip>
+          <a:srcRect/>
+          <a:stretch>
+            <a:fillRect/>
+          </a:stretch>
+        </p:blipFill>
+        <p:spPr bwMode="auto">
+          <a:xfrm>
+            <a:off x="3573116" y="2708920"/>
+            <a:ext cx="9182100" cy="2781300"/>
+          </a:xfrm>
+          <a:prstGeom prst="rect">
+            <a:avLst/>
+          </a:prstGeom>
+          <a:noFill/>
+          <a:ln>
+            <a:noFill/>
+          </a:ln>
+          <a:effectLst/>
+          <a:extLst>
+            <a:ext uri="{909E8E84-426E-40DD-AFC4-6F175D3DCCD1}">
+              <a14:hiddenFill xmlns:a14="http://schemas.microsoft.com/office/drawing/2010/main">
+                <a:solidFill>
+                  <a:schemeClr val="accent1"/>
+                </a:solidFill>
+              </a14:hiddenFill>
+            </a:ext>
+            <a:ext uri="{91240B29-F687-4F45-9708-019B960494DF}">
+              <a14:hiddenLine xmlns:a14="http://schemas.microsoft.com/office/drawing/2010/main" w="9525">
+                <a:solidFill>
+                  <a:schemeClr val="tx1"/>
+                </a:solidFill>
+                <a:miter lim="800000"/>
+                <a:headEnd/>
+                <a:tailEnd/>
+              </a14:hiddenLine>
+            </a:ext>
+            <a:ext uri="{AF507438-7753-43E0-B8FC-AC1667EBCBE1}">
+              <a14:hiddenEffects xmlns:a14="http://schemas.microsoft.com/office/drawing/2010/main">
+                <a:effectLst>
+                  <a:outerShdw dist="35921" dir="2700000" algn="ctr" rotWithShape="0">
+                    <a:schemeClr val="bg2"/>
+                  </a:outerShdw>
+                </a:effectLst>
+              </a14:hiddenEffects>
+            </a:ext>
+          </a:extLst>
+        </p:spPr>
+      </p:pic>
+    </p:spTree>
+    <p:extLst>
+      <p:ext uri="{BB962C8B-B14F-4D97-AF65-F5344CB8AC3E}">
+        <p14:creationId xmlns:p14="http://schemas.microsoft.com/office/powerpoint/2010/main" val="878889703"/>
+      </p:ext>
+    </p:extLst>
+  </p:cSld>
+  <p:clrMapOvr>
+    <a:masterClrMapping/>
+  </p:clrMapOvr>
+</p:sld>
+</file>
+
+<file path=ppt/slides/slide27.xml><?xml version="1.0" encoding="utf-8"?>
+<p:sld xmlns:a="http://schemas.openxmlformats.org/drawingml/2006/main" xmlns:r="http://schemas.openxmlformats.org/officeDocument/2006/relationships" xmlns:p="http://schemas.openxmlformats.org/presentationml/2006/main">
+  <p:cSld>
+    <p:spTree>
+      <p:nvGrpSpPr>
+        <p:cNvPr id="1" name=""/>
+        <p:cNvGrpSpPr/>
+        <p:nvPr/>
+      </p:nvGrpSpPr>
+      <p:grpSpPr>
+        <a:xfrm>
+          <a:off x="0" y="0"/>
+          <a:ext cx="0" cy="0"/>
+          <a:chOff x="0" y="0"/>
+          <a:chExt cx="0" cy="0"/>
+        </a:xfrm>
+      </p:grpSpPr>
+      <p:sp>
+        <p:nvSpPr>
+          <p:cNvPr id="2" name="标题 1"/>
+          <p:cNvSpPr>
+            <a:spLocks noGrp="1"/>
+          </p:cNvSpPr>
+          <p:nvPr>
+            <p:ph type="title"/>
+          </p:nvPr>
+        </p:nvSpPr>
+        <p:spPr/>
+        <p:txBody>
+          <a:bodyPr/>
+          <a:lstStyle/>
+          <a:p>
+            <a:r>
+              <a:rPr lang="en-US" altLang="zh-CN" dirty="0"/>
+              <a:t>3.3.4 </a:t>
+            </a:r>
+            <a:r>
+              <a:rPr lang="zh-CN" altLang="en-US" dirty="0"/>
+              <a:t>分支</a:t>
+            </a:r>
+          </a:p>
+        </p:txBody>
+      </p:sp>
+      <p:sp>
+        <p:nvSpPr>
+          <p:cNvPr id="3" name="内容占位符 2"/>
+          <p:cNvSpPr>
+            <a:spLocks noGrp="1"/>
+          </p:cNvSpPr>
+          <p:nvPr>
+            <p:ph idx="1"/>
+          </p:nvPr>
+        </p:nvSpPr>
+        <p:spPr/>
+        <p:txBody>
+          <a:bodyPr>
+            <a:normAutofit/>
+          </a:bodyPr>
+          <a:lstStyle/>
+          <a:p>
+            <a:r>
+              <a:rPr lang="en-US" altLang="zh-CN" sz="1400" dirty="0" smtClean="0"/>
+              <a:t>2) </a:t>
+            </a:r>
+            <a:r>
+              <a:rPr lang="zh-CN" altLang="en-US" sz="1400" dirty="0" smtClean="0"/>
+              <a:t>使用正则表达式，匹配如下</a:t>
+            </a:r>
+            <a:r>
+              <a:rPr lang="en-US" altLang="zh-CN" sz="1400" dirty="0" smtClean="0"/>
+              <a:t>2</a:t>
+            </a:r>
+            <a:r>
+              <a:rPr lang="zh-CN" altLang="en-US" sz="1400" dirty="0" smtClean="0"/>
+              <a:t>种格式的美国邮编</a:t>
+            </a:r>
+            <a:endParaRPr lang="en-US" altLang="zh-CN" sz="1400" dirty="0" smtClean="0"/>
+          </a:p>
+          <a:p>
+            <a:r>
+              <a:rPr lang="zh-CN" altLang="en-US" sz="1400" dirty="0" smtClean="0"/>
+              <a:t>① 仅有</a:t>
+            </a:r>
+            <a:r>
+              <a:rPr lang="en-US" altLang="zh-CN" sz="1400" dirty="0" smtClean="0"/>
+              <a:t>5</a:t>
+            </a:r>
+            <a:r>
+              <a:rPr lang="zh-CN" altLang="en-US" sz="1400" dirty="0" smtClean="0"/>
+              <a:t>位数字 </a:t>
+            </a:r>
+            <a:r>
+              <a:rPr lang="en-US" altLang="zh-CN" sz="1400" dirty="0" smtClean="0"/>
+              <a:t>(</a:t>
+            </a:r>
+            <a:r>
+              <a:rPr lang="zh-CN" altLang="en-US" sz="1400" dirty="0" smtClean="0"/>
+              <a:t>如</a:t>
+            </a:r>
+            <a:r>
+              <a:rPr lang="en-US" altLang="zh-CN" sz="1400" dirty="0" smtClean="0"/>
+              <a:t>:12345)</a:t>
+            </a:r>
+          </a:p>
+          <a:p>
+            <a:r>
+              <a:rPr lang="zh-CN" altLang="en-US" sz="1400" dirty="0" smtClean="0"/>
+              <a:t>② </a:t>
+            </a:r>
+            <a:r>
+              <a:rPr lang="en-US" altLang="zh-CN" sz="1400" dirty="0" smtClean="0"/>
+              <a:t>5</a:t>
+            </a:r>
+            <a:r>
+              <a:rPr lang="zh-CN" altLang="en-US" sz="1400" dirty="0" smtClean="0"/>
+              <a:t>位数字</a:t>
+            </a:r>
+            <a:r>
+              <a:rPr lang="en-US" altLang="zh-CN" sz="1400" dirty="0" smtClean="0"/>
+              <a:t>-4</a:t>
+            </a:r>
+            <a:r>
+              <a:rPr lang="zh-CN" altLang="en-US" sz="1400" dirty="0" smtClean="0"/>
+              <a:t>位数字 </a:t>
+            </a:r>
+            <a:r>
+              <a:rPr lang="en-US" altLang="zh-CN" sz="1400" dirty="0" smtClean="0"/>
+              <a:t>(</a:t>
+            </a:r>
+            <a:r>
+              <a:rPr lang="zh-CN" altLang="en-US" sz="1400" dirty="0" smtClean="0"/>
+              <a:t>如</a:t>
+            </a:r>
+            <a:r>
+              <a:rPr lang="en-US" altLang="zh-CN" sz="1400" dirty="0" smtClean="0"/>
+              <a:t>:12345-1234)</a:t>
+            </a:r>
+          </a:p>
+          <a:p>
+            <a:r>
+              <a:rPr lang="zh-CN" altLang="en-US" sz="1400" dirty="0" smtClean="0"/>
+              <a:t>代码见</a:t>
+            </a:r>
+            <a:r>
+              <a:rPr lang="en-US" altLang="zh-CN" sz="1400" dirty="0" smtClean="0"/>
+              <a:t>3.3.4-3 </a:t>
+            </a:r>
+            <a:r>
+              <a:rPr lang="zh-CN" altLang="en-US" sz="1400" dirty="0"/>
+              <a:t>分支</a:t>
+            </a:r>
+            <a:r>
+              <a:rPr lang="en-US" altLang="zh-CN" sz="1400" dirty="0"/>
+              <a:t>.</a:t>
+            </a:r>
+            <a:r>
+              <a:rPr lang="en-US" altLang="zh-CN" sz="1400" dirty="0" err="1"/>
+              <a:t>php</a:t>
+            </a:r>
+            <a:endParaRPr lang="en-US" altLang="zh-CN" sz="1400" dirty="0"/>
+          </a:p>
+          <a:p>
+            <a:r>
+              <a:rPr lang="zh-CN" altLang="en-US" sz="1400" dirty="0" smtClean="0"/>
+              <a:t>我的想法</a:t>
+            </a:r>
+            <a:r>
+              <a:rPr lang="en-US" altLang="zh-CN" sz="1400" dirty="0" smtClean="0"/>
+              <a:t>:</a:t>
+            </a:r>
+          </a:p>
+          <a:p>
+            <a:r>
+              <a:rPr lang="zh-CN" altLang="en-US" sz="1400" dirty="0" smtClean="0"/>
+              <a:t>我顺着这个需求，直接写出了</a:t>
+            </a:r>
+            <a:r>
+              <a:rPr lang="en-US" altLang="zh-CN" sz="1400" dirty="0" smtClean="0"/>
+              <a:t>\d{5}|\d{5}-\d{4}</a:t>
+            </a:r>
+            <a:r>
+              <a:rPr lang="zh-CN" altLang="en-US" sz="1400" dirty="0" smtClean="0"/>
+              <a:t>的这样一个正则。但是这个正则是错误的，因为当待匹配字符串的模式为</a:t>
+            </a:r>
+            <a:r>
+              <a:rPr lang="en-US" altLang="zh-CN" sz="1400" dirty="0" smtClean="0"/>
+              <a:t>”5</a:t>
+            </a:r>
+            <a:r>
+              <a:rPr lang="zh-CN" altLang="en-US" sz="1400" dirty="0" smtClean="0"/>
+              <a:t>位数字</a:t>
+            </a:r>
+            <a:r>
+              <a:rPr lang="en-US" altLang="zh-CN" sz="1400" dirty="0" smtClean="0"/>
+              <a:t>-4</a:t>
+            </a:r>
+            <a:r>
+              <a:rPr lang="zh-CN" altLang="en-US" sz="1400" dirty="0" smtClean="0"/>
+              <a:t>位数字</a:t>
+            </a:r>
+            <a:r>
+              <a:rPr lang="en-US" altLang="zh-CN" sz="1400" dirty="0" smtClean="0"/>
+              <a:t>”</a:t>
+            </a:r>
+            <a:r>
+              <a:rPr lang="zh-CN" altLang="en-US" sz="1400" dirty="0" smtClean="0"/>
+              <a:t>时，该表达式仅匹配了</a:t>
+            </a:r>
+            <a:r>
+              <a:rPr lang="en-US" altLang="zh-CN" sz="1400" dirty="0" smtClean="0"/>
+              <a:t>-</a:t>
+            </a:r>
+            <a:r>
+              <a:rPr lang="zh-CN" altLang="en-US" sz="1400" dirty="0" smtClean="0"/>
+              <a:t>前的</a:t>
+            </a:r>
+            <a:r>
+              <a:rPr lang="en-US" altLang="zh-CN" sz="1400" dirty="0" smtClean="0"/>
+              <a:t>5</a:t>
+            </a:r>
+            <a:r>
+              <a:rPr lang="zh-CN" altLang="en-US" sz="1400" dirty="0" smtClean="0"/>
+              <a:t>位数字，也就是说任何符合需求①的待匹配字符串，无论它的模式是否为需求②，都将直接匹配该字符串的前</a:t>
+            </a:r>
+            <a:r>
+              <a:rPr lang="en-US" altLang="zh-CN" sz="1400" dirty="0" smtClean="0"/>
+              <a:t>5</a:t>
+            </a:r>
+            <a:r>
+              <a:rPr lang="zh-CN" altLang="en-US" sz="1400" dirty="0" smtClean="0"/>
+              <a:t>个数字字符并结束匹配。</a:t>
+            </a:r>
+            <a:endParaRPr lang="en-US" altLang="zh-CN" sz="1400" dirty="0" smtClean="0"/>
+          </a:p>
+          <a:p>
+            <a:r>
+              <a:rPr lang="zh-CN" altLang="en-US" sz="1400" dirty="0" smtClean="0"/>
+              <a:t>修改思路</a:t>
+            </a:r>
+            <a:r>
+              <a:rPr lang="en-US" altLang="zh-CN" sz="1400" dirty="0" smtClean="0"/>
+              <a:t>:</a:t>
+            </a:r>
+          </a:p>
+          <a:p>
+            <a:r>
+              <a:rPr lang="zh-CN" altLang="en-US" sz="1400" dirty="0" smtClean="0"/>
+              <a:t>根据需求可知，需求②的模式比需求①的更加严格，也就是说，当匹配到需求①的模式时，必须满足待匹配字符串不满足需求②，才能开始对需求①的匹配。</a:t>
+            </a:r>
+            <a:endParaRPr lang="en-US" altLang="zh-CN" sz="1400" dirty="0" smtClean="0"/>
+          </a:p>
+          <a:p>
+            <a:r>
+              <a:rPr lang="zh-CN" altLang="en-US" sz="1400" dirty="0" smtClean="0"/>
+              <a:t>因此，我们的修改思路为</a:t>
+            </a:r>
+            <a:r>
+              <a:rPr lang="en-US" altLang="zh-CN" sz="1400" dirty="0" smtClean="0"/>
+              <a:t>:</a:t>
+            </a:r>
+            <a:r>
+              <a:rPr lang="zh-CN" altLang="en-US" sz="1400" dirty="0" smtClean="0"/>
+              <a:t>将</a:t>
+            </a:r>
+            <a:r>
+              <a:rPr lang="en-US" altLang="zh-CN" sz="1400" dirty="0" smtClean="0"/>
+              <a:t>|</a:t>
+            </a:r>
+            <a:r>
+              <a:rPr lang="zh-CN" altLang="en-US" sz="1400" dirty="0" smtClean="0"/>
+              <a:t>后的</a:t>
+            </a:r>
+            <a:r>
+              <a:rPr lang="en-US" altLang="zh-CN" sz="1400" dirty="0" smtClean="0"/>
+              <a:t>\d{5}-\d{4}</a:t>
+            </a:r>
+            <a:r>
+              <a:rPr lang="zh-CN" altLang="en-US" sz="1400" dirty="0" smtClean="0"/>
+              <a:t>和</a:t>
+            </a:r>
+            <a:r>
+              <a:rPr lang="en-US" altLang="zh-CN" sz="1400" dirty="0" smtClean="0"/>
+              <a:t>|</a:t>
+            </a:r>
+            <a:r>
+              <a:rPr lang="zh-CN" altLang="en-US" sz="1400" dirty="0" smtClean="0"/>
+              <a:t>前的</a:t>
+            </a:r>
+            <a:r>
+              <a:rPr lang="en-US" altLang="zh-CN" sz="1400" dirty="0" smtClean="0"/>
+              <a:t>\d{5}</a:t>
+            </a:r>
+            <a:r>
+              <a:rPr lang="zh-CN" altLang="en-US" sz="1400" dirty="0" smtClean="0"/>
+              <a:t>调换位置即可。</a:t>
+            </a:r>
+            <a:endParaRPr lang="zh-CN" altLang="en-US" sz="1400" dirty="0"/>
+          </a:p>
+        </p:txBody>
+      </p:sp>
+      <p:pic>
+        <p:nvPicPr>
+          <p:cNvPr id="4098" name="Picture 2"/>
+          <p:cNvPicPr>
+            <a:picLocks noChangeAspect="1" noChangeArrowheads="1"/>
+          </p:cNvPicPr>
+          <p:nvPr/>
+        </p:nvPicPr>
+        <p:blipFill>
+          <a:blip r:embed="rId2">
+            <a:extLst>
+              <a:ext uri="{28A0092B-C50C-407E-A947-70E740481C1C}">
+                <a14:useLocalDpi xmlns:a14="http://schemas.microsoft.com/office/drawing/2010/main" val="0"/>
+              </a:ext>
+            </a:extLst>
+          </a:blip>
+          <a:srcRect/>
+          <a:stretch>
+            <a:fillRect/>
+          </a:stretch>
+        </p:blipFill>
+        <p:spPr bwMode="auto">
+          <a:xfrm>
+            <a:off x="-2700808" y="5301208"/>
+            <a:ext cx="6019800" cy="2857500"/>
+          </a:xfrm>
+          <a:prstGeom prst="rect">
+            <a:avLst/>
+          </a:prstGeom>
+          <a:noFill/>
+          <a:ln>
+            <a:noFill/>
+          </a:ln>
+          <a:effectLst/>
+          <a:extLst>
+            <a:ext uri="{909E8E84-426E-40DD-AFC4-6F175D3DCCD1}">
+              <a14:hiddenFill xmlns:a14="http://schemas.microsoft.com/office/drawing/2010/main">
+                <a:solidFill>
+                  <a:schemeClr val="accent1"/>
+                </a:solidFill>
+              </a14:hiddenFill>
+            </a:ext>
+            <a:ext uri="{91240B29-F687-4F45-9708-019B960494DF}">
+              <a14:hiddenLine xmlns:a14="http://schemas.microsoft.com/office/drawing/2010/main" w="9525">
+                <a:solidFill>
+                  <a:schemeClr val="tx1"/>
+                </a:solidFill>
+                <a:miter lim="800000"/>
+                <a:headEnd/>
+                <a:tailEnd/>
+              </a14:hiddenLine>
+            </a:ext>
+            <a:ext uri="{AF507438-7753-43E0-B8FC-AC1667EBCBE1}">
+              <a14:hiddenEffects xmlns:a14="http://schemas.microsoft.com/office/drawing/2010/main">
+                <a:effectLst>
+                  <a:outerShdw dist="35921" dir="2700000" algn="ctr" rotWithShape="0">
+                    <a:schemeClr val="bg2"/>
+                  </a:outerShdw>
+                </a:effectLst>
+              </a14:hiddenEffects>
+            </a:ext>
+          </a:extLst>
+        </p:spPr>
+      </p:pic>
+      <p:pic>
+        <p:nvPicPr>
+          <p:cNvPr id="4099" name="Picture 3"/>
+          <p:cNvPicPr>
+            <a:picLocks noChangeAspect="1" noChangeArrowheads="1"/>
+          </p:cNvPicPr>
+          <p:nvPr/>
+        </p:nvPicPr>
+        <p:blipFill>
+          <a:blip r:embed="rId3">
+            <a:extLst>
+              <a:ext uri="{28A0092B-C50C-407E-A947-70E740481C1C}">
+                <a14:useLocalDpi xmlns:a14="http://schemas.microsoft.com/office/drawing/2010/main" val="0"/>
+              </a:ext>
+            </a:extLst>
+          </a:blip>
+          <a:srcRect/>
+          <a:stretch>
+            <a:fillRect/>
+          </a:stretch>
+        </p:blipFill>
+        <p:spPr bwMode="auto">
+          <a:xfrm>
+            <a:off x="3318992" y="5301208"/>
+            <a:ext cx="9075737" cy="1990725"/>
+          </a:xfrm>
+          <a:prstGeom prst="rect">
+            <a:avLst/>
+          </a:prstGeom>
+          <a:noFill/>
+          <a:ln>
+            <a:noFill/>
+          </a:ln>
+          <a:effectLst/>
+          <a:extLst>
+            <a:ext uri="{909E8E84-426E-40DD-AFC4-6F175D3DCCD1}">
+              <a14:hiddenFill xmlns:a14="http://schemas.microsoft.com/office/drawing/2010/main">
+                <a:solidFill>
+                  <a:schemeClr val="accent1"/>
+                </a:solidFill>
+              </a14:hiddenFill>
+            </a:ext>
+            <a:ext uri="{91240B29-F687-4F45-9708-019B960494DF}">
+              <a14:hiddenLine xmlns:a14="http://schemas.microsoft.com/office/drawing/2010/main" w="9525">
+                <a:solidFill>
+                  <a:schemeClr val="tx1"/>
+                </a:solidFill>
+                <a:miter lim="800000"/>
+                <a:headEnd/>
+                <a:tailEnd/>
+              </a14:hiddenLine>
+            </a:ext>
+            <a:ext uri="{AF507438-7753-43E0-B8FC-AC1667EBCBE1}">
+              <a14:hiddenEffects xmlns:a14="http://schemas.microsoft.com/office/drawing/2010/main">
+                <a:effectLst>
+                  <a:outerShdw dist="35921" dir="2700000" algn="ctr" rotWithShape="0">
+                    <a:schemeClr val="bg2"/>
+                  </a:outerShdw>
+                </a:effectLst>
+              </a14:hiddenEffects>
+            </a:ext>
+          </a:extLst>
+        </p:spPr>
+      </p:pic>
+    </p:spTree>
+    <p:extLst>
+      <p:ext uri="{BB962C8B-B14F-4D97-AF65-F5344CB8AC3E}">
+        <p14:creationId xmlns:p14="http://schemas.microsoft.com/office/powerpoint/2010/main" val="87921306"/>
+      </p:ext>
+    </p:extLst>
+  </p:cSld>
+  <p:clrMapOvr>
+    <a:masterClrMapping/>
+  </p:clrMapOvr>
+</p:sld>
+</file>
+
+<file path=ppt/slides/slide28.xml><?xml version="1.0" encoding="utf-8"?>
+<p:sld xmlns:a="http://schemas.openxmlformats.org/drawingml/2006/main" xmlns:r="http://schemas.openxmlformats.org/officeDocument/2006/relationships" xmlns:p="http://schemas.openxmlformats.org/presentationml/2006/main">
+  <p:cSld>
+    <p:spTree>
+      <p:nvGrpSpPr>
+        <p:cNvPr id="1" name=""/>
+        <p:cNvGrpSpPr/>
+        <p:nvPr/>
+      </p:nvGrpSpPr>
+      <p:grpSpPr>
+        <a:xfrm>
+          <a:off x="0" y="0"/>
+          <a:ext cx="0" cy="0"/>
+          <a:chOff x="0" y="0"/>
+          <a:chExt cx="0" cy="0"/>
+        </a:xfrm>
+      </p:grpSpPr>
+      <p:sp>
+        <p:nvSpPr>
+          <p:cNvPr id="2" name="标题 1"/>
+          <p:cNvSpPr>
+            <a:spLocks noGrp="1"/>
+          </p:cNvSpPr>
+          <p:nvPr>
+            <p:ph type="title"/>
+          </p:nvPr>
+        </p:nvSpPr>
+        <p:spPr/>
+        <p:txBody>
+          <a:bodyPr/>
+          <a:lstStyle/>
+          <a:p>
+            <a:r>
+              <a:rPr lang="en-US" altLang="zh-CN" dirty="0"/>
+              <a:t>3.3.4 </a:t>
+            </a:r>
+            <a:r>
+              <a:rPr lang="zh-CN" altLang="en-US" dirty="0"/>
+              <a:t>分支</a:t>
+            </a:r>
+          </a:p>
+        </p:txBody>
+      </p:sp>
+      <p:sp>
+        <p:nvSpPr>
+          <p:cNvPr id="3" name="内容占位符 2"/>
+          <p:cNvSpPr>
+            <a:spLocks noGrp="1"/>
+          </p:cNvSpPr>
+          <p:nvPr>
+            <p:ph idx="1"/>
+          </p:nvPr>
+        </p:nvSpPr>
+        <p:spPr/>
+        <p:txBody>
+          <a:bodyPr>
+            <a:normAutofit/>
+          </a:bodyPr>
+          <a:lstStyle/>
+          <a:p>
+            <a:r>
+              <a:rPr lang="zh-CN" altLang="en-US" sz="1400" dirty="0"/>
+              <a:t>从</a:t>
+            </a:r>
+            <a:r>
+              <a:rPr lang="zh-CN" altLang="en-US" sz="1400" dirty="0" smtClean="0"/>
+              <a:t>这个例子中，可以得出结论：</a:t>
+            </a:r>
+            <a:endParaRPr lang="en-US" altLang="zh-CN" sz="1400" dirty="0" smtClean="0"/>
+          </a:p>
+          <a:p>
+            <a:r>
+              <a:rPr lang="zh-CN" altLang="en-US" sz="1400" b="1" dirty="0" smtClean="0">
+                <a:solidFill>
+                  <a:srgbClr val="FF0000"/>
+                </a:solidFill>
+              </a:rPr>
+              <a:t>匹配分支条件时，匹配顺序为从左到右。如果满足某个分支，就不会再考虑其他分支的可能性。因此，当两个分支存在交集时，应该将条件较为严格的分支放在分支条件的左侧。</a:t>
+            </a:r>
+            <a:endParaRPr lang="en-US" altLang="zh-CN" sz="1400" b="1" dirty="0" smtClean="0">
+              <a:solidFill>
+                <a:srgbClr val="FF0000"/>
+              </a:solidFill>
+            </a:endParaRPr>
+          </a:p>
+        </p:txBody>
+      </p:sp>
+      <p:pic>
+        <p:nvPicPr>
+          <p:cNvPr id="5122" name="Picture 2"/>
+          <p:cNvPicPr>
+            <a:picLocks noChangeAspect="1" noChangeArrowheads="1"/>
+          </p:cNvPicPr>
+          <p:nvPr/>
+        </p:nvPicPr>
+        <p:blipFill>
+          <a:blip r:embed="rId2">
+            <a:extLst>
+              <a:ext uri="{28A0092B-C50C-407E-A947-70E740481C1C}">
+                <a14:useLocalDpi xmlns:a14="http://schemas.microsoft.com/office/drawing/2010/main" val="0"/>
+              </a:ext>
+            </a:extLst>
+          </a:blip>
+          <a:srcRect/>
+          <a:stretch>
+            <a:fillRect/>
+          </a:stretch>
+        </p:blipFill>
+        <p:spPr bwMode="auto">
+          <a:xfrm>
+            <a:off x="-2772816" y="6021288"/>
+            <a:ext cx="5962650" cy="1819275"/>
+          </a:xfrm>
+          <a:prstGeom prst="rect">
+            <a:avLst/>
+          </a:prstGeom>
+          <a:noFill/>
+          <a:ln>
+            <a:noFill/>
+          </a:ln>
+          <a:effectLst/>
+          <a:extLst>
+            <a:ext uri="{909E8E84-426E-40DD-AFC4-6F175D3DCCD1}">
+              <a14:hiddenFill xmlns:a14="http://schemas.microsoft.com/office/drawing/2010/main">
+                <a:solidFill>
+                  <a:schemeClr val="accent1"/>
+                </a:solidFill>
+              </a14:hiddenFill>
+            </a:ext>
+            <a:ext uri="{91240B29-F687-4F45-9708-019B960494DF}">
+              <a14:hiddenLine xmlns:a14="http://schemas.microsoft.com/office/drawing/2010/main" w="9525">
+                <a:solidFill>
+                  <a:schemeClr val="tx1"/>
+                </a:solidFill>
+                <a:miter lim="800000"/>
+                <a:headEnd/>
+                <a:tailEnd/>
+              </a14:hiddenLine>
+            </a:ext>
+            <a:ext uri="{AF507438-7753-43E0-B8FC-AC1667EBCBE1}">
+              <a14:hiddenEffects xmlns:a14="http://schemas.microsoft.com/office/drawing/2010/main">
+                <a:effectLst>
+                  <a:outerShdw dist="35921" dir="2700000" algn="ctr" rotWithShape="0">
+                    <a:schemeClr val="bg2"/>
+                  </a:outerShdw>
+                </a:effectLst>
+              </a14:hiddenEffects>
+            </a:ext>
+          </a:extLst>
+        </p:spPr>
+      </p:pic>
+      <p:pic>
+        <p:nvPicPr>
+          <p:cNvPr id="5123" name="Picture 3"/>
+          <p:cNvPicPr>
+            <a:picLocks noChangeAspect="1" noChangeArrowheads="1"/>
+          </p:cNvPicPr>
+          <p:nvPr/>
+        </p:nvPicPr>
+        <p:blipFill>
+          <a:blip r:embed="rId3">
+            <a:extLst>
+              <a:ext uri="{28A0092B-C50C-407E-A947-70E740481C1C}">
+                <a14:useLocalDpi xmlns:a14="http://schemas.microsoft.com/office/drawing/2010/main" val="0"/>
+              </a:ext>
+            </a:extLst>
+          </a:blip>
+          <a:srcRect/>
+          <a:stretch>
+            <a:fillRect/>
+          </a:stretch>
+        </p:blipFill>
+        <p:spPr bwMode="auto">
+          <a:xfrm>
+            <a:off x="3189834" y="6037675"/>
+            <a:ext cx="9142413" cy="2162175"/>
+          </a:xfrm>
+          <a:prstGeom prst="rect">
+            <a:avLst/>
+          </a:prstGeom>
+          <a:noFill/>
+          <a:ln>
+            <a:noFill/>
+          </a:ln>
+          <a:effectLst/>
+          <a:extLst>
+            <a:ext uri="{909E8E84-426E-40DD-AFC4-6F175D3DCCD1}">
+              <a14:hiddenFill xmlns:a14="http://schemas.microsoft.com/office/drawing/2010/main">
+                <a:solidFill>
+                  <a:schemeClr val="accent1"/>
+                </a:solidFill>
+              </a14:hiddenFill>
+            </a:ext>
+            <a:ext uri="{91240B29-F687-4F45-9708-019B960494DF}">
+              <a14:hiddenLine xmlns:a14="http://schemas.microsoft.com/office/drawing/2010/main" w="9525">
+                <a:solidFill>
+                  <a:schemeClr val="tx1"/>
+                </a:solidFill>
+                <a:miter lim="800000"/>
+                <a:headEnd/>
+                <a:tailEnd/>
+              </a14:hiddenLine>
+            </a:ext>
+            <a:ext uri="{AF507438-7753-43E0-B8FC-AC1667EBCBE1}">
+              <a14:hiddenEffects xmlns:a14="http://schemas.microsoft.com/office/drawing/2010/main">
+                <a:effectLst>
+                  <a:outerShdw dist="35921" dir="2700000" algn="ctr" rotWithShape="0">
+                    <a:schemeClr val="bg2"/>
+                  </a:outerShdw>
+                </a:effectLst>
+              </a14:hiddenEffects>
+            </a:ext>
+          </a:extLst>
+        </p:spPr>
+      </p:pic>
+    </p:spTree>
+    <p:extLst>
+      <p:ext uri="{BB962C8B-B14F-4D97-AF65-F5344CB8AC3E}">
+        <p14:creationId xmlns:p14="http://schemas.microsoft.com/office/powerpoint/2010/main" val="69517537"/>
       </p:ext>
     </p:extLst>
   </p:cSld>

--- a/《PHP核心技术与最佳实践》第3章--正则表达式基础与应用/3.3 正则表达式匹配规则.pptx
+++ b/《PHP核心技术与最佳实践》第3章--正则表达式基础与应用/3.3 正则表达式匹配规则.pptx
@@ -4,6 +4,9 @@
   <p:sldMasterIdLst>
     <p:sldMasterId id="2147483648" r:id="rId1"/>
   </p:sldMasterIdLst>
+  <p:notesMasterIdLst>
+    <p:notesMasterId r:id="rId56"/>
+  </p:notesMasterIdLst>
   <p:sldIdLst>
     <p:sldId id="256" r:id="rId2"/>
     <p:sldId id="257" r:id="rId3"/>
@@ -33,6 +36,32 @@
     <p:sldId id="281" r:id="rId27"/>
     <p:sldId id="282" r:id="rId28"/>
     <p:sldId id="283" r:id="rId29"/>
+    <p:sldId id="284" r:id="rId30"/>
+    <p:sldId id="285" r:id="rId31"/>
+    <p:sldId id="286" r:id="rId32"/>
+    <p:sldId id="287" r:id="rId33"/>
+    <p:sldId id="288" r:id="rId34"/>
+    <p:sldId id="289" r:id="rId35"/>
+    <p:sldId id="290" r:id="rId36"/>
+    <p:sldId id="291" r:id="rId37"/>
+    <p:sldId id="292" r:id="rId38"/>
+    <p:sldId id="293" r:id="rId39"/>
+    <p:sldId id="295" r:id="rId40"/>
+    <p:sldId id="294" r:id="rId41"/>
+    <p:sldId id="296" r:id="rId42"/>
+    <p:sldId id="297" r:id="rId43"/>
+    <p:sldId id="298" r:id="rId44"/>
+    <p:sldId id="299" r:id="rId45"/>
+    <p:sldId id="300" r:id="rId46"/>
+    <p:sldId id="301" r:id="rId47"/>
+    <p:sldId id="302" r:id="rId48"/>
+    <p:sldId id="303" r:id="rId49"/>
+    <p:sldId id="304" r:id="rId50"/>
+    <p:sldId id="305" r:id="rId51"/>
+    <p:sldId id="306" r:id="rId52"/>
+    <p:sldId id="307" r:id="rId53"/>
+    <p:sldId id="308" r:id="rId54"/>
+    <p:sldId id="309" r:id="rId55"/>
   </p:sldIdLst>
   <p:sldSz cx="9144000" cy="6858000" type="screen4x3"/>
   <p:notesSz cx="6858000" cy="9144000"/>
@@ -132,6 +161,440 @@
     </a:lvl9pPr>
   </p:defaultTextStyle>
 </p:presentation>
+</file>
+
+<file path=ppt/notesMasters/notesMaster1.xml><?xml version="1.0" encoding="utf-8"?>
+<p:notesMaster xmlns:a="http://schemas.openxmlformats.org/drawingml/2006/main" xmlns:r="http://schemas.openxmlformats.org/officeDocument/2006/relationships" xmlns:p="http://schemas.openxmlformats.org/presentationml/2006/main">
+  <p:cSld>
+    <p:bg>
+      <p:bgRef idx="1001">
+        <a:schemeClr val="bg1"/>
+      </p:bgRef>
+    </p:bg>
+    <p:spTree>
+      <p:nvGrpSpPr>
+        <p:cNvPr id="1" name=""/>
+        <p:cNvGrpSpPr/>
+        <p:nvPr/>
+      </p:nvGrpSpPr>
+      <p:grpSpPr>
+        <a:xfrm>
+          <a:off x="0" y="0"/>
+          <a:ext cx="0" cy="0"/>
+          <a:chOff x="0" y="0"/>
+          <a:chExt cx="0" cy="0"/>
+        </a:xfrm>
+      </p:grpSpPr>
+      <p:sp>
+        <p:nvSpPr>
+          <p:cNvPr id="2" name="页眉占位符 1"/>
+          <p:cNvSpPr>
+            <a:spLocks noGrp="1"/>
+          </p:cNvSpPr>
+          <p:nvPr>
+            <p:ph type="hdr" sz="quarter"/>
+          </p:nvPr>
+        </p:nvSpPr>
+        <p:spPr>
+          <a:xfrm>
+            <a:off x="0" y="0"/>
+            <a:ext cx="2971800" cy="457200"/>
+          </a:xfrm>
+          <a:prstGeom prst="rect">
+            <a:avLst/>
+          </a:prstGeom>
+        </p:spPr>
+        <p:txBody>
+          <a:bodyPr vert="horz" lIns="91440" tIns="45720" rIns="91440" bIns="45720" rtlCol="0"/>
+          <a:lstStyle>
+            <a:lvl1pPr algn="l">
+              <a:defRPr sz="1200"/>
+            </a:lvl1pPr>
+          </a:lstStyle>
+          <a:p>
+            <a:endParaRPr lang="zh-CN" altLang="en-US"/>
+          </a:p>
+        </p:txBody>
+      </p:sp>
+      <p:sp>
+        <p:nvSpPr>
+          <p:cNvPr id="3" name="日期占位符 2"/>
+          <p:cNvSpPr>
+            <a:spLocks noGrp="1"/>
+          </p:cNvSpPr>
+          <p:nvPr>
+            <p:ph type="dt" idx="1"/>
+          </p:nvPr>
+        </p:nvSpPr>
+        <p:spPr>
+          <a:xfrm>
+            <a:off x="3884613" y="0"/>
+            <a:ext cx="2971800" cy="457200"/>
+          </a:xfrm>
+          <a:prstGeom prst="rect">
+            <a:avLst/>
+          </a:prstGeom>
+        </p:spPr>
+        <p:txBody>
+          <a:bodyPr vert="horz" lIns="91440" tIns="45720" rIns="91440" bIns="45720" rtlCol="0"/>
+          <a:lstStyle>
+            <a:lvl1pPr algn="r">
+              <a:defRPr sz="1200"/>
+            </a:lvl1pPr>
+          </a:lstStyle>
+          <a:p>
+            <a:fld id="{101A0C8A-292C-4966-B74B-97554E9A093D}" type="datetimeFigureOut">
+              <a:rPr lang="zh-CN" altLang="en-US" smtClean="0"/>
+              <a:t>2018/3/22</a:t>
+            </a:fld>
+            <a:endParaRPr lang="zh-CN" altLang="en-US"/>
+          </a:p>
+        </p:txBody>
+      </p:sp>
+      <p:sp>
+        <p:nvSpPr>
+          <p:cNvPr id="4" name="幻灯片图像占位符 3"/>
+          <p:cNvSpPr>
+            <a:spLocks noGrp="1" noRot="1" noChangeAspect="1"/>
+          </p:cNvSpPr>
+          <p:nvPr>
+            <p:ph type="sldImg" idx="2"/>
+          </p:nvPr>
+        </p:nvSpPr>
+        <p:spPr>
+          <a:xfrm>
+            <a:off x="1143000" y="685800"/>
+            <a:ext cx="4572000" cy="3429000"/>
+          </a:xfrm>
+          <a:prstGeom prst="rect">
+            <a:avLst/>
+          </a:prstGeom>
+          <a:noFill/>
+          <a:ln w="12700">
+            <a:solidFill>
+              <a:prstClr val="black"/>
+            </a:solidFill>
+          </a:ln>
+        </p:spPr>
+        <p:txBody>
+          <a:bodyPr vert="horz" lIns="91440" tIns="45720" rIns="91440" bIns="45720" rtlCol="0" anchor="ctr"/>
+          <a:lstStyle/>
+          <a:p>
+            <a:endParaRPr lang="zh-CN" altLang="en-US"/>
+          </a:p>
+        </p:txBody>
+      </p:sp>
+      <p:sp>
+        <p:nvSpPr>
+          <p:cNvPr id="5" name="备注占位符 4"/>
+          <p:cNvSpPr>
+            <a:spLocks noGrp="1"/>
+          </p:cNvSpPr>
+          <p:nvPr>
+            <p:ph type="body" sz="quarter" idx="3"/>
+          </p:nvPr>
+        </p:nvSpPr>
+        <p:spPr>
+          <a:xfrm>
+            <a:off x="685800" y="4343400"/>
+            <a:ext cx="5486400" cy="4114800"/>
+          </a:xfrm>
+          <a:prstGeom prst="rect">
+            <a:avLst/>
+          </a:prstGeom>
+        </p:spPr>
+        <p:txBody>
+          <a:bodyPr vert="horz" lIns="91440" tIns="45720" rIns="91440" bIns="45720" rtlCol="0"/>
+          <a:lstStyle/>
+          <a:p>
+            <a:pPr lvl="0"/>
+            <a:r>
+              <a:rPr lang="zh-CN" altLang="en-US" smtClean="0"/>
+              <a:t>单击此处编辑母版文本样式</a:t>
+            </a:r>
+          </a:p>
+          <a:p>
+            <a:pPr lvl="1"/>
+            <a:r>
+              <a:rPr lang="zh-CN" altLang="en-US" smtClean="0"/>
+              <a:t>第二级</a:t>
+            </a:r>
+          </a:p>
+          <a:p>
+            <a:pPr lvl="2"/>
+            <a:r>
+              <a:rPr lang="zh-CN" altLang="en-US" smtClean="0"/>
+              <a:t>第三级</a:t>
+            </a:r>
+          </a:p>
+          <a:p>
+            <a:pPr lvl="3"/>
+            <a:r>
+              <a:rPr lang="zh-CN" altLang="en-US" smtClean="0"/>
+              <a:t>第四级</a:t>
+            </a:r>
+          </a:p>
+          <a:p>
+            <a:pPr lvl="4"/>
+            <a:r>
+              <a:rPr lang="zh-CN" altLang="en-US" smtClean="0"/>
+              <a:t>第五级</a:t>
+            </a:r>
+            <a:endParaRPr lang="zh-CN" altLang="en-US"/>
+          </a:p>
+        </p:txBody>
+      </p:sp>
+      <p:sp>
+        <p:nvSpPr>
+          <p:cNvPr id="6" name="页脚占位符 5"/>
+          <p:cNvSpPr>
+            <a:spLocks noGrp="1"/>
+          </p:cNvSpPr>
+          <p:nvPr>
+            <p:ph type="ftr" sz="quarter" idx="4"/>
+          </p:nvPr>
+        </p:nvSpPr>
+        <p:spPr>
+          <a:xfrm>
+            <a:off x="0" y="8685213"/>
+            <a:ext cx="2971800" cy="457200"/>
+          </a:xfrm>
+          <a:prstGeom prst="rect">
+            <a:avLst/>
+          </a:prstGeom>
+        </p:spPr>
+        <p:txBody>
+          <a:bodyPr vert="horz" lIns="91440" tIns="45720" rIns="91440" bIns="45720" rtlCol="0" anchor="b"/>
+          <a:lstStyle>
+            <a:lvl1pPr algn="l">
+              <a:defRPr sz="1200"/>
+            </a:lvl1pPr>
+          </a:lstStyle>
+          <a:p>
+            <a:endParaRPr lang="zh-CN" altLang="en-US"/>
+          </a:p>
+        </p:txBody>
+      </p:sp>
+      <p:sp>
+        <p:nvSpPr>
+          <p:cNvPr id="7" name="灯片编号占位符 6"/>
+          <p:cNvSpPr>
+            <a:spLocks noGrp="1"/>
+          </p:cNvSpPr>
+          <p:nvPr>
+            <p:ph type="sldNum" sz="quarter" idx="5"/>
+          </p:nvPr>
+        </p:nvSpPr>
+        <p:spPr>
+          <a:xfrm>
+            <a:off x="3884613" y="8685213"/>
+            <a:ext cx="2971800" cy="457200"/>
+          </a:xfrm>
+          <a:prstGeom prst="rect">
+            <a:avLst/>
+          </a:prstGeom>
+        </p:spPr>
+        <p:txBody>
+          <a:bodyPr vert="horz" lIns="91440" tIns="45720" rIns="91440" bIns="45720" rtlCol="0" anchor="b"/>
+          <a:lstStyle>
+            <a:lvl1pPr algn="r">
+              <a:defRPr sz="1200"/>
+            </a:lvl1pPr>
+          </a:lstStyle>
+          <a:p>
+            <a:fld id="{8FE635F7-250E-4D8F-9227-339E324A9C55}" type="slidenum">
+              <a:rPr lang="zh-CN" altLang="en-US" smtClean="0"/>
+              <a:t>‹#›</a:t>
+            </a:fld>
+            <a:endParaRPr lang="zh-CN" altLang="en-US"/>
+          </a:p>
+        </p:txBody>
+      </p:sp>
+    </p:spTree>
+    <p:extLst>
+      <p:ext uri="{BB962C8B-B14F-4D97-AF65-F5344CB8AC3E}">
+        <p14:creationId xmlns:p14="http://schemas.microsoft.com/office/powerpoint/2010/main" val="2923094316"/>
+      </p:ext>
+    </p:extLst>
+  </p:cSld>
+  <p:clrMap bg1="lt1" tx1="dk1" bg2="lt2" tx2="dk2" accent1="accent1" accent2="accent2" accent3="accent3" accent4="accent4" accent5="accent5" accent6="accent6" hlink="hlink" folHlink="folHlink"/>
+  <p:notesStyle>
+    <a:lvl1pPr marL="0" algn="l" defTabSz="914400" rtl="0" eaLnBrk="1" latinLnBrk="0" hangingPunct="1">
+      <a:defRPr sz="1200" kern="1200">
+        <a:solidFill>
+          <a:schemeClr val="tx1"/>
+        </a:solidFill>
+        <a:latin typeface="+mn-lt"/>
+        <a:ea typeface="+mn-ea"/>
+        <a:cs typeface="+mn-cs"/>
+      </a:defRPr>
+    </a:lvl1pPr>
+    <a:lvl2pPr marL="457200" algn="l" defTabSz="914400" rtl="0" eaLnBrk="1" latinLnBrk="0" hangingPunct="1">
+      <a:defRPr sz="1200" kern="1200">
+        <a:solidFill>
+          <a:schemeClr val="tx1"/>
+        </a:solidFill>
+        <a:latin typeface="+mn-lt"/>
+        <a:ea typeface="+mn-ea"/>
+        <a:cs typeface="+mn-cs"/>
+      </a:defRPr>
+    </a:lvl2pPr>
+    <a:lvl3pPr marL="914400" algn="l" defTabSz="914400" rtl="0" eaLnBrk="1" latinLnBrk="0" hangingPunct="1">
+      <a:defRPr sz="1200" kern="1200">
+        <a:solidFill>
+          <a:schemeClr val="tx1"/>
+        </a:solidFill>
+        <a:latin typeface="+mn-lt"/>
+        <a:ea typeface="+mn-ea"/>
+        <a:cs typeface="+mn-cs"/>
+      </a:defRPr>
+    </a:lvl3pPr>
+    <a:lvl4pPr marL="1371600" algn="l" defTabSz="914400" rtl="0" eaLnBrk="1" latinLnBrk="0" hangingPunct="1">
+      <a:defRPr sz="1200" kern="1200">
+        <a:solidFill>
+          <a:schemeClr val="tx1"/>
+        </a:solidFill>
+        <a:latin typeface="+mn-lt"/>
+        <a:ea typeface="+mn-ea"/>
+        <a:cs typeface="+mn-cs"/>
+      </a:defRPr>
+    </a:lvl4pPr>
+    <a:lvl5pPr marL="1828800" algn="l" defTabSz="914400" rtl="0" eaLnBrk="1" latinLnBrk="0" hangingPunct="1">
+      <a:defRPr sz="1200" kern="1200">
+        <a:solidFill>
+          <a:schemeClr val="tx1"/>
+        </a:solidFill>
+        <a:latin typeface="+mn-lt"/>
+        <a:ea typeface="+mn-ea"/>
+        <a:cs typeface="+mn-cs"/>
+      </a:defRPr>
+    </a:lvl5pPr>
+    <a:lvl6pPr marL="2286000" algn="l" defTabSz="914400" rtl="0" eaLnBrk="1" latinLnBrk="0" hangingPunct="1">
+      <a:defRPr sz="1200" kern="1200">
+        <a:solidFill>
+          <a:schemeClr val="tx1"/>
+        </a:solidFill>
+        <a:latin typeface="+mn-lt"/>
+        <a:ea typeface="+mn-ea"/>
+        <a:cs typeface="+mn-cs"/>
+      </a:defRPr>
+    </a:lvl6pPr>
+    <a:lvl7pPr marL="2743200" algn="l" defTabSz="914400" rtl="0" eaLnBrk="1" latinLnBrk="0" hangingPunct="1">
+      <a:defRPr sz="1200" kern="1200">
+        <a:solidFill>
+          <a:schemeClr val="tx1"/>
+        </a:solidFill>
+        <a:latin typeface="+mn-lt"/>
+        <a:ea typeface="+mn-ea"/>
+        <a:cs typeface="+mn-cs"/>
+      </a:defRPr>
+    </a:lvl7pPr>
+    <a:lvl8pPr marL="3200400" algn="l" defTabSz="914400" rtl="0" eaLnBrk="1" latinLnBrk="0" hangingPunct="1">
+      <a:defRPr sz="1200" kern="1200">
+        <a:solidFill>
+          <a:schemeClr val="tx1"/>
+        </a:solidFill>
+        <a:latin typeface="+mn-lt"/>
+        <a:ea typeface="+mn-ea"/>
+        <a:cs typeface="+mn-cs"/>
+      </a:defRPr>
+    </a:lvl8pPr>
+    <a:lvl9pPr marL="3657600" algn="l" defTabSz="914400" rtl="0" eaLnBrk="1" latinLnBrk="0" hangingPunct="1">
+      <a:defRPr sz="1200" kern="1200">
+        <a:solidFill>
+          <a:schemeClr val="tx1"/>
+        </a:solidFill>
+        <a:latin typeface="+mn-lt"/>
+        <a:ea typeface="+mn-ea"/>
+        <a:cs typeface="+mn-cs"/>
+      </a:defRPr>
+    </a:lvl9pPr>
+  </p:notesStyle>
+</p:notesMaster>
+</file>
+
+<file path=ppt/notesSlides/notesSlide1.xml><?xml version="1.0" encoding="utf-8"?>
+<p:notes xmlns:a="http://schemas.openxmlformats.org/drawingml/2006/main" xmlns:r="http://schemas.openxmlformats.org/officeDocument/2006/relationships" xmlns:p="http://schemas.openxmlformats.org/presentationml/2006/main">
+  <p:cSld>
+    <p:spTree>
+      <p:nvGrpSpPr>
+        <p:cNvPr id="1" name=""/>
+        <p:cNvGrpSpPr/>
+        <p:nvPr/>
+      </p:nvGrpSpPr>
+      <p:grpSpPr>
+        <a:xfrm>
+          <a:off x="0" y="0"/>
+          <a:ext cx="0" cy="0"/>
+          <a:chOff x="0" y="0"/>
+          <a:chExt cx="0" cy="0"/>
+        </a:xfrm>
+      </p:grpSpPr>
+      <p:sp>
+        <p:nvSpPr>
+          <p:cNvPr id="2" name="幻灯片图像占位符 1"/>
+          <p:cNvSpPr>
+            <a:spLocks noGrp="1" noRot="1" noChangeAspect="1"/>
+          </p:cNvSpPr>
+          <p:nvPr>
+            <p:ph type="sldImg"/>
+          </p:nvPr>
+        </p:nvSpPr>
+        <p:spPr/>
+      </p:sp>
+      <p:sp>
+        <p:nvSpPr>
+          <p:cNvPr id="3" name="备注占位符 2"/>
+          <p:cNvSpPr>
+            <a:spLocks noGrp="1"/>
+          </p:cNvSpPr>
+          <p:nvPr>
+            <p:ph type="body" idx="1"/>
+          </p:nvPr>
+        </p:nvSpPr>
+        <p:spPr/>
+        <p:txBody>
+          <a:bodyPr/>
+          <a:lstStyle/>
+          <a:p>
+            <a:endParaRPr lang="zh-CN" altLang="en-US" dirty="0"/>
+          </a:p>
+        </p:txBody>
+      </p:sp>
+      <p:sp>
+        <p:nvSpPr>
+          <p:cNvPr id="4" name="灯片编号占位符 3"/>
+          <p:cNvSpPr>
+            <a:spLocks noGrp="1"/>
+          </p:cNvSpPr>
+          <p:nvPr>
+            <p:ph type="sldNum" sz="quarter" idx="10"/>
+          </p:nvPr>
+        </p:nvSpPr>
+        <p:spPr/>
+        <p:txBody>
+          <a:bodyPr/>
+          <a:lstStyle/>
+          <a:p>
+            <a:fld id="{8FE635F7-250E-4D8F-9227-339E324A9C55}" type="slidenum">
+              <a:rPr lang="zh-CN" altLang="en-US" smtClean="0"/>
+              <a:t>31</a:t>
+            </a:fld>
+            <a:endParaRPr lang="zh-CN" altLang="en-US"/>
+          </a:p>
+        </p:txBody>
+      </p:sp>
+    </p:spTree>
+    <p:extLst>
+      <p:ext uri="{BB962C8B-B14F-4D97-AF65-F5344CB8AC3E}">
+        <p14:creationId xmlns:p14="http://schemas.microsoft.com/office/powerpoint/2010/main" val="1551703559"/>
+      </p:ext>
+    </p:extLst>
+  </p:cSld>
+  <p:clrMapOvr>
+    <a:masterClrMapping/>
+  </p:clrMapOvr>
+</p:notes>
 </file>
 
 <file path=ppt/slideLayouts/slideLayout1.xml><?xml version="1.0" encoding="utf-8"?>
@@ -315,7 +778,7 @@
           <a:p>
             <a:fld id="{530820CF-B880-4189-942D-D702A7CBA730}" type="datetimeFigureOut">
               <a:rPr lang="zh-CN" altLang="en-US" smtClean="0"/>
-              <a:t>2018/3/20</a:t>
+              <a:t>2018/3/22</a:t>
             </a:fld>
             <a:endParaRPr lang="zh-CN" altLang="en-US"/>
           </a:p>
@@ -480,7 +943,7 @@
           <a:p>
             <a:fld id="{530820CF-B880-4189-942D-D702A7CBA730}" type="datetimeFigureOut">
               <a:rPr lang="zh-CN" altLang="en-US" smtClean="0"/>
-              <a:t>2018/3/20</a:t>
+              <a:t>2018/3/22</a:t>
             </a:fld>
             <a:endParaRPr lang="zh-CN" altLang="en-US"/>
           </a:p>
@@ -655,7 +1118,7 @@
           <a:p>
             <a:fld id="{530820CF-B880-4189-942D-D702A7CBA730}" type="datetimeFigureOut">
               <a:rPr lang="zh-CN" altLang="en-US" smtClean="0"/>
-              <a:t>2018/3/20</a:t>
+              <a:t>2018/3/22</a:t>
             </a:fld>
             <a:endParaRPr lang="zh-CN" altLang="en-US"/>
           </a:p>
@@ -820,7 +1283,7 @@
           <a:p>
             <a:fld id="{530820CF-B880-4189-942D-D702A7CBA730}" type="datetimeFigureOut">
               <a:rPr lang="zh-CN" altLang="en-US" smtClean="0"/>
-              <a:t>2018/3/20</a:t>
+              <a:t>2018/3/22</a:t>
             </a:fld>
             <a:endParaRPr lang="zh-CN" altLang="en-US"/>
           </a:p>
@@ -1061,7 +1524,7 @@
           <a:p>
             <a:fld id="{530820CF-B880-4189-942D-D702A7CBA730}" type="datetimeFigureOut">
               <a:rPr lang="zh-CN" altLang="en-US" smtClean="0"/>
-              <a:t>2018/3/20</a:t>
+              <a:t>2018/3/22</a:t>
             </a:fld>
             <a:endParaRPr lang="zh-CN" altLang="en-US"/>
           </a:p>
@@ -1344,7 +1807,7 @@
           <a:p>
             <a:fld id="{530820CF-B880-4189-942D-D702A7CBA730}" type="datetimeFigureOut">
               <a:rPr lang="zh-CN" altLang="en-US" smtClean="0"/>
-              <a:t>2018/3/20</a:t>
+              <a:t>2018/3/22</a:t>
             </a:fld>
             <a:endParaRPr lang="zh-CN" altLang="en-US"/>
           </a:p>
@@ -1761,7 +2224,7 @@
           <a:p>
             <a:fld id="{530820CF-B880-4189-942D-D702A7CBA730}" type="datetimeFigureOut">
               <a:rPr lang="zh-CN" altLang="en-US" smtClean="0"/>
-              <a:t>2018/3/20</a:t>
+              <a:t>2018/3/22</a:t>
             </a:fld>
             <a:endParaRPr lang="zh-CN" altLang="en-US"/>
           </a:p>
@@ -1874,7 +2337,7 @@
           <a:p>
             <a:fld id="{530820CF-B880-4189-942D-D702A7CBA730}" type="datetimeFigureOut">
               <a:rPr lang="zh-CN" altLang="en-US" smtClean="0"/>
-              <a:t>2018/3/20</a:t>
+              <a:t>2018/3/22</a:t>
             </a:fld>
             <a:endParaRPr lang="zh-CN" altLang="en-US"/>
           </a:p>
@@ -1964,7 +2427,7 @@
           <a:p>
             <a:fld id="{530820CF-B880-4189-942D-D702A7CBA730}" type="datetimeFigureOut">
               <a:rPr lang="zh-CN" altLang="en-US" smtClean="0"/>
-              <a:t>2018/3/20</a:t>
+              <a:t>2018/3/22</a:t>
             </a:fld>
             <a:endParaRPr lang="zh-CN" altLang="en-US"/>
           </a:p>
@@ -2236,7 +2699,7 @@
           <a:p>
             <a:fld id="{530820CF-B880-4189-942D-D702A7CBA730}" type="datetimeFigureOut">
               <a:rPr lang="zh-CN" altLang="en-US" smtClean="0"/>
-              <a:t>2018/3/20</a:t>
+              <a:t>2018/3/22</a:t>
             </a:fld>
             <a:endParaRPr lang="zh-CN" altLang="en-US"/>
           </a:p>
@@ -2484,7 +2947,7 @@
           <a:p>
             <a:fld id="{530820CF-B880-4189-942D-D702A7CBA730}" type="datetimeFigureOut">
               <a:rPr lang="zh-CN" altLang="en-US" smtClean="0"/>
-              <a:t>2018/3/20</a:t>
+              <a:t>2018/3/22</a:t>
             </a:fld>
             <a:endParaRPr lang="zh-CN" altLang="en-US"/>
           </a:p>
@@ -2692,7 +3155,7 @@
           <a:p>
             <a:fld id="{530820CF-B880-4189-942D-D702A7CBA730}" type="datetimeFigureOut">
               <a:rPr lang="zh-CN" altLang="en-US" smtClean="0"/>
-              <a:t>2018/3/20</a:t>
+              <a:t>2018/3/22</a:t>
             </a:fld>
             <a:endParaRPr lang="zh-CN" altLang="en-US"/>
           </a:p>
@@ -9166,6 +9629,422 @@
 </p:sld>
 </file>
 
+<file path=ppt/slides/slide29.xml><?xml version="1.0" encoding="utf-8"?>
+<p:sld xmlns:a="http://schemas.openxmlformats.org/drawingml/2006/main" xmlns:r="http://schemas.openxmlformats.org/officeDocument/2006/relationships" xmlns:p="http://schemas.openxmlformats.org/presentationml/2006/main">
+  <p:cSld>
+    <p:spTree>
+      <p:nvGrpSpPr>
+        <p:cNvPr id="1" name=""/>
+        <p:cNvGrpSpPr/>
+        <p:nvPr/>
+      </p:nvGrpSpPr>
+      <p:grpSpPr>
+        <a:xfrm>
+          <a:off x="0" y="0"/>
+          <a:ext cx="0" cy="0"/>
+          <a:chOff x="0" y="0"/>
+          <a:chExt cx="0" cy="0"/>
+        </a:xfrm>
+      </p:grpSpPr>
+      <p:sp>
+        <p:nvSpPr>
+          <p:cNvPr id="2" name="标题 1"/>
+          <p:cNvSpPr>
+            <a:spLocks noGrp="1"/>
+          </p:cNvSpPr>
+          <p:nvPr>
+            <p:ph type="title"/>
+          </p:nvPr>
+        </p:nvSpPr>
+        <p:spPr/>
+        <p:txBody>
+          <a:bodyPr>
+            <a:normAutofit/>
+          </a:bodyPr>
+          <a:lstStyle/>
+          <a:p>
+            <a:r>
+              <a:rPr lang="en-US" altLang="zh-CN" dirty="0"/>
+              <a:t>3.3.5 </a:t>
+            </a:r>
+            <a:r>
+              <a:rPr lang="zh-CN" altLang="en-US" dirty="0" smtClean="0"/>
+              <a:t>分组</a:t>
+            </a:r>
+            <a:endParaRPr lang="zh-CN" altLang="en-US" dirty="0"/>
+          </a:p>
+        </p:txBody>
+      </p:sp>
+      <p:sp>
+        <p:nvSpPr>
+          <p:cNvPr id="3" name="内容占位符 2"/>
+          <p:cNvSpPr>
+            <a:spLocks noGrp="1"/>
+          </p:cNvSpPr>
+          <p:nvPr>
+            <p:ph idx="1"/>
+          </p:nvPr>
+        </p:nvSpPr>
+        <p:spPr/>
+        <p:txBody>
+          <a:bodyPr>
+            <a:normAutofit/>
+          </a:bodyPr>
+          <a:lstStyle/>
+          <a:p>
+            <a:r>
+              <a:rPr lang="zh-CN" altLang="en-US" sz="1400" dirty="0" smtClean="0"/>
+              <a:t>重复匹配单个字符时，只需在字符后面加量词即可。但是如果要匹配多个字符时，该怎么办呢？</a:t>
+            </a:r>
+            <a:endParaRPr lang="en-US" altLang="zh-CN" sz="1400" dirty="0" smtClean="0"/>
+          </a:p>
+          <a:p>
+            <a:r>
+              <a:rPr lang="zh-CN" altLang="en-US" sz="1400" dirty="0"/>
+              <a:t>可以</a:t>
+            </a:r>
+            <a:r>
+              <a:rPr lang="zh-CN" altLang="en-US" sz="1400" dirty="0" smtClean="0"/>
+              <a:t>使用</a:t>
+            </a:r>
+            <a:r>
+              <a:rPr lang="en-US" altLang="zh-CN" sz="1400" dirty="0" smtClean="0"/>
+              <a:t>()</a:t>
+            </a:r>
+            <a:r>
+              <a:rPr lang="zh-CN" altLang="en-US" sz="1400" dirty="0" smtClean="0"/>
+              <a:t>指定子表达式，然后规定这个子表达式的重复次数，也可以对子表达式进行其他的一些操作。这就是本节要讲述的重点内容：分组。</a:t>
+            </a:r>
+            <a:endParaRPr lang="en-US" altLang="zh-CN" sz="1400" dirty="0" smtClean="0"/>
+          </a:p>
+          <a:p>
+            <a:r>
+              <a:rPr lang="zh-CN" altLang="en-US" sz="1400" dirty="0" smtClean="0"/>
+              <a:t>常用分组语法表如下</a:t>
+            </a:r>
+            <a:endParaRPr lang="en-US" altLang="zh-CN" sz="1400" dirty="0" smtClean="0"/>
+          </a:p>
+          <a:p>
+            <a:endParaRPr lang="en-US" altLang="zh-CN" sz="1400" dirty="0"/>
+          </a:p>
+          <a:p>
+            <a:r>
+              <a:rPr lang="zh-CN" altLang="en-US" sz="1400" dirty="0" smtClean="0"/>
+              <a:t>类别</a:t>
+            </a:r>
+            <a:r>
+              <a:rPr lang="en-US" altLang="zh-CN" sz="1400" dirty="0" smtClean="0"/>
+              <a:t>		</a:t>
+            </a:r>
+            <a:r>
+              <a:rPr lang="zh-CN" altLang="en-US" sz="1400" dirty="0" smtClean="0"/>
+              <a:t>代码</a:t>
+            </a:r>
+            <a:r>
+              <a:rPr lang="en-US" altLang="zh-CN" sz="1400" dirty="0" smtClean="0"/>
+              <a:t>/</a:t>
+            </a:r>
+            <a:r>
+              <a:rPr lang="zh-CN" altLang="en-US" sz="1400" dirty="0" smtClean="0"/>
+              <a:t>语法</a:t>
+            </a:r>
+            <a:r>
+              <a:rPr lang="en-US" altLang="zh-CN" sz="1400" dirty="0" smtClean="0"/>
+              <a:t>			</a:t>
+            </a:r>
+            <a:r>
+              <a:rPr lang="zh-CN" altLang="en-US" sz="1400" dirty="0" smtClean="0"/>
+              <a:t>描述</a:t>
+            </a:r>
+            <a:endParaRPr lang="en-US" altLang="zh-CN" sz="1400" dirty="0" smtClean="0"/>
+          </a:p>
+          <a:p>
+            <a:r>
+              <a:rPr lang="zh-CN" altLang="en-US" sz="1400" dirty="0" smtClean="0"/>
+              <a:t>捕获</a:t>
+            </a:r>
+            <a:r>
+              <a:rPr lang="en-US" altLang="zh-CN" sz="1400" dirty="0" smtClean="0"/>
+              <a:t>		(</a:t>
+            </a:r>
+            <a:r>
+              <a:rPr lang="en-US" altLang="zh-CN" sz="1400" dirty="0" err="1" smtClean="0"/>
+              <a:t>exp</a:t>
+            </a:r>
+            <a:r>
+              <a:rPr lang="en-US" altLang="zh-CN" sz="1400" dirty="0" smtClean="0"/>
+              <a:t>)			</a:t>
+            </a:r>
+            <a:r>
+              <a:rPr lang="zh-CN" altLang="en-US" sz="1400" dirty="0" smtClean="0"/>
+              <a:t>匹配</a:t>
+            </a:r>
+            <a:r>
+              <a:rPr lang="en-US" altLang="zh-CN" sz="1400" dirty="0" err="1" smtClean="0"/>
+              <a:t>exp</a:t>
+            </a:r>
+            <a:r>
+              <a:rPr lang="zh-CN" altLang="en-US" sz="1400" dirty="0" smtClean="0"/>
+              <a:t>，并捕获文本到自动命名的组里</a:t>
+            </a:r>
+            <a:endParaRPr lang="en-US" altLang="zh-CN" sz="1400" dirty="0" smtClean="0"/>
+          </a:p>
+          <a:p>
+            <a:r>
+              <a:rPr lang="en-US" altLang="zh-CN" sz="1400" dirty="0"/>
+              <a:t> </a:t>
+            </a:r>
+            <a:r>
+              <a:rPr lang="en-US" altLang="zh-CN" sz="1400" dirty="0" smtClean="0"/>
+              <a:t>		(?&lt;name&gt;</a:t>
+            </a:r>
+            <a:r>
+              <a:rPr lang="en-US" altLang="zh-CN" sz="1400" dirty="0" err="1" smtClean="0"/>
+              <a:t>exp</a:t>
+            </a:r>
+            <a:r>
+              <a:rPr lang="en-US" altLang="zh-CN" sz="1400" dirty="0" smtClean="0"/>
+              <a:t>) </a:t>
+            </a:r>
+            <a:r>
+              <a:rPr lang="zh-CN" altLang="en-US" sz="1400" dirty="0" smtClean="0"/>
+              <a:t>或 </a:t>
+            </a:r>
+            <a:r>
+              <a:rPr lang="en-US" altLang="zh-CN" sz="1400" dirty="0" smtClean="0"/>
+              <a:t>(?’</a:t>
+            </a:r>
+            <a:r>
+              <a:rPr lang="en-US" altLang="zh-CN" sz="1400" dirty="0" err="1" smtClean="0"/>
+              <a:t>name’exp</a:t>
+            </a:r>
+            <a:r>
+              <a:rPr lang="en-US" altLang="zh-CN" sz="1400" dirty="0" smtClean="0"/>
+              <a:t>)	</a:t>
+            </a:r>
+            <a:r>
+              <a:rPr lang="zh-CN" altLang="en-US" sz="1400" dirty="0" smtClean="0"/>
+              <a:t>匹配</a:t>
+            </a:r>
+            <a:r>
+              <a:rPr lang="en-US" altLang="zh-CN" sz="1400" dirty="0" err="1" smtClean="0"/>
+              <a:t>exp</a:t>
+            </a:r>
+            <a:r>
+              <a:rPr lang="zh-CN" altLang="en-US" sz="1400" dirty="0" smtClean="0"/>
+              <a:t>，并捕获文本到名为</a:t>
+            </a:r>
+            <a:r>
+              <a:rPr lang="en-US" altLang="zh-CN" sz="1400" dirty="0" smtClean="0"/>
+              <a:t>name</a:t>
+            </a:r>
+            <a:r>
+              <a:rPr lang="zh-CN" altLang="en-US" sz="1400" dirty="0" smtClean="0"/>
+              <a:t>的组里</a:t>
+            </a:r>
+            <a:endParaRPr lang="en-US" altLang="zh-CN" sz="1400" dirty="0"/>
+          </a:p>
+          <a:p>
+            <a:r>
+              <a:rPr lang="en-US" altLang="zh-CN" sz="1400" dirty="0" smtClean="0"/>
+              <a:t>  		(?:</a:t>
+            </a:r>
+            <a:r>
+              <a:rPr lang="en-US" altLang="zh-CN" sz="1400" dirty="0" err="1" smtClean="0"/>
+              <a:t>exp</a:t>
+            </a:r>
+            <a:r>
+              <a:rPr lang="en-US" altLang="zh-CN" sz="1400" dirty="0" smtClean="0"/>
+              <a:t>)			</a:t>
+            </a:r>
+            <a:r>
+              <a:rPr lang="zh-CN" altLang="en-US" sz="1400" dirty="0" smtClean="0"/>
+              <a:t>匹配</a:t>
+            </a:r>
+            <a:r>
+              <a:rPr lang="en-US" altLang="zh-CN" sz="1400" dirty="0" err="1" smtClean="0"/>
+              <a:t>exp</a:t>
+            </a:r>
+            <a:r>
+              <a:rPr lang="zh-CN" altLang="en-US" sz="1400" dirty="0" smtClean="0"/>
+              <a:t>，不捕获匹配的文本，也不给此分组</a:t>
+            </a:r>
+            <a:r>
+              <a:rPr lang="en-US" altLang="zh-CN" sz="1400" dirty="0" smtClean="0"/>
+              <a:t>					</a:t>
+            </a:r>
+            <a:r>
+              <a:rPr lang="zh-CN" altLang="en-US" sz="1400" dirty="0" smtClean="0"/>
+              <a:t>分配组号</a:t>
+            </a:r>
+            <a:endParaRPr lang="en-US" altLang="zh-CN" sz="1400" dirty="0" smtClean="0"/>
+          </a:p>
+          <a:p>
+            <a:r>
+              <a:rPr lang="en-US" altLang="zh-CN" sz="1400" dirty="0"/>
+              <a:t> </a:t>
+            </a:r>
+            <a:r>
+              <a:rPr lang="zh-CN" altLang="en-US" sz="1400" dirty="0" smtClean="0"/>
+              <a:t>零宽断言</a:t>
+            </a:r>
+            <a:r>
+              <a:rPr lang="en-US" altLang="zh-CN" sz="1400" dirty="0" smtClean="0"/>
+              <a:t>	(?=</a:t>
+            </a:r>
+            <a:r>
+              <a:rPr lang="en-US" altLang="zh-CN" sz="1400" dirty="0" err="1" smtClean="0"/>
+              <a:t>exp</a:t>
+            </a:r>
+            <a:r>
+              <a:rPr lang="en-US" altLang="zh-CN" sz="1400" dirty="0" smtClean="0"/>
+              <a:t>)			</a:t>
+            </a:r>
+            <a:r>
+              <a:rPr lang="zh-CN" altLang="en-US" sz="1400" dirty="0" smtClean="0"/>
+              <a:t>匹配</a:t>
+            </a:r>
+            <a:r>
+              <a:rPr lang="en-US" altLang="zh-CN" sz="1400" dirty="0" err="1" smtClean="0"/>
+              <a:t>exp</a:t>
+            </a:r>
+            <a:r>
+              <a:rPr lang="zh-CN" altLang="en-US" sz="1400" dirty="0" smtClean="0"/>
+              <a:t>前面的位置</a:t>
+            </a:r>
+            <a:endParaRPr lang="en-US" altLang="zh-CN" sz="1400" dirty="0" smtClean="0"/>
+          </a:p>
+          <a:p>
+            <a:r>
+              <a:rPr lang="en-US" altLang="zh-CN" sz="1400" dirty="0"/>
+              <a:t> </a:t>
+            </a:r>
+            <a:r>
+              <a:rPr lang="en-US" altLang="zh-CN" sz="1400" dirty="0" smtClean="0"/>
+              <a:t>		(?&lt;=</a:t>
+            </a:r>
+            <a:r>
+              <a:rPr lang="en-US" altLang="zh-CN" sz="1400" dirty="0" err="1" smtClean="0"/>
+              <a:t>exp</a:t>
+            </a:r>
+            <a:r>
+              <a:rPr lang="en-US" altLang="zh-CN" sz="1400" dirty="0" smtClean="0"/>
+              <a:t>)			</a:t>
+            </a:r>
+            <a:r>
+              <a:rPr lang="zh-CN" altLang="en-US" sz="1400" dirty="0" smtClean="0"/>
+              <a:t>匹配</a:t>
+            </a:r>
+            <a:r>
+              <a:rPr lang="en-US" altLang="zh-CN" sz="1400" dirty="0" err="1" smtClean="0"/>
+              <a:t>exp</a:t>
+            </a:r>
+            <a:r>
+              <a:rPr lang="zh-CN" altLang="en-US" sz="1400" dirty="0" smtClean="0"/>
+              <a:t>后面的位置</a:t>
+            </a:r>
+            <a:endParaRPr lang="en-US" altLang="zh-CN" sz="1400" dirty="0" smtClean="0"/>
+          </a:p>
+          <a:p>
+            <a:r>
+              <a:rPr lang="en-US" altLang="zh-CN" sz="1400" dirty="0"/>
+              <a:t> </a:t>
+            </a:r>
+            <a:r>
+              <a:rPr lang="en-US" altLang="zh-CN" sz="1400" dirty="0" smtClean="0"/>
+              <a:t>		(?!</a:t>
+            </a:r>
+            <a:r>
+              <a:rPr lang="en-US" altLang="zh-CN" sz="1400" dirty="0" err="1" smtClean="0"/>
+              <a:t>exp</a:t>
+            </a:r>
+            <a:r>
+              <a:rPr lang="en-US" altLang="zh-CN" sz="1400" dirty="0" smtClean="0"/>
+              <a:t>)			</a:t>
+            </a:r>
+            <a:r>
+              <a:rPr lang="zh-CN" altLang="en-US" sz="1400" dirty="0" smtClean="0"/>
+              <a:t>匹配后面不是</a:t>
+            </a:r>
+            <a:r>
+              <a:rPr lang="en-US" altLang="zh-CN" sz="1400" dirty="0" err="1" smtClean="0"/>
+              <a:t>exp</a:t>
+            </a:r>
+            <a:r>
+              <a:rPr lang="zh-CN" altLang="en-US" sz="1400" dirty="0" smtClean="0"/>
+              <a:t>的位置</a:t>
+            </a:r>
+            <a:endParaRPr lang="en-US" altLang="zh-CN" sz="1400" dirty="0" smtClean="0"/>
+          </a:p>
+          <a:p>
+            <a:r>
+              <a:rPr lang="en-US" altLang="zh-CN" sz="1400" dirty="0"/>
+              <a:t> </a:t>
+            </a:r>
+            <a:r>
+              <a:rPr lang="en-US" altLang="zh-CN" sz="1400" dirty="0" smtClean="0"/>
+              <a:t>		(?&lt;!</a:t>
+            </a:r>
+            <a:r>
+              <a:rPr lang="en-US" altLang="zh-CN" sz="1400" dirty="0" err="1" smtClean="0"/>
+              <a:t>exp</a:t>
+            </a:r>
+            <a:r>
+              <a:rPr lang="en-US" altLang="zh-CN" sz="1400" dirty="0" smtClean="0"/>
+              <a:t>)			</a:t>
+            </a:r>
+            <a:r>
+              <a:rPr lang="zh-CN" altLang="en-US" sz="1400" dirty="0" smtClean="0"/>
+              <a:t>匹配前面不是</a:t>
+            </a:r>
+            <a:r>
+              <a:rPr lang="en-US" altLang="zh-CN" sz="1400" dirty="0" err="1" smtClean="0"/>
+              <a:t>exp</a:t>
+            </a:r>
+            <a:r>
+              <a:rPr lang="zh-CN" altLang="en-US" sz="1400" dirty="0" smtClean="0"/>
+              <a:t>的位置</a:t>
+            </a:r>
+            <a:endParaRPr lang="en-US" altLang="zh-CN" sz="1400" dirty="0" smtClean="0"/>
+          </a:p>
+          <a:p>
+            <a:r>
+              <a:rPr lang="zh-CN" altLang="en-US" sz="1400" dirty="0" smtClean="0"/>
+              <a:t>注释</a:t>
+            </a:r>
+            <a:r>
+              <a:rPr lang="en-US" altLang="zh-CN" sz="1400" dirty="0" smtClean="0"/>
+              <a:t>		(?#comment)		</a:t>
+            </a:r>
+            <a:r>
+              <a:rPr lang="zh-CN" altLang="en-US" sz="1400" dirty="0" smtClean="0"/>
+              <a:t>提供注释辅助阅读，不对正则表达式的处理</a:t>
+            </a:r>
+            <a:r>
+              <a:rPr lang="en-US" altLang="zh-CN" sz="1400" dirty="0" smtClean="0"/>
+              <a:t>					</a:t>
+            </a:r>
+            <a:r>
+              <a:rPr lang="zh-CN" altLang="en-US" sz="1400" dirty="0" smtClean="0"/>
+              <a:t>产生任何影响</a:t>
+            </a:r>
+            <a:endParaRPr lang="en-US" altLang="zh-CN" sz="1400" dirty="0" smtClean="0"/>
+          </a:p>
+        </p:txBody>
+      </p:sp>
+    </p:spTree>
+    <p:extLst>
+      <p:ext uri="{BB962C8B-B14F-4D97-AF65-F5344CB8AC3E}">
+        <p14:creationId xmlns:p14="http://schemas.microsoft.com/office/powerpoint/2010/main" val="1718181313"/>
+      </p:ext>
+    </p:extLst>
+  </p:cSld>
+  <p:clrMapOvr>
+    <a:masterClrMapping/>
+  </p:clrMapOvr>
+</p:sld>
+</file>
+
 <file path=ppt/slides/slide3.xml><?xml version="1.0" encoding="utf-8"?>
 <p:sld xmlns:a="http://schemas.openxmlformats.org/drawingml/2006/main" xmlns:r="http://schemas.openxmlformats.org/officeDocument/2006/relationships" xmlns:p="http://schemas.openxmlformats.org/presentationml/2006/main">
   <p:cSld>
@@ -9290,6 +10169,3363 @@
     <p:extLst>
       <p:ext uri="{BB962C8B-B14F-4D97-AF65-F5344CB8AC3E}">
         <p14:creationId xmlns:p14="http://schemas.microsoft.com/office/powerpoint/2010/main" val="2426091519"/>
+      </p:ext>
+    </p:extLst>
+  </p:cSld>
+  <p:clrMapOvr>
+    <a:masterClrMapping/>
+  </p:clrMapOvr>
+</p:sld>
+</file>
+
+<file path=ppt/slides/slide30.xml><?xml version="1.0" encoding="utf-8"?>
+<p:sld xmlns:a="http://schemas.openxmlformats.org/drawingml/2006/main" xmlns:r="http://schemas.openxmlformats.org/officeDocument/2006/relationships" xmlns:p="http://schemas.openxmlformats.org/presentationml/2006/main">
+  <p:cSld>
+    <p:spTree>
+      <p:nvGrpSpPr>
+        <p:cNvPr id="1" name=""/>
+        <p:cNvGrpSpPr/>
+        <p:nvPr/>
+      </p:nvGrpSpPr>
+      <p:grpSpPr>
+        <a:xfrm>
+          <a:off x="0" y="0"/>
+          <a:ext cx="0" cy="0"/>
+          <a:chOff x="0" y="0"/>
+          <a:chExt cx="0" cy="0"/>
+        </a:xfrm>
+      </p:grpSpPr>
+      <p:sp>
+        <p:nvSpPr>
+          <p:cNvPr id="2" name="标题 1"/>
+          <p:cNvSpPr>
+            <a:spLocks noGrp="1"/>
+          </p:cNvSpPr>
+          <p:nvPr>
+            <p:ph type="title"/>
+          </p:nvPr>
+        </p:nvSpPr>
+        <p:spPr/>
+        <p:txBody>
+          <a:bodyPr/>
+          <a:lstStyle/>
+          <a:p>
+            <a:r>
+              <a:rPr lang="en-US" altLang="zh-CN" dirty="0"/>
+              <a:t>3.3.5 </a:t>
+            </a:r>
+            <a:r>
+              <a:rPr lang="zh-CN" altLang="en-US" dirty="0"/>
+              <a:t>分组</a:t>
+            </a:r>
+          </a:p>
+        </p:txBody>
+      </p:sp>
+      <p:sp>
+        <p:nvSpPr>
+          <p:cNvPr id="3" name="内容占位符 2"/>
+          <p:cNvSpPr>
+            <a:spLocks noGrp="1"/>
+          </p:cNvSpPr>
+          <p:nvPr>
+            <p:ph idx="1"/>
+          </p:nvPr>
+        </p:nvSpPr>
+        <p:spPr/>
+        <p:txBody>
+          <a:bodyPr>
+            <a:normAutofit lnSpcReduction="10000"/>
+          </a:bodyPr>
+          <a:lstStyle/>
+          <a:p>
+            <a:r>
+              <a:rPr lang="zh-CN" altLang="en-US" sz="1400" dirty="0" smtClean="0"/>
+              <a:t>下面通过几个例子来解释这个表格中的内容。</a:t>
+            </a:r>
+            <a:endParaRPr lang="en-US" altLang="zh-CN" sz="1400" dirty="0" smtClean="0"/>
+          </a:p>
+          <a:p>
+            <a:r>
+              <a:rPr lang="en-US" altLang="zh-CN" sz="1400" b="1" dirty="0" smtClean="0"/>
+              <a:t>1) </a:t>
+            </a:r>
+            <a:r>
+              <a:rPr lang="zh-CN" altLang="en-US" sz="1400" b="1" dirty="0" smtClean="0"/>
+              <a:t>分析正则表达式</a:t>
+            </a:r>
+            <a:r>
+              <a:rPr lang="en-US" altLang="zh-CN" sz="1400" b="1" dirty="0" smtClean="0"/>
+              <a:t>(\d{1,3}\.){3}\d{1,3}</a:t>
+            </a:r>
+            <a:r>
+              <a:rPr lang="zh-CN" altLang="en-US" sz="1400" b="1" dirty="0" smtClean="0"/>
+              <a:t>的含义</a:t>
+            </a:r>
+            <a:endParaRPr lang="en-US" altLang="zh-CN" sz="1400" b="1" dirty="0" smtClean="0"/>
+          </a:p>
+          <a:p>
+            <a:r>
+              <a:rPr lang="zh-CN" altLang="en-US" sz="1400" dirty="0" smtClean="0"/>
+              <a:t>我的分析</a:t>
+            </a:r>
+            <a:r>
+              <a:rPr lang="en-US" altLang="zh-CN" sz="1400" dirty="0" smtClean="0"/>
+              <a:t>:</a:t>
+            </a:r>
+          </a:p>
+          <a:p>
+            <a:r>
+              <a:rPr lang="zh-CN" altLang="en-US" sz="1400" dirty="0" smtClean="0"/>
+              <a:t>① 先来看</a:t>
+            </a:r>
+            <a:r>
+              <a:rPr lang="en-US" altLang="zh-CN" sz="1400" dirty="0" smtClean="0"/>
+              <a:t>(\d{1,3}\.)</a:t>
+            </a:r>
+            <a:r>
+              <a:rPr lang="zh-CN" altLang="en-US" sz="1400" dirty="0" smtClean="0"/>
+              <a:t>。这部分表达式描述的模式为：</a:t>
+            </a:r>
+            <a:r>
+              <a:rPr lang="en-US" altLang="zh-CN" sz="1400" dirty="0" smtClean="0"/>
+              <a:t>1-3</a:t>
+            </a:r>
+            <a:r>
+              <a:rPr lang="zh-CN" altLang="en-US" sz="1400" dirty="0" smtClean="0"/>
+              <a:t>个数字字符且以</a:t>
+            </a:r>
+            <a:r>
+              <a:rPr lang="en-US" altLang="zh-CN" sz="1400" dirty="0" smtClean="0"/>
+              <a:t>.</a:t>
+            </a:r>
+            <a:r>
+              <a:rPr lang="zh-CN" altLang="en-US" sz="1400" dirty="0" smtClean="0"/>
+              <a:t>结尾</a:t>
+            </a:r>
+            <a:endParaRPr lang="en-US" altLang="zh-CN" sz="1400" dirty="0" smtClean="0"/>
+          </a:p>
+          <a:p>
+            <a:r>
+              <a:rPr lang="zh-CN" altLang="en-US" sz="1400" dirty="0" smtClean="0"/>
+              <a:t>② 然后是</a:t>
+            </a:r>
+            <a:r>
+              <a:rPr lang="en-US" altLang="zh-CN" sz="1400" dirty="0" smtClean="0"/>
+              <a:t>(\d{1,3}\.){3}</a:t>
+            </a:r>
+            <a:r>
+              <a:rPr lang="zh-CN" altLang="en-US" sz="1400" dirty="0" smtClean="0"/>
+              <a:t>。这部分表达式描述的模式为：</a:t>
+            </a:r>
+            <a:r>
+              <a:rPr lang="en-US" altLang="zh-CN" sz="1400" dirty="0" smtClean="0"/>
+              <a:t>1-3</a:t>
+            </a:r>
+            <a:r>
+              <a:rPr lang="zh-CN" altLang="en-US" sz="1400" dirty="0" smtClean="0"/>
+              <a:t>个数字字符切以</a:t>
+            </a:r>
+            <a:r>
+              <a:rPr lang="en-US" altLang="zh-CN" sz="1400" dirty="0" smtClean="0"/>
+              <a:t>.</a:t>
+            </a:r>
+            <a:r>
+              <a:rPr lang="zh-CN" altLang="en-US" sz="1400" dirty="0" smtClean="0"/>
+              <a:t>结尾的模式重复匹配</a:t>
+            </a:r>
+            <a:r>
+              <a:rPr lang="en-US" altLang="zh-CN" sz="1400" dirty="0" smtClean="0"/>
+              <a:t>3</a:t>
+            </a:r>
+            <a:r>
+              <a:rPr lang="zh-CN" altLang="en-US" sz="1400" dirty="0" smtClean="0"/>
+              <a:t>次</a:t>
+            </a:r>
+            <a:endParaRPr lang="en-US" altLang="zh-CN" sz="1400" dirty="0" smtClean="0"/>
+          </a:p>
+          <a:p>
+            <a:r>
+              <a:rPr lang="zh-CN" altLang="en-US" sz="1400" dirty="0" smtClean="0"/>
+              <a:t>③ 最后是</a:t>
+            </a:r>
+            <a:r>
+              <a:rPr lang="en-US" altLang="zh-CN" sz="1400" dirty="0" smtClean="0"/>
+              <a:t>\d{1,3}</a:t>
+            </a:r>
+            <a:r>
+              <a:rPr lang="zh-CN" altLang="en-US" sz="1400" dirty="0" smtClean="0"/>
+              <a:t>。这部分表达式描述的模式为：</a:t>
+            </a:r>
+            <a:r>
+              <a:rPr lang="en-US" altLang="zh-CN" sz="1400" dirty="0" smtClean="0"/>
+              <a:t>1-3</a:t>
+            </a:r>
+            <a:r>
+              <a:rPr lang="zh-CN" altLang="en-US" sz="1400" dirty="0" smtClean="0"/>
+              <a:t>个数字字符</a:t>
+            </a:r>
+            <a:endParaRPr lang="en-US" altLang="zh-CN" sz="1400" dirty="0" smtClean="0"/>
+          </a:p>
+          <a:p>
+            <a:r>
+              <a:rPr lang="zh-CN" altLang="en-US" sz="1400" dirty="0" smtClean="0"/>
+              <a:t>所以综合来看，这个表达式匹配的内容为</a:t>
+            </a:r>
+            <a:r>
+              <a:rPr lang="en-US" altLang="zh-CN" sz="1400" dirty="0" smtClean="0"/>
+              <a:t>IP</a:t>
+            </a:r>
+            <a:r>
+              <a:rPr lang="zh-CN" altLang="en-US" sz="1400" dirty="0" smtClean="0"/>
+              <a:t>地址。</a:t>
+            </a:r>
+            <a:endParaRPr lang="en-US" altLang="zh-CN" sz="1400" dirty="0" smtClean="0"/>
+          </a:p>
+          <a:p>
+            <a:r>
+              <a:rPr lang="zh-CN" altLang="en-US" sz="1400" dirty="0" smtClean="0"/>
+              <a:t>而</a:t>
+            </a:r>
+            <a:r>
+              <a:rPr lang="en-US" altLang="zh-CN" sz="1400" dirty="0" smtClean="0"/>
+              <a:t>(\d{1,3}\.)</a:t>
+            </a:r>
+            <a:r>
+              <a:rPr lang="zh-CN" altLang="en-US" sz="1400" dirty="0" smtClean="0"/>
+              <a:t>这部分内容，就是上表中的</a:t>
+            </a:r>
+            <a:r>
+              <a:rPr lang="en-US" altLang="zh-CN" sz="1400" dirty="0" smtClean="0"/>
+              <a:t>(</a:t>
+            </a:r>
+            <a:r>
+              <a:rPr lang="en-US" altLang="zh-CN" sz="1400" dirty="0" err="1" smtClean="0"/>
+              <a:t>exp</a:t>
+            </a:r>
+            <a:r>
+              <a:rPr lang="en-US" altLang="zh-CN" sz="1400" dirty="0" smtClean="0"/>
+              <a:t>)</a:t>
+            </a:r>
+            <a:r>
+              <a:rPr lang="zh-CN" altLang="en-US" sz="1400" dirty="0" smtClean="0"/>
+              <a:t>模式。</a:t>
+            </a:r>
+            <a:endParaRPr lang="en-US" altLang="zh-CN" sz="1400" dirty="0" smtClean="0"/>
+          </a:p>
+          <a:p>
+            <a:r>
+              <a:rPr lang="zh-CN" altLang="en-US" sz="1400" dirty="0"/>
+              <a:t>这个</a:t>
+            </a:r>
+            <a:r>
+              <a:rPr lang="zh-CN" altLang="en-US" sz="1400" dirty="0" smtClean="0"/>
+              <a:t>分析大体上是正确的。</a:t>
+            </a:r>
+            <a:endParaRPr lang="en-US" altLang="zh-CN" sz="1400" dirty="0" smtClean="0"/>
+          </a:p>
+          <a:p>
+            <a:r>
+              <a:rPr lang="zh-CN" altLang="en-US" sz="1400" dirty="0" smtClean="0"/>
+              <a:t>但是实质上这个正则有问题。因为</a:t>
+            </a:r>
+            <a:r>
+              <a:rPr lang="en-US" altLang="zh-CN" sz="1400" dirty="0" smtClean="0"/>
+              <a:t>IP</a:t>
+            </a:r>
+            <a:r>
+              <a:rPr lang="zh-CN" altLang="en-US" sz="1400" dirty="0" smtClean="0"/>
+              <a:t>地址的每一部分最大值为</a:t>
+            </a:r>
+            <a:r>
+              <a:rPr lang="en-US" altLang="zh-CN" sz="1400" dirty="0" smtClean="0"/>
+              <a:t>255</a:t>
+            </a:r>
+            <a:r>
+              <a:rPr lang="zh-CN" altLang="en-US" sz="1400" dirty="0" smtClean="0"/>
+              <a:t>，并非是任意的</a:t>
+            </a:r>
+            <a:r>
+              <a:rPr lang="en-US" altLang="zh-CN" sz="1400" dirty="0" smtClean="0"/>
+              <a:t>3</a:t>
+            </a:r>
+            <a:r>
+              <a:rPr lang="zh-CN" altLang="en-US" sz="1400" dirty="0" smtClean="0"/>
+              <a:t>个数字。</a:t>
+            </a:r>
+            <a:endParaRPr lang="en-US" altLang="zh-CN" sz="1400" dirty="0" smtClean="0"/>
+          </a:p>
+          <a:p>
+            <a:r>
+              <a:rPr lang="zh-CN" altLang="en-US" sz="1400" dirty="0" smtClean="0"/>
+              <a:t>因此，如果要匹配一个</a:t>
+            </a:r>
+            <a:r>
+              <a:rPr lang="en-US" altLang="zh-CN" sz="1400" dirty="0" smtClean="0"/>
+              <a:t>IP</a:t>
+            </a:r>
+            <a:r>
+              <a:rPr lang="zh-CN" altLang="en-US" sz="1400" dirty="0" smtClean="0"/>
+              <a:t>地址，正确的写法应该是什么？</a:t>
+            </a:r>
+            <a:endParaRPr lang="en-US" altLang="zh-CN" sz="1400" dirty="0" smtClean="0"/>
+          </a:p>
+          <a:p>
+            <a:r>
+              <a:rPr lang="zh-CN" altLang="en-US" sz="1400" dirty="0"/>
+              <a:t>我</a:t>
+            </a:r>
+            <a:r>
+              <a:rPr lang="zh-CN" altLang="en-US" sz="1400" dirty="0" smtClean="0"/>
+              <a:t>的思路</a:t>
+            </a:r>
+            <a:r>
+              <a:rPr lang="en-US" altLang="zh-CN" sz="1400" dirty="0" smtClean="0"/>
+              <a:t>:</a:t>
+            </a:r>
+          </a:p>
+          <a:p>
+            <a:r>
+              <a:rPr lang="en-US" altLang="zh-CN" sz="1400" dirty="0" smtClean="0"/>
+              <a:t>(2</a:t>
+            </a:r>
+            <a:r>
+              <a:rPr lang="en-US" altLang="zh-CN" sz="1400" dirty="0" smtClean="0">
+                <a:solidFill>
+                  <a:srgbClr val="FF0000"/>
+                </a:solidFill>
+              </a:rPr>
+              <a:t>[0-5][0-5]</a:t>
+            </a:r>
+            <a:r>
+              <a:rPr lang="en-US" altLang="zh-CN" sz="1400" dirty="0" smtClean="0"/>
+              <a:t>\.|</a:t>
+            </a:r>
+            <a:r>
+              <a:rPr lang="en-US" altLang="zh-CN" sz="1400" dirty="0" smtClean="0">
+                <a:solidFill>
+                  <a:srgbClr val="0070C0"/>
+                </a:solidFill>
+              </a:rPr>
+              <a:t>[01]\d{2}</a:t>
+            </a:r>
+            <a:r>
+              <a:rPr lang="en-US" altLang="zh-CN" sz="1400" dirty="0" smtClean="0"/>
+              <a:t>\.){3}</a:t>
+            </a:r>
+            <a:r>
+              <a:rPr lang="en-US" altLang="zh-CN" sz="1400" dirty="0"/>
+              <a:t> (2</a:t>
+            </a:r>
+            <a:r>
+              <a:rPr lang="en-US" altLang="zh-CN" sz="1400" dirty="0">
+                <a:solidFill>
+                  <a:srgbClr val="FF0000"/>
+                </a:solidFill>
+              </a:rPr>
+              <a:t>[0-5][0-5]</a:t>
+            </a:r>
+            <a:r>
+              <a:rPr lang="en-US" altLang="zh-CN" sz="1400" dirty="0"/>
+              <a:t>\.|</a:t>
+            </a:r>
+            <a:r>
+              <a:rPr lang="en-US" altLang="zh-CN" sz="1400" dirty="0">
+                <a:solidFill>
+                  <a:srgbClr val="0070C0"/>
+                </a:solidFill>
+              </a:rPr>
+              <a:t>[01]\d{2</a:t>
+            </a:r>
+            <a:r>
+              <a:rPr lang="en-US" altLang="zh-CN" sz="1400" dirty="0" smtClean="0">
+                <a:solidFill>
+                  <a:srgbClr val="0070C0"/>
+                </a:solidFill>
+              </a:rPr>
+              <a:t>}</a:t>
+            </a:r>
+            <a:r>
+              <a:rPr lang="en-US" altLang="zh-CN" sz="1400" dirty="0" smtClean="0"/>
+              <a:t>\.)</a:t>
+            </a:r>
+          </a:p>
+          <a:p>
+            <a:r>
+              <a:rPr lang="zh-CN" altLang="en-US" sz="1400" dirty="0" smtClean="0"/>
+              <a:t>错。</a:t>
+            </a:r>
+            <a:endParaRPr lang="en-US" altLang="zh-CN" sz="1400" dirty="0" smtClean="0"/>
+          </a:p>
+          <a:p>
+            <a:r>
+              <a:rPr lang="zh-CN" altLang="en-US" sz="1400" dirty="0" smtClean="0"/>
+              <a:t>①标红的位置有误。仅有当每个数字段的第一位</a:t>
+            </a:r>
+            <a:r>
+              <a:rPr lang="en-US" altLang="zh-CN" sz="1400" dirty="0" smtClean="0"/>
+              <a:t>=2</a:t>
+            </a:r>
+            <a:r>
+              <a:rPr lang="zh-CN" altLang="en-US" sz="1400" dirty="0" smtClean="0"/>
+              <a:t>且第二位</a:t>
+            </a:r>
+            <a:r>
+              <a:rPr lang="en-US" altLang="zh-CN" sz="1400" dirty="0" smtClean="0"/>
+              <a:t>=5</a:t>
+            </a:r>
+            <a:r>
+              <a:rPr lang="zh-CN" altLang="en-US" sz="1400" dirty="0" smtClean="0"/>
+              <a:t>时，第三位取值为</a:t>
+            </a:r>
+            <a:r>
+              <a:rPr lang="en-US" altLang="zh-CN" sz="1400" dirty="0" smtClean="0"/>
+              <a:t>0-5</a:t>
+            </a:r>
+            <a:r>
+              <a:rPr lang="zh-CN" altLang="en-US" sz="1400" dirty="0" smtClean="0"/>
+              <a:t>。当数字段的第一位</a:t>
+            </a:r>
+            <a:r>
+              <a:rPr lang="en-US" altLang="zh-CN" sz="1400" dirty="0" smtClean="0"/>
+              <a:t>=2</a:t>
+            </a:r>
+            <a:r>
+              <a:rPr lang="zh-CN" altLang="en-US" sz="1400" dirty="0" smtClean="0"/>
+              <a:t>且第二位</a:t>
+            </a:r>
+            <a:r>
+              <a:rPr lang="en-US" altLang="zh-CN" sz="1400" dirty="0" smtClean="0"/>
+              <a:t>&lt;5</a:t>
+            </a:r>
+            <a:r>
+              <a:rPr lang="zh-CN" altLang="en-US" sz="1400" dirty="0" smtClean="0"/>
+              <a:t>时，第三位可以取任意数字。</a:t>
+            </a:r>
+            <a:endParaRPr lang="en-US" altLang="zh-CN" sz="1400" dirty="0" smtClean="0"/>
+          </a:p>
+          <a:p>
+            <a:r>
+              <a:rPr lang="zh-CN" altLang="en-US" sz="1400" dirty="0" smtClean="0"/>
+              <a:t>②标蓝的位置有误。当一个</a:t>
+            </a:r>
+            <a:r>
+              <a:rPr lang="zh-CN" altLang="en-US" sz="1400" dirty="0"/>
+              <a:t>数</a:t>
+            </a:r>
+            <a:r>
+              <a:rPr lang="zh-CN" altLang="en-US" sz="1400" dirty="0" smtClean="0"/>
+              <a:t>字段不足</a:t>
+            </a:r>
+            <a:r>
+              <a:rPr lang="en-US" altLang="zh-CN" sz="1400" dirty="0" smtClean="0"/>
+              <a:t>3</a:t>
+            </a:r>
+            <a:r>
+              <a:rPr lang="zh-CN" altLang="en-US" sz="1400" dirty="0" smtClean="0"/>
+              <a:t>位时，它的格式为</a:t>
+            </a:r>
+            <a:r>
+              <a:rPr lang="en-US" altLang="zh-CN" sz="1400" dirty="0" smtClean="0"/>
+              <a:t>NM</a:t>
+            </a:r>
+            <a:r>
+              <a:rPr lang="zh-CN" altLang="en-US" sz="1400" dirty="0" smtClean="0"/>
+              <a:t>或</a:t>
+            </a:r>
+            <a:r>
+              <a:rPr lang="en-US" altLang="zh-CN" sz="1400" dirty="0" smtClean="0"/>
+              <a:t>N</a:t>
+            </a:r>
+            <a:r>
+              <a:rPr lang="zh-CN" altLang="en-US" sz="1400" dirty="0" smtClean="0"/>
+              <a:t>，并不是</a:t>
+            </a:r>
+            <a:r>
+              <a:rPr lang="en-US" altLang="zh-CN" sz="1400" dirty="0" smtClean="0"/>
+              <a:t>0NM</a:t>
+            </a:r>
+            <a:r>
+              <a:rPr lang="zh-CN" altLang="en-US" sz="1400" dirty="0" smtClean="0"/>
+              <a:t>或</a:t>
+            </a:r>
+            <a:r>
+              <a:rPr lang="en-US" altLang="zh-CN" sz="1400" dirty="0" smtClean="0"/>
+              <a:t>00N</a:t>
+            </a:r>
+            <a:r>
+              <a:rPr lang="zh-CN" altLang="en-US" sz="1400" dirty="0" smtClean="0"/>
+              <a:t>。</a:t>
+            </a:r>
+            <a:endParaRPr lang="en-US" altLang="zh-CN" sz="1400" dirty="0" smtClean="0"/>
+          </a:p>
+          <a:p>
+            <a:r>
+              <a:rPr lang="zh-CN" altLang="en-US" sz="1400" dirty="0" smtClean="0"/>
+              <a:t>根据这个思路，我进行了进一步的修改：</a:t>
+            </a:r>
+            <a:endParaRPr lang="en-US" altLang="zh-CN" sz="1400" dirty="0" smtClean="0"/>
+          </a:p>
+          <a:p>
+            <a:endParaRPr lang="zh-CN" altLang="en-US" sz="1400" dirty="0"/>
+          </a:p>
+        </p:txBody>
+      </p:sp>
+    </p:spTree>
+    <p:extLst>
+      <p:ext uri="{BB962C8B-B14F-4D97-AF65-F5344CB8AC3E}">
+        <p14:creationId xmlns:p14="http://schemas.microsoft.com/office/powerpoint/2010/main" val="3194305908"/>
+      </p:ext>
+    </p:extLst>
+  </p:cSld>
+  <p:clrMapOvr>
+    <a:masterClrMapping/>
+  </p:clrMapOvr>
+</p:sld>
+</file>
+
+<file path=ppt/slides/slide31.xml><?xml version="1.0" encoding="utf-8"?>
+<p:sld xmlns:a="http://schemas.openxmlformats.org/drawingml/2006/main" xmlns:r="http://schemas.openxmlformats.org/officeDocument/2006/relationships" xmlns:p="http://schemas.openxmlformats.org/presentationml/2006/main">
+  <p:cSld>
+    <p:spTree>
+      <p:nvGrpSpPr>
+        <p:cNvPr id="1" name=""/>
+        <p:cNvGrpSpPr/>
+        <p:nvPr/>
+      </p:nvGrpSpPr>
+      <p:grpSpPr>
+        <a:xfrm>
+          <a:off x="0" y="0"/>
+          <a:ext cx="0" cy="0"/>
+          <a:chOff x="0" y="0"/>
+          <a:chExt cx="0" cy="0"/>
+        </a:xfrm>
+      </p:grpSpPr>
+      <p:sp>
+        <p:nvSpPr>
+          <p:cNvPr id="2" name="标题 1"/>
+          <p:cNvSpPr>
+            <a:spLocks noGrp="1"/>
+          </p:cNvSpPr>
+          <p:nvPr>
+            <p:ph type="title"/>
+          </p:nvPr>
+        </p:nvSpPr>
+        <p:spPr/>
+        <p:txBody>
+          <a:bodyPr/>
+          <a:lstStyle/>
+          <a:p>
+            <a:r>
+              <a:rPr lang="en-US" altLang="zh-CN" dirty="0"/>
+              <a:t>3.3.5 </a:t>
+            </a:r>
+            <a:r>
+              <a:rPr lang="zh-CN" altLang="en-US" dirty="0"/>
+              <a:t>分组</a:t>
+            </a:r>
+          </a:p>
+        </p:txBody>
+      </p:sp>
+      <p:sp>
+        <p:nvSpPr>
+          <p:cNvPr id="3" name="内容占位符 2"/>
+          <p:cNvSpPr>
+            <a:spLocks noGrp="1"/>
+          </p:cNvSpPr>
+          <p:nvPr>
+            <p:ph idx="1"/>
+          </p:nvPr>
+        </p:nvSpPr>
+        <p:spPr/>
+        <p:txBody>
+          <a:bodyPr>
+            <a:normAutofit/>
+          </a:bodyPr>
+          <a:lstStyle/>
+          <a:p>
+            <a:r>
+              <a:rPr lang="en-US" altLang="zh-CN" sz="1400" dirty="0" smtClean="0"/>
+              <a:t>(2[0-4]\d</a:t>
+            </a:r>
+            <a:r>
+              <a:rPr lang="en-US" altLang="zh-CN" sz="1400" dirty="0" smtClean="0">
+                <a:solidFill>
+                  <a:srgbClr val="00B0F0"/>
+                </a:solidFill>
+              </a:rPr>
+              <a:t>\.</a:t>
+            </a:r>
+            <a:r>
+              <a:rPr lang="en-US" altLang="zh-CN" sz="1400" dirty="0" smtClean="0"/>
+              <a:t>|25[0-5]</a:t>
+            </a:r>
+            <a:r>
+              <a:rPr lang="en-US" altLang="zh-CN" sz="1400" dirty="0" smtClean="0">
+                <a:solidFill>
+                  <a:srgbClr val="00B0F0"/>
+                </a:solidFill>
+              </a:rPr>
+              <a:t>\.</a:t>
+            </a:r>
+            <a:r>
+              <a:rPr lang="en-US" altLang="zh-CN" sz="1400" dirty="0" smtClean="0"/>
+              <a:t>|[01]\d{2}</a:t>
+            </a:r>
+            <a:r>
+              <a:rPr lang="en-US" altLang="zh-CN" sz="1400" dirty="0" smtClean="0">
+                <a:solidFill>
+                  <a:srgbClr val="00B0F0"/>
+                </a:solidFill>
+              </a:rPr>
+              <a:t>\.</a:t>
+            </a:r>
+            <a:r>
+              <a:rPr lang="en-US" altLang="zh-CN" sz="1400" dirty="0" smtClean="0"/>
+              <a:t>){3}(2[0-4]\d|25[0-5]|</a:t>
+            </a:r>
+            <a:r>
+              <a:rPr lang="en-US" altLang="zh-CN" sz="1400" dirty="0"/>
+              <a:t>[01]</a:t>
+            </a:r>
+            <a:r>
+              <a:rPr lang="en-US" altLang="zh-CN" sz="1400" dirty="0" smtClean="0"/>
+              <a:t>\d{2})</a:t>
+            </a:r>
+          </a:p>
+          <a:p>
+            <a:r>
+              <a:rPr lang="zh-CN" altLang="en-US" sz="1400" dirty="0" smtClean="0"/>
+              <a:t>结果依旧错误。因为没有解决问题②。且通过这</a:t>
+            </a:r>
+            <a:r>
+              <a:rPr lang="en-US" altLang="zh-CN" sz="1400" dirty="0" smtClean="0"/>
+              <a:t>2</a:t>
+            </a:r>
+            <a:r>
+              <a:rPr lang="zh-CN" altLang="en-US" sz="1400" dirty="0" smtClean="0"/>
+              <a:t>次书写，发现这个正则表达式不够简洁。很明显标蓝的部分可以做进一步的提取</a:t>
+            </a:r>
+            <a:endParaRPr lang="en-US" altLang="zh-CN" sz="1400" dirty="0" smtClean="0"/>
+          </a:p>
+          <a:p>
+            <a:r>
+              <a:rPr lang="zh-CN" altLang="en-US" sz="1400" dirty="0" smtClean="0"/>
+              <a:t>书中写法：</a:t>
+            </a:r>
+            <a:endParaRPr lang="en-US" altLang="zh-CN" sz="1400" dirty="0" smtClean="0"/>
+          </a:p>
+          <a:p>
+            <a:r>
+              <a:rPr lang="en-US" altLang="zh-CN" sz="1400" dirty="0" smtClean="0"/>
+              <a:t>((2[0-4]\d|25[0-5]|</a:t>
+            </a:r>
+            <a:r>
+              <a:rPr lang="en-US" altLang="zh-CN" sz="1400" dirty="0" smtClean="0">
+                <a:solidFill>
+                  <a:srgbClr val="00B050"/>
+                </a:solidFill>
+              </a:rPr>
+              <a:t>[01]?\d\d?</a:t>
+            </a:r>
+            <a:r>
+              <a:rPr lang="en-US" altLang="zh-CN" sz="1400" dirty="0" smtClean="0"/>
+              <a:t>)\.){3}(2[0-4]\d|25[0-5]|</a:t>
+            </a:r>
+            <a:r>
+              <a:rPr lang="en-US" altLang="zh-CN" sz="1400" dirty="0" smtClean="0">
+                <a:solidFill>
+                  <a:srgbClr val="00B050"/>
+                </a:solidFill>
+              </a:rPr>
+              <a:t>[01]?\d\d?</a:t>
+            </a:r>
+            <a:r>
+              <a:rPr lang="en-US" altLang="zh-CN" sz="1400" dirty="0" smtClean="0"/>
+              <a:t>)</a:t>
+            </a:r>
+          </a:p>
+          <a:p>
+            <a:r>
+              <a:rPr lang="zh-CN" altLang="en-US" sz="1400" dirty="0" smtClean="0"/>
+              <a:t>这里我第一次读时，不理解的是</a:t>
+            </a:r>
+            <a:r>
+              <a:rPr lang="en-US" altLang="zh-CN" sz="1400" dirty="0" smtClean="0"/>
+              <a:t>\d\d?</a:t>
+            </a:r>
+            <a:r>
+              <a:rPr lang="zh-CN" altLang="en-US" sz="1400" dirty="0" smtClean="0"/>
+              <a:t>。</a:t>
+            </a:r>
+            <a:endParaRPr lang="en-US" altLang="zh-CN" sz="1400" dirty="0" smtClean="0"/>
+          </a:p>
+          <a:p>
+            <a:r>
+              <a:rPr lang="zh-CN" altLang="en-US" sz="1400" dirty="0" smtClean="0"/>
+              <a:t>解惑：</a:t>
+            </a:r>
+            <a:endParaRPr lang="en-US" altLang="zh-CN" sz="1400" dirty="0" smtClean="0"/>
+          </a:p>
+          <a:p>
+            <a:r>
+              <a:rPr lang="zh-CN" altLang="en-US" sz="1400" dirty="0" smtClean="0"/>
+              <a:t>这个</a:t>
+            </a:r>
+            <a:r>
+              <a:rPr lang="en-US" altLang="zh-CN" sz="1400" dirty="0" smtClean="0"/>
+              <a:t>\d\d?</a:t>
+            </a:r>
+            <a:r>
+              <a:rPr lang="zh-CN" altLang="en-US" sz="1400" dirty="0" smtClean="0"/>
+              <a:t>，需要结合</a:t>
+            </a:r>
+            <a:r>
+              <a:rPr lang="en-US" altLang="zh-CN" sz="1400" dirty="0" smtClean="0"/>
+              <a:t>[01]?</a:t>
+            </a:r>
+            <a:r>
+              <a:rPr lang="zh-CN" altLang="en-US" sz="1400" dirty="0" smtClean="0"/>
+              <a:t>一起才能看懂。</a:t>
+            </a:r>
+            <a:endParaRPr lang="en-US" altLang="zh-CN" sz="1400" dirty="0" smtClean="0"/>
+          </a:p>
+          <a:p>
+            <a:r>
+              <a:rPr lang="zh-CN" altLang="en-US" sz="1400" dirty="0"/>
+              <a:t>首先来</a:t>
+            </a:r>
+            <a:r>
+              <a:rPr lang="zh-CN" altLang="en-US" sz="1400" dirty="0" smtClean="0"/>
+              <a:t>分析需求。数字段开头为</a:t>
+            </a:r>
+            <a:r>
+              <a:rPr lang="en-US" altLang="zh-CN" sz="1400" dirty="0" smtClean="0"/>
+              <a:t>2</a:t>
+            </a:r>
+            <a:r>
+              <a:rPr lang="zh-CN" altLang="en-US" sz="1400" dirty="0" smtClean="0"/>
+              <a:t>和</a:t>
+            </a:r>
+            <a:r>
+              <a:rPr lang="en-US" altLang="zh-CN" sz="1400" dirty="0" smtClean="0"/>
+              <a:t>25</a:t>
+            </a:r>
+            <a:r>
+              <a:rPr lang="zh-CN" altLang="en-US" sz="1400" dirty="0" smtClean="0"/>
+              <a:t>的情况刚刚已经分析过了。不再解释。这里只解释数字</a:t>
+            </a:r>
+            <a:r>
+              <a:rPr lang="en-US" altLang="zh-CN" sz="1400" dirty="0" smtClean="0"/>
+              <a:t>&lt;200</a:t>
+            </a:r>
+            <a:r>
+              <a:rPr lang="zh-CN" altLang="en-US" sz="1400" dirty="0" smtClean="0"/>
+              <a:t>时的情况。</a:t>
+            </a:r>
+            <a:endParaRPr lang="en-US" altLang="zh-CN" sz="1400" dirty="0" smtClean="0"/>
+          </a:p>
+          <a:p>
+            <a:r>
+              <a:rPr lang="zh-CN" altLang="en-US" sz="1400" dirty="0" smtClean="0"/>
+              <a:t>它可能有</a:t>
+            </a:r>
+            <a:r>
+              <a:rPr lang="en-US" altLang="zh-CN" sz="1400" dirty="0" smtClean="0"/>
+              <a:t>3</a:t>
+            </a:r>
+            <a:r>
+              <a:rPr lang="zh-CN" altLang="en-US" sz="1400" dirty="0"/>
+              <a:t>种</a:t>
+            </a:r>
+            <a:r>
+              <a:rPr lang="zh-CN" altLang="en-US" sz="1400" dirty="0" smtClean="0"/>
+              <a:t>情况</a:t>
+            </a:r>
+            <a:endParaRPr lang="en-US" altLang="zh-CN" sz="1400" dirty="0" smtClean="0"/>
+          </a:p>
+          <a:p>
+            <a:r>
+              <a:rPr lang="zh-CN" altLang="en-US" sz="1400" dirty="0" smtClean="0"/>
+              <a:t>① 有</a:t>
+            </a:r>
+            <a:r>
+              <a:rPr lang="en-US" altLang="zh-CN" sz="1400" dirty="0" smtClean="0"/>
+              <a:t>1</a:t>
+            </a:r>
+            <a:r>
+              <a:rPr lang="zh-CN" altLang="en-US" sz="1400" dirty="0" smtClean="0"/>
+              <a:t>位数字</a:t>
+            </a:r>
+            <a:endParaRPr lang="en-US" altLang="zh-CN" sz="1400" dirty="0" smtClean="0"/>
+          </a:p>
+          <a:p>
+            <a:r>
+              <a:rPr lang="zh-CN" altLang="en-US" sz="1400" dirty="0" smtClean="0"/>
+              <a:t>② 有</a:t>
+            </a:r>
+            <a:r>
+              <a:rPr lang="en-US" altLang="zh-CN" sz="1400" dirty="0" smtClean="0"/>
+              <a:t>2</a:t>
+            </a:r>
+            <a:r>
+              <a:rPr lang="zh-CN" altLang="en-US" sz="1400" dirty="0" smtClean="0"/>
+              <a:t>位数字</a:t>
+            </a:r>
+            <a:endParaRPr lang="en-US" altLang="zh-CN" sz="1400" dirty="0" smtClean="0"/>
+          </a:p>
+          <a:p>
+            <a:r>
+              <a:rPr lang="zh-CN" altLang="en-US" sz="1400" dirty="0" smtClean="0"/>
+              <a:t>③ 有</a:t>
+            </a:r>
+            <a:r>
+              <a:rPr lang="en-US" altLang="zh-CN" sz="1400" dirty="0" smtClean="0"/>
+              <a:t>3</a:t>
+            </a:r>
+            <a:r>
+              <a:rPr lang="zh-CN" altLang="en-US" sz="1400" dirty="0" smtClean="0"/>
+              <a:t>位数字且开头为</a:t>
+            </a:r>
+            <a:r>
+              <a:rPr lang="en-US" altLang="zh-CN" sz="1400" dirty="0" smtClean="0"/>
+              <a:t>1</a:t>
+            </a:r>
+          </a:p>
+          <a:p>
+            <a:r>
+              <a:rPr lang="zh-CN" altLang="en-US" sz="1400" dirty="0" smtClean="0"/>
+              <a:t>翻译成正则表达式的语言就是：</a:t>
+            </a:r>
+            <a:r>
+              <a:rPr lang="en-US" altLang="zh-CN" sz="1400" dirty="0" smtClean="0"/>
+              <a:t>[01]?/d?/d</a:t>
+            </a:r>
+          </a:p>
+          <a:p>
+            <a:r>
+              <a:rPr lang="zh-CN" altLang="en-US" sz="1400" b="1" dirty="0" smtClean="0">
+                <a:solidFill>
+                  <a:srgbClr val="FF0000"/>
+                </a:solidFill>
+              </a:rPr>
+              <a:t>因此我不理解书上为什么要写成</a:t>
+            </a:r>
+            <a:r>
+              <a:rPr lang="en-US" altLang="zh-CN" sz="1400" b="1" dirty="0" smtClean="0">
+                <a:solidFill>
+                  <a:srgbClr val="FF0000"/>
+                </a:solidFill>
+              </a:rPr>
+              <a:t>[01]?/d/d?</a:t>
+            </a:r>
+            <a:r>
+              <a:rPr lang="zh-CN" altLang="en-US" sz="1400" b="1" dirty="0" smtClean="0">
+                <a:solidFill>
+                  <a:srgbClr val="FF0000"/>
+                </a:solidFill>
+              </a:rPr>
+              <a:t>，而不是</a:t>
+            </a:r>
+            <a:r>
+              <a:rPr lang="en-US" altLang="zh-CN" sz="1400" b="1" dirty="0" smtClean="0">
+                <a:solidFill>
+                  <a:srgbClr val="FF0000"/>
+                </a:solidFill>
+              </a:rPr>
+              <a:t>[01]?/d?/d</a:t>
+            </a:r>
+            <a:r>
+              <a:rPr lang="zh-CN" altLang="en-US" sz="1400" b="1" dirty="0" smtClean="0">
+                <a:solidFill>
+                  <a:srgbClr val="FF0000"/>
+                </a:solidFill>
+              </a:rPr>
+              <a:t>。周末问问师父。</a:t>
+            </a:r>
+            <a:endParaRPr lang="en-US" altLang="zh-CN" sz="1400" b="1" dirty="0" smtClean="0">
+              <a:solidFill>
+                <a:srgbClr val="FF0000"/>
+              </a:solidFill>
+            </a:endParaRPr>
+          </a:p>
+        </p:txBody>
+      </p:sp>
+    </p:spTree>
+    <p:extLst>
+      <p:ext uri="{BB962C8B-B14F-4D97-AF65-F5344CB8AC3E}">
+        <p14:creationId xmlns:p14="http://schemas.microsoft.com/office/powerpoint/2010/main" val="3250485603"/>
+      </p:ext>
+    </p:extLst>
+  </p:cSld>
+  <p:clrMapOvr>
+    <a:masterClrMapping/>
+  </p:clrMapOvr>
+</p:sld>
+</file>
+
+<file path=ppt/slides/slide32.xml><?xml version="1.0" encoding="utf-8"?>
+<p:sld xmlns:a="http://schemas.openxmlformats.org/drawingml/2006/main" xmlns:r="http://schemas.openxmlformats.org/officeDocument/2006/relationships" xmlns:p="http://schemas.openxmlformats.org/presentationml/2006/main">
+  <p:cSld>
+    <p:spTree>
+      <p:nvGrpSpPr>
+        <p:cNvPr id="1" name=""/>
+        <p:cNvGrpSpPr/>
+        <p:nvPr/>
+      </p:nvGrpSpPr>
+      <p:grpSpPr>
+        <a:xfrm>
+          <a:off x="0" y="0"/>
+          <a:ext cx="0" cy="0"/>
+          <a:chOff x="0" y="0"/>
+          <a:chExt cx="0" cy="0"/>
+        </a:xfrm>
+      </p:grpSpPr>
+      <p:sp>
+        <p:nvSpPr>
+          <p:cNvPr id="2" name="标题 1"/>
+          <p:cNvSpPr>
+            <a:spLocks noGrp="1"/>
+          </p:cNvSpPr>
+          <p:nvPr>
+            <p:ph type="title"/>
+          </p:nvPr>
+        </p:nvSpPr>
+        <p:spPr/>
+        <p:txBody>
+          <a:bodyPr/>
+          <a:lstStyle/>
+          <a:p>
+            <a:r>
+              <a:rPr lang="en-US" altLang="zh-CN" dirty="0"/>
+              <a:t>3.3.5 </a:t>
+            </a:r>
+            <a:r>
+              <a:rPr lang="zh-CN" altLang="en-US" dirty="0"/>
+              <a:t>分组</a:t>
+            </a:r>
+          </a:p>
+        </p:txBody>
+      </p:sp>
+      <p:sp>
+        <p:nvSpPr>
+          <p:cNvPr id="3" name="内容占位符 2"/>
+          <p:cNvSpPr>
+            <a:spLocks noGrp="1"/>
+          </p:cNvSpPr>
+          <p:nvPr>
+            <p:ph idx="1"/>
+          </p:nvPr>
+        </p:nvSpPr>
+        <p:spPr/>
+        <p:txBody>
+          <a:bodyPr>
+            <a:normAutofit/>
+          </a:bodyPr>
+          <a:lstStyle/>
+          <a:p>
+            <a:r>
+              <a:rPr lang="zh-CN" altLang="en-US" sz="1400" dirty="0" smtClean="0"/>
+              <a:t>代码见</a:t>
+            </a:r>
+            <a:r>
+              <a:rPr lang="en-US" altLang="zh-CN" sz="1400" dirty="0"/>
+              <a:t>3.3.5-1 </a:t>
+            </a:r>
+            <a:r>
+              <a:rPr lang="zh-CN" altLang="en-US" sz="1400" dirty="0"/>
+              <a:t>分组测试</a:t>
+            </a:r>
+            <a:r>
+              <a:rPr lang="en-US" altLang="zh-CN" sz="1400" dirty="0"/>
+              <a:t>.</a:t>
+            </a:r>
+            <a:r>
+              <a:rPr lang="en-US" altLang="zh-CN" sz="1400" dirty="0" err="1" smtClean="0"/>
+              <a:t>php</a:t>
+            </a:r>
+            <a:endParaRPr lang="en-US" altLang="zh-CN" sz="1400" dirty="0" smtClean="0"/>
+          </a:p>
+          <a:p>
+            <a:r>
+              <a:rPr lang="zh-CN" altLang="en-US" sz="1400" dirty="0" smtClean="0"/>
+              <a:t>如下两图是书上写的正则的匹配结果</a:t>
+            </a:r>
+            <a:endParaRPr lang="en-US" altLang="zh-CN" sz="1400" dirty="0" smtClean="0"/>
+          </a:p>
+          <a:p>
+            <a:r>
+              <a:rPr lang="zh-CN" altLang="en-US" sz="1400" dirty="0" smtClean="0"/>
+              <a:t>这里只关注匹配数组中的第</a:t>
+            </a:r>
+            <a:r>
+              <a:rPr lang="en-US" altLang="zh-CN" sz="1400" dirty="0" smtClean="0"/>
+              <a:t>1</a:t>
+            </a:r>
+            <a:r>
+              <a:rPr lang="zh-CN" altLang="en-US" sz="1400" dirty="0" smtClean="0"/>
+              <a:t>个元素。暂时不看后面的元素。</a:t>
+            </a:r>
+            <a:endParaRPr lang="zh-CN" altLang="en-US" sz="1400" dirty="0"/>
+          </a:p>
+        </p:txBody>
+      </p:sp>
+      <p:pic>
+        <p:nvPicPr>
+          <p:cNvPr id="1026" name="Picture 2"/>
+          <p:cNvPicPr>
+            <a:picLocks noChangeAspect="1" noChangeArrowheads="1"/>
+          </p:cNvPicPr>
+          <p:nvPr/>
+        </p:nvPicPr>
+        <p:blipFill>
+          <a:blip r:embed="rId2">
+            <a:extLst>
+              <a:ext uri="{28A0092B-C50C-407E-A947-70E740481C1C}">
+                <a14:useLocalDpi xmlns:a14="http://schemas.microsoft.com/office/drawing/2010/main" val="0"/>
+              </a:ext>
+            </a:extLst>
+          </a:blip>
+          <a:srcRect/>
+          <a:stretch>
+            <a:fillRect/>
+          </a:stretch>
+        </p:blipFill>
+        <p:spPr bwMode="auto">
+          <a:xfrm>
+            <a:off x="-2358380" y="2564904"/>
+            <a:ext cx="6210300" cy="4533900"/>
+          </a:xfrm>
+          <a:prstGeom prst="rect">
+            <a:avLst/>
+          </a:prstGeom>
+          <a:noFill/>
+          <a:ln>
+            <a:noFill/>
+          </a:ln>
+          <a:effectLst/>
+          <a:extLst>
+            <a:ext uri="{909E8E84-426E-40DD-AFC4-6F175D3DCCD1}">
+              <a14:hiddenFill xmlns:a14="http://schemas.microsoft.com/office/drawing/2010/main">
+                <a:solidFill>
+                  <a:schemeClr val="accent1"/>
+                </a:solidFill>
+              </a14:hiddenFill>
+            </a:ext>
+            <a:ext uri="{91240B29-F687-4F45-9708-019B960494DF}">
+              <a14:hiddenLine xmlns:a14="http://schemas.microsoft.com/office/drawing/2010/main" w="9525">
+                <a:solidFill>
+                  <a:schemeClr val="tx1"/>
+                </a:solidFill>
+                <a:miter lim="800000"/>
+                <a:headEnd/>
+                <a:tailEnd/>
+              </a14:hiddenLine>
+            </a:ext>
+            <a:ext uri="{AF507438-7753-43E0-B8FC-AC1667EBCBE1}">
+              <a14:hiddenEffects xmlns:a14="http://schemas.microsoft.com/office/drawing/2010/main">
+                <a:effectLst>
+                  <a:outerShdw dist="35921" dir="2700000" algn="ctr" rotWithShape="0">
+                    <a:schemeClr val="bg2"/>
+                  </a:outerShdw>
+                </a:effectLst>
+              </a14:hiddenEffects>
+            </a:ext>
+          </a:extLst>
+        </p:spPr>
+      </p:pic>
+      <p:pic>
+        <p:nvPicPr>
+          <p:cNvPr id="1027" name="Picture 3"/>
+          <p:cNvPicPr>
+            <a:picLocks noChangeAspect="1" noChangeArrowheads="1"/>
+          </p:cNvPicPr>
+          <p:nvPr/>
+        </p:nvPicPr>
+        <p:blipFill>
+          <a:blip r:embed="rId3">
+            <a:extLst>
+              <a:ext uri="{28A0092B-C50C-407E-A947-70E740481C1C}">
+                <a14:useLocalDpi xmlns:a14="http://schemas.microsoft.com/office/drawing/2010/main" val="0"/>
+              </a:ext>
+            </a:extLst>
+          </a:blip>
+          <a:srcRect/>
+          <a:stretch>
+            <a:fillRect/>
+          </a:stretch>
+        </p:blipFill>
+        <p:spPr bwMode="auto">
+          <a:xfrm>
+            <a:off x="3878906" y="2564904"/>
+            <a:ext cx="9190038" cy="9037638"/>
+          </a:xfrm>
+          <a:prstGeom prst="rect">
+            <a:avLst/>
+          </a:prstGeom>
+          <a:noFill/>
+          <a:ln>
+            <a:noFill/>
+          </a:ln>
+          <a:effectLst/>
+          <a:extLst>
+            <a:ext uri="{909E8E84-426E-40DD-AFC4-6F175D3DCCD1}">
+              <a14:hiddenFill xmlns:a14="http://schemas.microsoft.com/office/drawing/2010/main">
+                <a:solidFill>
+                  <a:schemeClr val="accent1"/>
+                </a:solidFill>
+              </a14:hiddenFill>
+            </a:ext>
+            <a:ext uri="{91240B29-F687-4F45-9708-019B960494DF}">
+              <a14:hiddenLine xmlns:a14="http://schemas.microsoft.com/office/drawing/2010/main" w="9525">
+                <a:solidFill>
+                  <a:schemeClr val="tx1"/>
+                </a:solidFill>
+                <a:miter lim="800000"/>
+                <a:headEnd/>
+                <a:tailEnd/>
+              </a14:hiddenLine>
+            </a:ext>
+            <a:ext uri="{AF507438-7753-43E0-B8FC-AC1667EBCBE1}">
+              <a14:hiddenEffects xmlns:a14="http://schemas.microsoft.com/office/drawing/2010/main">
+                <a:effectLst>
+                  <a:outerShdw dist="35921" dir="2700000" algn="ctr" rotWithShape="0">
+                    <a:schemeClr val="bg2"/>
+                  </a:outerShdw>
+                </a:effectLst>
+              </a14:hiddenEffects>
+            </a:ext>
+          </a:extLst>
+        </p:spPr>
+      </p:pic>
+    </p:spTree>
+    <p:extLst>
+      <p:ext uri="{BB962C8B-B14F-4D97-AF65-F5344CB8AC3E}">
+        <p14:creationId xmlns:p14="http://schemas.microsoft.com/office/powerpoint/2010/main" val="1782781367"/>
+      </p:ext>
+    </p:extLst>
+  </p:cSld>
+  <p:clrMapOvr>
+    <a:masterClrMapping/>
+  </p:clrMapOvr>
+</p:sld>
+</file>
+
+<file path=ppt/slides/slide33.xml><?xml version="1.0" encoding="utf-8"?>
+<p:sld xmlns:a="http://schemas.openxmlformats.org/drawingml/2006/main" xmlns:r="http://schemas.openxmlformats.org/officeDocument/2006/relationships" xmlns:p="http://schemas.openxmlformats.org/presentationml/2006/main">
+  <p:cSld>
+    <p:spTree>
+      <p:nvGrpSpPr>
+        <p:cNvPr id="1" name=""/>
+        <p:cNvGrpSpPr/>
+        <p:nvPr/>
+      </p:nvGrpSpPr>
+      <p:grpSpPr>
+        <a:xfrm>
+          <a:off x="0" y="0"/>
+          <a:ext cx="0" cy="0"/>
+          <a:chOff x="0" y="0"/>
+          <a:chExt cx="0" cy="0"/>
+        </a:xfrm>
+      </p:grpSpPr>
+      <p:sp>
+        <p:nvSpPr>
+          <p:cNvPr id="2" name="标题 1"/>
+          <p:cNvSpPr>
+            <a:spLocks noGrp="1"/>
+          </p:cNvSpPr>
+          <p:nvPr>
+            <p:ph type="title"/>
+          </p:nvPr>
+        </p:nvSpPr>
+        <p:spPr/>
+        <p:txBody>
+          <a:bodyPr/>
+          <a:lstStyle/>
+          <a:p>
+            <a:r>
+              <a:rPr lang="en-US" altLang="zh-CN" dirty="0"/>
+              <a:t>3.3.5 </a:t>
+            </a:r>
+            <a:r>
+              <a:rPr lang="zh-CN" altLang="en-US" dirty="0"/>
+              <a:t>分组</a:t>
+            </a:r>
+          </a:p>
+        </p:txBody>
+      </p:sp>
+      <p:sp>
+        <p:nvSpPr>
+          <p:cNvPr id="3" name="内容占位符 2"/>
+          <p:cNvSpPr>
+            <a:spLocks noGrp="1"/>
+          </p:cNvSpPr>
+          <p:nvPr>
+            <p:ph idx="1"/>
+          </p:nvPr>
+        </p:nvSpPr>
+        <p:spPr/>
+        <p:txBody>
+          <a:bodyPr>
+            <a:normAutofit/>
+          </a:bodyPr>
+          <a:lstStyle/>
+          <a:p>
+            <a:r>
+              <a:rPr lang="zh-CN" altLang="en-US" sz="1400" dirty="0" smtClean="0"/>
+              <a:t>如下两图是我自己写的正则的匹配结果</a:t>
+            </a:r>
+            <a:endParaRPr lang="en-US" altLang="zh-CN" sz="1400" dirty="0" smtClean="0"/>
+          </a:p>
+          <a:p>
+            <a:r>
+              <a:rPr lang="zh-CN" altLang="en-US" sz="1400" dirty="0"/>
+              <a:t>从结果上</a:t>
+            </a:r>
+            <a:r>
+              <a:rPr lang="zh-CN" altLang="en-US" sz="1400" dirty="0" smtClean="0"/>
+              <a:t>看两个正则匹配的结果是一样的。没有看到差别。</a:t>
+            </a:r>
+            <a:endParaRPr lang="en-US" altLang="zh-CN" sz="1400" dirty="0" smtClean="0"/>
+          </a:p>
+          <a:p>
+            <a:endParaRPr lang="zh-CN" altLang="en-US" sz="1400" dirty="0"/>
+          </a:p>
+        </p:txBody>
+      </p:sp>
+      <p:pic>
+        <p:nvPicPr>
+          <p:cNvPr id="2051" name="Picture 3"/>
+          <p:cNvPicPr>
+            <a:picLocks noChangeAspect="1" noChangeArrowheads="1"/>
+          </p:cNvPicPr>
+          <p:nvPr/>
+        </p:nvPicPr>
+        <p:blipFill>
+          <a:blip r:embed="rId2">
+            <a:extLst>
+              <a:ext uri="{28A0092B-C50C-407E-A947-70E740481C1C}">
+                <a14:useLocalDpi xmlns:a14="http://schemas.microsoft.com/office/drawing/2010/main" val="0"/>
+              </a:ext>
+            </a:extLst>
+          </a:blip>
+          <a:srcRect/>
+          <a:stretch>
+            <a:fillRect/>
+          </a:stretch>
+        </p:blipFill>
+        <p:spPr bwMode="auto">
+          <a:xfrm>
+            <a:off x="4364063" y="2572580"/>
+            <a:ext cx="9104313" cy="8923338"/>
+          </a:xfrm>
+          <a:prstGeom prst="rect">
+            <a:avLst/>
+          </a:prstGeom>
+          <a:noFill/>
+          <a:ln>
+            <a:noFill/>
+          </a:ln>
+          <a:effectLst/>
+          <a:extLst>
+            <a:ext uri="{909E8E84-426E-40DD-AFC4-6F175D3DCCD1}">
+              <a14:hiddenFill xmlns:a14="http://schemas.microsoft.com/office/drawing/2010/main">
+                <a:solidFill>
+                  <a:schemeClr val="accent1"/>
+                </a:solidFill>
+              </a14:hiddenFill>
+            </a:ext>
+            <a:ext uri="{91240B29-F687-4F45-9708-019B960494DF}">
+              <a14:hiddenLine xmlns:a14="http://schemas.microsoft.com/office/drawing/2010/main" w="9525">
+                <a:solidFill>
+                  <a:schemeClr val="tx1"/>
+                </a:solidFill>
+                <a:miter lim="800000"/>
+                <a:headEnd/>
+                <a:tailEnd/>
+              </a14:hiddenLine>
+            </a:ext>
+            <a:ext uri="{AF507438-7753-43E0-B8FC-AC1667EBCBE1}">
+              <a14:hiddenEffects xmlns:a14="http://schemas.microsoft.com/office/drawing/2010/main">
+                <a:effectLst>
+                  <a:outerShdw dist="35921" dir="2700000" algn="ctr" rotWithShape="0">
+                    <a:schemeClr val="bg2"/>
+                  </a:outerShdw>
+                </a:effectLst>
+              </a14:hiddenEffects>
+            </a:ext>
+          </a:extLst>
+        </p:spPr>
+      </p:pic>
+      <p:pic>
+        <p:nvPicPr>
+          <p:cNvPr id="2052" name="Picture 4"/>
+          <p:cNvPicPr>
+            <a:picLocks noChangeAspect="1" noChangeArrowheads="1"/>
+          </p:cNvPicPr>
+          <p:nvPr/>
+        </p:nvPicPr>
+        <p:blipFill>
+          <a:blip r:embed="rId3">
+            <a:extLst>
+              <a:ext uri="{28A0092B-C50C-407E-A947-70E740481C1C}">
+                <a14:useLocalDpi xmlns:a14="http://schemas.microsoft.com/office/drawing/2010/main" val="0"/>
+              </a:ext>
+            </a:extLst>
+          </a:blip>
+          <a:srcRect/>
+          <a:stretch>
+            <a:fillRect/>
+          </a:stretch>
+        </p:blipFill>
+        <p:spPr bwMode="auto">
+          <a:xfrm>
+            <a:off x="-1794472" y="2572580"/>
+            <a:ext cx="6172200" cy="4562475"/>
+          </a:xfrm>
+          <a:prstGeom prst="rect">
+            <a:avLst/>
+          </a:prstGeom>
+          <a:noFill/>
+          <a:ln>
+            <a:noFill/>
+          </a:ln>
+          <a:effectLst/>
+          <a:extLst>
+            <a:ext uri="{909E8E84-426E-40DD-AFC4-6F175D3DCCD1}">
+              <a14:hiddenFill xmlns:a14="http://schemas.microsoft.com/office/drawing/2010/main">
+                <a:solidFill>
+                  <a:schemeClr val="accent1"/>
+                </a:solidFill>
+              </a14:hiddenFill>
+            </a:ext>
+            <a:ext uri="{91240B29-F687-4F45-9708-019B960494DF}">
+              <a14:hiddenLine xmlns:a14="http://schemas.microsoft.com/office/drawing/2010/main" w="9525">
+                <a:solidFill>
+                  <a:schemeClr val="tx1"/>
+                </a:solidFill>
+                <a:miter lim="800000"/>
+                <a:headEnd/>
+                <a:tailEnd/>
+              </a14:hiddenLine>
+            </a:ext>
+            <a:ext uri="{AF507438-7753-43E0-B8FC-AC1667EBCBE1}">
+              <a14:hiddenEffects xmlns:a14="http://schemas.microsoft.com/office/drawing/2010/main">
+                <a:effectLst>
+                  <a:outerShdw dist="35921" dir="2700000" algn="ctr" rotWithShape="0">
+                    <a:schemeClr val="bg2"/>
+                  </a:outerShdw>
+                </a:effectLst>
+              </a14:hiddenEffects>
+            </a:ext>
+          </a:extLst>
+        </p:spPr>
+      </p:pic>
+    </p:spTree>
+    <p:extLst>
+      <p:ext uri="{BB962C8B-B14F-4D97-AF65-F5344CB8AC3E}">
+        <p14:creationId xmlns:p14="http://schemas.microsoft.com/office/powerpoint/2010/main" val="2239168250"/>
+      </p:ext>
+    </p:extLst>
+  </p:cSld>
+  <p:clrMapOvr>
+    <a:masterClrMapping/>
+  </p:clrMapOvr>
+</p:sld>
+</file>
+
+<file path=ppt/slides/slide34.xml><?xml version="1.0" encoding="utf-8"?>
+<p:sld xmlns:a="http://schemas.openxmlformats.org/drawingml/2006/main" xmlns:r="http://schemas.openxmlformats.org/officeDocument/2006/relationships" xmlns:p="http://schemas.openxmlformats.org/presentationml/2006/main">
+  <p:cSld>
+    <p:spTree>
+      <p:nvGrpSpPr>
+        <p:cNvPr id="1" name=""/>
+        <p:cNvGrpSpPr/>
+        <p:nvPr/>
+      </p:nvGrpSpPr>
+      <p:grpSpPr>
+        <a:xfrm>
+          <a:off x="0" y="0"/>
+          <a:ext cx="0" cy="0"/>
+          <a:chOff x="0" y="0"/>
+          <a:chExt cx="0" cy="0"/>
+        </a:xfrm>
+      </p:grpSpPr>
+      <p:sp>
+        <p:nvSpPr>
+          <p:cNvPr id="2" name="标题 1"/>
+          <p:cNvSpPr>
+            <a:spLocks noGrp="1"/>
+          </p:cNvSpPr>
+          <p:nvPr>
+            <p:ph type="title"/>
+          </p:nvPr>
+        </p:nvSpPr>
+        <p:spPr/>
+        <p:txBody>
+          <a:bodyPr/>
+          <a:lstStyle/>
+          <a:p>
+            <a:r>
+              <a:rPr lang="en-US" altLang="zh-CN" dirty="0"/>
+              <a:t>3.3.5 </a:t>
+            </a:r>
+            <a:r>
+              <a:rPr lang="zh-CN" altLang="en-US" dirty="0"/>
+              <a:t>分组</a:t>
+            </a:r>
+          </a:p>
+        </p:txBody>
+      </p:sp>
+      <p:sp>
+        <p:nvSpPr>
+          <p:cNvPr id="3" name="内容占位符 2"/>
+          <p:cNvSpPr>
+            <a:spLocks noGrp="1"/>
+          </p:cNvSpPr>
+          <p:nvPr>
+            <p:ph idx="1"/>
+          </p:nvPr>
+        </p:nvSpPr>
+        <p:spPr/>
+        <p:txBody>
+          <a:bodyPr>
+            <a:normAutofit/>
+          </a:bodyPr>
+          <a:lstStyle/>
+          <a:p>
+            <a:r>
+              <a:rPr lang="zh-CN" altLang="en-US" sz="1400" dirty="0" smtClean="0"/>
+              <a:t>这里来看运行结果中的第</a:t>
+            </a:r>
+            <a:r>
+              <a:rPr lang="en-US" altLang="zh-CN" sz="1400" dirty="0"/>
+              <a:t>2</a:t>
+            </a:r>
+            <a:r>
+              <a:rPr lang="zh-CN" altLang="en-US" sz="1400" dirty="0" smtClean="0"/>
+              <a:t>、</a:t>
+            </a:r>
+            <a:r>
+              <a:rPr lang="en-US" altLang="zh-CN" sz="1400" dirty="0"/>
+              <a:t>3</a:t>
+            </a:r>
+            <a:r>
+              <a:rPr lang="zh-CN" altLang="en-US" sz="1400" dirty="0" smtClean="0"/>
+              <a:t>、</a:t>
+            </a:r>
+            <a:r>
+              <a:rPr lang="en-US" altLang="zh-CN" sz="1400" dirty="0"/>
+              <a:t>4</a:t>
+            </a:r>
+            <a:r>
+              <a:rPr lang="zh-CN" altLang="en-US" sz="1400" dirty="0" smtClean="0"/>
+              <a:t>个元素。即索引为</a:t>
+            </a:r>
+            <a:r>
+              <a:rPr lang="en-US" altLang="zh-CN" sz="1400" dirty="0" smtClean="0"/>
+              <a:t>1</a:t>
+            </a:r>
+            <a:r>
+              <a:rPr lang="zh-CN" altLang="en-US" sz="1400" dirty="0" smtClean="0"/>
+              <a:t>、</a:t>
+            </a:r>
+            <a:r>
+              <a:rPr lang="en-US" altLang="zh-CN" sz="1400" dirty="0" smtClean="0"/>
+              <a:t>2</a:t>
+            </a:r>
+            <a:r>
+              <a:rPr lang="zh-CN" altLang="en-US" sz="1400" dirty="0" smtClean="0"/>
+              <a:t>、</a:t>
+            </a:r>
+            <a:r>
+              <a:rPr lang="en-US" altLang="zh-CN" sz="1400" dirty="0" smtClean="0"/>
+              <a:t>3</a:t>
+            </a:r>
+            <a:r>
+              <a:rPr lang="zh-CN" altLang="en-US" sz="1400" dirty="0" smtClean="0"/>
+              <a:t>的这三个元素。想要理解这</a:t>
+            </a:r>
+            <a:r>
+              <a:rPr lang="en-US" altLang="zh-CN" sz="1400" dirty="0" smtClean="0"/>
+              <a:t>3</a:t>
+            </a:r>
+            <a:r>
+              <a:rPr lang="zh-CN" altLang="en-US" sz="1400" dirty="0" smtClean="0"/>
+              <a:t>个元素，就要介绍组号的概念。</a:t>
+            </a:r>
+            <a:endParaRPr lang="en-US" altLang="zh-CN" sz="1400" dirty="0" smtClean="0"/>
+          </a:p>
+          <a:p>
+            <a:r>
+              <a:rPr lang="zh-CN" altLang="en-US" sz="1400" b="1" dirty="0"/>
+              <a:t>组</a:t>
+            </a:r>
+            <a:r>
+              <a:rPr lang="zh-CN" altLang="en-US" sz="1400" b="1" dirty="0" smtClean="0"/>
+              <a:t>号的规则：默认情况下，每个分组会自动拥有一个组号。其规则为：</a:t>
+            </a:r>
+            <a:endParaRPr lang="en-US" altLang="zh-CN" sz="1400" b="1" dirty="0" smtClean="0"/>
+          </a:p>
+          <a:p>
+            <a:r>
+              <a:rPr lang="zh-CN" altLang="en-US" sz="1400" b="1" dirty="0"/>
+              <a:t>从左</a:t>
+            </a:r>
+            <a:r>
+              <a:rPr lang="zh-CN" altLang="en-US" sz="1400" b="1" dirty="0" smtClean="0"/>
+              <a:t>向右，以分组的左括号为标志，第一个出现的左括号，其组号为</a:t>
+            </a:r>
+            <a:r>
+              <a:rPr lang="en-US" altLang="zh-CN" sz="1400" b="1" dirty="0" smtClean="0"/>
+              <a:t>1</a:t>
+            </a:r>
+            <a:r>
+              <a:rPr lang="zh-CN" altLang="en-US" sz="1400" b="1" dirty="0" smtClean="0"/>
+              <a:t>；第二个为</a:t>
+            </a:r>
+            <a:r>
+              <a:rPr lang="en-US" altLang="zh-CN" sz="1400" b="1" dirty="0" smtClean="0"/>
+              <a:t>2</a:t>
+            </a:r>
+            <a:r>
+              <a:rPr lang="zh-CN" altLang="en-US" sz="1400" b="1" dirty="0" smtClean="0"/>
+              <a:t>；以此类推。分组</a:t>
+            </a:r>
+            <a:r>
+              <a:rPr lang="en-US" altLang="zh-CN" sz="1400" b="1" dirty="0" smtClean="0"/>
+              <a:t>0</a:t>
+            </a:r>
+            <a:r>
+              <a:rPr lang="zh-CN" altLang="en-US" sz="1400" b="1" dirty="0" smtClean="0"/>
+              <a:t>对应整个表达式。</a:t>
+            </a:r>
+            <a:endParaRPr lang="en-US" altLang="zh-CN" sz="1400" b="1" dirty="0" smtClean="0"/>
+          </a:p>
+          <a:p>
+            <a:r>
+              <a:rPr lang="zh-CN" altLang="en-US" sz="1400" dirty="0" smtClean="0"/>
+              <a:t>那么应用这个结论来分析运行结果中的</a:t>
+            </a:r>
+            <a:r>
+              <a:rPr lang="en-US" altLang="zh-CN" sz="1400" dirty="0" smtClean="0"/>
+              <a:t>1 =&gt;’0.’ 2=&gt; ‘0’ 3=&gt; ‘01’</a:t>
+            </a:r>
+            <a:r>
+              <a:rPr lang="zh-CN" altLang="en-US" sz="1400" dirty="0" smtClean="0"/>
+              <a:t>的原因：</a:t>
+            </a:r>
+            <a:endParaRPr lang="en-US" altLang="zh-CN" sz="1400" dirty="0" smtClean="0"/>
+          </a:p>
+          <a:p>
+            <a:r>
+              <a:rPr lang="en-US" altLang="zh-CN" sz="1400" dirty="0" smtClean="0"/>
+              <a:t> </a:t>
+            </a:r>
+            <a:r>
+              <a:rPr lang="zh-CN" altLang="en-US" sz="1400" dirty="0"/>
+              <a:t>这里</a:t>
+            </a:r>
+            <a:r>
+              <a:rPr lang="zh-CN" altLang="en-US" sz="1400" dirty="0" smtClean="0"/>
+              <a:t>用自己写的这个正则来分析。</a:t>
+            </a:r>
+            <a:endParaRPr lang="en-US" altLang="zh-CN" sz="1400" dirty="0" smtClean="0"/>
+          </a:p>
+          <a:p>
+            <a:r>
+              <a:rPr lang="en-US" altLang="zh-CN" sz="1400" dirty="0"/>
+              <a:t>#((2[0-4]\d|25[0-5]|[01]?\d?\d)\.){3}(2[0-4]\d|25[0-5]|[01]?\d?\d</a:t>
+            </a:r>
+            <a:r>
+              <a:rPr lang="en-US" altLang="zh-CN" sz="1400" dirty="0" smtClean="0"/>
+              <a:t>)#</a:t>
+            </a:r>
+          </a:p>
+          <a:p>
+            <a:r>
+              <a:rPr lang="en-US" altLang="zh-CN" sz="1400" b="1" dirty="0" smtClean="0"/>
+              <a:t>step1. </a:t>
+            </a:r>
+            <a:r>
+              <a:rPr lang="zh-CN" altLang="en-US" sz="1400" b="1" dirty="0" smtClean="0"/>
+              <a:t>确定分组</a:t>
+            </a:r>
+            <a:endParaRPr lang="en-US" altLang="zh-CN" sz="1400" b="1" dirty="0" smtClean="0"/>
+          </a:p>
+          <a:p>
+            <a:r>
+              <a:rPr lang="zh-CN" altLang="en-US" sz="1400" dirty="0"/>
+              <a:t>根据</a:t>
+            </a:r>
+            <a:r>
+              <a:rPr lang="zh-CN" altLang="en-US" sz="1400" dirty="0" smtClean="0"/>
+              <a:t>概念得出：</a:t>
+            </a:r>
+            <a:endParaRPr lang="en-US" altLang="zh-CN" sz="1400" dirty="0" smtClean="0"/>
+          </a:p>
+          <a:p>
+            <a:r>
+              <a:rPr lang="zh-CN" altLang="en-US" sz="1400" dirty="0"/>
+              <a:t>组</a:t>
+            </a:r>
+            <a:r>
+              <a:rPr lang="zh-CN" altLang="en-US" sz="1400" dirty="0" smtClean="0"/>
+              <a:t>号</a:t>
+            </a:r>
+            <a:r>
+              <a:rPr lang="en-US" altLang="zh-CN" sz="1400" dirty="0" smtClean="0"/>
+              <a:t>1</a:t>
+            </a:r>
+            <a:r>
+              <a:rPr lang="zh-CN" altLang="en-US" sz="1400" dirty="0" smtClean="0"/>
+              <a:t>：</a:t>
+            </a:r>
+            <a:r>
+              <a:rPr lang="en-US" altLang="zh-CN" sz="1400" dirty="0" smtClean="0"/>
+              <a:t>((</a:t>
+            </a:r>
+            <a:r>
+              <a:rPr lang="en-US" altLang="zh-CN" sz="1400" dirty="0"/>
+              <a:t>2[0-4]\d|25[0-5]|[01]?\</a:t>
+            </a:r>
+            <a:r>
+              <a:rPr lang="en-US" altLang="zh-CN" sz="1400" dirty="0" smtClean="0"/>
+              <a:t>d?\d)\.)</a:t>
+            </a:r>
+          </a:p>
+          <a:p>
+            <a:r>
+              <a:rPr lang="zh-CN" altLang="en-US" sz="1400" dirty="0"/>
+              <a:t>组</a:t>
+            </a:r>
+            <a:r>
+              <a:rPr lang="zh-CN" altLang="en-US" sz="1400" dirty="0" smtClean="0"/>
+              <a:t>号</a:t>
+            </a:r>
+            <a:r>
+              <a:rPr lang="en-US" altLang="zh-CN" sz="1400" dirty="0" smtClean="0"/>
+              <a:t>2</a:t>
+            </a:r>
+            <a:r>
+              <a:rPr lang="zh-CN" altLang="en-US" sz="1400" dirty="0" smtClean="0"/>
+              <a:t>：</a:t>
+            </a:r>
+            <a:r>
+              <a:rPr lang="en-US" altLang="zh-CN" sz="1400" dirty="0"/>
+              <a:t>(2[0-4]\d|25[0-5]|[01]?\</a:t>
+            </a:r>
+            <a:r>
+              <a:rPr lang="en-US" altLang="zh-CN" sz="1400" dirty="0" smtClean="0"/>
+              <a:t>d?\d)</a:t>
+            </a:r>
+          </a:p>
+          <a:p>
+            <a:r>
+              <a:rPr lang="zh-CN" altLang="en-US" sz="1400" dirty="0"/>
+              <a:t>组</a:t>
+            </a:r>
+            <a:r>
+              <a:rPr lang="zh-CN" altLang="en-US" sz="1400" dirty="0" smtClean="0"/>
+              <a:t>号</a:t>
+            </a:r>
+            <a:r>
+              <a:rPr lang="en-US" altLang="zh-CN" sz="1400" dirty="0" smtClean="0"/>
+              <a:t>3</a:t>
+            </a:r>
+            <a:r>
+              <a:rPr lang="zh-CN" altLang="en-US" sz="1400" dirty="0" smtClean="0"/>
+              <a:t>：</a:t>
+            </a:r>
+            <a:r>
+              <a:rPr lang="en-US" altLang="zh-CN" sz="1400" dirty="0"/>
+              <a:t>(2[0-4]\d|25[0-5]|[01]?\d?\d</a:t>
+            </a:r>
+            <a:r>
+              <a:rPr lang="en-US" altLang="zh-CN" sz="1400" dirty="0" smtClean="0"/>
+              <a:t>)</a:t>
+            </a:r>
+          </a:p>
+        </p:txBody>
+      </p:sp>
+    </p:spTree>
+    <p:extLst>
+      <p:ext uri="{BB962C8B-B14F-4D97-AF65-F5344CB8AC3E}">
+        <p14:creationId xmlns:p14="http://schemas.microsoft.com/office/powerpoint/2010/main" val="3457297413"/>
+      </p:ext>
+    </p:extLst>
+  </p:cSld>
+  <p:clrMapOvr>
+    <a:masterClrMapping/>
+  </p:clrMapOvr>
+</p:sld>
+</file>
+
+<file path=ppt/slides/slide35.xml><?xml version="1.0" encoding="utf-8"?>
+<p:sld xmlns:a="http://schemas.openxmlformats.org/drawingml/2006/main" xmlns:r="http://schemas.openxmlformats.org/officeDocument/2006/relationships" xmlns:p="http://schemas.openxmlformats.org/presentationml/2006/main">
+  <p:cSld>
+    <p:spTree>
+      <p:nvGrpSpPr>
+        <p:cNvPr id="1" name=""/>
+        <p:cNvGrpSpPr/>
+        <p:nvPr/>
+      </p:nvGrpSpPr>
+      <p:grpSpPr>
+        <a:xfrm>
+          <a:off x="0" y="0"/>
+          <a:ext cx="0" cy="0"/>
+          <a:chOff x="0" y="0"/>
+          <a:chExt cx="0" cy="0"/>
+        </a:xfrm>
+      </p:grpSpPr>
+      <p:sp>
+        <p:nvSpPr>
+          <p:cNvPr id="2" name="标题 1"/>
+          <p:cNvSpPr>
+            <a:spLocks noGrp="1"/>
+          </p:cNvSpPr>
+          <p:nvPr>
+            <p:ph type="title"/>
+          </p:nvPr>
+        </p:nvSpPr>
+        <p:spPr/>
+        <p:txBody>
+          <a:bodyPr/>
+          <a:lstStyle/>
+          <a:p>
+            <a:r>
+              <a:rPr lang="en-US" altLang="zh-CN" dirty="0"/>
+              <a:t>3.3.5 </a:t>
+            </a:r>
+            <a:r>
+              <a:rPr lang="zh-CN" altLang="en-US" dirty="0"/>
+              <a:t>分组</a:t>
+            </a:r>
+          </a:p>
+        </p:txBody>
+      </p:sp>
+      <p:sp>
+        <p:nvSpPr>
+          <p:cNvPr id="3" name="内容占位符 2"/>
+          <p:cNvSpPr>
+            <a:spLocks noGrp="1"/>
+          </p:cNvSpPr>
+          <p:nvPr>
+            <p:ph idx="1"/>
+          </p:nvPr>
+        </p:nvSpPr>
+        <p:spPr/>
+        <p:txBody>
+          <a:bodyPr>
+            <a:normAutofit/>
+          </a:bodyPr>
+          <a:lstStyle/>
+          <a:p>
+            <a:r>
+              <a:rPr lang="en-US" altLang="zh-CN" sz="1400" b="1" dirty="0"/>
+              <a:t>step2. </a:t>
+            </a:r>
+            <a:r>
+              <a:rPr lang="zh-CN" altLang="en-US" sz="1400" b="1" dirty="0"/>
+              <a:t>执行过程</a:t>
+            </a:r>
+            <a:endParaRPr lang="en-US" altLang="zh-CN" sz="1400" b="1" dirty="0"/>
+          </a:p>
+          <a:p>
+            <a:r>
+              <a:rPr lang="zh-CN" altLang="en-US" sz="1400" dirty="0"/>
+              <a:t>对于组号</a:t>
+            </a:r>
+            <a:r>
+              <a:rPr lang="en-US" altLang="zh-CN" sz="1400" dirty="0"/>
+              <a:t>1</a:t>
+            </a:r>
+            <a:r>
+              <a:rPr lang="zh-CN" altLang="en-US" sz="1400" dirty="0"/>
+              <a:t>来讲，它执行了</a:t>
+            </a:r>
+            <a:r>
+              <a:rPr lang="en-US" altLang="zh-CN" sz="1400" dirty="0"/>
+              <a:t>3</a:t>
+            </a:r>
+            <a:r>
+              <a:rPr lang="zh-CN" altLang="en-US" sz="1400" dirty="0"/>
+              <a:t>次。每次捕获到的内容分别为：</a:t>
+            </a:r>
+            <a:endParaRPr lang="en-US" altLang="zh-CN" sz="1400" dirty="0"/>
+          </a:p>
+          <a:p>
+            <a:r>
+              <a:rPr lang="zh-CN" altLang="en-US" sz="1400" dirty="0"/>
+              <a:t>第</a:t>
+            </a:r>
+            <a:r>
+              <a:rPr lang="en-US" altLang="zh-CN" sz="1400" dirty="0"/>
+              <a:t>1</a:t>
+            </a:r>
+            <a:r>
+              <a:rPr lang="zh-CN" altLang="en-US" sz="1400" dirty="0"/>
+              <a:t>次：</a:t>
+            </a:r>
+            <a:r>
+              <a:rPr lang="en-US" altLang="zh-CN" sz="1400" dirty="0"/>
+              <a:t>192</a:t>
+            </a:r>
+            <a:r>
+              <a:rPr lang="en-US" altLang="zh-CN" sz="1400" dirty="0" smtClean="0"/>
+              <a:t>.</a:t>
+            </a:r>
+          </a:p>
+          <a:p>
+            <a:r>
+              <a:rPr lang="zh-CN" altLang="en-US" sz="1400" dirty="0" smtClean="0"/>
+              <a:t>第</a:t>
+            </a:r>
+            <a:r>
+              <a:rPr lang="en-US" altLang="zh-CN" sz="1400" dirty="0" smtClean="0"/>
+              <a:t>2</a:t>
+            </a:r>
+            <a:r>
+              <a:rPr lang="zh-CN" altLang="en-US" sz="1400" dirty="0" smtClean="0"/>
+              <a:t>次：</a:t>
+            </a:r>
+            <a:r>
+              <a:rPr lang="en-US" altLang="zh-CN" sz="1400" dirty="0" smtClean="0"/>
+              <a:t>168.</a:t>
+            </a:r>
+          </a:p>
+          <a:p>
+            <a:r>
+              <a:rPr lang="zh-CN" altLang="en-US" sz="1400" dirty="0" smtClean="0"/>
+              <a:t>第</a:t>
+            </a:r>
+            <a:r>
+              <a:rPr lang="en-US" altLang="zh-CN" sz="1400" dirty="0" smtClean="0"/>
+              <a:t>3</a:t>
+            </a:r>
+            <a:r>
+              <a:rPr lang="zh-CN" altLang="en-US" sz="1400" dirty="0" smtClean="0"/>
+              <a:t>次：</a:t>
+            </a:r>
+            <a:r>
+              <a:rPr lang="en-US" altLang="zh-CN" sz="1400" dirty="0" smtClean="0"/>
+              <a:t>0.</a:t>
+            </a:r>
+          </a:p>
+          <a:p>
+            <a:r>
+              <a:rPr lang="zh-CN" altLang="en-US" sz="1400" dirty="0" smtClean="0"/>
+              <a:t>根据结果可知，每个组只保留它最后一次的捕获结果。这就解释了 </a:t>
+            </a:r>
+            <a:r>
+              <a:rPr lang="en-US" altLang="zh-CN" sz="1400" dirty="0" smtClean="0"/>
+              <a:t>1 =&gt; ‘0.’</a:t>
+            </a:r>
+            <a:r>
+              <a:rPr lang="zh-CN" altLang="en-US" sz="1400" dirty="0" smtClean="0"/>
+              <a:t>的来由。</a:t>
+            </a:r>
+            <a:endParaRPr lang="en-US" altLang="zh-CN" sz="1400" dirty="0" smtClean="0"/>
+          </a:p>
+          <a:p>
+            <a:r>
+              <a:rPr lang="zh-CN" altLang="en-US" sz="1400" dirty="0" smtClean="0"/>
+              <a:t>对于组号</a:t>
+            </a:r>
+            <a:r>
+              <a:rPr lang="en-US" altLang="zh-CN" sz="1400" dirty="0" smtClean="0"/>
+              <a:t>2</a:t>
+            </a:r>
+            <a:r>
+              <a:rPr lang="zh-CN" altLang="en-US" sz="1400" dirty="0" smtClean="0"/>
+              <a:t>来讲，它也执行了</a:t>
+            </a:r>
+            <a:r>
+              <a:rPr lang="en-US" altLang="zh-CN" sz="1400" dirty="0" smtClean="0"/>
+              <a:t>3</a:t>
+            </a:r>
+            <a:r>
+              <a:rPr lang="zh-CN" altLang="en-US" sz="1400" dirty="0" smtClean="0"/>
+              <a:t>次。每次捕获到的内容分别为：</a:t>
+            </a:r>
+            <a:endParaRPr lang="en-US" altLang="zh-CN" sz="1400" dirty="0" smtClean="0"/>
+          </a:p>
+          <a:p>
+            <a:r>
+              <a:rPr lang="zh-CN" altLang="en-US" sz="1400" dirty="0" smtClean="0"/>
+              <a:t>第</a:t>
+            </a:r>
+            <a:r>
+              <a:rPr lang="en-US" altLang="zh-CN" sz="1400" dirty="0" smtClean="0"/>
+              <a:t>1</a:t>
+            </a:r>
+            <a:r>
+              <a:rPr lang="zh-CN" altLang="en-US" sz="1400" dirty="0" smtClean="0"/>
+              <a:t>次：</a:t>
+            </a:r>
+            <a:r>
+              <a:rPr lang="en-US" altLang="zh-CN" sz="1400" dirty="0" smtClean="0"/>
+              <a:t>192</a:t>
+            </a:r>
+          </a:p>
+          <a:p>
+            <a:r>
+              <a:rPr lang="zh-CN" altLang="en-US" sz="1400" dirty="0" smtClean="0"/>
+              <a:t>第</a:t>
+            </a:r>
+            <a:r>
+              <a:rPr lang="en-US" altLang="zh-CN" sz="1400" dirty="0" smtClean="0"/>
+              <a:t>2</a:t>
+            </a:r>
+            <a:r>
+              <a:rPr lang="zh-CN" altLang="en-US" sz="1400" dirty="0" smtClean="0"/>
+              <a:t>次：</a:t>
+            </a:r>
+            <a:r>
+              <a:rPr lang="en-US" altLang="zh-CN" sz="1400" dirty="0" smtClean="0"/>
+              <a:t>168</a:t>
+            </a:r>
+          </a:p>
+          <a:p>
+            <a:r>
+              <a:rPr lang="zh-CN" altLang="en-US" sz="1400" dirty="0" smtClean="0"/>
+              <a:t>第</a:t>
+            </a:r>
+            <a:r>
+              <a:rPr lang="en-US" altLang="zh-CN" sz="1400" dirty="0" smtClean="0"/>
+              <a:t>3</a:t>
+            </a:r>
+            <a:r>
+              <a:rPr lang="zh-CN" altLang="en-US" sz="1400" dirty="0" smtClean="0"/>
+              <a:t>次：</a:t>
+            </a:r>
+            <a:r>
+              <a:rPr lang="en-US" altLang="zh-CN" sz="1400" dirty="0" smtClean="0"/>
+              <a:t>0</a:t>
+            </a:r>
+          </a:p>
+          <a:p>
+            <a:r>
+              <a:rPr lang="zh-CN" altLang="en-US" sz="1400" dirty="0" smtClean="0"/>
+              <a:t>组号</a:t>
+            </a:r>
+            <a:r>
+              <a:rPr lang="en-US" altLang="zh-CN" sz="1400" dirty="0" smtClean="0"/>
+              <a:t>2</a:t>
+            </a:r>
+            <a:r>
+              <a:rPr lang="zh-CN" altLang="en-US" sz="1400" dirty="0" smtClean="0"/>
+              <a:t>保留最后一次的捕获结果：</a:t>
+            </a:r>
+            <a:r>
+              <a:rPr lang="en-US" altLang="zh-CN" sz="1400" dirty="0" smtClean="0"/>
+              <a:t>2 =&gt; 0</a:t>
+            </a:r>
+          </a:p>
+          <a:p>
+            <a:r>
+              <a:rPr lang="zh-CN" altLang="en-US" sz="1400" dirty="0" smtClean="0"/>
+              <a:t>对于组号</a:t>
+            </a:r>
+            <a:r>
+              <a:rPr lang="en-US" altLang="zh-CN" sz="1400" dirty="0" smtClean="0"/>
+              <a:t>3</a:t>
+            </a:r>
+            <a:r>
+              <a:rPr lang="zh-CN" altLang="en-US" sz="1400" dirty="0" smtClean="0"/>
+              <a:t>来讲，它仅执行了</a:t>
+            </a:r>
+            <a:r>
+              <a:rPr lang="en-US" altLang="zh-CN" sz="1400" dirty="0" smtClean="0"/>
+              <a:t>1</a:t>
+            </a:r>
+            <a:r>
+              <a:rPr lang="zh-CN" altLang="en-US" sz="1400" dirty="0" smtClean="0"/>
+              <a:t>次。这</a:t>
+            </a:r>
+            <a:r>
+              <a:rPr lang="en-US" altLang="zh-CN" sz="1400" dirty="0" smtClean="0"/>
+              <a:t>1</a:t>
+            </a:r>
+            <a:r>
+              <a:rPr lang="zh-CN" altLang="en-US" sz="1400" dirty="0" smtClean="0"/>
+              <a:t>次的捕获结果为：</a:t>
+            </a:r>
+            <a:endParaRPr lang="en-US" altLang="zh-CN" sz="1400" dirty="0" smtClean="0"/>
+          </a:p>
+          <a:p>
+            <a:r>
+              <a:rPr lang="zh-CN" altLang="en-US" sz="1400" dirty="0" smtClean="0"/>
+              <a:t>第</a:t>
+            </a:r>
+            <a:r>
+              <a:rPr lang="en-US" altLang="zh-CN" sz="1400" dirty="0" smtClean="0"/>
+              <a:t>1</a:t>
+            </a:r>
+            <a:r>
+              <a:rPr lang="zh-CN" altLang="en-US" sz="1400" dirty="0" smtClean="0"/>
+              <a:t>次：</a:t>
+            </a:r>
+            <a:r>
+              <a:rPr lang="en-US" altLang="zh-CN" sz="1400" dirty="0" smtClean="0"/>
+              <a:t>01</a:t>
+            </a:r>
+          </a:p>
+          <a:p>
+            <a:r>
+              <a:rPr lang="zh-CN" altLang="en-US" sz="1400" dirty="0"/>
+              <a:t>这也</a:t>
+            </a:r>
+            <a:r>
+              <a:rPr lang="zh-CN" altLang="en-US" sz="1400" dirty="0" smtClean="0"/>
+              <a:t>就解释了结果数组中第</a:t>
+            </a:r>
+            <a:r>
+              <a:rPr lang="en-US" altLang="zh-CN" sz="1400" dirty="0" smtClean="0"/>
+              <a:t>2 3 4</a:t>
+            </a:r>
+            <a:r>
+              <a:rPr lang="zh-CN" altLang="en-US" sz="1400" dirty="0" smtClean="0"/>
+              <a:t>个元素中的内容。</a:t>
+            </a:r>
+            <a:endParaRPr lang="en-US" altLang="zh-CN" sz="1400" dirty="0" smtClean="0"/>
+          </a:p>
+          <a:p>
+            <a:endParaRPr lang="zh-CN" altLang="en-US" sz="1400" dirty="0"/>
+          </a:p>
+          <a:p>
+            <a:endParaRPr lang="zh-CN" altLang="en-US" sz="1400" dirty="0"/>
+          </a:p>
+        </p:txBody>
+      </p:sp>
+    </p:spTree>
+    <p:extLst>
+      <p:ext uri="{BB962C8B-B14F-4D97-AF65-F5344CB8AC3E}">
+        <p14:creationId xmlns:p14="http://schemas.microsoft.com/office/powerpoint/2010/main" val="2803698079"/>
+      </p:ext>
+    </p:extLst>
+  </p:cSld>
+  <p:clrMapOvr>
+    <a:masterClrMapping/>
+  </p:clrMapOvr>
+</p:sld>
+</file>
+
+<file path=ppt/slides/slide36.xml><?xml version="1.0" encoding="utf-8"?>
+<p:sld xmlns:a="http://schemas.openxmlformats.org/drawingml/2006/main" xmlns:r="http://schemas.openxmlformats.org/officeDocument/2006/relationships" xmlns:p="http://schemas.openxmlformats.org/presentationml/2006/main">
+  <p:cSld>
+    <p:spTree>
+      <p:nvGrpSpPr>
+        <p:cNvPr id="1" name=""/>
+        <p:cNvGrpSpPr/>
+        <p:nvPr/>
+      </p:nvGrpSpPr>
+      <p:grpSpPr>
+        <a:xfrm>
+          <a:off x="0" y="0"/>
+          <a:ext cx="0" cy="0"/>
+          <a:chOff x="0" y="0"/>
+          <a:chExt cx="0" cy="0"/>
+        </a:xfrm>
+      </p:grpSpPr>
+      <p:sp>
+        <p:nvSpPr>
+          <p:cNvPr id="2" name="标题 1"/>
+          <p:cNvSpPr>
+            <a:spLocks noGrp="1"/>
+          </p:cNvSpPr>
+          <p:nvPr>
+            <p:ph type="title"/>
+          </p:nvPr>
+        </p:nvSpPr>
+        <p:spPr/>
+        <p:txBody>
+          <a:bodyPr/>
+          <a:lstStyle/>
+          <a:p>
+            <a:r>
+              <a:rPr lang="en-US" altLang="zh-CN" dirty="0"/>
+              <a:t>3.3.5 </a:t>
+            </a:r>
+            <a:r>
+              <a:rPr lang="zh-CN" altLang="en-US" dirty="0"/>
+              <a:t>分组</a:t>
+            </a:r>
+          </a:p>
+        </p:txBody>
+      </p:sp>
+      <p:sp>
+        <p:nvSpPr>
+          <p:cNvPr id="3" name="内容占位符 2"/>
+          <p:cNvSpPr>
+            <a:spLocks noGrp="1"/>
+          </p:cNvSpPr>
+          <p:nvPr>
+            <p:ph idx="1"/>
+          </p:nvPr>
+        </p:nvSpPr>
+        <p:spPr/>
+        <p:txBody>
+          <a:bodyPr>
+            <a:normAutofit/>
+          </a:bodyPr>
+          <a:lstStyle/>
+          <a:p>
+            <a:r>
+              <a:rPr lang="zh-CN" altLang="en-US" sz="1400" dirty="0" smtClean="0"/>
+              <a:t>那么进一步思考，作为一个开发者，能否自己命名组号呢？自己命名的组号和默认组号的先后顺序又是怎样的呢？</a:t>
+            </a:r>
+            <a:endParaRPr lang="en-US" altLang="zh-CN" sz="1400" dirty="0" smtClean="0"/>
+          </a:p>
+          <a:p>
+            <a:r>
+              <a:rPr lang="zh-CN" altLang="en-US" sz="1400" dirty="0" smtClean="0"/>
+              <a:t>再来做一个实验：将上述表达式的组号</a:t>
+            </a:r>
+            <a:r>
+              <a:rPr lang="en-US" altLang="zh-CN" sz="1400" dirty="0" smtClean="0"/>
+              <a:t>1</a:t>
+            </a:r>
+            <a:r>
+              <a:rPr lang="zh-CN" altLang="en-US" sz="1400" dirty="0" smtClean="0"/>
+              <a:t>进行自命名，并观察结果。</a:t>
+            </a:r>
+            <a:endParaRPr lang="en-US" altLang="zh-CN" sz="1400" dirty="0" smtClean="0"/>
+          </a:p>
+          <a:p>
+            <a:r>
+              <a:rPr lang="zh-CN" altLang="en-US" sz="1400" dirty="0"/>
+              <a:t>自</a:t>
+            </a:r>
+            <a:r>
+              <a:rPr lang="zh-CN" altLang="en-US" sz="1400" dirty="0" smtClean="0"/>
+              <a:t>命名语法</a:t>
+            </a:r>
+            <a:r>
+              <a:rPr lang="en-US" altLang="zh-CN" sz="1400" dirty="0" smtClean="0">
+                <a:sym typeface="Wingdings" panose="05000000000000000000" pitchFamily="2" charset="2"/>
+              </a:rPr>
+              <a:t>(?&lt;name&gt;</a:t>
+            </a:r>
+            <a:r>
+              <a:rPr lang="en-US" altLang="zh-CN" sz="1400" dirty="0" err="1" smtClean="0">
+                <a:sym typeface="Wingdings" panose="05000000000000000000" pitchFamily="2" charset="2"/>
+              </a:rPr>
+              <a:t>exp</a:t>
+            </a:r>
+            <a:r>
+              <a:rPr lang="en-US" altLang="zh-CN" sz="1400" dirty="0" smtClean="0">
+                <a:sym typeface="Wingdings" panose="05000000000000000000" pitchFamily="2" charset="2"/>
+              </a:rPr>
+              <a:t>) </a:t>
+            </a:r>
+            <a:r>
+              <a:rPr lang="zh-CN" altLang="en-US" sz="1400" dirty="0" smtClean="0">
+                <a:sym typeface="Wingdings" panose="05000000000000000000" pitchFamily="2" charset="2"/>
+              </a:rPr>
+              <a:t>或</a:t>
+            </a:r>
+            <a:r>
+              <a:rPr lang="en-US" altLang="zh-CN" sz="1400" dirty="0" smtClean="0">
+                <a:sym typeface="Wingdings" panose="05000000000000000000" pitchFamily="2" charset="2"/>
+              </a:rPr>
+              <a:t>(?’</a:t>
+            </a:r>
+            <a:r>
+              <a:rPr lang="en-US" altLang="zh-CN" sz="1400" dirty="0" err="1" smtClean="0">
+                <a:sym typeface="Wingdings" panose="05000000000000000000" pitchFamily="2" charset="2"/>
+              </a:rPr>
+              <a:t>name’exp</a:t>
+            </a:r>
+            <a:r>
+              <a:rPr lang="en-US" altLang="zh-CN" sz="1400" dirty="0" smtClean="0">
+                <a:sym typeface="Wingdings" panose="05000000000000000000" pitchFamily="2" charset="2"/>
+              </a:rPr>
+              <a:t>)</a:t>
+            </a:r>
+          </a:p>
+          <a:p>
+            <a:r>
+              <a:rPr lang="en-US" altLang="zh-CN" sz="1400" dirty="0" smtClean="0">
+                <a:sym typeface="Wingdings" panose="05000000000000000000" pitchFamily="2" charset="2"/>
+              </a:rPr>
+              <a:t> </a:t>
+            </a:r>
+            <a:endParaRPr lang="zh-CN" altLang="en-US" sz="1400" dirty="0"/>
+          </a:p>
+        </p:txBody>
+      </p:sp>
+      <p:pic>
+        <p:nvPicPr>
+          <p:cNvPr id="3077" name="Picture 5"/>
+          <p:cNvPicPr>
+            <a:picLocks noChangeAspect="1" noChangeArrowheads="1"/>
+          </p:cNvPicPr>
+          <p:nvPr/>
+        </p:nvPicPr>
+        <p:blipFill>
+          <a:blip r:embed="rId2">
+            <a:extLst>
+              <a:ext uri="{28A0092B-C50C-407E-A947-70E740481C1C}">
+                <a14:useLocalDpi xmlns:a14="http://schemas.microsoft.com/office/drawing/2010/main" val="0"/>
+              </a:ext>
+            </a:extLst>
+          </a:blip>
+          <a:srcRect/>
+          <a:stretch>
+            <a:fillRect/>
+          </a:stretch>
+        </p:blipFill>
+        <p:spPr bwMode="auto">
+          <a:xfrm>
+            <a:off x="-3492896" y="2636912"/>
+            <a:ext cx="7589837" cy="3981450"/>
+          </a:xfrm>
+          <a:prstGeom prst="rect">
+            <a:avLst/>
+          </a:prstGeom>
+          <a:noFill/>
+          <a:ln>
+            <a:noFill/>
+          </a:ln>
+          <a:effectLst/>
+          <a:extLst>
+            <a:ext uri="{909E8E84-426E-40DD-AFC4-6F175D3DCCD1}">
+              <a14:hiddenFill xmlns:a14="http://schemas.microsoft.com/office/drawing/2010/main">
+                <a:solidFill>
+                  <a:schemeClr val="accent1"/>
+                </a:solidFill>
+              </a14:hiddenFill>
+            </a:ext>
+            <a:ext uri="{91240B29-F687-4F45-9708-019B960494DF}">
+              <a14:hiddenLine xmlns:a14="http://schemas.microsoft.com/office/drawing/2010/main" w="9525">
+                <a:solidFill>
+                  <a:schemeClr val="tx1"/>
+                </a:solidFill>
+                <a:miter lim="800000"/>
+                <a:headEnd/>
+                <a:tailEnd/>
+              </a14:hiddenLine>
+            </a:ext>
+            <a:ext uri="{AF507438-7753-43E0-B8FC-AC1667EBCBE1}">
+              <a14:hiddenEffects xmlns:a14="http://schemas.microsoft.com/office/drawing/2010/main">
+                <a:effectLst>
+                  <a:outerShdw dist="35921" dir="2700000" algn="ctr" rotWithShape="0">
+                    <a:schemeClr val="bg2"/>
+                  </a:outerShdw>
+                </a:effectLst>
+              </a14:hiddenEffects>
+            </a:ext>
+          </a:extLst>
+        </p:spPr>
+      </p:pic>
+      <p:pic>
+        <p:nvPicPr>
+          <p:cNvPr id="3078" name="Picture 6"/>
+          <p:cNvPicPr>
+            <a:picLocks noChangeAspect="1" noChangeArrowheads="1"/>
+          </p:cNvPicPr>
+          <p:nvPr/>
+        </p:nvPicPr>
+        <p:blipFill>
+          <a:blip r:embed="rId3">
+            <a:extLst>
+              <a:ext uri="{28A0092B-C50C-407E-A947-70E740481C1C}">
+                <a14:useLocalDpi xmlns:a14="http://schemas.microsoft.com/office/drawing/2010/main" val="0"/>
+              </a:ext>
+            </a:extLst>
+          </a:blip>
+          <a:srcRect/>
+          <a:stretch>
+            <a:fillRect/>
+          </a:stretch>
+        </p:blipFill>
+        <p:spPr bwMode="auto">
+          <a:xfrm>
+            <a:off x="4096941" y="2636912"/>
+            <a:ext cx="9153526" cy="6191250"/>
+          </a:xfrm>
+          <a:prstGeom prst="rect">
+            <a:avLst/>
+          </a:prstGeom>
+          <a:noFill/>
+          <a:ln>
+            <a:noFill/>
+          </a:ln>
+          <a:effectLst/>
+          <a:extLst>
+            <a:ext uri="{909E8E84-426E-40DD-AFC4-6F175D3DCCD1}">
+              <a14:hiddenFill xmlns:a14="http://schemas.microsoft.com/office/drawing/2010/main">
+                <a:solidFill>
+                  <a:schemeClr val="accent1"/>
+                </a:solidFill>
+              </a14:hiddenFill>
+            </a:ext>
+            <a:ext uri="{91240B29-F687-4F45-9708-019B960494DF}">
+              <a14:hiddenLine xmlns:a14="http://schemas.microsoft.com/office/drawing/2010/main" w="9525">
+                <a:solidFill>
+                  <a:schemeClr val="tx1"/>
+                </a:solidFill>
+                <a:miter lim="800000"/>
+                <a:headEnd/>
+                <a:tailEnd/>
+              </a14:hiddenLine>
+            </a:ext>
+            <a:ext uri="{AF507438-7753-43E0-B8FC-AC1667EBCBE1}">
+              <a14:hiddenEffects xmlns:a14="http://schemas.microsoft.com/office/drawing/2010/main">
+                <a:effectLst>
+                  <a:outerShdw dist="35921" dir="2700000" algn="ctr" rotWithShape="0">
+                    <a:schemeClr val="bg2"/>
+                  </a:outerShdw>
+                </a:effectLst>
+              </a14:hiddenEffects>
+            </a:ext>
+          </a:extLst>
+        </p:spPr>
+      </p:pic>
+    </p:spTree>
+    <p:extLst>
+      <p:ext uri="{BB962C8B-B14F-4D97-AF65-F5344CB8AC3E}">
+        <p14:creationId xmlns:p14="http://schemas.microsoft.com/office/powerpoint/2010/main" val="206435341"/>
+      </p:ext>
+    </p:extLst>
+  </p:cSld>
+  <p:clrMapOvr>
+    <a:masterClrMapping/>
+  </p:clrMapOvr>
+</p:sld>
+</file>
+
+<file path=ppt/slides/slide37.xml><?xml version="1.0" encoding="utf-8"?>
+<p:sld xmlns:a="http://schemas.openxmlformats.org/drawingml/2006/main" xmlns:r="http://schemas.openxmlformats.org/officeDocument/2006/relationships" xmlns:p="http://schemas.openxmlformats.org/presentationml/2006/main">
+  <p:cSld>
+    <p:spTree>
+      <p:nvGrpSpPr>
+        <p:cNvPr id="1" name=""/>
+        <p:cNvGrpSpPr/>
+        <p:nvPr/>
+      </p:nvGrpSpPr>
+      <p:grpSpPr>
+        <a:xfrm>
+          <a:off x="0" y="0"/>
+          <a:ext cx="0" cy="0"/>
+          <a:chOff x="0" y="0"/>
+          <a:chExt cx="0" cy="0"/>
+        </a:xfrm>
+      </p:grpSpPr>
+      <p:sp>
+        <p:nvSpPr>
+          <p:cNvPr id="2" name="标题 1"/>
+          <p:cNvSpPr>
+            <a:spLocks noGrp="1"/>
+          </p:cNvSpPr>
+          <p:nvPr>
+            <p:ph type="title"/>
+          </p:nvPr>
+        </p:nvSpPr>
+        <p:spPr/>
+        <p:txBody>
+          <a:bodyPr/>
+          <a:lstStyle/>
+          <a:p>
+            <a:r>
+              <a:rPr lang="en-US" altLang="zh-CN" dirty="0"/>
+              <a:t>3.3.5 </a:t>
+            </a:r>
+            <a:r>
+              <a:rPr lang="zh-CN" altLang="en-US" dirty="0"/>
+              <a:t>分组</a:t>
+            </a:r>
+          </a:p>
+        </p:txBody>
+      </p:sp>
+      <p:sp>
+        <p:nvSpPr>
+          <p:cNvPr id="3" name="内容占位符 2"/>
+          <p:cNvSpPr>
+            <a:spLocks noGrp="1"/>
+          </p:cNvSpPr>
+          <p:nvPr>
+            <p:ph idx="1"/>
+          </p:nvPr>
+        </p:nvSpPr>
+        <p:spPr/>
+        <p:txBody>
+          <a:bodyPr>
+            <a:normAutofit/>
+          </a:bodyPr>
+          <a:lstStyle/>
+          <a:p>
+            <a:r>
+              <a:rPr lang="zh-CN" altLang="en-US" sz="1400" dirty="0" smtClean="0"/>
+              <a:t>这里通过</a:t>
+            </a:r>
+            <a:r>
+              <a:rPr lang="en-US" altLang="zh-CN" sz="1400" dirty="0" smtClean="0"/>
+              <a:t>PHP</a:t>
+            </a:r>
+            <a:r>
+              <a:rPr lang="zh-CN" altLang="en-US" sz="1400" dirty="0" smtClean="0"/>
+              <a:t>脚本运行的结果观察的不是很明显。但是也足以说明问题。</a:t>
+            </a:r>
+            <a:endParaRPr lang="en-US" altLang="zh-CN" sz="1400" dirty="0" smtClean="0"/>
+          </a:p>
+          <a:p>
+            <a:r>
+              <a:rPr lang="zh-CN" altLang="en-US" sz="1400" dirty="0" smtClean="0"/>
+              <a:t>首先，可以看到分组生效了。结果数组中的键名就是在正则中命名的组号。</a:t>
+            </a:r>
+            <a:endParaRPr lang="en-US" altLang="zh-CN" sz="1400" dirty="0" smtClean="0"/>
+          </a:p>
+          <a:p>
+            <a:r>
+              <a:rPr lang="zh-CN" altLang="en-US" sz="1400" dirty="0" smtClean="0"/>
+              <a:t>但是，和预想中的不一样的是，并不是用自命名组号替换默认组号，而是保留默认组号的同时，添加了自命名组号及其对应组的最后一次匹配结果至结果数组中。</a:t>
+            </a:r>
+            <a:endParaRPr lang="en-US" altLang="zh-CN" sz="1400" dirty="0" smtClean="0"/>
+          </a:p>
+          <a:p>
+            <a:r>
+              <a:rPr lang="zh-CN" altLang="en-US" sz="1400" dirty="0" smtClean="0"/>
+              <a:t>注：数据格式发生变化是由于我将原来的</a:t>
+            </a:r>
+            <a:r>
+              <a:rPr lang="en-US" altLang="zh-CN" sz="1400" dirty="0" err="1" smtClean="0"/>
+              <a:t>preg_match_all</a:t>
+            </a:r>
+            <a:r>
+              <a:rPr lang="en-US" altLang="zh-CN" sz="1400" dirty="0" smtClean="0"/>
+              <a:t>()</a:t>
+            </a:r>
+            <a:r>
+              <a:rPr lang="zh-CN" altLang="en-US" sz="1400" dirty="0" smtClean="0"/>
+              <a:t>替换为了</a:t>
+            </a:r>
+            <a:r>
+              <a:rPr lang="en-US" altLang="zh-CN" sz="1400" dirty="0" err="1" smtClean="0"/>
+              <a:t>preg_match</a:t>
+            </a:r>
+            <a:r>
+              <a:rPr lang="en-US" altLang="zh-CN" sz="1400" dirty="0" smtClean="0"/>
+              <a:t>()</a:t>
+            </a:r>
+            <a:r>
+              <a:rPr lang="zh-CN" altLang="en-US" sz="1400" dirty="0" smtClean="0"/>
+              <a:t>。</a:t>
+            </a:r>
+            <a:endParaRPr lang="en-US" altLang="zh-CN" sz="1400" dirty="0" smtClean="0"/>
+          </a:p>
+          <a:p>
+            <a:r>
+              <a:rPr lang="zh-CN" altLang="en-US" sz="1400" dirty="0" smtClean="0"/>
+              <a:t>这里用正则表达式测试工具来分析命名组号结果。</a:t>
+            </a:r>
+            <a:endParaRPr lang="en-US" altLang="zh-CN" sz="1400" dirty="0" smtClean="0"/>
+          </a:p>
+          <a:p>
+            <a:r>
+              <a:rPr lang="zh-CN" altLang="en-US" sz="1400" dirty="0" smtClean="0"/>
+              <a:t>根据红框部分的标注可知：</a:t>
+            </a:r>
+            <a:endParaRPr lang="en-US" altLang="zh-CN" sz="1400" dirty="0" smtClean="0"/>
+          </a:p>
+          <a:p>
+            <a:r>
+              <a:rPr lang="zh-CN" altLang="en-US" sz="1400" dirty="0" smtClean="0"/>
+              <a:t>默认组号</a:t>
+            </a:r>
+            <a:r>
+              <a:rPr lang="en-US" altLang="zh-CN" sz="1400" dirty="0" smtClean="0"/>
+              <a:t>1</a:t>
+            </a:r>
+            <a:r>
+              <a:rPr lang="zh-CN" altLang="en-US" sz="1400" dirty="0" smtClean="0"/>
+              <a:t>被命名为了</a:t>
+            </a:r>
+            <a:r>
+              <a:rPr lang="en-US" altLang="zh-CN" sz="1400" dirty="0" smtClean="0"/>
+              <a:t>GROUP1</a:t>
+            </a:r>
+            <a:r>
+              <a:rPr lang="zh-CN" altLang="en-US" sz="1400" dirty="0" smtClean="0"/>
+              <a:t>，它进行了</a:t>
+            </a:r>
+            <a:r>
+              <a:rPr lang="en-US" altLang="zh-CN" sz="1400" dirty="0" smtClean="0"/>
+              <a:t>3</a:t>
+            </a:r>
+            <a:r>
+              <a:rPr lang="zh-CN" altLang="en-US" sz="1400" dirty="0" smtClean="0"/>
+              <a:t>次匹配，过程和上述内容描述一致。</a:t>
+            </a:r>
+            <a:endParaRPr lang="en-US" altLang="zh-CN" sz="1400" dirty="0" smtClean="0"/>
+          </a:p>
+          <a:p>
+            <a:r>
+              <a:rPr lang="zh-CN" altLang="en-US" sz="1400" dirty="0"/>
+              <a:t>默认组</a:t>
+            </a:r>
+            <a:r>
+              <a:rPr lang="zh-CN" altLang="en-US" sz="1400" dirty="0" smtClean="0"/>
+              <a:t>号</a:t>
+            </a:r>
+            <a:r>
+              <a:rPr lang="en-US" altLang="zh-CN" sz="1400" dirty="0" smtClean="0"/>
+              <a:t>2</a:t>
+            </a:r>
+            <a:r>
+              <a:rPr lang="zh-CN" altLang="en-US" sz="1400" dirty="0" smtClean="0"/>
+              <a:t>被</a:t>
+            </a:r>
+            <a:r>
+              <a:rPr lang="zh-CN" altLang="en-US" sz="1400" dirty="0"/>
+              <a:t>命名为了</a:t>
+            </a:r>
+            <a:r>
+              <a:rPr lang="en-US" altLang="zh-CN" sz="1400" dirty="0" smtClean="0"/>
+              <a:t>GROUP2</a:t>
+            </a:r>
+            <a:r>
+              <a:rPr lang="zh-CN" altLang="en-US" sz="1400" dirty="0" smtClean="0"/>
+              <a:t>，</a:t>
+            </a:r>
+            <a:r>
+              <a:rPr lang="zh-CN" altLang="en-US" sz="1400" dirty="0"/>
+              <a:t>它进行了</a:t>
+            </a:r>
+            <a:r>
+              <a:rPr lang="en-US" altLang="zh-CN" sz="1400" dirty="0"/>
+              <a:t>3</a:t>
+            </a:r>
+            <a:r>
+              <a:rPr lang="zh-CN" altLang="en-US" sz="1400" dirty="0"/>
+              <a:t>次匹配，过程和上述内容描述</a:t>
+            </a:r>
+            <a:r>
+              <a:rPr lang="zh-CN" altLang="en-US" sz="1400" dirty="0" smtClean="0"/>
+              <a:t>一致。</a:t>
+            </a:r>
+            <a:endParaRPr lang="en-US" altLang="zh-CN" sz="1400" dirty="0" smtClean="0"/>
+          </a:p>
+          <a:p>
+            <a:r>
+              <a:rPr lang="zh-CN" altLang="en-US" sz="1400" dirty="0"/>
+              <a:t>默认组</a:t>
+            </a:r>
+            <a:r>
+              <a:rPr lang="zh-CN" altLang="en-US" sz="1400" dirty="0" smtClean="0"/>
+              <a:t>号</a:t>
+            </a:r>
+            <a:r>
+              <a:rPr lang="en-US" altLang="zh-CN" sz="1400" dirty="0" smtClean="0"/>
+              <a:t>3</a:t>
+            </a:r>
+            <a:r>
+              <a:rPr lang="zh-CN" altLang="en-US" sz="1400" dirty="0" smtClean="0"/>
+              <a:t>被</a:t>
+            </a:r>
+            <a:r>
+              <a:rPr lang="zh-CN" altLang="en-US" sz="1400" dirty="0"/>
+              <a:t>命名为了</a:t>
+            </a:r>
+            <a:r>
+              <a:rPr lang="en-US" altLang="zh-CN" sz="1400" dirty="0"/>
+              <a:t>GROUP3</a:t>
+            </a:r>
+            <a:r>
+              <a:rPr lang="zh-CN" altLang="en-US" sz="1400" dirty="0"/>
+              <a:t>，它进行</a:t>
+            </a:r>
+            <a:r>
+              <a:rPr lang="zh-CN" altLang="en-US" sz="1400" dirty="0" smtClean="0"/>
+              <a:t>了</a:t>
+            </a:r>
+            <a:r>
+              <a:rPr lang="en-US" altLang="zh-CN" sz="1400" dirty="0" smtClean="0"/>
+              <a:t>1</a:t>
+            </a:r>
+            <a:r>
+              <a:rPr lang="zh-CN" altLang="en-US" sz="1400" dirty="0" smtClean="0"/>
+              <a:t>次</a:t>
+            </a:r>
+            <a:r>
+              <a:rPr lang="zh-CN" altLang="en-US" sz="1400" dirty="0"/>
+              <a:t>匹配，过程和上述内容描述一致</a:t>
+            </a:r>
+            <a:r>
+              <a:rPr lang="zh-CN" altLang="en-US" sz="1400" dirty="0" smtClean="0"/>
+              <a:t>。</a:t>
+            </a:r>
+            <a:endParaRPr lang="zh-CN" altLang="en-US" sz="1400" dirty="0"/>
+          </a:p>
+        </p:txBody>
+      </p:sp>
+      <p:pic>
+        <p:nvPicPr>
+          <p:cNvPr id="4098" name="Picture 2"/>
+          <p:cNvPicPr>
+            <a:picLocks noChangeAspect="1" noChangeArrowheads="1"/>
+          </p:cNvPicPr>
+          <p:nvPr/>
+        </p:nvPicPr>
+        <p:blipFill>
+          <a:blip r:embed="rId2">
+            <a:extLst>
+              <a:ext uri="{28A0092B-C50C-407E-A947-70E740481C1C}">
+                <a14:useLocalDpi xmlns:a14="http://schemas.microsoft.com/office/drawing/2010/main" val="0"/>
+              </a:ext>
+            </a:extLst>
+          </a:blip>
+          <a:srcRect/>
+          <a:stretch>
+            <a:fillRect/>
+          </a:stretch>
+        </p:blipFill>
+        <p:spPr bwMode="auto">
+          <a:xfrm>
+            <a:off x="179512" y="4293096"/>
+            <a:ext cx="8428037" cy="3686175"/>
+          </a:xfrm>
+          <a:prstGeom prst="rect">
+            <a:avLst/>
+          </a:prstGeom>
+          <a:noFill/>
+          <a:ln>
+            <a:noFill/>
+          </a:ln>
+          <a:effectLst/>
+          <a:extLst>
+            <a:ext uri="{909E8E84-426E-40DD-AFC4-6F175D3DCCD1}">
+              <a14:hiddenFill xmlns:a14="http://schemas.microsoft.com/office/drawing/2010/main">
+                <a:solidFill>
+                  <a:schemeClr val="accent1"/>
+                </a:solidFill>
+              </a14:hiddenFill>
+            </a:ext>
+            <a:ext uri="{91240B29-F687-4F45-9708-019B960494DF}">
+              <a14:hiddenLine xmlns:a14="http://schemas.microsoft.com/office/drawing/2010/main" w="9525">
+                <a:solidFill>
+                  <a:schemeClr val="tx1"/>
+                </a:solidFill>
+                <a:miter lim="800000"/>
+                <a:headEnd/>
+                <a:tailEnd/>
+              </a14:hiddenLine>
+            </a:ext>
+            <a:ext uri="{AF507438-7753-43E0-B8FC-AC1667EBCBE1}">
+              <a14:hiddenEffects xmlns:a14="http://schemas.microsoft.com/office/drawing/2010/main">
+                <a:effectLst>
+                  <a:outerShdw dist="35921" dir="2700000" algn="ctr" rotWithShape="0">
+                    <a:schemeClr val="bg2"/>
+                  </a:outerShdw>
+                </a:effectLst>
+              </a14:hiddenEffects>
+            </a:ext>
+          </a:extLst>
+        </p:spPr>
+      </p:pic>
+    </p:spTree>
+    <p:extLst>
+      <p:ext uri="{BB962C8B-B14F-4D97-AF65-F5344CB8AC3E}">
+        <p14:creationId xmlns:p14="http://schemas.microsoft.com/office/powerpoint/2010/main" val="2607619095"/>
+      </p:ext>
+    </p:extLst>
+  </p:cSld>
+  <p:clrMapOvr>
+    <a:masterClrMapping/>
+  </p:clrMapOvr>
+</p:sld>
+</file>
+
+<file path=ppt/slides/slide38.xml><?xml version="1.0" encoding="utf-8"?>
+<p:sld xmlns:a="http://schemas.openxmlformats.org/drawingml/2006/main" xmlns:r="http://schemas.openxmlformats.org/officeDocument/2006/relationships" xmlns:p="http://schemas.openxmlformats.org/presentationml/2006/main">
+  <p:cSld>
+    <p:spTree>
+      <p:nvGrpSpPr>
+        <p:cNvPr id="1" name=""/>
+        <p:cNvGrpSpPr/>
+        <p:nvPr/>
+      </p:nvGrpSpPr>
+      <p:grpSpPr>
+        <a:xfrm>
+          <a:off x="0" y="0"/>
+          <a:ext cx="0" cy="0"/>
+          <a:chOff x="0" y="0"/>
+          <a:chExt cx="0" cy="0"/>
+        </a:xfrm>
+      </p:grpSpPr>
+      <p:sp>
+        <p:nvSpPr>
+          <p:cNvPr id="2" name="标题 1"/>
+          <p:cNvSpPr>
+            <a:spLocks noGrp="1"/>
+          </p:cNvSpPr>
+          <p:nvPr>
+            <p:ph type="title"/>
+          </p:nvPr>
+        </p:nvSpPr>
+        <p:spPr/>
+        <p:txBody>
+          <a:bodyPr/>
+          <a:lstStyle/>
+          <a:p>
+            <a:r>
+              <a:rPr lang="en-US" altLang="zh-CN" dirty="0"/>
+              <a:t>3.3.5 </a:t>
+            </a:r>
+            <a:r>
+              <a:rPr lang="zh-CN" altLang="en-US" dirty="0"/>
+              <a:t>分组</a:t>
+            </a:r>
+          </a:p>
+        </p:txBody>
+      </p:sp>
+      <p:sp>
+        <p:nvSpPr>
+          <p:cNvPr id="3" name="内容占位符 2"/>
+          <p:cNvSpPr>
+            <a:spLocks noGrp="1"/>
+          </p:cNvSpPr>
+          <p:nvPr>
+            <p:ph idx="1"/>
+          </p:nvPr>
+        </p:nvSpPr>
+        <p:spPr/>
+        <p:txBody>
+          <a:bodyPr>
+            <a:normAutofit/>
+          </a:bodyPr>
+          <a:lstStyle/>
+          <a:p>
+            <a:r>
+              <a:rPr lang="zh-CN" altLang="en-US" sz="1400" dirty="0" smtClean="0"/>
+              <a:t>对自命名组号的细节补充说明：</a:t>
+            </a:r>
+            <a:endParaRPr lang="en-US" altLang="zh-CN" sz="1400" dirty="0" smtClean="0"/>
+          </a:p>
+          <a:p>
+            <a:r>
+              <a:rPr lang="zh-CN" altLang="en-US" sz="1400" dirty="0" smtClean="0"/>
+              <a:t>不能对一个分组，既自命名又剥夺该分组的组号分配参与权。</a:t>
+            </a:r>
+            <a:endParaRPr lang="en-US" altLang="zh-CN" sz="1400" dirty="0" smtClean="0"/>
+          </a:p>
+          <a:p>
+            <a:r>
+              <a:rPr lang="zh-CN" altLang="en-US" sz="1400" dirty="0" smtClean="0"/>
+              <a:t>用正则表达式来解释这句话：</a:t>
+            </a:r>
+            <a:endParaRPr lang="en-US" altLang="zh-CN" sz="1400" dirty="0" smtClean="0"/>
+          </a:p>
+          <a:p>
+            <a:r>
+              <a:rPr lang="zh-CN" altLang="en-US" sz="1400" dirty="0" smtClean="0"/>
+              <a:t>如下三图表示了先剥夺分组的组号分配参与权，再对该组进行自命名组号时的情况。这是不被允许的。同理，先进性自命名组号再剥夺分组的组号分配参与权也是不行的。</a:t>
+            </a:r>
+            <a:endParaRPr lang="zh-CN" altLang="en-US" sz="1400" dirty="0"/>
+          </a:p>
+        </p:txBody>
+      </p:sp>
+      <p:pic>
+        <p:nvPicPr>
+          <p:cNvPr id="5122" name="Picture 2"/>
+          <p:cNvPicPr>
+            <a:picLocks noChangeAspect="1" noChangeArrowheads="1"/>
+          </p:cNvPicPr>
+          <p:nvPr/>
+        </p:nvPicPr>
+        <p:blipFill>
+          <a:blip r:embed="rId2">
+            <a:extLst>
+              <a:ext uri="{28A0092B-C50C-407E-A947-70E740481C1C}">
+                <a14:useLocalDpi xmlns:a14="http://schemas.microsoft.com/office/drawing/2010/main" val="0"/>
+              </a:ext>
+            </a:extLst>
+          </a:blip>
+          <a:srcRect/>
+          <a:stretch>
+            <a:fillRect/>
+          </a:stretch>
+        </p:blipFill>
+        <p:spPr bwMode="auto">
+          <a:xfrm>
+            <a:off x="-3780928" y="4654599"/>
+            <a:ext cx="8027987" cy="4391025"/>
+          </a:xfrm>
+          <a:prstGeom prst="rect">
+            <a:avLst/>
+          </a:prstGeom>
+          <a:noFill/>
+          <a:ln>
+            <a:noFill/>
+          </a:ln>
+          <a:effectLst/>
+          <a:extLst>
+            <a:ext uri="{909E8E84-426E-40DD-AFC4-6F175D3DCCD1}">
+              <a14:hiddenFill xmlns:a14="http://schemas.microsoft.com/office/drawing/2010/main">
+                <a:solidFill>
+                  <a:schemeClr val="accent1"/>
+                </a:solidFill>
+              </a14:hiddenFill>
+            </a:ext>
+            <a:ext uri="{91240B29-F687-4F45-9708-019B960494DF}">
+              <a14:hiddenLine xmlns:a14="http://schemas.microsoft.com/office/drawing/2010/main" w="9525">
+                <a:solidFill>
+                  <a:schemeClr val="tx1"/>
+                </a:solidFill>
+                <a:miter lim="800000"/>
+                <a:headEnd/>
+                <a:tailEnd/>
+              </a14:hiddenLine>
+            </a:ext>
+            <a:ext uri="{AF507438-7753-43E0-B8FC-AC1667EBCBE1}">
+              <a14:hiddenEffects xmlns:a14="http://schemas.microsoft.com/office/drawing/2010/main">
+                <a:effectLst>
+                  <a:outerShdw dist="35921" dir="2700000" algn="ctr" rotWithShape="0">
+                    <a:schemeClr val="bg2"/>
+                  </a:outerShdw>
+                </a:effectLst>
+              </a14:hiddenEffects>
+            </a:ext>
+          </a:extLst>
+        </p:spPr>
+      </p:pic>
+      <p:pic>
+        <p:nvPicPr>
+          <p:cNvPr id="5123" name="Picture 3"/>
+          <p:cNvPicPr>
+            <a:picLocks noChangeAspect="1" noChangeArrowheads="1"/>
+          </p:cNvPicPr>
+          <p:nvPr/>
+        </p:nvPicPr>
+        <p:blipFill>
+          <a:blip r:embed="rId3">
+            <a:extLst>
+              <a:ext uri="{28A0092B-C50C-407E-A947-70E740481C1C}">
+                <a14:useLocalDpi xmlns:a14="http://schemas.microsoft.com/office/drawing/2010/main" val="0"/>
+              </a:ext>
+            </a:extLst>
+          </a:blip>
+          <a:srcRect/>
+          <a:stretch>
+            <a:fillRect/>
+          </a:stretch>
+        </p:blipFill>
+        <p:spPr bwMode="auto">
+          <a:xfrm>
+            <a:off x="4247059" y="4611141"/>
+            <a:ext cx="8932863" cy="6162675"/>
+          </a:xfrm>
+          <a:prstGeom prst="rect">
+            <a:avLst/>
+          </a:prstGeom>
+          <a:noFill/>
+          <a:ln>
+            <a:noFill/>
+          </a:ln>
+          <a:effectLst/>
+          <a:extLst>
+            <a:ext uri="{909E8E84-426E-40DD-AFC4-6F175D3DCCD1}">
+              <a14:hiddenFill xmlns:a14="http://schemas.microsoft.com/office/drawing/2010/main">
+                <a:solidFill>
+                  <a:schemeClr val="accent1"/>
+                </a:solidFill>
+              </a14:hiddenFill>
+            </a:ext>
+            <a:ext uri="{91240B29-F687-4F45-9708-019B960494DF}">
+              <a14:hiddenLine xmlns:a14="http://schemas.microsoft.com/office/drawing/2010/main" w="9525">
+                <a:solidFill>
+                  <a:schemeClr val="tx1"/>
+                </a:solidFill>
+                <a:miter lim="800000"/>
+                <a:headEnd/>
+                <a:tailEnd/>
+              </a14:hiddenLine>
+            </a:ext>
+            <a:ext uri="{AF507438-7753-43E0-B8FC-AC1667EBCBE1}">
+              <a14:hiddenEffects xmlns:a14="http://schemas.microsoft.com/office/drawing/2010/main">
+                <a:effectLst>
+                  <a:outerShdw dist="35921" dir="2700000" algn="ctr" rotWithShape="0">
+                    <a:schemeClr val="bg2"/>
+                  </a:outerShdw>
+                </a:effectLst>
+              </a14:hiddenEffects>
+            </a:ext>
+          </a:extLst>
+        </p:spPr>
+      </p:pic>
+      <p:pic>
+        <p:nvPicPr>
+          <p:cNvPr id="5124" name="Picture 4"/>
+          <p:cNvPicPr>
+            <a:picLocks noChangeAspect="1" noChangeArrowheads="1"/>
+          </p:cNvPicPr>
+          <p:nvPr/>
+        </p:nvPicPr>
+        <p:blipFill>
+          <a:blip r:embed="rId4">
+            <a:extLst>
+              <a:ext uri="{28A0092B-C50C-407E-A947-70E740481C1C}">
+                <a14:useLocalDpi xmlns:a14="http://schemas.microsoft.com/office/drawing/2010/main" val="0"/>
+              </a:ext>
+            </a:extLst>
+          </a:blip>
+          <a:srcRect/>
+          <a:stretch>
+            <a:fillRect/>
+          </a:stretch>
+        </p:blipFill>
+        <p:spPr bwMode="auto">
+          <a:xfrm>
+            <a:off x="3738" y="2852936"/>
+            <a:ext cx="4610100" cy="1762125"/>
+          </a:xfrm>
+          <a:prstGeom prst="rect">
+            <a:avLst/>
+          </a:prstGeom>
+          <a:noFill/>
+          <a:ln>
+            <a:noFill/>
+          </a:ln>
+          <a:effectLst/>
+          <a:extLst>
+            <a:ext uri="{909E8E84-426E-40DD-AFC4-6F175D3DCCD1}">
+              <a14:hiddenFill xmlns:a14="http://schemas.microsoft.com/office/drawing/2010/main">
+                <a:solidFill>
+                  <a:schemeClr val="accent1"/>
+                </a:solidFill>
+              </a14:hiddenFill>
+            </a:ext>
+            <a:ext uri="{91240B29-F687-4F45-9708-019B960494DF}">
+              <a14:hiddenLine xmlns:a14="http://schemas.microsoft.com/office/drawing/2010/main" w="9525">
+                <a:solidFill>
+                  <a:schemeClr val="tx1"/>
+                </a:solidFill>
+                <a:miter lim="800000"/>
+                <a:headEnd/>
+                <a:tailEnd/>
+              </a14:hiddenLine>
+            </a:ext>
+            <a:ext uri="{AF507438-7753-43E0-B8FC-AC1667EBCBE1}">
+              <a14:hiddenEffects xmlns:a14="http://schemas.microsoft.com/office/drawing/2010/main">
+                <a:effectLst>
+                  <a:outerShdw dist="35921" dir="2700000" algn="ctr" rotWithShape="0">
+                    <a:schemeClr val="bg2"/>
+                  </a:outerShdw>
+                </a:effectLst>
+              </a14:hiddenEffects>
+            </a:ext>
+          </a:extLst>
+        </p:spPr>
+      </p:pic>
+    </p:spTree>
+    <p:extLst>
+      <p:ext uri="{BB962C8B-B14F-4D97-AF65-F5344CB8AC3E}">
+        <p14:creationId xmlns:p14="http://schemas.microsoft.com/office/powerpoint/2010/main" val="4043155186"/>
+      </p:ext>
+    </p:extLst>
+  </p:cSld>
+  <p:clrMapOvr>
+    <a:masterClrMapping/>
+  </p:clrMapOvr>
+</p:sld>
+</file>
+
+<file path=ppt/slides/slide39.xml><?xml version="1.0" encoding="utf-8"?>
+<p:sld xmlns:a="http://schemas.openxmlformats.org/drawingml/2006/main" xmlns:r="http://schemas.openxmlformats.org/officeDocument/2006/relationships" xmlns:p="http://schemas.openxmlformats.org/presentationml/2006/main">
+  <p:cSld>
+    <p:spTree>
+      <p:nvGrpSpPr>
+        <p:cNvPr id="1" name=""/>
+        <p:cNvGrpSpPr/>
+        <p:nvPr/>
+      </p:nvGrpSpPr>
+      <p:grpSpPr>
+        <a:xfrm>
+          <a:off x="0" y="0"/>
+          <a:ext cx="0" cy="0"/>
+          <a:chOff x="0" y="0"/>
+          <a:chExt cx="0" cy="0"/>
+        </a:xfrm>
+      </p:grpSpPr>
+      <p:sp>
+        <p:nvSpPr>
+          <p:cNvPr id="2" name="标题 1"/>
+          <p:cNvSpPr>
+            <a:spLocks noGrp="1"/>
+          </p:cNvSpPr>
+          <p:nvPr>
+            <p:ph type="title"/>
+          </p:nvPr>
+        </p:nvSpPr>
+        <p:spPr/>
+        <p:txBody>
+          <a:bodyPr/>
+          <a:lstStyle/>
+          <a:p>
+            <a:r>
+              <a:rPr lang="en-US" altLang="zh-CN" dirty="0"/>
+              <a:t>3.3.5 </a:t>
+            </a:r>
+            <a:r>
+              <a:rPr lang="zh-CN" altLang="en-US" dirty="0"/>
+              <a:t>分组</a:t>
+            </a:r>
+          </a:p>
+        </p:txBody>
+      </p:sp>
+      <p:sp>
+        <p:nvSpPr>
+          <p:cNvPr id="3" name="内容占位符 2"/>
+          <p:cNvSpPr>
+            <a:spLocks noGrp="1"/>
+          </p:cNvSpPr>
+          <p:nvPr>
+            <p:ph idx="1"/>
+          </p:nvPr>
+        </p:nvSpPr>
+        <p:spPr/>
+        <p:txBody>
+          <a:bodyPr>
+            <a:normAutofit/>
+          </a:bodyPr>
+          <a:lstStyle/>
+          <a:p>
+            <a:r>
+              <a:rPr lang="zh-CN" altLang="en-US" sz="1400" dirty="0" smtClean="0"/>
+              <a:t>这里附书上原话：</a:t>
+            </a:r>
+            <a:endParaRPr lang="en-US" altLang="zh-CN" sz="1400" dirty="0" smtClean="0"/>
+          </a:p>
+          <a:p>
+            <a:r>
+              <a:rPr lang="zh-CN" altLang="en-US" sz="1400" b="1" dirty="0"/>
+              <a:t>组号分配</a:t>
+            </a:r>
+            <a:r>
+              <a:rPr lang="zh-CN" altLang="en-US" sz="1400" b="1" dirty="0" smtClean="0"/>
+              <a:t>过程是要从左向右扫描两遍：第一遍只给未命名组分配，第二遍只给命名组分配。因此，所有命名组的组号都大于未命名组的组号。可以使用语法</a:t>
+            </a:r>
+            <a:r>
+              <a:rPr lang="en-US" altLang="zh-CN" sz="1400" b="1" dirty="0" smtClean="0"/>
+              <a:t>(?:</a:t>
+            </a:r>
+            <a:r>
+              <a:rPr lang="en-US" altLang="zh-CN" sz="1400" b="1" dirty="0" err="1" smtClean="0"/>
+              <a:t>exp</a:t>
+            </a:r>
+            <a:r>
+              <a:rPr lang="en-US" altLang="zh-CN" sz="1400" b="1" dirty="0" smtClean="0"/>
+              <a:t>)</a:t>
+            </a:r>
+            <a:r>
+              <a:rPr lang="zh-CN" altLang="en-US" sz="1400" b="1" dirty="0" smtClean="0"/>
+              <a:t>剥夺一个分组对组号分配的参与权。</a:t>
+            </a:r>
+            <a:endParaRPr lang="en-US" altLang="zh-CN" sz="1400" b="1" dirty="0" smtClean="0"/>
+          </a:p>
+          <a:p>
+            <a:r>
+              <a:rPr lang="zh-CN" altLang="en-US" sz="1400" dirty="0" smtClean="0"/>
+              <a:t>这也就解释了为什么在我们最终的匹配结果中，既出现了</a:t>
+            </a:r>
+            <a:r>
+              <a:rPr lang="en-US" altLang="zh-CN" sz="1400" dirty="0" smtClean="0"/>
+              <a:t>123</a:t>
+            </a:r>
+            <a:r>
+              <a:rPr lang="zh-CN" altLang="en-US" sz="1400" dirty="0" smtClean="0"/>
+              <a:t>，又出现了</a:t>
+            </a:r>
+            <a:r>
+              <a:rPr lang="en-US" altLang="zh-CN" sz="1400" dirty="0" smtClean="0"/>
+              <a:t>GROUP1 GROUP2 GROUP3</a:t>
+            </a:r>
+            <a:r>
+              <a:rPr lang="zh-CN" altLang="en-US" sz="1400" dirty="0" smtClean="0"/>
+              <a:t>。</a:t>
+            </a:r>
+            <a:endParaRPr lang="en-US" altLang="zh-CN" sz="1400" dirty="0" smtClean="0"/>
+          </a:p>
+          <a:p>
+            <a:endParaRPr lang="en-US" altLang="zh-CN" sz="1400" dirty="0"/>
+          </a:p>
+          <a:p>
+            <a:r>
+              <a:rPr lang="zh-CN" altLang="en-US" sz="1400" b="1" dirty="0" smtClean="0"/>
+              <a:t>接下来对</a:t>
+            </a:r>
+            <a:r>
+              <a:rPr lang="en-US" altLang="zh-CN" sz="1400" b="1" dirty="0"/>
+              <a:t>P29</a:t>
+            </a:r>
+            <a:r>
+              <a:rPr lang="zh-CN" altLang="en-US" sz="1400" b="1" dirty="0"/>
+              <a:t>表格中的其他内容逐一分析演示</a:t>
+            </a:r>
+            <a:r>
+              <a:rPr lang="zh-CN" altLang="en-US" sz="1400" b="1" dirty="0" smtClean="0"/>
+              <a:t>。这部分内容见</a:t>
+            </a:r>
+            <a:r>
+              <a:rPr lang="en-US" altLang="zh-CN" sz="1400" b="1" dirty="0" smtClean="0"/>
+              <a:t>3.3.7 </a:t>
+            </a:r>
+            <a:r>
+              <a:rPr lang="zh-CN" altLang="en-US" sz="1400" b="1" dirty="0" smtClean="0"/>
+              <a:t>环视</a:t>
+            </a:r>
+            <a:endParaRPr lang="zh-CN" altLang="en-US" sz="1400" b="1" dirty="0"/>
+          </a:p>
+          <a:p>
+            <a:r>
+              <a:rPr lang="en-US" altLang="zh-CN" sz="1400" dirty="0" smtClean="0"/>
+              <a:t>(</a:t>
+            </a:r>
+            <a:r>
+              <a:rPr lang="en-US" altLang="zh-CN" sz="1400" dirty="0" err="1" smtClean="0"/>
+              <a:t>exp</a:t>
+            </a:r>
+            <a:r>
+              <a:rPr lang="en-US" altLang="zh-CN" sz="1400" dirty="0" smtClean="0"/>
+              <a:t>)</a:t>
+            </a:r>
+            <a:r>
+              <a:rPr lang="zh-CN" altLang="en-US" sz="1400" dirty="0" smtClean="0"/>
+              <a:t>和</a:t>
+            </a:r>
+            <a:r>
+              <a:rPr lang="en-US" altLang="zh-CN" sz="1400" dirty="0" smtClean="0"/>
+              <a:t>(?&lt;name&gt;</a:t>
+            </a:r>
+            <a:r>
+              <a:rPr lang="en-US" altLang="zh-CN" sz="1400" dirty="0" err="1" smtClean="0"/>
+              <a:t>exp</a:t>
+            </a:r>
+            <a:r>
+              <a:rPr lang="en-US" altLang="zh-CN" sz="1400" dirty="0" smtClean="0"/>
+              <a:t>)</a:t>
+            </a:r>
+            <a:r>
+              <a:rPr lang="zh-CN" altLang="en-US" sz="1400" dirty="0" smtClean="0"/>
+              <a:t>都已经演示过了。此处不再重复。</a:t>
+            </a:r>
+            <a:endParaRPr lang="en-US" altLang="zh-CN" sz="1400" dirty="0" smtClean="0"/>
+          </a:p>
+          <a:p>
+            <a:r>
+              <a:rPr lang="en-US" altLang="zh-CN" sz="1400" b="1" dirty="0" smtClean="0"/>
+              <a:t>1) (?:</a:t>
+            </a:r>
+            <a:r>
+              <a:rPr lang="en-US" altLang="zh-CN" sz="1400" b="1" dirty="0" err="1" smtClean="0"/>
+              <a:t>exp</a:t>
+            </a:r>
+            <a:r>
+              <a:rPr lang="en-US" altLang="zh-CN" sz="1400" b="1" dirty="0" smtClean="0"/>
+              <a:t>)  </a:t>
+            </a:r>
+            <a:r>
+              <a:rPr lang="zh-CN" altLang="en-US" sz="1400" b="1" dirty="0" smtClean="0"/>
+              <a:t>匹配</a:t>
+            </a:r>
+            <a:r>
+              <a:rPr lang="en-US" altLang="zh-CN" sz="1400" b="1" dirty="0" err="1" smtClean="0"/>
+              <a:t>exp</a:t>
+            </a:r>
+            <a:r>
+              <a:rPr lang="zh-CN" altLang="en-US" sz="1400" b="1" dirty="0" smtClean="0"/>
+              <a:t>，不捕获匹配到的文本，也不给此分组分配组号</a:t>
+            </a:r>
+            <a:endParaRPr lang="en-US" altLang="zh-CN" sz="1400" b="1" dirty="0" smtClean="0"/>
+          </a:p>
+          <a:p>
+            <a:r>
+              <a:rPr lang="zh-CN" altLang="en-US" sz="1400" dirty="0" smtClean="0"/>
+              <a:t>代码见</a:t>
+            </a:r>
+            <a:r>
+              <a:rPr lang="en-US" altLang="zh-CN" sz="1400" dirty="0"/>
+              <a:t>3.3.5-1-1 </a:t>
+            </a:r>
+            <a:r>
+              <a:rPr lang="zh-CN" altLang="en-US" sz="1400" dirty="0"/>
+              <a:t>分组</a:t>
+            </a:r>
+            <a:r>
+              <a:rPr lang="en-US" altLang="zh-CN" sz="1400" dirty="0"/>
+              <a:t>-</a:t>
+            </a:r>
+            <a:r>
+              <a:rPr lang="zh-CN" altLang="en-US" sz="1400" dirty="0"/>
+              <a:t>匹配</a:t>
+            </a:r>
+            <a:r>
+              <a:rPr lang="en-US" altLang="zh-CN" sz="1400" dirty="0"/>
+              <a:t>-</a:t>
+            </a:r>
+            <a:r>
+              <a:rPr lang="zh-CN" altLang="en-US" sz="1400" dirty="0"/>
+              <a:t>不捕获</a:t>
+            </a:r>
+            <a:r>
+              <a:rPr lang="en-US" altLang="zh-CN" sz="1400" dirty="0"/>
+              <a:t>-</a:t>
+            </a:r>
+            <a:r>
+              <a:rPr lang="zh-CN" altLang="en-US" sz="1400" dirty="0"/>
+              <a:t>不分配组号</a:t>
+            </a:r>
+            <a:r>
+              <a:rPr lang="en-US" altLang="zh-CN" sz="1400" dirty="0"/>
+              <a:t>.</a:t>
+            </a:r>
+            <a:r>
+              <a:rPr lang="en-US" altLang="zh-CN" sz="1400" dirty="0" err="1" smtClean="0"/>
+              <a:t>php</a:t>
+            </a:r>
+            <a:endParaRPr lang="en-US" altLang="zh-CN" sz="1400" dirty="0" smtClean="0"/>
+          </a:p>
+          <a:p>
+            <a:r>
+              <a:rPr lang="zh-CN" altLang="en-US" sz="1400" dirty="0" smtClean="0"/>
+              <a:t>从运行结果可以看到，没有出现每个分组的组号和最后一次捕获结果。</a:t>
+            </a:r>
+            <a:endParaRPr lang="zh-CN" altLang="en-US" sz="1400" dirty="0"/>
+          </a:p>
+        </p:txBody>
+      </p:sp>
+      <p:pic>
+        <p:nvPicPr>
+          <p:cNvPr id="6146" name="Picture 2"/>
+          <p:cNvPicPr>
+            <a:picLocks noChangeAspect="1" noChangeArrowheads="1"/>
+          </p:cNvPicPr>
+          <p:nvPr/>
+        </p:nvPicPr>
+        <p:blipFill>
+          <a:blip r:embed="rId2">
+            <a:extLst>
+              <a:ext uri="{28A0092B-C50C-407E-A947-70E740481C1C}">
+                <a14:useLocalDpi xmlns:a14="http://schemas.microsoft.com/office/drawing/2010/main" val="0"/>
+              </a:ext>
+            </a:extLst>
+          </a:blip>
+          <a:srcRect/>
+          <a:stretch>
+            <a:fillRect/>
+          </a:stretch>
+        </p:blipFill>
+        <p:spPr bwMode="auto">
+          <a:xfrm>
+            <a:off x="-3492896" y="4509120"/>
+            <a:ext cx="6494463" cy="4229100"/>
+          </a:xfrm>
+          <a:prstGeom prst="rect">
+            <a:avLst/>
+          </a:prstGeom>
+          <a:noFill/>
+          <a:ln>
+            <a:noFill/>
+          </a:ln>
+          <a:effectLst/>
+          <a:extLst>
+            <a:ext uri="{909E8E84-426E-40DD-AFC4-6F175D3DCCD1}">
+              <a14:hiddenFill xmlns:a14="http://schemas.microsoft.com/office/drawing/2010/main">
+                <a:solidFill>
+                  <a:schemeClr val="accent1"/>
+                </a:solidFill>
+              </a14:hiddenFill>
+            </a:ext>
+            <a:ext uri="{91240B29-F687-4F45-9708-019B960494DF}">
+              <a14:hiddenLine xmlns:a14="http://schemas.microsoft.com/office/drawing/2010/main" w="9525">
+                <a:solidFill>
+                  <a:schemeClr val="tx1"/>
+                </a:solidFill>
+                <a:miter lim="800000"/>
+                <a:headEnd/>
+                <a:tailEnd/>
+              </a14:hiddenLine>
+            </a:ext>
+            <a:ext uri="{AF507438-7753-43E0-B8FC-AC1667EBCBE1}">
+              <a14:hiddenEffects xmlns:a14="http://schemas.microsoft.com/office/drawing/2010/main">
+                <a:effectLst>
+                  <a:outerShdw dist="35921" dir="2700000" algn="ctr" rotWithShape="0">
+                    <a:schemeClr val="bg2"/>
+                  </a:outerShdw>
+                </a:effectLst>
+              </a14:hiddenEffects>
+            </a:ext>
+          </a:extLst>
+        </p:spPr>
+      </p:pic>
+      <p:pic>
+        <p:nvPicPr>
+          <p:cNvPr id="6147" name="Picture 3"/>
+          <p:cNvPicPr>
+            <a:picLocks noChangeAspect="1" noChangeArrowheads="1"/>
+          </p:cNvPicPr>
+          <p:nvPr/>
+        </p:nvPicPr>
+        <p:blipFill>
+          <a:blip r:embed="rId3">
+            <a:extLst>
+              <a:ext uri="{28A0092B-C50C-407E-A947-70E740481C1C}">
+                <a14:useLocalDpi xmlns:a14="http://schemas.microsoft.com/office/drawing/2010/main" val="0"/>
+              </a:ext>
+            </a:extLst>
+          </a:blip>
+          <a:srcRect/>
+          <a:stretch>
+            <a:fillRect/>
+          </a:stretch>
+        </p:blipFill>
+        <p:spPr bwMode="auto">
+          <a:xfrm>
+            <a:off x="3001567" y="4509120"/>
+            <a:ext cx="9142413" cy="2828925"/>
+          </a:xfrm>
+          <a:prstGeom prst="rect">
+            <a:avLst/>
+          </a:prstGeom>
+          <a:noFill/>
+          <a:ln>
+            <a:noFill/>
+          </a:ln>
+          <a:effectLst/>
+          <a:extLst>
+            <a:ext uri="{909E8E84-426E-40DD-AFC4-6F175D3DCCD1}">
+              <a14:hiddenFill xmlns:a14="http://schemas.microsoft.com/office/drawing/2010/main">
+                <a:solidFill>
+                  <a:schemeClr val="accent1"/>
+                </a:solidFill>
+              </a14:hiddenFill>
+            </a:ext>
+            <a:ext uri="{91240B29-F687-4F45-9708-019B960494DF}">
+              <a14:hiddenLine xmlns:a14="http://schemas.microsoft.com/office/drawing/2010/main" w="9525">
+                <a:solidFill>
+                  <a:schemeClr val="tx1"/>
+                </a:solidFill>
+                <a:miter lim="800000"/>
+                <a:headEnd/>
+                <a:tailEnd/>
+              </a14:hiddenLine>
+            </a:ext>
+            <a:ext uri="{AF507438-7753-43E0-B8FC-AC1667EBCBE1}">
+              <a14:hiddenEffects xmlns:a14="http://schemas.microsoft.com/office/drawing/2010/main">
+                <a:effectLst>
+                  <a:outerShdw dist="35921" dir="2700000" algn="ctr" rotWithShape="0">
+                    <a:schemeClr val="bg2"/>
+                  </a:outerShdw>
+                </a:effectLst>
+              </a14:hiddenEffects>
+            </a:ext>
+          </a:extLst>
+        </p:spPr>
+      </p:pic>
+    </p:spTree>
+    <p:extLst>
+      <p:ext uri="{BB962C8B-B14F-4D97-AF65-F5344CB8AC3E}">
+        <p14:creationId xmlns:p14="http://schemas.microsoft.com/office/powerpoint/2010/main" val="2042183506"/>
       </p:ext>
     </p:extLst>
   </p:cSld>
@@ -9560,6 +13796,3244 @@
 </p:sld>
 </file>
 
+<file path=ppt/slides/slide40.xml><?xml version="1.0" encoding="utf-8"?>
+<p:sld xmlns:a="http://schemas.openxmlformats.org/drawingml/2006/main" xmlns:r="http://schemas.openxmlformats.org/officeDocument/2006/relationships" xmlns:p="http://schemas.openxmlformats.org/presentationml/2006/main">
+  <p:cSld>
+    <p:spTree>
+      <p:nvGrpSpPr>
+        <p:cNvPr id="1" name=""/>
+        <p:cNvGrpSpPr/>
+        <p:nvPr/>
+      </p:nvGrpSpPr>
+      <p:grpSpPr>
+        <a:xfrm>
+          <a:off x="0" y="0"/>
+          <a:ext cx="0" cy="0"/>
+          <a:chOff x="0" y="0"/>
+          <a:chExt cx="0" cy="0"/>
+        </a:xfrm>
+      </p:grpSpPr>
+      <p:sp>
+        <p:nvSpPr>
+          <p:cNvPr id="2" name="标题 1"/>
+          <p:cNvSpPr>
+            <a:spLocks noGrp="1"/>
+          </p:cNvSpPr>
+          <p:nvPr>
+            <p:ph type="title"/>
+          </p:nvPr>
+        </p:nvSpPr>
+        <p:spPr/>
+        <p:txBody>
+          <a:bodyPr/>
+          <a:lstStyle/>
+          <a:p>
+            <a:r>
+              <a:rPr lang="en-US" altLang="zh-CN" dirty="0"/>
+              <a:t>3.3.5 </a:t>
+            </a:r>
+            <a:r>
+              <a:rPr lang="zh-CN" altLang="en-US" dirty="0"/>
+              <a:t>分组</a:t>
+            </a:r>
+          </a:p>
+        </p:txBody>
+      </p:sp>
+      <p:sp>
+        <p:nvSpPr>
+          <p:cNvPr id="3" name="内容占位符 2"/>
+          <p:cNvSpPr>
+            <a:spLocks noGrp="1"/>
+          </p:cNvSpPr>
+          <p:nvPr>
+            <p:ph idx="1"/>
+          </p:nvPr>
+        </p:nvSpPr>
+        <p:spPr/>
+        <p:txBody>
+          <a:bodyPr>
+            <a:normAutofit/>
+          </a:bodyPr>
+          <a:lstStyle/>
+          <a:p>
+            <a:r>
+              <a:rPr lang="en-US" altLang="zh-CN" sz="1400" b="1" dirty="0" smtClean="0"/>
+              <a:t>2) (?=</a:t>
+            </a:r>
+            <a:r>
+              <a:rPr lang="en-US" altLang="zh-CN" sz="1400" b="1" dirty="0" err="1" smtClean="0"/>
+              <a:t>exp</a:t>
+            </a:r>
+            <a:r>
+              <a:rPr lang="en-US" altLang="zh-CN" sz="1400" b="1" dirty="0" smtClean="0"/>
+              <a:t>) </a:t>
+            </a:r>
+            <a:r>
+              <a:rPr lang="zh-CN" altLang="en-US" sz="1400" b="1" dirty="0" smtClean="0"/>
+              <a:t>匹配</a:t>
+            </a:r>
+            <a:r>
+              <a:rPr lang="en-US" altLang="zh-CN" sz="1400" b="1" dirty="0" err="1" smtClean="0"/>
+              <a:t>exp</a:t>
+            </a:r>
+            <a:r>
+              <a:rPr lang="zh-CN" altLang="en-US" sz="1400" b="1" dirty="0" smtClean="0"/>
+              <a:t>前面的位置</a:t>
+            </a:r>
+            <a:endParaRPr lang="en-US" altLang="zh-CN" sz="1400" b="1" dirty="0" smtClean="0"/>
+          </a:p>
+          <a:p>
+            <a:r>
+              <a:rPr lang="zh-CN" altLang="en-US" sz="1400" dirty="0" smtClean="0"/>
+              <a:t>① 概念解读</a:t>
+            </a:r>
+            <a:endParaRPr lang="en-US" altLang="zh-CN" sz="1400" dirty="0" smtClean="0"/>
+          </a:p>
+          <a:p>
+            <a:r>
+              <a:rPr lang="zh-CN" altLang="en-US" sz="1400" dirty="0"/>
+              <a:t>零</a:t>
+            </a:r>
+            <a:r>
+              <a:rPr lang="zh-CN" altLang="en-US" sz="1400" dirty="0" smtClean="0"/>
+              <a:t>宽度正先行断言。仅当子表达式</a:t>
+            </a:r>
+            <a:r>
+              <a:rPr lang="en-US" altLang="zh-CN" sz="1400" dirty="0" err="1" smtClean="0"/>
+              <a:t>exp</a:t>
+            </a:r>
+            <a:r>
+              <a:rPr lang="zh-CN" altLang="en-US" sz="1400" dirty="0" smtClean="0"/>
+              <a:t>在此位置的</a:t>
+            </a:r>
+            <a:r>
+              <a:rPr lang="zh-CN" altLang="en-US" sz="1400" b="1" dirty="0" smtClean="0">
+                <a:solidFill>
+                  <a:srgbClr val="FF0000"/>
+                </a:solidFill>
+              </a:rPr>
+              <a:t>右侧</a:t>
+            </a:r>
+            <a:r>
+              <a:rPr lang="zh-CN" altLang="en-US" sz="1400" dirty="0" smtClean="0"/>
+              <a:t>匹配时才继续匹配。</a:t>
+            </a:r>
+            <a:endParaRPr lang="en-US" altLang="zh-CN" sz="1400" dirty="0" smtClean="0"/>
+          </a:p>
+          <a:p>
+            <a:r>
+              <a:rPr lang="zh-CN" altLang="en-US" sz="1400" dirty="0" smtClean="0"/>
+              <a:t>也就是说要使此零宽度断言成立的话，就必须把这个非捕获分组放在整个表达式的右侧。</a:t>
+            </a:r>
+            <a:endParaRPr lang="en-US" altLang="zh-CN" sz="1400" dirty="0" smtClean="0"/>
+          </a:p>
+          <a:p>
+            <a:r>
+              <a:rPr lang="zh-CN" altLang="en-US" sz="1400" dirty="0" smtClean="0"/>
+              <a:t>例如，</a:t>
+            </a:r>
+            <a:r>
+              <a:rPr lang="en-US" altLang="zh-CN" sz="1400" dirty="0" smtClean="0"/>
+              <a:t>/w+(?=/d)</a:t>
+            </a:r>
+            <a:r>
+              <a:rPr lang="zh-CN" altLang="en-US" sz="1400" dirty="0" smtClean="0"/>
+              <a:t>与后跟数字的单词匹配，而不与该数字匹配。</a:t>
+            </a:r>
+            <a:endParaRPr lang="zh-CN" altLang="en-US" sz="1400" dirty="0"/>
+          </a:p>
+        </p:txBody>
+      </p:sp>
+    </p:spTree>
+    <p:extLst>
+      <p:ext uri="{BB962C8B-B14F-4D97-AF65-F5344CB8AC3E}">
+        <p14:creationId xmlns:p14="http://schemas.microsoft.com/office/powerpoint/2010/main" val="390050774"/>
+      </p:ext>
+    </p:extLst>
+  </p:cSld>
+  <p:clrMapOvr>
+    <a:masterClrMapping/>
+  </p:clrMapOvr>
+</p:sld>
+</file>
+
+<file path=ppt/slides/slide41.xml><?xml version="1.0" encoding="utf-8"?>
+<p:sld xmlns:a="http://schemas.openxmlformats.org/drawingml/2006/main" xmlns:r="http://schemas.openxmlformats.org/officeDocument/2006/relationships" xmlns:p="http://schemas.openxmlformats.org/presentationml/2006/main">
+  <p:cSld>
+    <p:spTree>
+      <p:nvGrpSpPr>
+        <p:cNvPr id="1" name=""/>
+        <p:cNvGrpSpPr/>
+        <p:nvPr/>
+      </p:nvGrpSpPr>
+      <p:grpSpPr>
+        <a:xfrm>
+          <a:off x="0" y="0"/>
+          <a:ext cx="0" cy="0"/>
+          <a:chOff x="0" y="0"/>
+          <a:chExt cx="0" cy="0"/>
+        </a:xfrm>
+      </p:grpSpPr>
+      <p:sp>
+        <p:nvSpPr>
+          <p:cNvPr id="2" name="标题 1"/>
+          <p:cNvSpPr>
+            <a:spLocks noGrp="1"/>
+          </p:cNvSpPr>
+          <p:nvPr>
+            <p:ph type="title"/>
+          </p:nvPr>
+        </p:nvSpPr>
+        <p:spPr/>
+        <p:txBody>
+          <a:bodyPr>
+            <a:normAutofit/>
+          </a:bodyPr>
+          <a:lstStyle/>
+          <a:p>
+            <a:r>
+              <a:rPr lang="en-US" altLang="zh-CN" dirty="0"/>
+              <a:t>3.3.7 </a:t>
+            </a:r>
+            <a:r>
+              <a:rPr lang="zh-CN" altLang="en-US" dirty="0" smtClean="0"/>
+              <a:t>环视</a:t>
+            </a:r>
+            <a:endParaRPr lang="zh-CN" altLang="en-US" dirty="0"/>
+          </a:p>
+        </p:txBody>
+      </p:sp>
+      <p:sp>
+        <p:nvSpPr>
+          <p:cNvPr id="3" name="内容占位符 2"/>
+          <p:cNvSpPr>
+            <a:spLocks noGrp="1"/>
+          </p:cNvSpPr>
+          <p:nvPr>
+            <p:ph idx="1"/>
+          </p:nvPr>
+        </p:nvSpPr>
+        <p:spPr/>
+        <p:txBody>
+          <a:bodyPr>
+            <a:normAutofit/>
+          </a:bodyPr>
+          <a:lstStyle/>
+          <a:p>
+            <a:r>
+              <a:rPr lang="zh-CN" altLang="en-US" sz="1400" dirty="0" smtClean="0"/>
+              <a:t>书中概念</a:t>
+            </a:r>
+            <a:r>
+              <a:rPr lang="zh-CN" altLang="en-US" sz="1400" dirty="0"/>
+              <a:t>：</a:t>
+            </a:r>
+            <a:endParaRPr lang="en-US" altLang="zh-CN" sz="1400" dirty="0" smtClean="0"/>
+          </a:p>
+          <a:p>
+            <a:r>
+              <a:rPr lang="zh-CN" altLang="en-US" sz="1400" dirty="0" smtClean="0"/>
+              <a:t>断言用来声明一个应该为真的事实。正则表达式中，只有当断言为真时才会继续进行匹配。</a:t>
+            </a:r>
+            <a:r>
+              <a:rPr lang="zh-CN" altLang="en-US" sz="1400" b="1" dirty="0" smtClean="0"/>
+              <a:t>断言匹配的是一个事实，而不是内容</a:t>
+            </a:r>
+            <a:r>
+              <a:rPr lang="zh-CN" altLang="en-US" sz="1400" dirty="0" smtClean="0"/>
+              <a:t>。本节介绍</a:t>
+            </a:r>
+            <a:r>
+              <a:rPr lang="en-US" altLang="zh-CN" sz="1400" dirty="0" smtClean="0"/>
+              <a:t>4</a:t>
+            </a:r>
+            <a:r>
+              <a:rPr lang="zh-CN" altLang="en-US" sz="1400" dirty="0" smtClean="0"/>
+              <a:t>个断言，他们用于查找</a:t>
+            </a:r>
+            <a:r>
+              <a:rPr lang="zh-CN" altLang="en-US" sz="1400" b="1" dirty="0" smtClean="0"/>
+              <a:t>在某些内容</a:t>
+            </a:r>
+            <a:r>
+              <a:rPr lang="zh-CN" altLang="en-US" sz="1400" dirty="0" smtClean="0"/>
+              <a:t>（但并不包括这些内容）</a:t>
+            </a:r>
+            <a:r>
+              <a:rPr lang="zh-CN" altLang="en-US" sz="1400" b="1" dirty="0" smtClean="0"/>
+              <a:t>之前或之后，也就是一个位置</a:t>
+            </a:r>
+            <a:r>
+              <a:rPr lang="zh-CN" altLang="en-US" sz="1400" dirty="0" smtClean="0"/>
+              <a:t>（如</a:t>
+            </a:r>
+            <a:r>
+              <a:rPr lang="en-US" altLang="zh-CN" sz="1400" dirty="0" smtClean="0"/>
+              <a:t>\b ^ $</a:t>
+            </a:r>
+            <a:r>
+              <a:rPr lang="zh-CN" altLang="en-US" sz="1400" dirty="0" smtClean="0"/>
+              <a:t>）</a:t>
+            </a:r>
+            <a:r>
+              <a:rPr lang="zh-CN" altLang="en-US" sz="1400" b="1" dirty="0" smtClean="0"/>
+              <a:t>应该满足的一定条件</a:t>
+            </a:r>
+            <a:r>
+              <a:rPr lang="zh-CN" altLang="en-US" sz="1400" dirty="0" smtClean="0"/>
+              <a:t>（也就是断言），因此也称为</a:t>
+            </a:r>
+            <a:r>
+              <a:rPr lang="zh-CN" altLang="en-US" sz="1400" b="1" dirty="0" smtClean="0"/>
+              <a:t>零宽</a:t>
+            </a:r>
+            <a:r>
+              <a:rPr lang="zh-CN" altLang="en-US" sz="1400" dirty="0" smtClean="0"/>
+              <a:t>断言。</a:t>
+            </a:r>
+            <a:endParaRPr lang="en-US" altLang="zh-CN" sz="1400" dirty="0" smtClean="0"/>
+          </a:p>
+          <a:p>
+            <a:r>
+              <a:rPr lang="zh-CN" altLang="en-US" sz="1400" dirty="0"/>
+              <a:t>我的</a:t>
+            </a:r>
+            <a:r>
+              <a:rPr lang="zh-CN" altLang="en-US" sz="1400" dirty="0" smtClean="0"/>
+              <a:t>理解：</a:t>
+            </a:r>
+            <a:endParaRPr lang="en-US" altLang="zh-CN" sz="1400" dirty="0" smtClean="0"/>
+          </a:p>
+          <a:p>
+            <a:r>
+              <a:rPr lang="zh-CN" altLang="en-US" sz="1400" dirty="0" smtClean="0"/>
+              <a:t>①：</a:t>
+            </a:r>
+            <a:r>
+              <a:rPr lang="en-US" altLang="zh-CN" sz="1400" dirty="0" smtClean="0"/>
+              <a:t>”</a:t>
+            </a:r>
+            <a:r>
+              <a:rPr lang="zh-CN" altLang="en-US" sz="1400" dirty="0" smtClean="0"/>
+              <a:t>只有当断言为真时才会继续进行匹配</a:t>
+            </a:r>
+            <a:r>
+              <a:rPr lang="en-US" altLang="zh-CN" sz="1400" dirty="0" smtClean="0"/>
+              <a:t>”</a:t>
+            </a:r>
+            <a:r>
+              <a:rPr lang="zh-CN" altLang="en-US" sz="1400" dirty="0" smtClean="0"/>
+              <a:t>。逆向思维就是：</a:t>
+            </a:r>
+            <a:r>
+              <a:rPr lang="en-US" altLang="zh-CN" sz="1400" dirty="0" smtClean="0"/>
+              <a:t>”</a:t>
+            </a:r>
+            <a:r>
+              <a:rPr lang="zh-CN" altLang="en-US" sz="1400" dirty="0" smtClean="0"/>
+              <a:t>当断言为假时则停止匹配，判定待匹配字符串不符合模式</a:t>
+            </a:r>
+            <a:r>
+              <a:rPr lang="en-US" altLang="zh-CN" sz="1400" dirty="0" smtClean="0"/>
+              <a:t>”</a:t>
+            </a:r>
+            <a:r>
+              <a:rPr lang="zh-CN" altLang="en-US" sz="1400" dirty="0" smtClean="0"/>
+              <a:t>。</a:t>
+            </a:r>
+            <a:endParaRPr lang="en-US" altLang="zh-CN" sz="1400" dirty="0" smtClean="0"/>
+          </a:p>
+          <a:p>
+            <a:r>
+              <a:rPr lang="zh-CN" altLang="en-US" sz="1400" dirty="0" smtClean="0"/>
+              <a:t>②：</a:t>
+            </a:r>
+            <a:r>
+              <a:rPr lang="en-US" altLang="zh-CN" sz="1400" dirty="0" smtClean="0"/>
+              <a:t>”</a:t>
+            </a:r>
+            <a:r>
+              <a:rPr lang="zh-CN" altLang="en-US" sz="1400" dirty="0" smtClean="0"/>
+              <a:t>断言匹配的是一个事实，而不是内容</a:t>
+            </a:r>
+            <a:r>
+              <a:rPr lang="en-US" altLang="zh-CN" sz="1400" dirty="0" smtClean="0"/>
+              <a:t>”</a:t>
+            </a:r>
+            <a:r>
+              <a:rPr lang="zh-CN" altLang="en-US" sz="1400" dirty="0" smtClean="0"/>
+              <a:t>。这句话的意思是断言匹配最终只有</a:t>
+            </a:r>
+            <a:r>
+              <a:rPr lang="en-US" altLang="zh-CN" sz="1400" dirty="0" smtClean="0"/>
+              <a:t>2</a:t>
+            </a:r>
+            <a:r>
+              <a:rPr lang="zh-CN" altLang="en-US" sz="1400" dirty="0" smtClean="0"/>
+              <a:t>种结果：真或者假。断言匹配的目标是内容，但断言匹配的结果不是一个内容。它描述的是待匹配字符串的某个位置是否满足一定条件，因而最终结果只有</a:t>
+            </a:r>
+            <a:r>
+              <a:rPr lang="en-US" altLang="zh-CN" sz="1400" dirty="0" smtClean="0"/>
+              <a:t>”</a:t>
+            </a:r>
+            <a:r>
+              <a:rPr lang="zh-CN" altLang="en-US" sz="1400" dirty="0" smtClean="0"/>
+              <a:t>是</a:t>
+            </a:r>
+            <a:r>
+              <a:rPr lang="en-US" altLang="zh-CN" sz="1400" dirty="0" smtClean="0"/>
+              <a:t>”</a:t>
+            </a:r>
+            <a:r>
+              <a:rPr lang="zh-CN" altLang="en-US" sz="1400" dirty="0" smtClean="0"/>
+              <a:t>或者</a:t>
+            </a:r>
+            <a:r>
+              <a:rPr lang="en-US" altLang="zh-CN" sz="1400" dirty="0" smtClean="0"/>
+              <a:t>”</a:t>
+            </a:r>
+            <a:r>
+              <a:rPr lang="zh-CN" altLang="en-US" sz="1400" dirty="0" smtClean="0"/>
+              <a:t>否</a:t>
+            </a:r>
+            <a:r>
+              <a:rPr lang="en-US" altLang="zh-CN" sz="1400" dirty="0" smtClean="0"/>
+              <a:t>”</a:t>
+            </a:r>
+            <a:r>
+              <a:rPr lang="zh-CN" altLang="en-US" sz="1400" dirty="0" smtClean="0"/>
+              <a:t>，也就是真或者假。</a:t>
+            </a:r>
+            <a:endParaRPr lang="en-US" altLang="zh-CN" sz="1400" dirty="0" smtClean="0"/>
+          </a:p>
+          <a:p>
+            <a:r>
+              <a:rPr lang="zh-CN" altLang="en-US" sz="1400" dirty="0" smtClean="0"/>
+              <a:t>③：</a:t>
+            </a:r>
+            <a:r>
+              <a:rPr lang="en-US" altLang="zh-CN" sz="1400" dirty="0" smtClean="0"/>
+              <a:t>”</a:t>
+            </a:r>
+            <a:r>
+              <a:rPr lang="zh-CN" altLang="en-US" sz="1400" dirty="0"/>
+              <a:t>零宽断言</a:t>
+            </a:r>
+            <a:r>
+              <a:rPr lang="en-US" altLang="zh-CN" sz="1400" dirty="0" smtClean="0"/>
+              <a:t>”</a:t>
+            </a:r>
+            <a:r>
+              <a:rPr lang="zh-CN" altLang="en-US" sz="1400" dirty="0" smtClean="0"/>
+              <a:t>。根据②中的描述，已经理解了</a:t>
+            </a:r>
+            <a:r>
+              <a:rPr lang="en-US" altLang="zh-CN" sz="1400" dirty="0" smtClean="0"/>
+              <a:t>”</a:t>
+            </a:r>
+            <a:r>
+              <a:rPr lang="zh-CN" altLang="en-US" sz="1400" dirty="0" smtClean="0"/>
+              <a:t>断言</a:t>
+            </a:r>
+            <a:r>
+              <a:rPr lang="en-US" altLang="zh-CN" sz="1400" dirty="0" smtClean="0"/>
+              <a:t>”</a:t>
+            </a:r>
+            <a:r>
+              <a:rPr lang="zh-CN" altLang="en-US" sz="1400" dirty="0" smtClean="0"/>
+              <a:t>二字。那么什么是</a:t>
+            </a:r>
+            <a:r>
+              <a:rPr lang="en-US" altLang="zh-CN" sz="1400" dirty="0" smtClean="0"/>
+              <a:t>”</a:t>
+            </a:r>
+            <a:r>
+              <a:rPr lang="zh-CN" altLang="en-US" sz="1400" dirty="0" smtClean="0"/>
+              <a:t>零宽</a:t>
+            </a:r>
+            <a:r>
+              <a:rPr lang="en-US" altLang="zh-CN" sz="1400" dirty="0" smtClean="0"/>
+              <a:t>”</a:t>
+            </a:r>
+            <a:r>
+              <a:rPr lang="zh-CN" altLang="en-US" sz="1400" dirty="0" smtClean="0"/>
+              <a:t>呢？</a:t>
+            </a:r>
+            <a:r>
+              <a:rPr lang="en-US" altLang="zh-CN" sz="1400" dirty="0"/>
+              <a:t> ”</a:t>
+            </a:r>
+            <a:r>
+              <a:rPr lang="zh-CN" altLang="en-US" sz="1400" dirty="0"/>
+              <a:t>零宽</a:t>
+            </a:r>
+            <a:r>
+              <a:rPr lang="en-US" altLang="zh-CN" sz="1400" dirty="0" smtClean="0"/>
+              <a:t>”</a:t>
+            </a:r>
+            <a:r>
+              <a:rPr lang="zh-CN" altLang="en-US" sz="1400" dirty="0" smtClean="0"/>
+              <a:t>二字想要表达的含义是</a:t>
+            </a:r>
+            <a:r>
+              <a:rPr lang="en-US" altLang="zh-CN" sz="1400" dirty="0" smtClean="0"/>
+              <a:t>”</a:t>
+            </a:r>
+            <a:r>
+              <a:rPr lang="zh-CN" altLang="en-US" sz="1400" dirty="0" smtClean="0"/>
+              <a:t>一个位置</a:t>
+            </a:r>
+            <a:r>
+              <a:rPr lang="en-US" altLang="zh-CN" sz="1400" dirty="0" smtClean="0"/>
+              <a:t>”</a:t>
+            </a:r>
+            <a:r>
+              <a:rPr lang="zh-CN" altLang="en-US" sz="1400" dirty="0" smtClean="0"/>
+              <a:t>，位置本身没有宽度，如同几何学中的点没有面积一样，因而成为</a:t>
+            </a:r>
+            <a:r>
+              <a:rPr lang="en-US" altLang="zh-CN" sz="1400" dirty="0"/>
+              <a:t>”</a:t>
+            </a:r>
+            <a:r>
+              <a:rPr lang="zh-CN" altLang="en-US" sz="1400" dirty="0"/>
+              <a:t>零宽</a:t>
+            </a:r>
+            <a:r>
+              <a:rPr lang="en-US" altLang="zh-CN" sz="1400" dirty="0" smtClean="0"/>
+              <a:t>”</a:t>
+            </a:r>
+            <a:r>
+              <a:rPr lang="zh-CN" altLang="en-US" sz="1400" dirty="0" smtClean="0"/>
+              <a:t>。换言之，</a:t>
+            </a:r>
+            <a:r>
+              <a:rPr lang="en-US" altLang="zh-CN" sz="1400" dirty="0"/>
+              <a:t> ”</a:t>
+            </a:r>
+            <a:r>
+              <a:rPr lang="zh-CN" altLang="en-US" sz="1400" dirty="0"/>
+              <a:t>零宽</a:t>
+            </a:r>
+            <a:r>
+              <a:rPr lang="en-US" altLang="zh-CN" sz="1400" dirty="0" smtClean="0"/>
+              <a:t>”</a:t>
+            </a:r>
+            <a:r>
+              <a:rPr lang="zh-CN" altLang="en-US" sz="1400" dirty="0" smtClean="0"/>
+              <a:t>即</a:t>
+            </a:r>
+            <a:r>
+              <a:rPr lang="en-US" altLang="zh-CN" sz="1400" dirty="0" smtClean="0"/>
+              <a:t>”</a:t>
+            </a:r>
+            <a:r>
+              <a:rPr lang="zh-CN" altLang="en-US" sz="1400" dirty="0" smtClean="0"/>
+              <a:t>一个位置</a:t>
+            </a:r>
+            <a:r>
+              <a:rPr lang="en-US" altLang="zh-CN" sz="1400" dirty="0" smtClean="0"/>
+              <a:t>”</a:t>
+            </a:r>
+            <a:r>
+              <a:rPr lang="zh-CN" altLang="en-US" sz="1400" dirty="0" smtClean="0"/>
+              <a:t>，</a:t>
+            </a:r>
+            <a:r>
+              <a:rPr lang="en-US" altLang="zh-CN" sz="1400" dirty="0" smtClean="0"/>
+              <a:t>”</a:t>
+            </a:r>
+            <a:r>
+              <a:rPr lang="zh-CN" altLang="en-US" sz="1400" dirty="0" smtClean="0"/>
+              <a:t>断言</a:t>
+            </a:r>
+            <a:r>
+              <a:rPr lang="en-US" altLang="zh-CN" sz="1400" dirty="0" smtClean="0"/>
+              <a:t>”</a:t>
+            </a:r>
+            <a:r>
+              <a:rPr lang="zh-CN" altLang="en-US" sz="1400" dirty="0" smtClean="0"/>
+              <a:t>即</a:t>
+            </a:r>
+            <a:r>
+              <a:rPr lang="en-US" altLang="zh-CN" sz="1400" dirty="0" smtClean="0"/>
+              <a:t>”</a:t>
+            </a:r>
+            <a:r>
+              <a:rPr lang="zh-CN" altLang="en-US" sz="1400" dirty="0" smtClean="0"/>
+              <a:t>应该满足一定条件</a:t>
+            </a:r>
+            <a:r>
+              <a:rPr lang="en-US" altLang="zh-CN" sz="1400" dirty="0" smtClean="0"/>
+              <a:t>”</a:t>
+            </a:r>
+            <a:r>
+              <a:rPr lang="zh-CN" altLang="en-US" sz="1400" dirty="0"/>
+              <a:t>。</a:t>
+            </a:r>
+            <a:r>
+              <a:rPr lang="zh-CN" altLang="en-US" sz="1400" dirty="0" smtClean="0"/>
+              <a:t>加在一起就是</a:t>
+            </a:r>
+            <a:r>
+              <a:rPr lang="en-US" altLang="zh-CN" sz="1400" dirty="0" smtClean="0"/>
+              <a:t>:</a:t>
+            </a:r>
+            <a:r>
+              <a:rPr lang="zh-CN" altLang="en-US" sz="1400" dirty="0" smtClean="0"/>
+              <a:t>一个位置应该满足一定条件。</a:t>
+            </a:r>
+            <a:endParaRPr lang="zh-CN" altLang="en-US" sz="1400" dirty="0"/>
+          </a:p>
+        </p:txBody>
+      </p:sp>
+    </p:spTree>
+    <p:extLst>
+      <p:ext uri="{BB962C8B-B14F-4D97-AF65-F5344CB8AC3E}">
+        <p14:creationId xmlns:p14="http://schemas.microsoft.com/office/powerpoint/2010/main" val="720515327"/>
+      </p:ext>
+    </p:extLst>
+  </p:cSld>
+  <p:clrMapOvr>
+    <a:masterClrMapping/>
+  </p:clrMapOvr>
+</p:sld>
+</file>
+
+<file path=ppt/slides/slide42.xml><?xml version="1.0" encoding="utf-8"?>
+<p:sld xmlns:a="http://schemas.openxmlformats.org/drawingml/2006/main" xmlns:r="http://schemas.openxmlformats.org/officeDocument/2006/relationships" xmlns:p="http://schemas.openxmlformats.org/presentationml/2006/main">
+  <p:cSld>
+    <p:spTree>
+      <p:nvGrpSpPr>
+        <p:cNvPr id="1" name=""/>
+        <p:cNvGrpSpPr/>
+        <p:nvPr/>
+      </p:nvGrpSpPr>
+      <p:grpSpPr>
+        <a:xfrm>
+          <a:off x="0" y="0"/>
+          <a:ext cx="0" cy="0"/>
+          <a:chOff x="0" y="0"/>
+          <a:chExt cx="0" cy="0"/>
+        </a:xfrm>
+      </p:grpSpPr>
+      <p:sp>
+        <p:nvSpPr>
+          <p:cNvPr id="2" name="标题 1"/>
+          <p:cNvSpPr>
+            <a:spLocks noGrp="1"/>
+          </p:cNvSpPr>
+          <p:nvPr>
+            <p:ph type="title"/>
+          </p:nvPr>
+        </p:nvSpPr>
+        <p:spPr/>
+        <p:txBody>
+          <a:bodyPr/>
+          <a:lstStyle/>
+          <a:p>
+            <a:r>
+              <a:rPr lang="en-US" altLang="zh-CN" dirty="0"/>
+              <a:t>3.3.7 </a:t>
+            </a:r>
+            <a:r>
+              <a:rPr lang="zh-CN" altLang="en-US" dirty="0"/>
+              <a:t>环视</a:t>
+            </a:r>
+          </a:p>
+        </p:txBody>
+      </p:sp>
+      <p:sp>
+        <p:nvSpPr>
+          <p:cNvPr id="3" name="内容占位符 2"/>
+          <p:cNvSpPr>
+            <a:spLocks noGrp="1"/>
+          </p:cNvSpPr>
+          <p:nvPr>
+            <p:ph idx="1"/>
+          </p:nvPr>
+        </p:nvSpPr>
+        <p:spPr/>
+        <p:txBody>
+          <a:bodyPr>
+            <a:normAutofit/>
+          </a:bodyPr>
+          <a:lstStyle/>
+          <a:p>
+            <a:r>
+              <a:rPr lang="zh-CN" altLang="en-US" sz="1400" dirty="0" smtClean="0"/>
+              <a:t>本节主要内容</a:t>
+            </a:r>
+            <a:endParaRPr lang="en-US" altLang="zh-CN" sz="1400" dirty="0" smtClean="0"/>
+          </a:p>
+          <a:p>
+            <a:r>
+              <a:rPr lang="en-US" altLang="zh-CN" sz="1400" b="1" dirty="0" smtClean="0"/>
+              <a:t>3.3.7.1 </a:t>
+            </a:r>
+            <a:r>
+              <a:rPr lang="zh-CN" altLang="en-US" sz="1400" b="1" dirty="0" smtClean="0"/>
+              <a:t>顺序肯定环视</a:t>
+            </a:r>
+            <a:r>
+              <a:rPr lang="en-US" altLang="zh-CN" sz="1400" b="1" dirty="0" smtClean="0"/>
+              <a:t>(?=</a:t>
+            </a:r>
+            <a:r>
+              <a:rPr lang="en-US" altLang="zh-CN" sz="1400" b="1" dirty="0" err="1" smtClean="0"/>
+              <a:t>exp</a:t>
+            </a:r>
+            <a:r>
+              <a:rPr lang="en-US" altLang="zh-CN" sz="1400" b="1" dirty="0" smtClean="0"/>
+              <a:t>)</a:t>
+            </a:r>
+          </a:p>
+          <a:p>
+            <a:r>
+              <a:rPr lang="en-US" altLang="zh-CN" sz="1400" b="1" dirty="0" smtClean="0"/>
+              <a:t>3.3.7.2 </a:t>
+            </a:r>
+            <a:r>
+              <a:rPr lang="zh-CN" altLang="en-US" sz="1400" b="1" dirty="0" smtClean="0"/>
+              <a:t>逆序肯定环视</a:t>
+            </a:r>
+            <a:r>
+              <a:rPr lang="en-US" altLang="zh-CN" sz="1400" b="1" dirty="0" smtClean="0"/>
+              <a:t>(?&lt;=</a:t>
+            </a:r>
+            <a:r>
+              <a:rPr lang="en-US" altLang="zh-CN" sz="1400" b="1" dirty="0" err="1" smtClean="0"/>
+              <a:t>exp</a:t>
+            </a:r>
+            <a:r>
+              <a:rPr lang="en-US" altLang="zh-CN" sz="1400" b="1" dirty="0" smtClean="0"/>
+              <a:t>)</a:t>
+            </a:r>
+          </a:p>
+          <a:p>
+            <a:r>
+              <a:rPr lang="en-US" altLang="zh-CN" sz="1400" b="1" dirty="0" smtClean="0"/>
+              <a:t>3.3.7.3 </a:t>
+            </a:r>
+            <a:r>
+              <a:rPr lang="zh-CN" altLang="en-US" sz="1400" b="1" dirty="0" smtClean="0"/>
+              <a:t>顺序否定环视</a:t>
+            </a:r>
+            <a:r>
+              <a:rPr lang="en-US" altLang="zh-CN" sz="1400" b="1" dirty="0" smtClean="0"/>
+              <a:t>(?!</a:t>
+            </a:r>
+            <a:r>
+              <a:rPr lang="en-US" altLang="zh-CN" sz="1400" b="1" dirty="0" err="1" smtClean="0"/>
+              <a:t>exp</a:t>
+            </a:r>
+            <a:r>
+              <a:rPr lang="en-US" altLang="zh-CN" sz="1400" b="1" dirty="0" smtClean="0"/>
+              <a:t>)</a:t>
+            </a:r>
+          </a:p>
+          <a:p>
+            <a:r>
+              <a:rPr lang="en-US" altLang="zh-CN" sz="1400" b="1" dirty="0" smtClean="0"/>
+              <a:t>3.3.7.4 </a:t>
+            </a:r>
+            <a:r>
+              <a:rPr lang="zh-CN" altLang="en-US" sz="1400" b="1" dirty="0" smtClean="0"/>
+              <a:t>逆序否定环视</a:t>
+            </a:r>
+            <a:r>
+              <a:rPr lang="en-US" altLang="zh-CN" sz="1400" b="1" dirty="0" smtClean="0"/>
+              <a:t>(?&lt;!</a:t>
+            </a:r>
+            <a:r>
+              <a:rPr lang="en-US" altLang="zh-CN" sz="1400" b="1" dirty="0" err="1" smtClean="0"/>
+              <a:t>exp</a:t>
+            </a:r>
+            <a:r>
+              <a:rPr lang="en-US" altLang="zh-CN" sz="1400" b="1" dirty="0" smtClean="0"/>
+              <a:t>)</a:t>
+            </a:r>
+            <a:endParaRPr lang="zh-CN" altLang="en-US" sz="1400" b="1" dirty="0"/>
+          </a:p>
+        </p:txBody>
+      </p:sp>
+    </p:spTree>
+    <p:extLst>
+      <p:ext uri="{BB962C8B-B14F-4D97-AF65-F5344CB8AC3E}">
+        <p14:creationId xmlns:p14="http://schemas.microsoft.com/office/powerpoint/2010/main" val="3620700444"/>
+      </p:ext>
+    </p:extLst>
+  </p:cSld>
+  <p:clrMapOvr>
+    <a:masterClrMapping/>
+  </p:clrMapOvr>
+</p:sld>
+</file>
+
+<file path=ppt/slides/slide43.xml><?xml version="1.0" encoding="utf-8"?>
+<p:sld xmlns:a="http://schemas.openxmlformats.org/drawingml/2006/main" xmlns:r="http://schemas.openxmlformats.org/officeDocument/2006/relationships" xmlns:p="http://schemas.openxmlformats.org/presentationml/2006/main">
+  <p:cSld>
+    <p:spTree>
+      <p:nvGrpSpPr>
+        <p:cNvPr id="1" name=""/>
+        <p:cNvGrpSpPr/>
+        <p:nvPr/>
+      </p:nvGrpSpPr>
+      <p:grpSpPr>
+        <a:xfrm>
+          <a:off x="0" y="0"/>
+          <a:ext cx="0" cy="0"/>
+          <a:chOff x="0" y="0"/>
+          <a:chExt cx="0" cy="0"/>
+        </a:xfrm>
+      </p:grpSpPr>
+      <p:sp>
+        <p:nvSpPr>
+          <p:cNvPr id="2" name="标题 1"/>
+          <p:cNvSpPr>
+            <a:spLocks noGrp="1"/>
+          </p:cNvSpPr>
+          <p:nvPr>
+            <p:ph type="title"/>
+          </p:nvPr>
+        </p:nvSpPr>
+        <p:spPr/>
+        <p:txBody>
+          <a:bodyPr/>
+          <a:lstStyle/>
+          <a:p>
+            <a:r>
+              <a:rPr lang="en-US" altLang="zh-CN" dirty="0"/>
+              <a:t>3.3.7 </a:t>
+            </a:r>
+            <a:r>
+              <a:rPr lang="zh-CN" altLang="en-US" dirty="0"/>
+              <a:t>环视</a:t>
+            </a:r>
+          </a:p>
+        </p:txBody>
+      </p:sp>
+      <p:sp>
+        <p:nvSpPr>
+          <p:cNvPr id="3" name="内容占位符 2"/>
+          <p:cNvSpPr>
+            <a:spLocks noGrp="1"/>
+          </p:cNvSpPr>
+          <p:nvPr>
+            <p:ph idx="1"/>
+          </p:nvPr>
+        </p:nvSpPr>
+        <p:spPr/>
+        <p:txBody>
+          <a:bodyPr>
+            <a:normAutofit/>
+          </a:bodyPr>
+          <a:lstStyle/>
+          <a:p>
+            <a:r>
+              <a:rPr lang="en-US" altLang="zh-CN" sz="1400" b="1" dirty="0"/>
+              <a:t>3.3.7.1 </a:t>
+            </a:r>
+            <a:r>
+              <a:rPr lang="zh-CN" altLang="en-US" sz="1400" b="1" dirty="0"/>
+              <a:t>顺序肯定环视</a:t>
+            </a:r>
+            <a:r>
+              <a:rPr lang="en-US" altLang="zh-CN" sz="1400" b="1" dirty="0"/>
+              <a:t>(?=</a:t>
+            </a:r>
+            <a:r>
+              <a:rPr lang="en-US" altLang="zh-CN" sz="1400" b="1" dirty="0" err="1"/>
+              <a:t>exp</a:t>
+            </a:r>
+            <a:r>
+              <a:rPr lang="en-US" altLang="zh-CN" sz="1400" b="1" dirty="0"/>
+              <a:t>)</a:t>
+            </a:r>
+          </a:p>
+          <a:p>
+            <a:r>
+              <a:rPr lang="zh-CN" altLang="en-US" sz="1400" dirty="0" smtClean="0"/>
+              <a:t>①</a:t>
+            </a:r>
+            <a:r>
+              <a:rPr lang="en-US" altLang="zh-CN" sz="1400" dirty="0"/>
+              <a:t> </a:t>
+            </a:r>
+            <a:r>
+              <a:rPr lang="zh-CN" altLang="en-US" sz="1400" dirty="0" smtClean="0"/>
+              <a:t>概念</a:t>
+            </a:r>
+            <a:endParaRPr lang="en-US" altLang="zh-CN" sz="1400" dirty="0" smtClean="0"/>
+          </a:p>
+          <a:p>
+            <a:r>
+              <a:rPr lang="zh-CN" altLang="en-US" sz="1400" b="1" dirty="0"/>
+              <a:t>零</a:t>
+            </a:r>
+            <a:r>
+              <a:rPr lang="zh-CN" altLang="en-US" sz="1400" b="1" dirty="0" smtClean="0"/>
+              <a:t>宽度正预测先行断言，又称顺序肯定环视，断言自身出现位置的后面能匹配表达式</a:t>
+            </a:r>
+            <a:r>
+              <a:rPr lang="en-US" altLang="zh-CN" sz="1400" b="1" dirty="0" err="1" smtClean="0"/>
+              <a:t>exp</a:t>
+            </a:r>
+            <a:r>
+              <a:rPr lang="zh-CN" altLang="en-US" sz="1400" b="1" dirty="0" smtClean="0"/>
+              <a:t>。</a:t>
+            </a:r>
+            <a:endParaRPr lang="en-US" altLang="zh-CN" sz="1400" b="1" dirty="0" smtClean="0"/>
+          </a:p>
+          <a:p>
+            <a:r>
+              <a:rPr lang="zh-CN" altLang="en-US" sz="1400" dirty="0" smtClean="0"/>
+              <a:t>② 应用</a:t>
+            </a:r>
+            <a:endParaRPr lang="en-US" altLang="zh-CN" sz="1400" dirty="0" smtClean="0"/>
+          </a:p>
+          <a:p>
+            <a:r>
+              <a:rPr lang="zh-CN" altLang="en-US" sz="1400" dirty="0" smtClean="0"/>
+              <a:t>需求：匹配一句英文中，以</a:t>
+            </a:r>
+            <a:r>
+              <a:rPr lang="en-US" altLang="zh-CN" sz="1400" dirty="0" smtClean="0"/>
+              <a:t>”</a:t>
+            </a:r>
+            <a:r>
+              <a:rPr lang="en-US" altLang="zh-CN" sz="1400" dirty="0" err="1" smtClean="0"/>
+              <a:t>ing</a:t>
+            </a:r>
+            <a:r>
+              <a:rPr lang="en-US" altLang="zh-CN" sz="1400" dirty="0" smtClean="0"/>
+              <a:t>”</a:t>
+            </a:r>
+            <a:r>
+              <a:rPr lang="zh-CN" altLang="en-US" sz="1400" dirty="0" smtClean="0"/>
+              <a:t>结尾的单词中，除了</a:t>
+            </a:r>
+            <a:r>
+              <a:rPr lang="en-US" altLang="zh-CN" sz="1400" dirty="0" smtClean="0"/>
+              <a:t>”</a:t>
+            </a:r>
+            <a:r>
+              <a:rPr lang="en-US" altLang="zh-CN" sz="1400" dirty="0" err="1" smtClean="0"/>
+              <a:t>ing</a:t>
+            </a:r>
+            <a:r>
+              <a:rPr lang="en-US" altLang="zh-CN" sz="1400" dirty="0" smtClean="0"/>
+              <a:t>”</a:t>
+            </a:r>
+            <a:r>
+              <a:rPr lang="zh-CN" altLang="en-US" sz="1400" dirty="0" smtClean="0"/>
+              <a:t>以外的部分。</a:t>
+            </a:r>
+            <a:endParaRPr lang="en-US" altLang="zh-CN" sz="1400" dirty="0" smtClean="0"/>
+          </a:p>
+          <a:p>
+            <a:r>
+              <a:rPr lang="en-US" altLang="zh-CN" sz="1400" dirty="0" smtClean="0"/>
+              <a:t>I’m singing while you’re dancing.</a:t>
+            </a:r>
+          </a:p>
+          <a:p>
+            <a:r>
+              <a:rPr lang="en-US" altLang="zh-CN" sz="1400" dirty="0" smtClean="0"/>
+              <a:t>\b\w+(?=</a:t>
+            </a:r>
+            <a:r>
+              <a:rPr lang="en-US" altLang="zh-CN" sz="1400" dirty="0" err="1" smtClean="0"/>
+              <a:t>ing</a:t>
+            </a:r>
+            <a:r>
+              <a:rPr lang="en-US" altLang="zh-CN" sz="1400" dirty="0" smtClean="0"/>
+              <a:t>\b)</a:t>
+            </a:r>
+          </a:p>
+          <a:p>
+            <a:r>
+              <a:rPr lang="zh-CN" altLang="en-US" sz="1400" dirty="0" smtClean="0"/>
+              <a:t>代码见</a:t>
+            </a:r>
+            <a:r>
+              <a:rPr lang="en-US" altLang="zh-CN" sz="1400" dirty="0"/>
+              <a:t>3.3.7.1 </a:t>
+            </a:r>
+            <a:r>
+              <a:rPr lang="zh-CN" altLang="en-US" sz="1400" dirty="0"/>
+              <a:t>环视</a:t>
+            </a:r>
+            <a:r>
+              <a:rPr lang="en-US" altLang="zh-CN" sz="1400" dirty="0"/>
+              <a:t>-</a:t>
+            </a:r>
+            <a:r>
+              <a:rPr lang="zh-CN" altLang="en-US" sz="1400" dirty="0"/>
+              <a:t>顺序肯定环视</a:t>
+            </a:r>
+            <a:r>
+              <a:rPr lang="en-US" altLang="zh-CN" sz="1400" dirty="0"/>
+              <a:t>-</a:t>
+            </a:r>
+            <a:r>
+              <a:rPr lang="en-US" altLang="zh-CN" sz="1400" dirty="0" smtClean="0"/>
+              <a:t>1.php</a:t>
+            </a:r>
+          </a:p>
+          <a:p>
+            <a:r>
+              <a:rPr lang="zh-CN" altLang="en-US" sz="1400" dirty="0" smtClean="0"/>
+              <a:t>运行结果如下图示。匹配出了</a:t>
+            </a:r>
+            <a:r>
+              <a:rPr lang="en-US" altLang="zh-CN" sz="1400" dirty="0" smtClean="0"/>
+              <a:t>sing</a:t>
+            </a:r>
+            <a:r>
+              <a:rPr lang="zh-CN" altLang="en-US" sz="1400" dirty="0" smtClean="0"/>
+              <a:t>和</a:t>
+            </a:r>
+            <a:r>
+              <a:rPr lang="en-US" altLang="zh-CN" sz="1400" dirty="0" err="1" smtClean="0"/>
+              <a:t>danc</a:t>
+            </a:r>
+            <a:endParaRPr lang="en-US" altLang="zh-CN" sz="1400" dirty="0" smtClean="0"/>
+          </a:p>
+          <a:p>
+            <a:endParaRPr lang="en-US" altLang="zh-CN" sz="1400" dirty="0" smtClean="0"/>
+          </a:p>
+        </p:txBody>
+      </p:sp>
+      <p:pic>
+        <p:nvPicPr>
+          <p:cNvPr id="7170" name="Picture 2"/>
+          <p:cNvPicPr>
+            <a:picLocks noChangeAspect="1" noChangeArrowheads="1"/>
+          </p:cNvPicPr>
+          <p:nvPr/>
+        </p:nvPicPr>
+        <p:blipFill>
+          <a:blip r:embed="rId2">
+            <a:extLst>
+              <a:ext uri="{28A0092B-C50C-407E-A947-70E740481C1C}">
+                <a14:useLocalDpi xmlns:a14="http://schemas.microsoft.com/office/drawing/2010/main" val="0"/>
+              </a:ext>
+            </a:extLst>
+          </a:blip>
+          <a:srcRect/>
+          <a:stretch>
+            <a:fillRect/>
+          </a:stretch>
+        </p:blipFill>
+        <p:spPr bwMode="auto">
+          <a:xfrm>
+            <a:off x="24823" y="5750732"/>
+            <a:ext cx="4562475" cy="1143000"/>
+          </a:xfrm>
+          <a:prstGeom prst="rect">
+            <a:avLst/>
+          </a:prstGeom>
+          <a:noFill/>
+          <a:ln>
+            <a:noFill/>
+          </a:ln>
+          <a:effectLst/>
+          <a:extLst>
+            <a:ext uri="{909E8E84-426E-40DD-AFC4-6F175D3DCCD1}">
+              <a14:hiddenFill xmlns:a14="http://schemas.microsoft.com/office/drawing/2010/main">
+                <a:solidFill>
+                  <a:schemeClr val="accent1"/>
+                </a:solidFill>
+              </a14:hiddenFill>
+            </a:ext>
+            <a:ext uri="{91240B29-F687-4F45-9708-019B960494DF}">
+              <a14:hiddenLine xmlns:a14="http://schemas.microsoft.com/office/drawing/2010/main" w="9525">
+                <a:solidFill>
+                  <a:schemeClr val="tx1"/>
+                </a:solidFill>
+                <a:miter lim="800000"/>
+                <a:headEnd/>
+                <a:tailEnd/>
+              </a14:hiddenLine>
+            </a:ext>
+            <a:ext uri="{AF507438-7753-43E0-B8FC-AC1667EBCBE1}">
+              <a14:hiddenEffects xmlns:a14="http://schemas.microsoft.com/office/drawing/2010/main">
+                <a:effectLst>
+                  <a:outerShdw dist="35921" dir="2700000" algn="ctr" rotWithShape="0">
+                    <a:schemeClr val="bg2"/>
+                  </a:outerShdw>
+                </a:effectLst>
+              </a14:hiddenEffects>
+            </a:ext>
+          </a:extLst>
+        </p:spPr>
+      </p:pic>
+      <p:pic>
+        <p:nvPicPr>
+          <p:cNvPr id="7171" name="Picture 3"/>
+          <p:cNvPicPr>
+            <a:picLocks noChangeAspect="1" noChangeArrowheads="1"/>
+          </p:cNvPicPr>
+          <p:nvPr/>
+        </p:nvPicPr>
+        <p:blipFill>
+          <a:blip r:embed="rId3">
+            <a:extLst>
+              <a:ext uri="{28A0092B-C50C-407E-A947-70E740481C1C}">
+                <a14:useLocalDpi xmlns:a14="http://schemas.microsoft.com/office/drawing/2010/main" val="0"/>
+              </a:ext>
+            </a:extLst>
+          </a:blip>
+          <a:srcRect/>
+          <a:stretch>
+            <a:fillRect/>
+          </a:stretch>
+        </p:blipFill>
+        <p:spPr bwMode="auto">
+          <a:xfrm>
+            <a:off x="4618257" y="5750732"/>
+            <a:ext cx="7847013" cy="1095375"/>
+          </a:xfrm>
+          <a:prstGeom prst="rect">
+            <a:avLst/>
+          </a:prstGeom>
+          <a:noFill/>
+          <a:ln>
+            <a:noFill/>
+          </a:ln>
+          <a:effectLst/>
+          <a:extLst>
+            <a:ext uri="{909E8E84-426E-40DD-AFC4-6F175D3DCCD1}">
+              <a14:hiddenFill xmlns:a14="http://schemas.microsoft.com/office/drawing/2010/main">
+                <a:solidFill>
+                  <a:schemeClr val="accent1"/>
+                </a:solidFill>
+              </a14:hiddenFill>
+            </a:ext>
+            <a:ext uri="{91240B29-F687-4F45-9708-019B960494DF}">
+              <a14:hiddenLine xmlns:a14="http://schemas.microsoft.com/office/drawing/2010/main" w="9525">
+                <a:solidFill>
+                  <a:schemeClr val="tx1"/>
+                </a:solidFill>
+                <a:miter lim="800000"/>
+                <a:headEnd/>
+                <a:tailEnd/>
+              </a14:hiddenLine>
+            </a:ext>
+            <a:ext uri="{AF507438-7753-43E0-B8FC-AC1667EBCBE1}">
+              <a14:hiddenEffects xmlns:a14="http://schemas.microsoft.com/office/drawing/2010/main">
+                <a:effectLst>
+                  <a:outerShdw dist="35921" dir="2700000" algn="ctr" rotWithShape="0">
+                    <a:schemeClr val="bg2"/>
+                  </a:outerShdw>
+                </a:effectLst>
+              </a14:hiddenEffects>
+            </a:ext>
+          </a:extLst>
+        </p:spPr>
+      </p:pic>
+    </p:spTree>
+    <p:extLst>
+      <p:ext uri="{BB962C8B-B14F-4D97-AF65-F5344CB8AC3E}">
+        <p14:creationId xmlns:p14="http://schemas.microsoft.com/office/powerpoint/2010/main" val="357731283"/>
+      </p:ext>
+    </p:extLst>
+  </p:cSld>
+  <p:clrMapOvr>
+    <a:masterClrMapping/>
+  </p:clrMapOvr>
+</p:sld>
+</file>
+
+<file path=ppt/slides/slide44.xml><?xml version="1.0" encoding="utf-8"?>
+<p:sld xmlns:a="http://schemas.openxmlformats.org/drawingml/2006/main" xmlns:r="http://schemas.openxmlformats.org/officeDocument/2006/relationships" xmlns:p="http://schemas.openxmlformats.org/presentationml/2006/main">
+  <p:cSld>
+    <p:spTree>
+      <p:nvGrpSpPr>
+        <p:cNvPr id="1" name=""/>
+        <p:cNvGrpSpPr/>
+        <p:nvPr/>
+      </p:nvGrpSpPr>
+      <p:grpSpPr>
+        <a:xfrm>
+          <a:off x="0" y="0"/>
+          <a:ext cx="0" cy="0"/>
+          <a:chOff x="0" y="0"/>
+          <a:chExt cx="0" cy="0"/>
+        </a:xfrm>
+      </p:grpSpPr>
+      <p:sp>
+        <p:nvSpPr>
+          <p:cNvPr id="2" name="标题 1"/>
+          <p:cNvSpPr>
+            <a:spLocks noGrp="1"/>
+          </p:cNvSpPr>
+          <p:nvPr>
+            <p:ph type="title"/>
+          </p:nvPr>
+        </p:nvSpPr>
+        <p:spPr/>
+        <p:txBody>
+          <a:bodyPr/>
+          <a:lstStyle/>
+          <a:p>
+            <a:r>
+              <a:rPr lang="en-US" altLang="zh-CN" dirty="0"/>
+              <a:t>3.3.7 </a:t>
+            </a:r>
+            <a:r>
+              <a:rPr lang="zh-CN" altLang="en-US" dirty="0"/>
+              <a:t>环视</a:t>
+            </a:r>
+          </a:p>
+        </p:txBody>
+      </p:sp>
+      <p:sp>
+        <p:nvSpPr>
+          <p:cNvPr id="3" name="内容占位符 2"/>
+          <p:cNvSpPr>
+            <a:spLocks noGrp="1"/>
+          </p:cNvSpPr>
+          <p:nvPr>
+            <p:ph idx="1"/>
+          </p:nvPr>
+        </p:nvSpPr>
+        <p:spPr/>
+        <p:txBody>
+          <a:bodyPr>
+            <a:normAutofit/>
+          </a:bodyPr>
+          <a:lstStyle/>
+          <a:p>
+            <a:r>
+              <a:rPr lang="en-US" altLang="zh-CN" sz="1400" b="1" dirty="0"/>
+              <a:t>3.3.7.1 </a:t>
+            </a:r>
+            <a:r>
+              <a:rPr lang="zh-CN" altLang="en-US" sz="1400" b="1" dirty="0"/>
+              <a:t>顺序肯定环视</a:t>
+            </a:r>
+            <a:r>
+              <a:rPr lang="en-US" altLang="zh-CN" sz="1400" b="1" dirty="0"/>
+              <a:t>(?=</a:t>
+            </a:r>
+            <a:r>
+              <a:rPr lang="en-US" altLang="zh-CN" sz="1400" b="1" dirty="0" err="1"/>
+              <a:t>exp</a:t>
+            </a:r>
+            <a:r>
+              <a:rPr lang="en-US" altLang="zh-CN" sz="1400" b="1" dirty="0" smtClean="0"/>
+              <a:t>)</a:t>
+            </a:r>
+          </a:p>
+          <a:p>
+            <a:r>
+              <a:rPr lang="zh-CN" altLang="en-US" sz="1400" dirty="0" smtClean="0"/>
+              <a:t>上一页是书中内容，它并没有解释清楚。本小节中其他内容均来自网上和我的理解。</a:t>
+            </a:r>
+            <a:endParaRPr lang="en-US" altLang="zh-CN" sz="1400" dirty="0" smtClean="0"/>
+          </a:p>
+          <a:p>
+            <a:r>
+              <a:rPr lang="zh-CN" altLang="en-US" sz="1400" dirty="0" smtClean="0"/>
+              <a:t>① 概念</a:t>
+            </a:r>
+            <a:endParaRPr lang="en-US" altLang="zh-CN" sz="1400" dirty="0" smtClean="0"/>
+          </a:p>
+          <a:p>
+            <a:r>
+              <a:rPr lang="zh-CN" altLang="en-US" sz="1400" b="1" dirty="0" smtClean="0"/>
+              <a:t>环视</a:t>
+            </a:r>
+            <a:r>
+              <a:rPr lang="zh-CN" altLang="en-US" sz="1400" dirty="0" smtClean="0"/>
+              <a:t>：先从全局环顾一遍正则，然后断定结果，再做进一步的匹配处理。又称之为断言、零宽断言。环视强调的是它所在的位置，前面或者后面，必须满足环视表达式中的匹配情况，才能匹配成功。环视可以认为是</a:t>
+            </a:r>
+            <a:r>
+              <a:rPr lang="zh-CN" altLang="en-US" sz="1400" b="1" dirty="0" smtClean="0"/>
+              <a:t>虚拟加入到它所在位置的附加判断条件</a:t>
+            </a:r>
+            <a:r>
+              <a:rPr lang="zh-CN" altLang="en-US" sz="1400" dirty="0" smtClean="0"/>
+              <a:t>，</a:t>
+            </a:r>
+            <a:r>
+              <a:rPr lang="zh-CN" altLang="en-US" sz="1400" b="1" dirty="0" smtClean="0"/>
+              <a:t>并不消耗正则的匹配字符</a:t>
+            </a:r>
+            <a:r>
+              <a:rPr lang="zh-CN" altLang="en-US" sz="1400" dirty="0" smtClean="0"/>
+              <a:t>。</a:t>
+            </a:r>
+            <a:endParaRPr lang="en-US" altLang="zh-CN" sz="1400" dirty="0" smtClean="0"/>
+          </a:p>
+          <a:p>
+            <a:r>
+              <a:rPr lang="zh-CN" altLang="en-US" sz="1400" dirty="0" smtClean="0"/>
+              <a:t>因此，引出了第二个概念</a:t>
+            </a:r>
+            <a:r>
+              <a:rPr lang="en-US" altLang="zh-CN" sz="1400" dirty="0" smtClean="0"/>
+              <a:t>—</a:t>
+            </a:r>
+            <a:r>
+              <a:rPr lang="zh-CN" altLang="en-US" sz="1400" dirty="0" smtClean="0"/>
+              <a:t>消耗正则的匹配字符</a:t>
+            </a:r>
+            <a:endParaRPr lang="en-US" altLang="zh-CN" sz="1400" dirty="0" smtClean="0"/>
+          </a:p>
+          <a:p>
+            <a:r>
+              <a:rPr lang="zh-CN" altLang="en-US" sz="1400" b="1" dirty="0" smtClean="0"/>
+              <a:t>消耗正则的匹配字符</a:t>
+            </a:r>
+            <a:r>
+              <a:rPr lang="zh-CN" altLang="en-US" sz="1400" dirty="0" smtClean="0"/>
+              <a:t>：</a:t>
+            </a:r>
+            <a:endParaRPr lang="en-US" altLang="zh-CN" sz="1400" dirty="0" smtClean="0"/>
+          </a:p>
+          <a:p>
+            <a:r>
+              <a:rPr lang="zh-CN" altLang="en-US" sz="1400" dirty="0"/>
+              <a:t>正</a:t>
+            </a:r>
+            <a:r>
+              <a:rPr lang="zh-CN" altLang="en-US" sz="1400" dirty="0" smtClean="0"/>
+              <a:t>则是按照单个字符来进行匹配的，一般情况下是从左到右，逐个匹配源字符串中的内容。</a:t>
+            </a:r>
+            <a:endParaRPr lang="en-US" altLang="zh-CN" sz="1400" dirty="0" smtClean="0"/>
+          </a:p>
+          <a:p>
+            <a:r>
+              <a:rPr lang="zh-CN" altLang="en-US" sz="1400" dirty="0"/>
+              <a:t>举</a:t>
+            </a:r>
+            <a:r>
+              <a:rPr lang="zh-CN" altLang="en-US" sz="1400" dirty="0" smtClean="0"/>
+              <a:t>个例子来说明这个概念</a:t>
+            </a:r>
+            <a:r>
+              <a:rPr lang="en-US" altLang="zh-CN" sz="1400" dirty="0" smtClean="0"/>
+              <a:t>:</a:t>
+            </a:r>
+          </a:p>
+          <a:p>
+            <a:r>
+              <a:rPr lang="zh-CN" altLang="en-US" sz="1400" dirty="0" smtClean="0"/>
+              <a:t>现有正则</a:t>
+            </a:r>
+            <a:r>
+              <a:rPr lang="en-US" altLang="zh-CN" sz="1400" dirty="0" smtClean="0"/>
+              <a:t>A[A-Z]</a:t>
+            </a:r>
+            <a:r>
+              <a:rPr lang="zh-CN" altLang="en-US" sz="1400" dirty="0" smtClean="0"/>
+              <a:t>和源字符串</a:t>
+            </a:r>
+            <a:r>
+              <a:rPr lang="en-US" altLang="zh-CN" sz="1400" dirty="0" smtClean="0"/>
+              <a:t>ABCAD</a:t>
+            </a:r>
+          </a:p>
+          <a:p>
+            <a:r>
+              <a:rPr lang="zh-CN" altLang="en-US" sz="1400" dirty="0" smtClean="0"/>
+              <a:t>对于该正则来讲，匹配过程为：</a:t>
+            </a:r>
+            <a:endParaRPr lang="en-US" altLang="zh-CN" sz="1400" dirty="0" smtClean="0"/>
+          </a:p>
+          <a:p>
+            <a:r>
+              <a:rPr lang="en-US" altLang="zh-CN" sz="1400" dirty="0" smtClean="0"/>
+              <a:t>step1. </a:t>
+            </a:r>
+            <a:r>
+              <a:rPr lang="zh-CN" altLang="en-US" sz="1400" dirty="0" smtClean="0"/>
+              <a:t>正则</a:t>
+            </a:r>
+            <a:r>
+              <a:rPr lang="en-US" altLang="zh-CN" sz="1400" dirty="0" smtClean="0"/>
+              <a:t>A</a:t>
+            </a:r>
+            <a:r>
+              <a:rPr lang="zh-CN" altLang="en-US" sz="1400" dirty="0" smtClean="0"/>
+              <a:t>。</a:t>
+            </a:r>
+            <a:endParaRPr lang="en-US" altLang="zh-CN" sz="1400" dirty="0" smtClean="0"/>
+          </a:p>
+          <a:p>
+            <a:r>
+              <a:rPr lang="zh-CN" altLang="en-US" sz="1400" dirty="0" smtClean="0"/>
+              <a:t>由于没有位置限定，因此就是从源字符串的起始位置开始，也就是说这个</a:t>
+            </a:r>
+            <a:r>
+              <a:rPr lang="en-US" altLang="zh-CN" sz="1400" dirty="0" smtClean="0"/>
+              <a:t>A</a:t>
+            </a:r>
+            <a:r>
+              <a:rPr lang="zh-CN" altLang="en-US" sz="1400" dirty="0" smtClean="0"/>
+              <a:t>在定位方面的作用相当于</a:t>
+            </a:r>
+            <a:r>
+              <a:rPr lang="en-US" altLang="zh-CN" sz="1400" dirty="0" smtClean="0"/>
+              <a:t>^</a:t>
+            </a:r>
+            <a:r>
+              <a:rPr lang="zh-CN" altLang="en-US" sz="1400" dirty="0" smtClean="0"/>
+              <a:t>，这个</a:t>
+            </a:r>
+            <a:r>
+              <a:rPr lang="en-US" altLang="zh-CN" sz="1400" dirty="0" smtClean="0"/>
+              <a:t>^</a:t>
+            </a:r>
+            <a:r>
+              <a:rPr lang="zh-CN" altLang="en-US" sz="1400" dirty="0" smtClean="0"/>
+              <a:t>是虚拟字符，表示匹配字符串开始位置。也就是源字符串</a:t>
+            </a:r>
+            <a:r>
+              <a:rPr lang="en-US" altLang="zh-CN" sz="1400" dirty="0" smtClean="0"/>
+              <a:t>ABCAD</a:t>
+            </a:r>
+            <a:r>
+              <a:rPr lang="zh-CN" altLang="en-US" sz="1400" dirty="0" smtClean="0"/>
+              <a:t>中的第</a:t>
+            </a:r>
+            <a:r>
+              <a:rPr lang="en-US" altLang="zh-CN" sz="1400" dirty="0" smtClean="0"/>
+              <a:t>1</a:t>
+            </a:r>
+            <a:r>
+              <a:rPr lang="zh-CN" altLang="en-US" sz="1400" dirty="0" smtClean="0"/>
+              <a:t>个</a:t>
+            </a:r>
+            <a:r>
+              <a:rPr lang="en-US" altLang="zh-CN" sz="1400" dirty="0" smtClean="0"/>
+              <a:t>A</a:t>
+            </a:r>
+            <a:r>
+              <a:rPr lang="zh-CN" altLang="en-US" sz="1400" dirty="0" smtClean="0"/>
+              <a:t>前面的位置。因为正则</a:t>
+            </a:r>
+            <a:r>
+              <a:rPr lang="en-US" altLang="zh-CN" sz="1400" dirty="0" smtClean="0"/>
+              <a:t>A</a:t>
+            </a:r>
+            <a:r>
+              <a:rPr lang="zh-CN" altLang="en-US" sz="1400" dirty="0" smtClean="0"/>
+              <a:t>匹配源字符串中的第</a:t>
+            </a:r>
+            <a:r>
+              <a:rPr lang="en-US" altLang="zh-CN" sz="1400" dirty="0" smtClean="0"/>
+              <a:t>1</a:t>
+            </a:r>
+            <a:r>
+              <a:rPr lang="zh-CN" altLang="en-US" sz="1400" dirty="0" smtClean="0"/>
+              <a:t>个</a:t>
+            </a:r>
+            <a:r>
+              <a:rPr lang="en-US" altLang="zh-CN" sz="1400" dirty="0" smtClean="0"/>
+              <a:t>A</a:t>
+            </a:r>
+            <a:r>
+              <a:rPr lang="zh-CN" altLang="en-US" sz="1400" dirty="0" smtClean="0"/>
+              <a:t>结果为成功，匹配位置就向右移动了</a:t>
+            </a:r>
+            <a:r>
+              <a:rPr lang="en-US" altLang="zh-CN" sz="1400" dirty="0" smtClean="0"/>
+              <a:t>1</a:t>
+            </a:r>
+            <a:r>
+              <a:rPr lang="zh-CN" altLang="en-US" sz="1400" dirty="0" smtClean="0"/>
+              <a:t>位，来到了</a:t>
+            </a:r>
+            <a:r>
+              <a:rPr lang="en-US" altLang="zh-CN" sz="1400" dirty="0" smtClean="0"/>
+              <a:t>B</a:t>
+            </a:r>
+            <a:r>
+              <a:rPr lang="zh-CN" altLang="en-US" sz="1400" dirty="0" smtClean="0"/>
+              <a:t>的前面。即此时源字符串</a:t>
+            </a:r>
+            <a:r>
+              <a:rPr lang="en-US" altLang="zh-CN" sz="1400" dirty="0" smtClean="0"/>
+              <a:t>ABCAD</a:t>
+            </a:r>
+            <a:r>
+              <a:rPr lang="zh-CN" altLang="en-US" sz="1400" dirty="0" smtClean="0"/>
+              <a:t>中的</a:t>
+            </a:r>
+            <a:r>
+              <a:rPr lang="en-US" altLang="zh-CN" sz="1400" dirty="0" smtClean="0"/>
+              <a:t>A</a:t>
+            </a:r>
+            <a:r>
+              <a:rPr lang="zh-CN" altLang="en-US" sz="1400" b="1" dirty="0" smtClean="0">
+                <a:solidFill>
+                  <a:srgbClr val="FF0000"/>
+                </a:solidFill>
+              </a:rPr>
+              <a:t>这个字符已经被消耗</a:t>
+            </a:r>
+            <a:r>
+              <a:rPr lang="en-US" altLang="zh-CN" sz="1400" b="1" dirty="0" smtClean="0">
+                <a:solidFill>
+                  <a:srgbClr val="FF0000"/>
+                </a:solidFill>
+              </a:rPr>
+              <a:t>(</a:t>
+            </a:r>
+            <a:r>
+              <a:rPr lang="zh-CN" altLang="en-US" sz="1400" b="1" dirty="0" smtClean="0">
+                <a:solidFill>
+                  <a:srgbClr val="FF0000"/>
+                </a:solidFill>
+              </a:rPr>
+              <a:t>同时正则中的</a:t>
+            </a:r>
+            <a:r>
+              <a:rPr lang="en-US" altLang="zh-CN" sz="1400" b="1" dirty="0" smtClean="0">
+                <a:solidFill>
+                  <a:srgbClr val="FF0000"/>
+                </a:solidFill>
+              </a:rPr>
+              <a:t>A</a:t>
+            </a:r>
+            <a:r>
+              <a:rPr lang="zh-CN" altLang="en-US" sz="1400" b="1" dirty="0" smtClean="0">
+                <a:solidFill>
+                  <a:srgbClr val="FF0000"/>
+                </a:solidFill>
+              </a:rPr>
+              <a:t>也被消耗了</a:t>
+            </a:r>
+            <a:r>
+              <a:rPr lang="en-US" altLang="zh-CN" sz="1400" b="1" dirty="0" smtClean="0">
+                <a:solidFill>
+                  <a:srgbClr val="FF0000"/>
+                </a:solidFill>
+              </a:rPr>
+              <a:t>)</a:t>
+            </a:r>
+            <a:r>
+              <a:rPr lang="zh-CN" altLang="en-US" sz="1400" dirty="0" smtClean="0"/>
+              <a:t>，接下来的正则匹配将从</a:t>
+            </a:r>
+            <a:r>
+              <a:rPr lang="en-US" altLang="zh-CN" sz="1400" dirty="0" smtClean="0"/>
+              <a:t>B</a:t>
+            </a:r>
+            <a:r>
+              <a:rPr lang="zh-CN" altLang="en-US" sz="1400" dirty="0" smtClean="0"/>
+              <a:t>的前面开始。</a:t>
+            </a:r>
+            <a:endParaRPr lang="en-US" altLang="zh-CN" sz="1400" dirty="0"/>
+          </a:p>
+        </p:txBody>
+      </p:sp>
+    </p:spTree>
+    <p:extLst>
+      <p:ext uri="{BB962C8B-B14F-4D97-AF65-F5344CB8AC3E}">
+        <p14:creationId xmlns:p14="http://schemas.microsoft.com/office/powerpoint/2010/main" val="60550037"/>
+      </p:ext>
+    </p:extLst>
+  </p:cSld>
+  <p:clrMapOvr>
+    <a:masterClrMapping/>
+  </p:clrMapOvr>
+</p:sld>
+</file>
+
+<file path=ppt/slides/slide45.xml><?xml version="1.0" encoding="utf-8"?>
+<p:sld xmlns:a="http://schemas.openxmlformats.org/drawingml/2006/main" xmlns:r="http://schemas.openxmlformats.org/officeDocument/2006/relationships" xmlns:p="http://schemas.openxmlformats.org/presentationml/2006/main">
+  <p:cSld>
+    <p:spTree>
+      <p:nvGrpSpPr>
+        <p:cNvPr id="1" name=""/>
+        <p:cNvGrpSpPr/>
+        <p:nvPr/>
+      </p:nvGrpSpPr>
+      <p:grpSpPr>
+        <a:xfrm>
+          <a:off x="0" y="0"/>
+          <a:ext cx="0" cy="0"/>
+          <a:chOff x="0" y="0"/>
+          <a:chExt cx="0" cy="0"/>
+        </a:xfrm>
+      </p:grpSpPr>
+      <p:sp>
+        <p:nvSpPr>
+          <p:cNvPr id="2" name="标题 1"/>
+          <p:cNvSpPr>
+            <a:spLocks noGrp="1"/>
+          </p:cNvSpPr>
+          <p:nvPr>
+            <p:ph type="title"/>
+          </p:nvPr>
+        </p:nvSpPr>
+        <p:spPr/>
+        <p:txBody>
+          <a:bodyPr/>
+          <a:lstStyle/>
+          <a:p>
+            <a:r>
+              <a:rPr lang="en-US" altLang="zh-CN" dirty="0"/>
+              <a:t>3.3.7 </a:t>
+            </a:r>
+            <a:r>
+              <a:rPr lang="zh-CN" altLang="en-US" dirty="0"/>
+              <a:t>环视</a:t>
+            </a:r>
+          </a:p>
+        </p:txBody>
+      </p:sp>
+      <p:sp>
+        <p:nvSpPr>
+          <p:cNvPr id="3" name="内容占位符 2"/>
+          <p:cNvSpPr>
+            <a:spLocks noGrp="1"/>
+          </p:cNvSpPr>
+          <p:nvPr>
+            <p:ph idx="1"/>
+          </p:nvPr>
+        </p:nvSpPr>
+        <p:spPr/>
+        <p:txBody>
+          <a:bodyPr>
+            <a:normAutofit/>
+          </a:bodyPr>
+          <a:lstStyle/>
+          <a:p>
+            <a:r>
+              <a:rPr lang="en-US" altLang="zh-CN" sz="1400" b="1" dirty="0"/>
+              <a:t>3.3.7.1 </a:t>
+            </a:r>
+            <a:r>
+              <a:rPr lang="zh-CN" altLang="en-US" sz="1400" b="1" dirty="0"/>
+              <a:t>顺序肯定环视</a:t>
+            </a:r>
+            <a:r>
+              <a:rPr lang="en-US" altLang="zh-CN" sz="1400" b="1" dirty="0"/>
+              <a:t>(?=</a:t>
+            </a:r>
+            <a:r>
+              <a:rPr lang="en-US" altLang="zh-CN" sz="1400" b="1" dirty="0" err="1"/>
+              <a:t>exp</a:t>
+            </a:r>
+            <a:r>
+              <a:rPr lang="en-US" altLang="zh-CN" sz="1400" b="1" dirty="0"/>
+              <a:t>)</a:t>
+            </a:r>
+          </a:p>
+          <a:p>
+            <a:r>
+              <a:rPr lang="en-US" altLang="zh-CN" sz="1400" dirty="0" smtClean="0"/>
+              <a:t>step2. </a:t>
+            </a:r>
+            <a:r>
+              <a:rPr lang="zh-CN" altLang="en-US" sz="1400" dirty="0" smtClean="0"/>
+              <a:t>正则</a:t>
+            </a:r>
+            <a:r>
+              <a:rPr lang="en-US" altLang="zh-CN" sz="1400" dirty="0" smtClean="0"/>
+              <a:t>[A-Z]</a:t>
+            </a:r>
+            <a:r>
+              <a:rPr lang="zh-CN" altLang="en-US" sz="1400" dirty="0" smtClean="0"/>
+              <a:t>。</a:t>
+            </a:r>
+            <a:endParaRPr lang="en-US" altLang="zh-CN" sz="1400" dirty="0" smtClean="0"/>
+          </a:p>
+          <a:p>
+            <a:r>
+              <a:rPr lang="zh-CN" altLang="en-US" sz="1400" dirty="0" smtClean="0"/>
+              <a:t>当前匹配位置为</a:t>
+            </a:r>
+            <a:r>
+              <a:rPr lang="en-US" altLang="zh-CN" sz="1400" dirty="0" smtClean="0"/>
+              <a:t>B</a:t>
+            </a:r>
+            <a:r>
+              <a:rPr lang="zh-CN" altLang="en-US" sz="1400" dirty="0" smtClean="0"/>
+              <a:t>的前面，正则</a:t>
+            </a:r>
+            <a:r>
+              <a:rPr lang="en-US" altLang="zh-CN" sz="1400" dirty="0" smtClean="0"/>
+              <a:t>[A-Z]</a:t>
+            </a:r>
+            <a:r>
+              <a:rPr lang="zh-CN" altLang="en-US" sz="1400" dirty="0" smtClean="0"/>
+              <a:t>对源字符串</a:t>
+            </a:r>
+            <a:r>
+              <a:rPr lang="en-US" altLang="zh-CN" sz="1400" dirty="0" smtClean="0"/>
+              <a:t>ABCAD</a:t>
+            </a:r>
+            <a:r>
+              <a:rPr lang="zh-CN" altLang="en-US" sz="1400" dirty="0" smtClean="0"/>
+              <a:t>中的</a:t>
+            </a:r>
+            <a:r>
+              <a:rPr lang="en-US" altLang="zh-CN" sz="1400" dirty="0" smtClean="0"/>
+              <a:t>B</a:t>
+            </a:r>
+            <a:r>
+              <a:rPr lang="zh-CN" altLang="en-US" sz="1400" dirty="0" smtClean="0"/>
+              <a:t>字母进行匹配，匹配成功，位置再次发生右移，来到了字母</a:t>
+            </a:r>
+            <a:r>
+              <a:rPr lang="en-US" altLang="zh-CN" sz="1400" dirty="0" smtClean="0"/>
+              <a:t>C</a:t>
+            </a:r>
+            <a:r>
+              <a:rPr lang="zh-CN" altLang="en-US" sz="1400" dirty="0" smtClean="0"/>
+              <a:t>的前面。但是由于此时正则匹配已经完成，因此</a:t>
+            </a:r>
+            <a:r>
+              <a:rPr lang="en-US" altLang="zh-CN" sz="1400" dirty="0" smtClean="0"/>
+              <a:t>A[A-Z]</a:t>
+            </a:r>
+            <a:r>
+              <a:rPr lang="zh-CN" altLang="en-US" sz="1400" dirty="0" smtClean="0"/>
+              <a:t>的匹配结果为：</a:t>
+            </a:r>
+            <a:r>
+              <a:rPr lang="en-US" altLang="zh-CN" sz="1400" dirty="0" smtClean="0"/>
+              <a:t>AB</a:t>
+            </a:r>
+            <a:r>
+              <a:rPr lang="zh-CN" altLang="en-US" sz="1400" dirty="0" smtClean="0"/>
+              <a:t>。</a:t>
+            </a:r>
+            <a:endParaRPr lang="en-US" altLang="zh-CN" sz="1400" dirty="0" smtClean="0"/>
+          </a:p>
+          <a:p>
+            <a:r>
+              <a:rPr lang="zh-CN" altLang="en-US" sz="1400" dirty="0"/>
+              <a:t>基于</a:t>
+            </a:r>
+            <a:r>
+              <a:rPr lang="zh-CN" altLang="en-US" sz="1400" dirty="0" smtClean="0"/>
+              <a:t>这个概念，我们再来理解环视中的</a:t>
+            </a:r>
+            <a:r>
+              <a:rPr lang="en-US" altLang="zh-CN" sz="1400" dirty="0" smtClean="0"/>
+              <a:t>”</a:t>
+            </a:r>
+            <a:r>
+              <a:rPr lang="zh-CN" altLang="en-US" sz="1400" b="1" dirty="0"/>
+              <a:t>虚拟加入到它所在位置的附加判断条件</a:t>
+            </a:r>
+            <a:r>
+              <a:rPr lang="zh-CN" altLang="en-US" sz="1400" dirty="0"/>
+              <a:t>，</a:t>
+            </a:r>
+            <a:r>
+              <a:rPr lang="zh-CN" altLang="en-US" sz="1400" b="1" dirty="0"/>
+              <a:t>并不消耗正则的匹配字符</a:t>
+            </a:r>
+            <a:r>
+              <a:rPr lang="en-US" altLang="zh-CN" sz="1400" dirty="0" smtClean="0"/>
+              <a:t>”</a:t>
+            </a:r>
+            <a:r>
+              <a:rPr lang="zh-CN" altLang="en-US" sz="1400" dirty="0" smtClean="0"/>
+              <a:t>这句话。</a:t>
+            </a:r>
+            <a:endParaRPr lang="en-US" altLang="zh-CN" sz="1400" dirty="0" smtClean="0"/>
+          </a:p>
+          <a:p>
+            <a:r>
+              <a:rPr lang="zh-CN" altLang="en-US" sz="1400" dirty="0" smtClean="0"/>
+              <a:t>我们以</a:t>
+            </a:r>
+            <a:r>
+              <a:rPr lang="en-US" altLang="zh-CN" sz="1400" dirty="0" smtClean="0"/>
+              <a:t>(?=</a:t>
+            </a:r>
+            <a:r>
+              <a:rPr lang="en-US" altLang="zh-CN" sz="1400" dirty="0" err="1" smtClean="0"/>
+              <a:t>exp</a:t>
+            </a:r>
+            <a:r>
+              <a:rPr lang="en-US" altLang="zh-CN" sz="1400" dirty="0" smtClean="0"/>
+              <a:t>)</a:t>
+            </a:r>
+            <a:r>
+              <a:rPr lang="zh-CN" altLang="en-US" sz="1400" dirty="0" smtClean="0"/>
+              <a:t>为例。</a:t>
+            </a:r>
+            <a:endParaRPr lang="en-US" altLang="zh-CN" sz="1400" dirty="0" smtClean="0"/>
+          </a:p>
+          <a:p>
+            <a:r>
+              <a:rPr lang="en-US" altLang="zh-CN" sz="1400" dirty="0"/>
+              <a:t>(?=</a:t>
+            </a:r>
+            <a:r>
+              <a:rPr lang="en-US" altLang="zh-CN" sz="1400" dirty="0" err="1"/>
+              <a:t>exp</a:t>
+            </a:r>
+            <a:r>
+              <a:rPr lang="en-US" altLang="zh-CN" sz="1400" dirty="0" smtClean="0"/>
+              <a:t>)</a:t>
+            </a:r>
+            <a:r>
+              <a:rPr lang="zh-CN" altLang="en-US" sz="1400" dirty="0" smtClean="0"/>
+              <a:t>的含义为：匹配后面符合</a:t>
+            </a:r>
+            <a:r>
+              <a:rPr lang="en-US" altLang="zh-CN" sz="1400" dirty="0" err="1" smtClean="0"/>
+              <a:t>exp</a:t>
+            </a:r>
+            <a:r>
+              <a:rPr lang="zh-CN" altLang="en-US" sz="1400" dirty="0" smtClean="0"/>
+              <a:t>的数据。</a:t>
+            </a:r>
+            <a:endParaRPr lang="en-US" altLang="zh-CN" sz="1400" dirty="0" smtClean="0"/>
+          </a:p>
+          <a:p>
+            <a:r>
+              <a:rPr lang="en-US" altLang="zh-CN" sz="1400" dirty="0" smtClean="0"/>
+              <a:t>exp1(?=exp2)</a:t>
+            </a:r>
+          </a:p>
+          <a:p>
+            <a:r>
+              <a:rPr lang="zh-CN" altLang="en-US" sz="1400" dirty="0" smtClean="0"/>
+              <a:t>由环视的概念</a:t>
+            </a:r>
+            <a:r>
+              <a:rPr lang="en-US" altLang="zh-CN" sz="1400" dirty="0" smtClean="0"/>
+              <a:t>(</a:t>
+            </a:r>
+            <a:r>
+              <a:rPr lang="zh-CN" altLang="en-US" sz="1400" dirty="0"/>
+              <a:t>先从全局环顾一遍正则，然后断定结果，再做进一步的匹配处理。</a:t>
+            </a:r>
+            <a:r>
+              <a:rPr lang="en-US" altLang="zh-CN" sz="1400" dirty="0" smtClean="0"/>
+              <a:t>)</a:t>
+            </a:r>
+            <a:r>
+              <a:rPr lang="zh-CN" altLang="en-US" sz="1400" dirty="0" smtClean="0"/>
+              <a:t>和正则匹配的顺序可知，这个抽象表达式所描述的内容为：</a:t>
+            </a:r>
+            <a:endParaRPr lang="en-US" altLang="zh-CN" sz="1400" dirty="0" smtClean="0"/>
+          </a:p>
+          <a:p>
+            <a:r>
+              <a:rPr lang="en-US" altLang="zh-CN" sz="1400" dirty="0" smtClean="0"/>
+              <a:t>step1. </a:t>
+            </a:r>
+            <a:r>
+              <a:rPr lang="zh-CN" altLang="en-US" sz="1400" dirty="0" smtClean="0"/>
+              <a:t>先全局环顾正则，找到</a:t>
+            </a:r>
+            <a:r>
+              <a:rPr lang="en-US" altLang="zh-CN" sz="1400" dirty="0" smtClean="0"/>
+              <a:t>exp1</a:t>
+            </a:r>
+            <a:r>
+              <a:rPr lang="zh-CN" altLang="en-US" sz="1400" dirty="0" smtClean="0"/>
+              <a:t>在源字符串中结束的位置。</a:t>
+            </a:r>
+            <a:endParaRPr lang="en-US" altLang="zh-CN" sz="1400" dirty="0" smtClean="0"/>
+          </a:p>
+          <a:p>
+            <a:r>
+              <a:rPr lang="en-US" altLang="zh-CN" sz="1400" dirty="0" smtClean="0"/>
+              <a:t>step2. </a:t>
+            </a:r>
+            <a:r>
+              <a:rPr lang="zh-CN" altLang="en-US" sz="1400" dirty="0" smtClean="0"/>
+              <a:t>断言该位置的后面是否满足</a:t>
+            </a:r>
+            <a:r>
+              <a:rPr lang="en-US" altLang="zh-CN" sz="1400" dirty="0" smtClean="0"/>
+              <a:t>exp2</a:t>
+            </a:r>
+            <a:r>
+              <a:rPr lang="zh-CN" altLang="en-US" sz="1400" dirty="0" smtClean="0"/>
+              <a:t>，如果满足，则开始对源字符串进行匹配，即执行</a:t>
+            </a:r>
+            <a:r>
+              <a:rPr lang="en-US" altLang="zh-CN" sz="1400" dirty="0" smtClean="0"/>
+              <a:t>exp1</a:t>
+            </a:r>
+            <a:r>
+              <a:rPr lang="zh-CN" altLang="en-US" sz="1400" dirty="0" smtClean="0"/>
+              <a:t>。如果不满足，则直接停止匹配。</a:t>
+            </a:r>
+            <a:endParaRPr lang="en-US" altLang="zh-CN" sz="1400" dirty="0" smtClean="0"/>
+          </a:p>
+          <a:p>
+            <a:r>
+              <a:rPr lang="zh-CN" altLang="en-US" sz="1400" dirty="0" smtClean="0"/>
+              <a:t>那么进一步要探讨的问题是：</a:t>
+            </a:r>
+            <a:r>
+              <a:rPr lang="en-US" altLang="zh-CN" sz="1400" dirty="0" smtClean="0"/>
+              <a:t>step2</a:t>
+            </a:r>
+            <a:r>
+              <a:rPr lang="zh-CN" altLang="en-US" sz="1400" dirty="0" smtClean="0"/>
+              <a:t>中所描述的断言过程，是否消耗正则的匹配字符？</a:t>
+            </a:r>
+            <a:endParaRPr lang="en-US" altLang="zh-CN" sz="1400" dirty="0" smtClean="0"/>
+          </a:p>
+          <a:p>
+            <a:endParaRPr lang="en-US" altLang="zh-CN" sz="1400" dirty="0" smtClean="0"/>
+          </a:p>
+          <a:p>
+            <a:endParaRPr lang="zh-CN" altLang="en-US" sz="1400" dirty="0"/>
+          </a:p>
+        </p:txBody>
+      </p:sp>
+    </p:spTree>
+    <p:extLst>
+      <p:ext uri="{BB962C8B-B14F-4D97-AF65-F5344CB8AC3E}">
+        <p14:creationId xmlns:p14="http://schemas.microsoft.com/office/powerpoint/2010/main" val="2102973502"/>
+      </p:ext>
+    </p:extLst>
+  </p:cSld>
+  <p:clrMapOvr>
+    <a:masterClrMapping/>
+  </p:clrMapOvr>
+</p:sld>
+</file>
+
+<file path=ppt/slides/slide46.xml><?xml version="1.0" encoding="utf-8"?>
+<p:sld xmlns:a="http://schemas.openxmlformats.org/drawingml/2006/main" xmlns:r="http://schemas.openxmlformats.org/officeDocument/2006/relationships" xmlns:p="http://schemas.openxmlformats.org/presentationml/2006/main">
+  <p:cSld>
+    <p:spTree>
+      <p:nvGrpSpPr>
+        <p:cNvPr id="1" name=""/>
+        <p:cNvGrpSpPr/>
+        <p:nvPr/>
+      </p:nvGrpSpPr>
+      <p:grpSpPr>
+        <a:xfrm>
+          <a:off x="0" y="0"/>
+          <a:ext cx="0" cy="0"/>
+          <a:chOff x="0" y="0"/>
+          <a:chExt cx="0" cy="0"/>
+        </a:xfrm>
+      </p:grpSpPr>
+      <p:sp>
+        <p:nvSpPr>
+          <p:cNvPr id="2" name="标题 1"/>
+          <p:cNvSpPr>
+            <a:spLocks noGrp="1"/>
+          </p:cNvSpPr>
+          <p:nvPr>
+            <p:ph type="title"/>
+          </p:nvPr>
+        </p:nvSpPr>
+        <p:spPr/>
+        <p:txBody>
+          <a:bodyPr/>
+          <a:lstStyle/>
+          <a:p>
+            <a:r>
+              <a:rPr lang="en-US" altLang="zh-CN" dirty="0"/>
+              <a:t>3.3.7 </a:t>
+            </a:r>
+            <a:r>
+              <a:rPr lang="zh-CN" altLang="en-US" dirty="0"/>
+              <a:t>环视</a:t>
+            </a:r>
+          </a:p>
+        </p:txBody>
+      </p:sp>
+      <p:sp>
+        <p:nvSpPr>
+          <p:cNvPr id="3" name="内容占位符 2"/>
+          <p:cNvSpPr>
+            <a:spLocks noGrp="1"/>
+          </p:cNvSpPr>
+          <p:nvPr>
+            <p:ph idx="1"/>
+          </p:nvPr>
+        </p:nvSpPr>
+        <p:spPr/>
+        <p:txBody>
+          <a:bodyPr>
+            <a:normAutofit/>
+          </a:bodyPr>
+          <a:lstStyle/>
+          <a:p>
+            <a:r>
+              <a:rPr lang="en-US" altLang="zh-CN" sz="1400" b="1" dirty="0"/>
+              <a:t>3.3.7.1 </a:t>
+            </a:r>
+            <a:r>
+              <a:rPr lang="zh-CN" altLang="en-US" sz="1400" b="1" dirty="0"/>
+              <a:t>顺序肯定环视</a:t>
+            </a:r>
+            <a:r>
+              <a:rPr lang="en-US" altLang="zh-CN" sz="1400" b="1" dirty="0"/>
+              <a:t>(?=</a:t>
+            </a:r>
+            <a:r>
+              <a:rPr lang="en-US" altLang="zh-CN" sz="1400" b="1" dirty="0" err="1"/>
+              <a:t>exp</a:t>
+            </a:r>
+            <a:r>
+              <a:rPr lang="en-US" altLang="zh-CN" sz="1400" b="1" dirty="0"/>
+              <a:t>)</a:t>
+            </a:r>
+          </a:p>
+          <a:p>
+            <a:r>
+              <a:rPr lang="zh-CN" altLang="en-US" sz="1400" dirty="0" smtClean="0"/>
+              <a:t>答案是否定的。因为断言只是一个判断真假的过程。</a:t>
+            </a:r>
+            <a:endParaRPr lang="en-US" altLang="zh-CN" sz="1400" dirty="0" smtClean="0"/>
+          </a:p>
+          <a:p>
+            <a:r>
+              <a:rPr lang="zh-CN" altLang="en-US" sz="1400" dirty="0" smtClean="0"/>
+              <a:t>如果</a:t>
+            </a:r>
+            <a:r>
+              <a:rPr lang="en-US" altLang="zh-CN" sz="1400" dirty="0" smtClean="0"/>
+              <a:t>exp1</a:t>
+            </a:r>
+            <a:r>
+              <a:rPr lang="zh-CN" altLang="en-US" sz="1400" dirty="0" smtClean="0"/>
+              <a:t>结束位置的后面符合</a:t>
+            </a:r>
+            <a:r>
+              <a:rPr lang="en-US" altLang="zh-CN" sz="1400" dirty="0" smtClean="0"/>
+              <a:t>exp2</a:t>
+            </a:r>
+            <a:r>
+              <a:rPr lang="zh-CN" altLang="en-US" sz="1400" dirty="0" smtClean="0"/>
+              <a:t>的模式，则在源字符串中进行对</a:t>
+            </a:r>
+            <a:r>
+              <a:rPr lang="en-US" altLang="zh-CN" sz="1400" dirty="0" smtClean="0"/>
+              <a:t>exp1</a:t>
+            </a:r>
+            <a:r>
+              <a:rPr lang="zh-CN" altLang="en-US" sz="1400" dirty="0" smtClean="0"/>
+              <a:t>的匹配过程；</a:t>
+            </a:r>
+            <a:endParaRPr lang="en-US" altLang="zh-CN" sz="1400" dirty="0" smtClean="0"/>
+          </a:p>
+          <a:p>
+            <a:r>
+              <a:rPr lang="zh-CN" altLang="en-US" sz="1400" dirty="0"/>
+              <a:t>如果</a:t>
+            </a:r>
+            <a:r>
+              <a:rPr lang="en-US" altLang="zh-CN" sz="1400" dirty="0"/>
+              <a:t>exp1</a:t>
+            </a:r>
+            <a:r>
+              <a:rPr lang="zh-CN" altLang="en-US" sz="1400" dirty="0"/>
+              <a:t>结束位置的</a:t>
+            </a:r>
+            <a:r>
+              <a:rPr lang="zh-CN" altLang="en-US" sz="1400" dirty="0" smtClean="0"/>
+              <a:t>后面不符合</a:t>
+            </a:r>
+            <a:r>
+              <a:rPr lang="en-US" altLang="zh-CN" sz="1400" dirty="0"/>
+              <a:t>exp2</a:t>
+            </a:r>
+            <a:r>
+              <a:rPr lang="zh-CN" altLang="en-US" sz="1400" dirty="0"/>
+              <a:t>的</a:t>
+            </a:r>
+            <a:r>
+              <a:rPr lang="zh-CN" altLang="en-US" sz="1400" dirty="0" smtClean="0"/>
+              <a:t>模式，则直接停止匹配。</a:t>
+            </a:r>
+            <a:endParaRPr lang="en-US" altLang="zh-CN" sz="1400" dirty="0" smtClean="0"/>
+          </a:p>
+          <a:p>
+            <a:r>
+              <a:rPr lang="zh-CN" altLang="en-US" sz="1400" dirty="0" smtClean="0"/>
+              <a:t>因而并不存在像上述过程中的</a:t>
+            </a:r>
+            <a:r>
+              <a:rPr lang="en-US" altLang="zh-CN" sz="1400" dirty="0" smtClean="0"/>
+              <a:t>”</a:t>
+            </a:r>
+            <a:r>
+              <a:rPr lang="zh-CN" altLang="en-US" sz="1400" dirty="0" smtClean="0"/>
+              <a:t>正则</a:t>
+            </a:r>
+            <a:r>
+              <a:rPr lang="en-US" altLang="zh-CN" sz="1400" dirty="0" smtClean="0"/>
+              <a:t>A</a:t>
+            </a:r>
+            <a:r>
+              <a:rPr lang="zh-CN" altLang="en-US" sz="1400" dirty="0" smtClean="0"/>
+              <a:t>匹配后使用正则</a:t>
+            </a:r>
+            <a:r>
+              <a:rPr lang="en-US" altLang="zh-CN" sz="1400" dirty="0" smtClean="0"/>
+              <a:t>[A-Z]</a:t>
+            </a:r>
+            <a:r>
+              <a:rPr lang="zh-CN" altLang="en-US" sz="1400" dirty="0" smtClean="0"/>
+              <a:t>匹配下一个字符</a:t>
+            </a:r>
+            <a:r>
+              <a:rPr lang="en-US" altLang="zh-CN" sz="1400" dirty="0" smtClean="0"/>
+              <a:t>”</a:t>
+            </a:r>
+            <a:r>
+              <a:rPr lang="zh-CN" altLang="en-US" sz="1400" dirty="0" smtClean="0"/>
+              <a:t>的过程。</a:t>
+            </a:r>
+            <a:endParaRPr lang="en-US" altLang="zh-CN" sz="1400" dirty="0" smtClean="0"/>
+          </a:p>
+          <a:p>
+            <a:r>
+              <a:rPr lang="zh-CN" altLang="en-US" sz="1400" b="1" dirty="0" smtClean="0">
+                <a:solidFill>
+                  <a:srgbClr val="FF0000"/>
+                </a:solidFill>
+              </a:rPr>
+              <a:t>也就是说，环视的作用相当于对环视子表达式所在位置添加一个附加条件，只有满足这个附加条件，环视子表达式才能匹配成功，才能进一步开始对主表达式做匹配的过程。</a:t>
+            </a:r>
+            <a:endParaRPr lang="en-US" altLang="zh-CN" sz="1400" b="1" dirty="0" smtClean="0">
+              <a:solidFill>
+                <a:srgbClr val="FF0000"/>
+              </a:solidFill>
+            </a:endParaRPr>
+          </a:p>
+          <a:p>
+            <a:r>
+              <a:rPr lang="zh-CN" altLang="en-US" sz="1400" dirty="0" smtClean="0">
+                <a:solidFill>
+                  <a:srgbClr val="0070C0"/>
+                </a:solidFill>
+              </a:rPr>
+              <a:t>用我自己的话说就是：在主表达式开始匹配之前，先找到环视子表达式所描述的位置，对该位置前或后的内容，用环视子表达式进行匹配，当且仅当环视子表达式匹配成功后，才能开始主表达式的匹配过程。且最终匹配出的内容，仅有符合主表达式所描述模式的内容</a:t>
+            </a:r>
+            <a:r>
+              <a:rPr lang="zh-CN" altLang="en-US" sz="1400" dirty="0" smtClean="0">
+                <a:solidFill>
+                  <a:srgbClr val="0070C0"/>
+                </a:solidFill>
+              </a:rPr>
+              <a:t>。</a:t>
+            </a:r>
+            <a:endParaRPr lang="en-US" altLang="zh-CN" sz="1400" dirty="0" smtClean="0">
+              <a:solidFill>
+                <a:srgbClr val="0070C0"/>
+              </a:solidFill>
+            </a:endParaRPr>
+          </a:p>
+          <a:p>
+            <a:r>
+              <a:rPr lang="zh-CN" altLang="en-US" sz="1400" dirty="0" smtClean="0"/>
+              <a:t>在这里先对顺序</a:t>
+            </a:r>
+            <a:r>
+              <a:rPr lang="en-US" altLang="zh-CN" sz="1400" dirty="0" smtClean="0"/>
+              <a:t>/</a:t>
+            </a:r>
+            <a:r>
+              <a:rPr lang="zh-CN" altLang="en-US" sz="1400" dirty="0" smtClean="0"/>
+              <a:t>逆序</a:t>
+            </a:r>
+            <a:r>
+              <a:rPr lang="en-US" altLang="zh-CN" sz="1400" dirty="0" smtClean="0"/>
+              <a:t>+</a:t>
+            </a:r>
+            <a:r>
+              <a:rPr lang="zh-CN" altLang="en-US" sz="1400" dirty="0" smtClean="0"/>
+              <a:t>肯定</a:t>
+            </a:r>
+            <a:r>
+              <a:rPr lang="en-US" altLang="zh-CN" sz="1400" dirty="0" smtClean="0"/>
+              <a:t>/</a:t>
+            </a:r>
+            <a:r>
+              <a:rPr lang="zh-CN" altLang="en-US" sz="1400" dirty="0" smtClean="0"/>
+              <a:t>否定这</a:t>
+            </a:r>
+            <a:r>
+              <a:rPr lang="en-US" altLang="zh-CN" sz="1400" dirty="0" smtClean="0"/>
+              <a:t>4</a:t>
+            </a:r>
+            <a:r>
+              <a:rPr lang="zh-CN" altLang="en-US" sz="1400" dirty="0" smtClean="0"/>
+              <a:t>种可能出现的的情况做一个基本介绍。</a:t>
+            </a:r>
+            <a:endParaRPr lang="en-US" altLang="zh-CN" sz="1400" dirty="0" smtClean="0"/>
+          </a:p>
+          <a:p>
+            <a:r>
+              <a:rPr lang="zh-CN" altLang="en-US" sz="1400" dirty="0" smtClean="0"/>
+              <a:t>① 肯定顺序</a:t>
+            </a:r>
+            <a:r>
+              <a:rPr lang="en-US" altLang="zh-CN" sz="1400" dirty="0" smtClean="0"/>
+              <a:t>: (?=</a:t>
+            </a:r>
+            <a:r>
+              <a:rPr lang="en-US" altLang="zh-CN" sz="1400" dirty="0" err="1" smtClean="0"/>
+              <a:t>exp</a:t>
+            </a:r>
+            <a:r>
+              <a:rPr lang="en-US" altLang="zh-CN" sz="1400" dirty="0" smtClean="0"/>
+              <a:t>)</a:t>
+            </a:r>
+          </a:p>
+          <a:p>
+            <a:r>
+              <a:rPr lang="zh-CN" altLang="en-US" sz="1400" dirty="0" smtClean="0"/>
+              <a:t>② 否定顺序</a:t>
+            </a:r>
+            <a:r>
+              <a:rPr lang="en-US" altLang="zh-CN" sz="1400" dirty="0" smtClean="0"/>
+              <a:t>: (?!</a:t>
+            </a:r>
+            <a:r>
+              <a:rPr lang="en-US" altLang="zh-CN" sz="1400" dirty="0" err="1" smtClean="0"/>
+              <a:t>exp</a:t>
+            </a:r>
+            <a:r>
+              <a:rPr lang="en-US" altLang="zh-CN" sz="1400" dirty="0" smtClean="0"/>
+              <a:t>)</a:t>
+            </a:r>
+          </a:p>
+          <a:p>
+            <a:r>
+              <a:rPr lang="zh-CN" altLang="en-US" sz="1400" dirty="0" smtClean="0"/>
+              <a:t>③ 肯定逆序</a:t>
+            </a:r>
+            <a:r>
+              <a:rPr lang="en-US" altLang="zh-CN" sz="1400" dirty="0" smtClean="0"/>
+              <a:t>: (?&lt;=</a:t>
+            </a:r>
+            <a:r>
+              <a:rPr lang="en-US" altLang="zh-CN" sz="1400" dirty="0" err="1" smtClean="0"/>
+              <a:t>exp</a:t>
+            </a:r>
+            <a:r>
+              <a:rPr lang="en-US" altLang="zh-CN" sz="1400" dirty="0" smtClean="0"/>
+              <a:t>)</a:t>
+            </a:r>
+          </a:p>
+          <a:p>
+            <a:r>
+              <a:rPr lang="zh-CN" altLang="en-US" sz="1400" dirty="0" smtClean="0"/>
+              <a:t>④ 否定逆序</a:t>
+            </a:r>
+            <a:r>
+              <a:rPr lang="en-US" altLang="zh-CN" sz="1400" dirty="0" smtClean="0"/>
+              <a:t>: (?&lt;!</a:t>
+            </a:r>
+            <a:r>
+              <a:rPr lang="en-US" altLang="zh-CN" sz="1400" dirty="0" err="1" smtClean="0"/>
+              <a:t>exp</a:t>
+            </a:r>
+            <a:r>
+              <a:rPr lang="en-US" altLang="zh-CN" sz="1400" dirty="0" smtClean="0"/>
+              <a:t>)</a:t>
+            </a:r>
+            <a:endParaRPr lang="zh-CN" altLang="en-US" sz="1400" dirty="0"/>
+          </a:p>
+        </p:txBody>
+      </p:sp>
+    </p:spTree>
+    <p:extLst>
+      <p:ext uri="{BB962C8B-B14F-4D97-AF65-F5344CB8AC3E}">
+        <p14:creationId xmlns:p14="http://schemas.microsoft.com/office/powerpoint/2010/main" val="2778547650"/>
+      </p:ext>
+    </p:extLst>
+  </p:cSld>
+  <p:clrMapOvr>
+    <a:masterClrMapping/>
+  </p:clrMapOvr>
+</p:sld>
+</file>
+
+<file path=ppt/slides/slide47.xml><?xml version="1.0" encoding="utf-8"?>
+<p:sld xmlns:a="http://schemas.openxmlformats.org/drawingml/2006/main" xmlns:r="http://schemas.openxmlformats.org/officeDocument/2006/relationships" xmlns:p="http://schemas.openxmlformats.org/presentationml/2006/main">
+  <p:cSld>
+    <p:spTree>
+      <p:nvGrpSpPr>
+        <p:cNvPr id="1" name=""/>
+        <p:cNvGrpSpPr/>
+        <p:nvPr/>
+      </p:nvGrpSpPr>
+      <p:grpSpPr>
+        <a:xfrm>
+          <a:off x="0" y="0"/>
+          <a:ext cx="0" cy="0"/>
+          <a:chOff x="0" y="0"/>
+          <a:chExt cx="0" cy="0"/>
+        </a:xfrm>
+      </p:grpSpPr>
+      <p:sp>
+        <p:nvSpPr>
+          <p:cNvPr id="2" name="标题 1"/>
+          <p:cNvSpPr>
+            <a:spLocks noGrp="1"/>
+          </p:cNvSpPr>
+          <p:nvPr>
+            <p:ph type="title"/>
+          </p:nvPr>
+        </p:nvSpPr>
+        <p:spPr/>
+        <p:txBody>
+          <a:bodyPr/>
+          <a:lstStyle/>
+          <a:p>
+            <a:r>
+              <a:rPr lang="en-US" altLang="zh-CN" dirty="0"/>
+              <a:t>3.3.7 </a:t>
+            </a:r>
+            <a:r>
+              <a:rPr lang="zh-CN" altLang="en-US" dirty="0"/>
+              <a:t>环视</a:t>
+            </a:r>
+          </a:p>
+        </p:txBody>
+      </p:sp>
+      <p:sp>
+        <p:nvSpPr>
+          <p:cNvPr id="3" name="内容占位符 2"/>
+          <p:cNvSpPr>
+            <a:spLocks noGrp="1"/>
+          </p:cNvSpPr>
+          <p:nvPr>
+            <p:ph idx="1"/>
+          </p:nvPr>
+        </p:nvSpPr>
+        <p:spPr/>
+        <p:txBody>
+          <a:bodyPr>
+            <a:normAutofit/>
+          </a:bodyPr>
+          <a:lstStyle/>
+          <a:p>
+            <a:r>
+              <a:rPr lang="en-US" altLang="zh-CN" sz="1400" b="1" dirty="0"/>
+              <a:t>3.3.7.1 </a:t>
+            </a:r>
+            <a:r>
+              <a:rPr lang="zh-CN" altLang="en-US" sz="1400" b="1" dirty="0"/>
+              <a:t>顺序肯定环视</a:t>
+            </a:r>
+            <a:r>
+              <a:rPr lang="en-US" altLang="zh-CN" sz="1400" b="1" dirty="0"/>
+              <a:t>(?=</a:t>
+            </a:r>
+            <a:r>
+              <a:rPr lang="en-US" altLang="zh-CN" sz="1400" b="1" dirty="0" err="1"/>
+              <a:t>exp</a:t>
+            </a:r>
+            <a:r>
+              <a:rPr lang="en-US" altLang="zh-CN" sz="1400" b="1" dirty="0"/>
+              <a:t>)</a:t>
+            </a:r>
+          </a:p>
+          <a:p>
+            <a:r>
+              <a:rPr lang="zh-CN" altLang="en-US" sz="1400" dirty="0" smtClean="0"/>
+              <a:t>根据这个格式，可推导出公式</a:t>
+            </a:r>
+            <a:r>
+              <a:rPr lang="en-US" altLang="zh-CN" sz="1400" dirty="0" smtClean="0"/>
+              <a:t>:</a:t>
+            </a:r>
+          </a:p>
+          <a:p>
+            <a:r>
+              <a:rPr lang="en-US" altLang="zh-CN" sz="1400" dirty="0" smtClean="0"/>
+              <a:t>(?</a:t>
+            </a:r>
+            <a:r>
+              <a:rPr lang="zh-CN" altLang="en-US" sz="1400" dirty="0" smtClean="0"/>
+              <a:t>顺序</a:t>
+            </a:r>
+            <a:r>
+              <a:rPr lang="en-US" altLang="zh-CN" sz="1400" dirty="0" smtClean="0"/>
+              <a:t>/</a:t>
+            </a:r>
+            <a:r>
+              <a:rPr lang="zh-CN" altLang="en-US" sz="1400" dirty="0" smtClean="0"/>
+              <a:t>逆序 肯定</a:t>
+            </a:r>
+            <a:r>
+              <a:rPr lang="en-US" altLang="zh-CN" sz="1400" dirty="0" smtClean="0"/>
+              <a:t>/</a:t>
+            </a:r>
+            <a:r>
+              <a:rPr lang="zh-CN" altLang="en-US" sz="1400" dirty="0" smtClean="0"/>
+              <a:t>否定 </a:t>
+            </a:r>
+            <a:r>
+              <a:rPr lang="en-US" altLang="zh-CN" sz="1400" dirty="0" err="1" smtClean="0"/>
+              <a:t>exp</a:t>
+            </a:r>
+            <a:r>
+              <a:rPr lang="en-US" altLang="zh-CN" sz="1400" dirty="0" smtClean="0"/>
+              <a:t>)</a:t>
+            </a:r>
+          </a:p>
+          <a:p>
+            <a:r>
+              <a:rPr lang="zh-CN" altLang="en-US" sz="1400" dirty="0"/>
+              <a:t>四</a:t>
+            </a:r>
+            <a:r>
+              <a:rPr lang="zh-CN" altLang="en-US" sz="1400" dirty="0" smtClean="0"/>
+              <a:t>种组合的用法：</a:t>
+            </a:r>
+            <a:endParaRPr lang="en-US" altLang="zh-CN" sz="1400" dirty="0" smtClean="0"/>
+          </a:p>
+          <a:p>
+            <a:r>
+              <a:rPr lang="zh-CN" altLang="en-US" sz="1400" dirty="0" smtClean="0"/>
+              <a:t>组合的可能性为</a:t>
+            </a:r>
+            <a:r>
+              <a:rPr lang="en-US" altLang="zh-CN" sz="1400" dirty="0" smtClean="0"/>
+              <a:t>4</a:t>
+            </a:r>
+            <a:r>
+              <a:rPr lang="zh-CN" altLang="en-US" sz="1400" dirty="0" smtClean="0"/>
+              <a:t>种，根据正则与环视的位置不同，又可以组合出来</a:t>
+            </a:r>
+            <a:r>
+              <a:rPr lang="en-US" altLang="zh-CN" sz="1400" dirty="0" smtClean="0"/>
+              <a:t>8</a:t>
+            </a:r>
+            <a:r>
+              <a:rPr lang="zh-CN" altLang="en-US" sz="1400" dirty="0" smtClean="0"/>
+              <a:t>种不同的摆放方式。</a:t>
+            </a:r>
+            <a:endParaRPr lang="en-US" altLang="zh-CN" sz="1400" dirty="0" smtClean="0"/>
+          </a:p>
+          <a:p>
+            <a:r>
+              <a:rPr lang="zh-CN" altLang="en-US" sz="1400" dirty="0" smtClean="0"/>
+              <a:t>一般来讲：</a:t>
+            </a:r>
+            <a:endParaRPr lang="en-US" altLang="zh-CN" sz="1400" dirty="0" smtClean="0"/>
+          </a:p>
+          <a:p>
+            <a:r>
+              <a:rPr lang="zh-CN" altLang="en-US" sz="1400" dirty="0" smtClean="0"/>
+              <a:t>顺序的环视，放在正则后面，被认为是常规用法。而放在正则前面，对正则本身的匹配就起到了限制，则被认为是变种的用法；</a:t>
+            </a:r>
+            <a:endParaRPr lang="en-US" altLang="zh-CN" sz="1400" dirty="0" smtClean="0"/>
+          </a:p>
+          <a:p>
+            <a:r>
+              <a:rPr lang="zh-CN" altLang="en-US" sz="1400" dirty="0" smtClean="0"/>
+              <a:t>逆序的环视，放在正则前面，被认为是常规用法。而放在正则后面，对正则本身的匹配也起到了限制，则被认为是变种的用法；</a:t>
+            </a:r>
+            <a:endParaRPr lang="en-US" altLang="zh-CN" sz="1400" dirty="0" smtClean="0"/>
+          </a:p>
+          <a:p>
+            <a:r>
+              <a:rPr lang="zh-CN" altLang="en-US" sz="1400" dirty="0"/>
+              <a:t>举几</a:t>
+            </a:r>
+            <a:r>
+              <a:rPr lang="zh-CN" altLang="en-US" sz="1400" dirty="0" smtClean="0"/>
+              <a:t>个例子来说明这个概念：</a:t>
+            </a:r>
+            <a:endParaRPr lang="en-US" altLang="zh-CN" sz="1400" dirty="0" smtClean="0"/>
+          </a:p>
+          <a:p>
+            <a:r>
+              <a:rPr lang="zh-CN" altLang="en-US" sz="1400" dirty="0" smtClean="0"/>
+              <a:t>① 肯定顺序常规：</a:t>
+            </a:r>
+            <a:r>
+              <a:rPr lang="en-US" altLang="zh-CN" sz="1400" dirty="0" smtClean="0"/>
+              <a:t>[a-z]+(?=;)			a-z</a:t>
+            </a:r>
+            <a:r>
+              <a:rPr lang="zh-CN" altLang="en-US" sz="1400" dirty="0" smtClean="0"/>
+              <a:t>的字母序列后面必须以</a:t>
+            </a:r>
+            <a:r>
+              <a:rPr lang="en-US" altLang="zh-CN" sz="1400" dirty="0" smtClean="0"/>
+              <a:t>;</a:t>
+            </a:r>
+            <a:r>
+              <a:rPr lang="zh-CN" altLang="en-US" sz="1400" dirty="0" smtClean="0"/>
+              <a:t>结尾</a:t>
+            </a:r>
+            <a:endParaRPr lang="en-US" altLang="zh-CN" sz="1400" dirty="0" smtClean="0"/>
+          </a:p>
+          <a:p>
+            <a:r>
+              <a:rPr lang="zh-CN" altLang="en-US" sz="1400" dirty="0" smtClean="0"/>
+              <a:t>② 肯定顺序变种</a:t>
+            </a:r>
+            <a:r>
+              <a:rPr lang="zh-CN" altLang="en-US" sz="1400" dirty="0" smtClean="0">
+                <a:sym typeface="Wingdings" panose="05000000000000000000" pitchFamily="2" charset="2"/>
+              </a:rPr>
+              <a:t>：</a:t>
+            </a:r>
+            <a:r>
+              <a:rPr lang="en-US" altLang="zh-CN" sz="1400" dirty="0" smtClean="0">
+                <a:sym typeface="Wingdings" panose="05000000000000000000" pitchFamily="2" charset="2"/>
+              </a:rPr>
+              <a:t>(?=[a-z]+$).+$		</a:t>
+            </a:r>
+            <a:r>
+              <a:rPr lang="zh-CN" altLang="en-US" sz="1400" dirty="0" smtClean="0">
+                <a:sym typeface="Wingdings" panose="05000000000000000000" pitchFamily="2" charset="2"/>
+              </a:rPr>
+              <a:t>从</a:t>
+            </a:r>
+            <a:r>
+              <a:rPr lang="en-US" altLang="zh-CN" sz="1400" dirty="0" smtClean="0">
+                <a:sym typeface="Wingdings" panose="05000000000000000000" pitchFamily="2" charset="2"/>
+              </a:rPr>
+              <a:t>”.”</a:t>
+            </a:r>
+            <a:r>
+              <a:rPr lang="zh-CN" altLang="en-US" sz="1400" dirty="0" smtClean="0">
+                <a:sym typeface="Wingdings" panose="05000000000000000000" pitchFamily="2" charset="2"/>
+              </a:rPr>
+              <a:t>这个除换行符外的任何字符均可通过匹</a:t>
+            </a:r>
+            <a:r>
+              <a:rPr lang="en-US" altLang="zh-CN" sz="1400" dirty="0" smtClean="0">
+                <a:sym typeface="Wingdings" panose="05000000000000000000" pitchFamily="2" charset="2"/>
+              </a:rPr>
+              <a:t>					</a:t>
+            </a:r>
+            <a:r>
+              <a:rPr lang="zh-CN" altLang="en-US" sz="1400" dirty="0" smtClean="0">
+                <a:sym typeface="Wingdings" panose="05000000000000000000" pitchFamily="2" charset="2"/>
+              </a:rPr>
+              <a:t>配的大概念中，筛选出子集仅有字母序列能</a:t>
+            </a:r>
+            <a:r>
+              <a:rPr lang="en-US" altLang="zh-CN" sz="1400" dirty="0" smtClean="0">
+                <a:sym typeface="Wingdings" panose="05000000000000000000" pitchFamily="2" charset="2"/>
+              </a:rPr>
+              <a:t>					</a:t>
+            </a:r>
+            <a:r>
+              <a:rPr lang="zh-CN" altLang="en-US" sz="1400" dirty="0" smtClean="0">
+                <a:sym typeface="Wingdings" panose="05000000000000000000" pitchFamily="2" charset="2"/>
+              </a:rPr>
+              <a:t>够通过匹配</a:t>
+            </a:r>
+            <a:endParaRPr lang="en-US" altLang="zh-CN" sz="1400" dirty="0" smtClean="0">
+              <a:sym typeface="Wingdings" panose="05000000000000000000" pitchFamily="2" charset="2"/>
+            </a:endParaRPr>
+          </a:p>
+          <a:p>
+            <a:r>
+              <a:rPr lang="zh-CN" altLang="en-US" sz="1400" dirty="0" smtClean="0">
+                <a:sym typeface="Wingdings" panose="05000000000000000000" pitchFamily="2" charset="2"/>
+              </a:rPr>
+              <a:t>③ 肯定逆序常规：</a:t>
+            </a:r>
+            <a:r>
+              <a:rPr lang="en-US" altLang="zh-CN" sz="1400" dirty="0" smtClean="0">
+                <a:sym typeface="Wingdings" panose="05000000000000000000" pitchFamily="2" charset="2"/>
+              </a:rPr>
+              <a:t>(?&lt;=:)[0-9]+			:</a:t>
+            </a:r>
+            <a:r>
+              <a:rPr lang="zh-CN" altLang="en-US" sz="1400" dirty="0" smtClean="0">
+                <a:sym typeface="Wingdings" panose="05000000000000000000" pitchFamily="2" charset="2"/>
+              </a:rPr>
+              <a:t>后面的数字序列</a:t>
+            </a:r>
+            <a:endParaRPr lang="en-US" altLang="zh-CN" sz="1400" dirty="0" smtClean="0">
+              <a:sym typeface="Wingdings" panose="05000000000000000000" pitchFamily="2" charset="2"/>
+            </a:endParaRPr>
+          </a:p>
+          <a:p>
+            <a:r>
+              <a:rPr lang="zh-CN" altLang="en-US" sz="1400" dirty="0" smtClean="0">
+                <a:sym typeface="Wingdings" panose="05000000000000000000" pitchFamily="2" charset="2"/>
+              </a:rPr>
+              <a:t>④ 肯定逆序变种：</a:t>
+            </a:r>
+            <a:r>
+              <a:rPr lang="en-US" altLang="zh-CN" sz="1400" dirty="0" smtClean="0">
+                <a:sym typeface="Wingdings" panose="05000000000000000000" pitchFamily="2" charset="2"/>
+              </a:rPr>
+              <a:t>\b[0-9]\b(?&lt;=[13579])		</a:t>
+            </a:r>
+            <a:r>
+              <a:rPr lang="zh-CN" altLang="en-US" sz="1400" dirty="0" smtClean="0">
+                <a:sym typeface="Wingdings" panose="05000000000000000000" pitchFamily="2" charset="2"/>
+              </a:rPr>
+              <a:t>从</a:t>
+            </a:r>
+            <a:r>
+              <a:rPr lang="en-US" altLang="zh-CN" sz="1400" dirty="0" smtClean="0">
+                <a:sym typeface="Wingdings" panose="05000000000000000000" pitchFamily="2" charset="2"/>
+              </a:rPr>
+              <a:t>0-9</a:t>
+            </a:r>
+            <a:r>
+              <a:rPr lang="zh-CN" altLang="en-US" sz="1400" dirty="0" smtClean="0">
+                <a:sym typeface="Wingdings" panose="05000000000000000000" pitchFamily="2" charset="2"/>
+              </a:rPr>
+              <a:t>这个大概念中，筛选出数字为</a:t>
+            </a:r>
+            <a:r>
+              <a:rPr lang="en-US" altLang="zh-CN" sz="1400" dirty="0" smtClean="0">
+                <a:sym typeface="Wingdings" panose="05000000000000000000" pitchFamily="2" charset="2"/>
+              </a:rPr>
+              <a:t>13579</a:t>
+            </a:r>
+            <a:r>
+              <a:rPr lang="zh-CN" altLang="en-US" sz="1400" dirty="0" smtClean="0">
+                <a:sym typeface="Wingdings" panose="05000000000000000000" pitchFamily="2" charset="2"/>
+              </a:rPr>
+              <a:t>中</a:t>
+            </a:r>
+            <a:r>
+              <a:rPr lang="en-US" altLang="zh-CN" sz="1400" dirty="0" smtClean="0">
+                <a:sym typeface="Wingdings" panose="05000000000000000000" pitchFamily="2" charset="2"/>
+              </a:rPr>
+              <a:t>					</a:t>
+            </a:r>
+            <a:r>
+              <a:rPr lang="zh-CN" altLang="en-US" sz="1400" dirty="0" smtClean="0">
+                <a:sym typeface="Wingdings" panose="05000000000000000000" pitchFamily="2" charset="2"/>
+              </a:rPr>
+              <a:t>的一个，也就是说环视对正则产生了影响</a:t>
+            </a:r>
+            <a:endParaRPr lang="zh-CN" altLang="en-US" sz="1400" dirty="0"/>
+          </a:p>
+        </p:txBody>
+      </p:sp>
+    </p:spTree>
+    <p:extLst>
+      <p:ext uri="{BB962C8B-B14F-4D97-AF65-F5344CB8AC3E}">
+        <p14:creationId xmlns:p14="http://schemas.microsoft.com/office/powerpoint/2010/main" val="4049810924"/>
+      </p:ext>
+    </p:extLst>
+  </p:cSld>
+  <p:clrMapOvr>
+    <a:masterClrMapping/>
+  </p:clrMapOvr>
+</p:sld>
+</file>
+
+<file path=ppt/slides/slide48.xml><?xml version="1.0" encoding="utf-8"?>
+<p:sld xmlns:a="http://schemas.openxmlformats.org/drawingml/2006/main" xmlns:r="http://schemas.openxmlformats.org/officeDocument/2006/relationships" xmlns:p="http://schemas.openxmlformats.org/presentationml/2006/main">
+  <p:cSld>
+    <p:spTree>
+      <p:nvGrpSpPr>
+        <p:cNvPr id="1" name=""/>
+        <p:cNvGrpSpPr/>
+        <p:nvPr/>
+      </p:nvGrpSpPr>
+      <p:grpSpPr>
+        <a:xfrm>
+          <a:off x="0" y="0"/>
+          <a:ext cx="0" cy="0"/>
+          <a:chOff x="0" y="0"/>
+          <a:chExt cx="0" cy="0"/>
+        </a:xfrm>
+      </p:grpSpPr>
+      <p:sp>
+        <p:nvSpPr>
+          <p:cNvPr id="2" name="标题 1"/>
+          <p:cNvSpPr>
+            <a:spLocks noGrp="1"/>
+          </p:cNvSpPr>
+          <p:nvPr>
+            <p:ph type="title"/>
+          </p:nvPr>
+        </p:nvSpPr>
+        <p:spPr/>
+        <p:txBody>
+          <a:bodyPr/>
+          <a:lstStyle/>
+          <a:p>
+            <a:r>
+              <a:rPr lang="en-US" altLang="zh-CN" dirty="0"/>
+              <a:t>3.3.7 </a:t>
+            </a:r>
+            <a:r>
+              <a:rPr lang="zh-CN" altLang="en-US" dirty="0"/>
+              <a:t>环视</a:t>
+            </a:r>
+          </a:p>
+        </p:txBody>
+      </p:sp>
+      <p:sp>
+        <p:nvSpPr>
+          <p:cNvPr id="3" name="内容占位符 2"/>
+          <p:cNvSpPr>
+            <a:spLocks noGrp="1"/>
+          </p:cNvSpPr>
+          <p:nvPr>
+            <p:ph idx="1"/>
+          </p:nvPr>
+        </p:nvSpPr>
+        <p:spPr/>
+        <p:txBody>
+          <a:bodyPr>
+            <a:normAutofit/>
+          </a:bodyPr>
+          <a:lstStyle/>
+          <a:p>
+            <a:r>
+              <a:rPr lang="en-US" altLang="zh-CN" sz="1400" b="1" dirty="0"/>
+              <a:t>3.3.7.1 </a:t>
+            </a:r>
+            <a:r>
+              <a:rPr lang="zh-CN" altLang="en-US" sz="1400" b="1" dirty="0"/>
+              <a:t>顺序肯定环视</a:t>
+            </a:r>
+            <a:r>
+              <a:rPr lang="en-US" altLang="zh-CN" sz="1400" b="1" dirty="0"/>
+              <a:t>(?=</a:t>
+            </a:r>
+            <a:r>
+              <a:rPr lang="en-US" altLang="zh-CN" sz="1400" b="1" dirty="0" err="1"/>
+              <a:t>exp</a:t>
+            </a:r>
+            <a:r>
+              <a:rPr lang="en-US" altLang="zh-CN" sz="1400" b="1" dirty="0"/>
+              <a:t>)</a:t>
+            </a:r>
+          </a:p>
+          <a:p>
+            <a:r>
+              <a:rPr lang="zh-CN" altLang="en-US" sz="1400" dirty="0" smtClean="0"/>
+              <a:t>⑤ 否定顺序常规：</a:t>
+            </a:r>
+            <a:r>
+              <a:rPr lang="en-US" altLang="zh-CN" sz="1400" dirty="0" smtClean="0"/>
+              <a:t>[a-z]+\b(?!;)			</a:t>
+            </a:r>
+            <a:r>
+              <a:rPr lang="zh-CN" altLang="en-US" sz="1400" dirty="0" smtClean="0"/>
+              <a:t>不以</a:t>
+            </a:r>
+            <a:r>
+              <a:rPr lang="en-US" altLang="zh-CN" sz="1400" dirty="0" smtClean="0"/>
+              <a:t>;</a:t>
+            </a:r>
+            <a:r>
+              <a:rPr lang="zh-CN" altLang="en-US" sz="1400" dirty="0" smtClean="0"/>
+              <a:t>结尾的字母序列</a:t>
+            </a:r>
+            <a:endParaRPr lang="en-US" altLang="zh-CN" sz="1400" dirty="0" smtClean="0"/>
+          </a:p>
+          <a:p>
+            <a:r>
+              <a:rPr lang="zh-CN" altLang="en-US" sz="1400" dirty="0" smtClean="0"/>
+              <a:t>⑥ 否定逆序变种</a:t>
+            </a:r>
+            <a:r>
+              <a:rPr lang="zh-CN" altLang="en-US" sz="1400" dirty="0" smtClean="0">
+                <a:sym typeface="Wingdings" panose="05000000000000000000" pitchFamily="2" charset="2"/>
+              </a:rPr>
+              <a:t>：</a:t>
+            </a:r>
+            <a:r>
+              <a:rPr lang="en-US" altLang="zh-CN" sz="1400" dirty="0" smtClean="0">
+                <a:sym typeface="Wingdings" panose="05000000000000000000" pitchFamily="2" charset="2"/>
+              </a:rPr>
+              <a:t>(?!.*?[lo0])\b[a-z0-9]+\b		</a:t>
+            </a:r>
+            <a:r>
+              <a:rPr lang="zh-CN" altLang="en-US" sz="1400" dirty="0" smtClean="0">
+                <a:sym typeface="Wingdings" panose="05000000000000000000" pitchFamily="2" charset="2"/>
+              </a:rPr>
+              <a:t>不包含</a:t>
+            </a:r>
+            <a:r>
+              <a:rPr lang="en-US" altLang="zh-CN" sz="1400" dirty="0" smtClean="0">
+                <a:sym typeface="Wingdings" panose="05000000000000000000" pitchFamily="2" charset="2"/>
+              </a:rPr>
+              <a:t>l/o/0</a:t>
+            </a:r>
+            <a:r>
+              <a:rPr lang="zh-CN" altLang="en-US" sz="1400" dirty="0" smtClean="0">
+                <a:sym typeface="Wingdings" panose="05000000000000000000" pitchFamily="2" charset="2"/>
+              </a:rPr>
+              <a:t>的字母数字序列。如果没有环视，</a:t>
+            </a:r>
+            <a:r>
+              <a:rPr lang="en-US" altLang="zh-CN" sz="1400" dirty="0" smtClean="0">
+                <a:sym typeface="Wingdings" panose="05000000000000000000" pitchFamily="2" charset="2"/>
+              </a:rPr>
+              <a:t>				                     </a:t>
+            </a:r>
+            <a:r>
+              <a:rPr lang="zh-CN" altLang="en-US" sz="1400" dirty="0" smtClean="0">
+                <a:sym typeface="Wingdings" panose="05000000000000000000" pitchFamily="2" charset="2"/>
+              </a:rPr>
+              <a:t>则所有字母数字序列均可</a:t>
+            </a:r>
+            <a:endParaRPr lang="en-US" altLang="zh-CN" sz="1400" dirty="0" smtClean="0">
+              <a:sym typeface="Wingdings" panose="05000000000000000000" pitchFamily="2" charset="2"/>
+            </a:endParaRPr>
+          </a:p>
+          <a:p>
+            <a:r>
+              <a:rPr lang="zh-CN" altLang="en-US" sz="1400" dirty="0" smtClean="0">
+                <a:sym typeface="Wingdings" panose="05000000000000000000" pitchFamily="2" charset="2"/>
+              </a:rPr>
+              <a:t>⑦ 否定逆序常规：</a:t>
+            </a:r>
+            <a:r>
+              <a:rPr lang="en-US" altLang="zh-CN" sz="1400" dirty="0" smtClean="0">
+                <a:sym typeface="Wingdings" panose="05000000000000000000" pitchFamily="2" charset="2"/>
+              </a:rPr>
+              <a:t>(?&lt;!age)=([0-9]+)		</a:t>
+            </a:r>
+            <a:r>
+              <a:rPr lang="zh-CN" altLang="en-US" sz="1400" dirty="0" smtClean="0">
+                <a:sym typeface="Wingdings" panose="05000000000000000000" pitchFamily="2" charset="2"/>
+              </a:rPr>
+              <a:t>参数名不为</a:t>
+            </a:r>
+            <a:r>
+              <a:rPr lang="en-US" altLang="zh-CN" sz="1400" dirty="0" smtClean="0">
+                <a:sym typeface="Wingdings" panose="05000000000000000000" pitchFamily="2" charset="2"/>
+              </a:rPr>
+              <a:t>age</a:t>
+            </a:r>
+            <a:r>
+              <a:rPr lang="zh-CN" altLang="en-US" sz="1400" dirty="0" smtClean="0">
+                <a:sym typeface="Wingdings" panose="05000000000000000000" pitchFamily="2" charset="2"/>
+              </a:rPr>
+              <a:t>的参数值</a:t>
+            </a:r>
+            <a:endParaRPr lang="en-US" altLang="zh-CN" sz="1400" dirty="0" smtClean="0">
+              <a:sym typeface="Wingdings" panose="05000000000000000000" pitchFamily="2" charset="2"/>
+            </a:endParaRPr>
+          </a:p>
+          <a:p>
+            <a:r>
+              <a:rPr lang="zh-CN" altLang="en-US" sz="1400" dirty="0" smtClean="0">
+                <a:sym typeface="Wingdings" panose="05000000000000000000" pitchFamily="2" charset="2"/>
+              </a:rPr>
+              <a:t>⑧ 否定逆序变种：</a:t>
+            </a:r>
+            <a:r>
+              <a:rPr lang="en-US" altLang="zh-CN" sz="1400" dirty="0" smtClean="0">
+                <a:sym typeface="Wingdings" panose="05000000000000000000" pitchFamily="2" charset="2"/>
+              </a:rPr>
+              <a:t>\b[a-z]+(?&lt;!z)\b		</a:t>
+            </a:r>
+            <a:r>
+              <a:rPr lang="zh-CN" altLang="en-US" sz="1400" dirty="0" smtClean="0">
+                <a:sym typeface="Wingdings" panose="05000000000000000000" pitchFamily="2" charset="2"/>
+              </a:rPr>
+              <a:t>不以</a:t>
+            </a:r>
+            <a:r>
+              <a:rPr lang="en-US" altLang="zh-CN" sz="1400" dirty="0" smtClean="0">
+                <a:sym typeface="Wingdings" panose="05000000000000000000" pitchFamily="2" charset="2"/>
+              </a:rPr>
+              <a:t>z</a:t>
+            </a:r>
+            <a:r>
+              <a:rPr lang="zh-CN" altLang="en-US" sz="1400" dirty="0" smtClean="0">
+                <a:sym typeface="Wingdings" panose="05000000000000000000" pitchFamily="2" charset="2"/>
+              </a:rPr>
+              <a:t>结尾的字母序列</a:t>
+            </a:r>
+            <a:endParaRPr lang="en-US" altLang="zh-CN" sz="1400" dirty="0" smtClean="0">
+              <a:sym typeface="Wingdings" panose="05000000000000000000" pitchFamily="2" charset="2"/>
+            </a:endParaRPr>
+          </a:p>
+          <a:p>
+            <a:r>
+              <a:rPr lang="en-US" altLang="zh-CN" sz="1400" b="1" dirty="0" smtClean="0"/>
+              <a:t>1</a:t>
+            </a:r>
+            <a:r>
+              <a:rPr lang="en-US" altLang="zh-CN" sz="1400" b="1" dirty="0"/>
+              <a:t>) </a:t>
+            </a:r>
+            <a:r>
+              <a:rPr lang="zh-CN" altLang="en-US" sz="1400" b="1" dirty="0"/>
+              <a:t>顺序肯定环视常规</a:t>
+            </a:r>
+            <a:r>
+              <a:rPr lang="zh-CN" altLang="en-US" sz="1400" b="1" dirty="0" smtClean="0"/>
+              <a:t>用法</a:t>
+            </a:r>
+            <a:endParaRPr lang="en-US" altLang="zh-CN" sz="1400" b="1" dirty="0" smtClean="0"/>
+          </a:p>
+          <a:p>
+            <a:r>
+              <a:rPr lang="zh-CN" altLang="en-US" sz="1400" dirty="0" smtClean="0"/>
+              <a:t>所谓常规用法，主要指正则匹配部分位于肯定顺序环视左侧，如：</a:t>
+            </a:r>
+            <a:r>
+              <a:rPr lang="en-US" altLang="zh-CN" sz="1400" dirty="0" smtClean="0"/>
+              <a:t>test(?=\.</a:t>
+            </a:r>
+            <a:r>
+              <a:rPr lang="en-US" altLang="zh-CN" sz="1400" dirty="0" err="1" smtClean="0"/>
+              <a:t>php</a:t>
+            </a:r>
+            <a:r>
+              <a:rPr lang="en-US" altLang="zh-CN" sz="1400" dirty="0" smtClean="0"/>
+              <a:t>)</a:t>
+            </a:r>
+            <a:r>
+              <a:rPr lang="zh-CN" altLang="en-US" sz="1400" dirty="0" smtClean="0"/>
+              <a:t>，用于匹配后缀为</a:t>
+            </a:r>
+            <a:r>
+              <a:rPr lang="en-US" altLang="zh-CN" sz="1400" dirty="0" smtClean="0"/>
+              <a:t>.</a:t>
+            </a:r>
+            <a:r>
+              <a:rPr lang="en-US" altLang="zh-CN" sz="1400" dirty="0" err="1" smtClean="0"/>
+              <a:t>php</a:t>
+            </a:r>
+            <a:r>
+              <a:rPr lang="zh-CN" altLang="en-US" sz="1400" dirty="0" smtClean="0"/>
+              <a:t>的</a:t>
+            </a:r>
+            <a:r>
+              <a:rPr lang="en-US" altLang="zh-CN" sz="1400" dirty="0" smtClean="0"/>
+              <a:t>test</a:t>
+            </a:r>
+            <a:r>
+              <a:rPr lang="zh-CN" altLang="en-US" sz="1400" dirty="0" smtClean="0"/>
+              <a:t>文件</a:t>
+            </a:r>
+            <a:endParaRPr lang="en-US" altLang="zh-CN" sz="1400" dirty="0" smtClean="0"/>
+          </a:p>
+          <a:p>
+            <a:r>
+              <a:rPr lang="zh-CN" altLang="en-US" sz="1400" dirty="0" smtClean="0"/>
+              <a:t>例</a:t>
+            </a:r>
+            <a:r>
+              <a:rPr lang="en-US" altLang="zh-CN" sz="1400" dirty="0" smtClean="0"/>
+              <a:t>:</a:t>
+            </a:r>
+          </a:p>
+          <a:p>
+            <a:r>
+              <a:rPr lang="zh-CN" altLang="en-US" sz="1400" dirty="0"/>
+              <a:t>源</a:t>
+            </a:r>
+            <a:r>
+              <a:rPr lang="zh-CN" altLang="en-US" sz="1400" dirty="0" smtClean="0"/>
+              <a:t>字符串</a:t>
+            </a:r>
+            <a:endParaRPr lang="en-US" altLang="zh-CN" sz="1400" dirty="0" smtClean="0"/>
+          </a:p>
+          <a:p>
+            <a:r>
+              <a:rPr lang="en-US" altLang="zh-CN" sz="1400" dirty="0"/>
+              <a:t>notexefile1.txt </a:t>
+            </a:r>
+            <a:endParaRPr lang="en-US" altLang="zh-CN" sz="1400" dirty="0" smtClean="0"/>
+          </a:p>
+          <a:p>
+            <a:r>
+              <a:rPr lang="en-US" altLang="zh-CN" sz="1400" dirty="0" smtClean="0"/>
+              <a:t>exefile1.exe </a:t>
+            </a:r>
+          </a:p>
+          <a:p>
+            <a:r>
+              <a:rPr lang="en-US" altLang="zh-CN" sz="1400" dirty="0" smtClean="0"/>
+              <a:t>exefile2.exe </a:t>
+            </a:r>
+          </a:p>
+          <a:p>
+            <a:r>
+              <a:rPr lang="en-US" altLang="zh-CN" sz="1400" dirty="0" smtClean="0"/>
+              <a:t>exefile3.exe </a:t>
+            </a:r>
+          </a:p>
+          <a:p>
+            <a:r>
+              <a:rPr lang="en-US" altLang="zh-CN" sz="1400" dirty="0" smtClean="0"/>
+              <a:t>notexefile2.php </a:t>
+            </a:r>
+          </a:p>
+          <a:p>
+            <a:r>
+              <a:rPr lang="en-US" altLang="zh-CN" sz="1400" dirty="0" smtClean="0"/>
+              <a:t>notexefile3.sh</a:t>
+            </a:r>
+            <a:endParaRPr lang="en-US" altLang="zh-CN" sz="1400" dirty="0"/>
+          </a:p>
+        </p:txBody>
+      </p:sp>
+    </p:spTree>
+    <p:extLst>
+      <p:ext uri="{BB962C8B-B14F-4D97-AF65-F5344CB8AC3E}">
+        <p14:creationId xmlns:p14="http://schemas.microsoft.com/office/powerpoint/2010/main" val="2722131554"/>
+      </p:ext>
+    </p:extLst>
+  </p:cSld>
+  <p:clrMapOvr>
+    <a:masterClrMapping/>
+  </p:clrMapOvr>
+</p:sld>
+</file>
+
+<file path=ppt/slides/slide49.xml><?xml version="1.0" encoding="utf-8"?>
+<p:sld xmlns:a="http://schemas.openxmlformats.org/drawingml/2006/main" xmlns:r="http://schemas.openxmlformats.org/officeDocument/2006/relationships" xmlns:p="http://schemas.openxmlformats.org/presentationml/2006/main">
+  <p:cSld>
+    <p:spTree>
+      <p:nvGrpSpPr>
+        <p:cNvPr id="1" name=""/>
+        <p:cNvGrpSpPr/>
+        <p:nvPr/>
+      </p:nvGrpSpPr>
+      <p:grpSpPr>
+        <a:xfrm>
+          <a:off x="0" y="0"/>
+          <a:ext cx="0" cy="0"/>
+          <a:chOff x="0" y="0"/>
+          <a:chExt cx="0" cy="0"/>
+        </a:xfrm>
+      </p:grpSpPr>
+      <p:sp>
+        <p:nvSpPr>
+          <p:cNvPr id="2" name="标题 1"/>
+          <p:cNvSpPr>
+            <a:spLocks noGrp="1"/>
+          </p:cNvSpPr>
+          <p:nvPr>
+            <p:ph type="title"/>
+          </p:nvPr>
+        </p:nvSpPr>
+        <p:spPr/>
+        <p:txBody>
+          <a:bodyPr/>
+          <a:lstStyle/>
+          <a:p>
+            <a:r>
+              <a:rPr lang="en-US" altLang="zh-CN" dirty="0"/>
+              <a:t>3.3.7 </a:t>
+            </a:r>
+            <a:r>
+              <a:rPr lang="zh-CN" altLang="en-US" dirty="0"/>
+              <a:t>环视</a:t>
+            </a:r>
+          </a:p>
+        </p:txBody>
+      </p:sp>
+      <p:sp>
+        <p:nvSpPr>
+          <p:cNvPr id="3" name="内容占位符 2"/>
+          <p:cNvSpPr>
+            <a:spLocks noGrp="1"/>
+          </p:cNvSpPr>
+          <p:nvPr>
+            <p:ph idx="1"/>
+          </p:nvPr>
+        </p:nvSpPr>
+        <p:spPr/>
+        <p:txBody>
+          <a:bodyPr>
+            <a:normAutofit/>
+          </a:bodyPr>
+          <a:lstStyle/>
+          <a:p>
+            <a:r>
+              <a:rPr lang="en-US" altLang="zh-CN" sz="1400" b="1" dirty="0"/>
+              <a:t>3.3.7.1 </a:t>
+            </a:r>
+            <a:r>
+              <a:rPr lang="zh-CN" altLang="en-US" sz="1400" b="1" dirty="0"/>
+              <a:t>顺序肯定环视</a:t>
+            </a:r>
+            <a:r>
+              <a:rPr lang="en-US" altLang="zh-CN" sz="1400" b="1" dirty="0"/>
+              <a:t>(?=</a:t>
+            </a:r>
+            <a:r>
+              <a:rPr lang="en-US" altLang="zh-CN" sz="1400" b="1" dirty="0" err="1"/>
+              <a:t>exp</a:t>
+            </a:r>
+            <a:r>
+              <a:rPr lang="en-US" altLang="zh-CN" sz="1400" b="1" dirty="0" smtClean="0"/>
+              <a:t>)</a:t>
+            </a:r>
+          </a:p>
+          <a:p>
+            <a:r>
+              <a:rPr lang="zh-CN" altLang="en-US" sz="1400" dirty="0" smtClean="0"/>
+              <a:t>需求</a:t>
+            </a:r>
+            <a:r>
+              <a:rPr lang="en-US" altLang="zh-CN" sz="1400" dirty="0" smtClean="0"/>
+              <a:t>:</a:t>
+            </a:r>
+            <a:r>
+              <a:rPr lang="zh-CN" altLang="en-US" sz="1400" dirty="0" smtClean="0"/>
+              <a:t>获取后缀为</a:t>
+            </a:r>
+            <a:r>
+              <a:rPr lang="en-US" altLang="zh-CN" sz="1400" dirty="0" smtClean="0"/>
+              <a:t>.exe</a:t>
+            </a:r>
+            <a:r>
+              <a:rPr lang="zh-CN" altLang="en-US" sz="1400" dirty="0" smtClean="0"/>
+              <a:t>的文件名</a:t>
+            </a:r>
+            <a:r>
+              <a:rPr lang="en-US" altLang="zh-CN" sz="1400" dirty="0" smtClean="0"/>
+              <a:t>(</a:t>
+            </a:r>
+            <a:r>
+              <a:rPr lang="zh-CN" altLang="en-US" sz="1400" dirty="0" smtClean="0"/>
+              <a:t>不含后缀</a:t>
+            </a:r>
+            <a:r>
+              <a:rPr lang="en-US" altLang="zh-CN" sz="1400" dirty="0" smtClean="0"/>
+              <a:t>.exe)</a:t>
+            </a:r>
+          </a:p>
+          <a:p>
+            <a:r>
+              <a:rPr lang="zh-CN" altLang="en-US" sz="1400" dirty="0" smtClean="0"/>
+              <a:t>我的思考</a:t>
+            </a:r>
+            <a:endParaRPr lang="en-US" altLang="zh-CN" sz="1400" dirty="0" smtClean="0"/>
+          </a:p>
+          <a:p>
+            <a:r>
+              <a:rPr lang="en-US" altLang="zh-CN" sz="1400" dirty="0" smtClean="0"/>
+              <a:t>\</a:t>
+            </a:r>
+            <a:r>
+              <a:rPr lang="en-US" altLang="zh-CN" sz="1400" dirty="0"/>
+              <a:t>b\w+\b(?=\.exe</a:t>
+            </a:r>
+            <a:r>
+              <a:rPr lang="en-US" altLang="zh-CN" sz="1400" dirty="0" smtClean="0"/>
+              <a:t>)</a:t>
+            </a:r>
+          </a:p>
+          <a:p>
+            <a:r>
+              <a:rPr lang="zh-CN" altLang="en-US" sz="1400" dirty="0" smtClean="0"/>
+              <a:t>网上答案</a:t>
+            </a:r>
+            <a:endParaRPr lang="en-US" altLang="zh-CN" sz="1400" dirty="0" smtClean="0"/>
+          </a:p>
+          <a:p>
+            <a:r>
+              <a:rPr lang="en-US" altLang="zh-CN" sz="1400" dirty="0"/>
+              <a:t>.+(?=\.exe</a:t>
+            </a:r>
+            <a:r>
+              <a:rPr lang="en-US" altLang="zh-CN" sz="1400" dirty="0" smtClean="0"/>
+              <a:t>)</a:t>
+            </a:r>
+          </a:p>
+          <a:p>
+            <a:r>
+              <a:rPr lang="zh-CN" altLang="en-US" sz="1400" dirty="0" smtClean="0"/>
+              <a:t>都是可以的。正则和源字符串见</a:t>
+            </a:r>
+            <a:r>
+              <a:rPr lang="en-US" altLang="zh-CN" sz="1400" dirty="0" smtClean="0"/>
+              <a:t>regularExpression13.log</a:t>
+            </a:r>
+            <a:endParaRPr lang="en-US" altLang="zh-CN" sz="1400" dirty="0"/>
+          </a:p>
+        </p:txBody>
+      </p:sp>
+      <p:pic>
+        <p:nvPicPr>
+          <p:cNvPr id="1026" name="Picture 2"/>
+          <p:cNvPicPr>
+            <a:picLocks noChangeAspect="1" noChangeArrowheads="1"/>
+          </p:cNvPicPr>
+          <p:nvPr/>
+        </p:nvPicPr>
+        <p:blipFill>
+          <a:blip r:embed="rId2">
+            <a:extLst>
+              <a:ext uri="{28A0092B-C50C-407E-A947-70E740481C1C}">
+                <a14:useLocalDpi xmlns:a14="http://schemas.microsoft.com/office/drawing/2010/main" val="0"/>
+              </a:ext>
+            </a:extLst>
+          </a:blip>
+          <a:srcRect/>
+          <a:stretch>
+            <a:fillRect/>
+          </a:stretch>
+        </p:blipFill>
+        <p:spPr bwMode="auto">
+          <a:xfrm>
+            <a:off x="-8039" y="3645024"/>
+            <a:ext cx="5791200" cy="4724400"/>
+          </a:xfrm>
+          <a:prstGeom prst="rect">
+            <a:avLst/>
+          </a:prstGeom>
+          <a:noFill/>
+          <a:ln>
+            <a:noFill/>
+          </a:ln>
+          <a:effectLst/>
+          <a:extLst>
+            <a:ext uri="{909E8E84-426E-40DD-AFC4-6F175D3DCCD1}">
+              <a14:hiddenFill xmlns:a14="http://schemas.microsoft.com/office/drawing/2010/main">
+                <a:solidFill>
+                  <a:schemeClr val="accent1"/>
+                </a:solidFill>
+              </a14:hiddenFill>
+            </a:ext>
+            <a:ext uri="{91240B29-F687-4F45-9708-019B960494DF}">
+              <a14:hiddenLine xmlns:a14="http://schemas.microsoft.com/office/drawing/2010/main" w="9525">
+                <a:solidFill>
+                  <a:schemeClr val="tx1"/>
+                </a:solidFill>
+                <a:miter lim="800000"/>
+                <a:headEnd/>
+                <a:tailEnd/>
+              </a14:hiddenLine>
+            </a:ext>
+            <a:ext uri="{AF507438-7753-43E0-B8FC-AC1667EBCBE1}">
+              <a14:hiddenEffects xmlns:a14="http://schemas.microsoft.com/office/drawing/2010/main">
+                <a:effectLst>
+                  <a:outerShdw dist="35921" dir="2700000" algn="ctr" rotWithShape="0">
+                    <a:schemeClr val="bg2"/>
+                  </a:outerShdw>
+                </a:effectLst>
+              </a14:hiddenEffects>
+            </a:ext>
+          </a:extLst>
+        </p:spPr>
+      </p:pic>
+    </p:spTree>
+    <p:extLst>
+      <p:ext uri="{BB962C8B-B14F-4D97-AF65-F5344CB8AC3E}">
+        <p14:creationId xmlns:p14="http://schemas.microsoft.com/office/powerpoint/2010/main" val="3201277368"/>
+      </p:ext>
+    </p:extLst>
+  </p:cSld>
+  <p:clrMapOvr>
+    <a:masterClrMapping/>
+  </p:clrMapOvr>
+</p:sld>
+</file>
+
 <file path=ppt/slides/slide5.xml><?xml version="1.0" encoding="utf-8"?>
 <p:sld xmlns:a="http://schemas.openxmlformats.org/drawingml/2006/main" xmlns:r="http://schemas.openxmlformats.org/officeDocument/2006/relationships" xmlns:p="http://schemas.openxmlformats.org/presentationml/2006/main">
   <p:cSld>
@@ -9738,6 +17212,1540 @@
     <p:extLst>
       <p:ext uri="{BB962C8B-B14F-4D97-AF65-F5344CB8AC3E}">
         <p14:creationId xmlns:p14="http://schemas.microsoft.com/office/powerpoint/2010/main" val="3662100665"/>
+      </p:ext>
+    </p:extLst>
+  </p:cSld>
+  <p:clrMapOvr>
+    <a:masterClrMapping/>
+  </p:clrMapOvr>
+</p:sld>
+</file>
+
+<file path=ppt/slides/slide50.xml><?xml version="1.0" encoding="utf-8"?>
+<p:sld xmlns:a="http://schemas.openxmlformats.org/drawingml/2006/main" xmlns:r="http://schemas.openxmlformats.org/officeDocument/2006/relationships" xmlns:p="http://schemas.openxmlformats.org/presentationml/2006/main">
+  <p:cSld>
+    <p:spTree>
+      <p:nvGrpSpPr>
+        <p:cNvPr id="1" name=""/>
+        <p:cNvGrpSpPr/>
+        <p:nvPr/>
+      </p:nvGrpSpPr>
+      <p:grpSpPr>
+        <a:xfrm>
+          <a:off x="0" y="0"/>
+          <a:ext cx="0" cy="0"/>
+          <a:chOff x="0" y="0"/>
+          <a:chExt cx="0" cy="0"/>
+        </a:xfrm>
+      </p:grpSpPr>
+      <p:sp>
+        <p:nvSpPr>
+          <p:cNvPr id="2" name="标题 1"/>
+          <p:cNvSpPr>
+            <a:spLocks noGrp="1"/>
+          </p:cNvSpPr>
+          <p:nvPr>
+            <p:ph type="title"/>
+          </p:nvPr>
+        </p:nvSpPr>
+        <p:spPr/>
+        <p:txBody>
+          <a:bodyPr/>
+          <a:lstStyle/>
+          <a:p>
+            <a:r>
+              <a:rPr lang="en-US" altLang="zh-CN" dirty="0"/>
+              <a:t>3.3.7 </a:t>
+            </a:r>
+            <a:r>
+              <a:rPr lang="zh-CN" altLang="en-US" dirty="0"/>
+              <a:t>环视</a:t>
+            </a:r>
+          </a:p>
+        </p:txBody>
+      </p:sp>
+      <p:sp>
+        <p:nvSpPr>
+          <p:cNvPr id="3" name="内容占位符 2"/>
+          <p:cNvSpPr>
+            <a:spLocks noGrp="1"/>
+          </p:cNvSpPr>
+          <p:nvPr>
+            <p:ph idx="1"/>
+          </p:nvPr>
+        </p:nvSpPr>
+        <p:spPr/>
+        <p:txBody>
+          <a:bodyPr>
+            <a:noAutofit/>
+          </a:bodyPr>
+          <a:lstStyle/>
+          <a:p>
+            <a:r>
+              <a:rPr lang="en-US" altLang="zh-CN" sz="1400" b="1" dirty="0"/>
+              <a:t>3.3.7.1 </a:t>
+            </a:r>
+            <a:r>
+              <a:rPr lang="zh-CN" altLang="en-US" sz="1400" b="1" dirty="0"/>
+              <a:t>顺序肯定环视</a:t>
+            </a:r>
+            <a:r>
+              <a:rPr lang="en-US" altLang="zh-CN" sz="1400" b="1" dirty="0"/>
+              <a:t>(?=</a:t>
+            </a:r>
+            <a:r>
+              <a:rPr lang="en-US" altLang="zh-CN" sz="1400" b="1" dirty="0" err="1"/>
+              <a:t>exp</a:t>
+            </a:r>
+            <a:r>
+              <a:rPr lang="en-US" altLang="zh-CN" sz="1400" b="1" dirty="0" smtClean="0"/>
+              <a:t>)</a:t>
+            </a:r>
+          </a:p>
+          <a:p>
+            <a:r>
+              <a:rPr lang="en-US" altLang="zh-CN" sz="1400" b="1" dirty="0"/>
+              <a:t>2</a:t>
+            </a:r>
+            <a:r>
+              <a:rPr lang="en-US" altLang="zh-CN" sz="1400" b="1" dirty="0" smtClean="0"/>
+              <a:t>) </a:t>
+            </a:r>
+            <a:r>
+              <a:rPr lang="zh-CN" altLang="en-US" sz="1400" b="1" dirty="0"/>
+              <a:t>顺序肯定</a:t>
+            </a:r>
+            <a:r>
+              <a:rPr lang="zh-CN" altLang="en-US" sz="1400" b="1" dirty="0" smtClean="0"/>
+              <a:t>环视</a:t>
+            </a:r>
+            <a:r>
+              <a:rPr lang="zh-CN" altLang="en-US" sz="1400" b="1" dirty="0"/>
+              <a:t>变种</a:t>
+            </a:r>
+            <a:r>
+              <a:rPr lang="zh-CN" altLang="en-US" sz="1400" b="1" dirty="0" smtClean="0"/>
+              <a:t>用法</a:t>
+            </a:r>
+            <a:endParaRPr lang="en-US" altLang="zh-CN" sz="1400" b="1" dirty="0" smtClean="0"/>
+          </a:p>
+          <a:p>
+            <a:r>
+              <a:rPr lang="zh-CN" altLang="en-US" sz="1400" dirty="0" smtClean="0"/>
+              <a:t>所谓变种用法，主要指正则匹配部分位于肯定顺序环视右侧，匹配内容受环视条件的限定，如：</a:t>
+            </a:r>
+            <a:endParaRPr lang="en-US" altLang="zh-CN" sz="1400" dirty="0" smtClean="0"/>
+          </a:p>
+          <a:p>
+            <a:r>
+              <a:rPr lang="en-US" altLang="zh-CN" sz="1400" dirty="0" smtClean="0"/>
+              <a:t>^(?=[a-z]+$).+</a:t>
+            </a:r>
+            <a:r>
+              <a:rPr lang="zh-CN" altLang="en-US" sz="1400" dirty="0" smtClean="0"/>
+              <a:t>，虽然正则为</a:t>
+            </a:r>
+            <a:r>
+              <a:rPr lang="en-US" altLang="zh-CN" sz="1400" dirty="0" smtClean="0"/>
+              <a:t>.+</a:t>
+            </a:r>
+            <a:r>
+              <a:rPr lang="zh-CN" altLang="en-US" sz="1400" dirty="0" smtClean="0"/>
+              <a:t>，但是这个正则只能匹配一个以上的</a:t>
+            </a:r>
+            <a:r>
+              <a:rPr lang="en-US" altLang="zh-CN" sz="1400" dirty="0" smtClean="0"/>
+              <a:t>a-z</a:t>
+            </a:r>
+            <a:r>
+              <a:rPr lang="zh-CN" altLang="en-US" sz="1400" dirty="0" smtClean="0"/>
+              <a:t>的字母序列，因为正则部分的</a:t>
+            </a:r>
+            <a:r>
+              <a:rPr lang="en-US" altLang="zh-CN" sz="1400" dirty="0" smtClean="0"/>
+              <a:t>.+</a:t>
+            </a:r>
+            <a:r>
+              <a:rPr lang="zh-CN" altLang="en-US" sz="1400" dirty="0" smtClean="0"/>
+              <a:t>被前面的环视</a:t>
+            </a:r>
+            <a:r>
+              <a:rPr lang="en-US" altLang="zh-CN" sz="1400" dirty="0" smtClean="0"/>
+              <a:t>[a-z]+</a:t>
+            </a:r>
+            <a:r>
+              <a:rPr lang="zh-CN" altLang="en-US" sz="1400" dirty="0" smtClean="0"/>
+              <a:t>限制了。也就是说环视影响到了正则的匹配范围。</a:t>
+            </a:r>
+            <a:endParaRPr lang="en-US" altLang="zh-CN" sz="1400" dirty="0" smtClean="0"/>
+          </a:p>
+          <a:p>
+            <a:r>
+              <a:rPr lang="zh-CN" altLang="en-US" sz="1400" dirty="0" smtClean="0"/>
+              <a:t>例：</a:t>
+            </a:r>
+            <a:endParaRPr lang="en-US" altLang="zh-CN" sz="1400" dirty="0" smtClean="0"/>
+          </a:p>
+          <a:p>
+            <a:r>
+              <a:rPr lang="zh-CN" altLang="en-US" sz="1400" dirty="0" smtClean="0"/>
+              <a:t>需求：写一个正则，匹配一个必须包含数字和字母</a:t>
+            </a:r>
+            <a:r>
+              <a:rPr lang="en-US" altLang="zh-CN" sz="1400" dirty="0" smtClean="0"/>
+              <a:t>(</a:t>
+            </a:r>
+            <a:r>
+              <a:rPr lang="zh-CN" altLang="en-US" sz="1400" dirty="0" smtClean="0"/>
+              <a:t>不区分大小写</a:t>
+            </a:r>
+            <a:r>
+              <a:rPr lang="en-US" altLang="zh-CN" sz="1400" dirty="0" smtClean="0"/>
+              <a:t>)</a:t>
+            </a:r>
+            <a:r>
+              <a:rPr lang="zh-CN" altLang="en-US" sz="1400" dirty="0" smtClean="0"/>
+              <a:t>的字符串，且该字符串的长度为</a:t>
+            </a:r>
+            <a:r>
+              <a:rPr lang="en-US" altLang="zh-CN" sz="1400" dirty="0" smtClean="0"/>
+              <a:t>6-16</a:t>
+            </a:r>
+            <a:r>
+              <a:rPr lang="zh-CN" altLang="en-US" sz="1400" dirty="0" smtClean="0"/>
+              <a:t>位。</a:t>
+            </a:r>
+            <a:endParaRPr lang="en-US" altLang="zh-CN" sz="1400" dirty="0" smtClean="0"/>
+          </a:p>
+          <a:p>
+            <a:r>
+              <a:rPr lang="zh-CN" altLang="en-US" sz="1400" dirty="0"/>
+              <a:t>我</a:t>
+            </a:r>
+            <a:r>
+              <a:rPr lang="zh-CN" altLang="en-US" sz="1400" dirty="0" smtClean="0"/>
+              <a:t>的思路</a:t>
+            </a:r>
+            <a:r>
+              <a:rPr lang="zh-CN" altLang="en-US" sz="1400" dirty="0"/>
+              <a:t>：</a:t>
+            </a:r>
+            <a:endParaRPr lang="en-US" altLang="zh-CN" sz="1400" dirty="0" smtClean="0"/>
+          </a:p>
+          <a:p>
+            <a:r>
+              <a:rPr lang="zh-CN" altLang="en-US" sz="1400" dirty="0" smtClean="0"/>
+              <a:t>需求分析：</a:t>
+            </a:r>
+            <a:endParaRPr lang="en-US" altLang="zh-CN" sz="1400" dirty="0" smtClean="0"/>
+          </a:p>
+          <a:p>
+            <a:r>
+              <a:rPr lang="en-US" altLang="zh-CN" sz="1400" dirty="0" smtClean="0"/>
+              <a:t>1.</a:t>
+            </a:r>
+            <a:r>
+              <a:rPr lang="zh-CN" altLang="en-US" sz="1400" dirty="0" smtClean="0"/>
+              <a:t>包含数字和字母的</a:t>
+            </a:r>
+            <a:r>
+              <a:rPr lang="en-US" altLang="zh-CN" sz="1400" dirty="0" smtClean="0"/>
+              <a:t>6-16</a:t>
+            </a:r>
+            <a:r>
+              <a:rPr lang="zh-CN" altLang="en-US" sz="1400" dirty="0" smtClean="0"/>
+              <a:t>位字符串的正则并不难实现：</a:t>
+            </a:r>
+            <a:r>
+              <a:rPr lang="en-US" altLang="zh-CN" sz="1400" dirty="0" smtClean="0"/>
+              <a:t>[a-zA-z0-9]{6,16}</a:t>
+            </a:r>
+          </a:p>
+          <a:p>
+            <a:r>
+              <a:rPr lang="en-US" altLang="zh-CN" sz="1400" dirty="0" smtClean="0"/>
+              <a:t>2.</a:t>
+            </a:r>
+            <a:r>
+              <a:rPr lang="zh-CN" altLang="en-US" sz="1400" dirty="0" smtClean="0"/>
+              <a:t>但是需求中有一句话是</a:t>
+            </a:r>
+            <a:r>
+              <a:rPr lang="en-US" altLang="zh-CN" sz="1400" dirty="0" smtClean="0"/>
+              <a:t>”</a:t>
+            </a:r>
+            <a:r>
+              <a:rPr lang="zh-CN" altLang="en-US" sz="1400" dirty="0" smtClean="0"/>
+              <a:t>必须包含数字和字母</a:t>
+            </a:r>
+            <a:r>
+              <a:rPr lang="en-US" altLang="zh-CN" sz="1400" dirty="0" smtClean="0"/>
+              <a:t>”</a:t>
+            </a:r>
+            <a:r>
+              <a:rPr lang="zh-CN" altLang="en-US" sz="1400" dirty="0" smtClean="0"/>
+              <a:t>，也就是说有</a:t>
+            </a:r>
+            <a:r>
+              <a:rPr lang="en-US" altLang="zh-CN" sz="1400" dirty="0" smtClean="0"/>
+              <a:t>2</a:t>
+            </a:r>
+            <a:r>
+              <a:rPr lang="zh-CN" altLang="en-US" sz="1400" dirty="0" smtClean="0"/>
+              <a:t>种模式不能通过匹配：全是数字的</a:t>
+            </a:r>
+            <a:r>
+              <a:rPr lang="en-US" altLang="zh-CN" sz="1400" dirty="0" smtClean="0"/>
+              <a:t>6-16</a:t>
+            </a:r>
+            <a:r>
+              <a:rPr lang="zh-CN" altLang="en-US" sz="1400" dirty="0" smtClean="0"/>
+              <a:t>位字符串和全是字母的</a:t>
+            </a:r>
+            <a:r>
+              <a:rPr lang="en-US" altLang="zh-CN" sz="1400" dirty="0" smtClean="0"/>
+              <a:t>6-16</a:t>
+            </a:r>
+            <a:r>
+              <a:rPr lang="zh-CN" altLang="en-US" sz="1400" dirty="0" smtClean="0"/>
+              <a:t>位字符串</a:t>
+            </a:r>
+            <a:endParaRPr lang="en-US" altLang="zh-CN" sz="1400" dirty="0" smtClean="0"/>
+          </a:p>
+          <a:p>
+            <a:r>
+              <a:rPr lang="zh-CN" altLang="en-US" sz="1400" dirty="0" smtClean="0"/>
+              <a:t>因此我们要添加环视：</a:t>
+            </a:r>
+            <a:endParaRPr lang="en-US" altLang="zh-CN" sz="1400" dirty="0" smtClean="0"/>
+          </a:p>
+          <a:p>
+            <a:r>
+              <a:rPr lang="zh-CN" altLang="en-US" sz="1400" dirty="0" smtClean="0"/>
+              <a:t>全是数字的</a:t>
+            </a:r>
+            <a:r>
+              <a:rPr lang="en-US" altLang="zh-CN" sz="1400" dirty="0" smtClean="0"/>
+              <a:t>6-16</a:t>
+            </a:r>
+            <a:r>
+              <a:rPr lang="zh-CN" altLang="en-US" sz="1400" dirty="0" smtClean="0"/>
+              <a:t>位字符串不能通过</a:t>
+            </a:r>
+            <a:endParaRPr lang="en-US" altLang="zh-CN" sz="1400" dirty="0" smtClean="0"/>
+          </a:p>
+          <a:p>
+            <a:r>
+              <a:rPr lang="en-US" altLang="zh-CN" sz="1400" dirty="0" smtClean="0"/>
+              <a:t>(?!\d{6-16})</a:t>
+            </a:r>
+          </a:p>
+          <a:p>
+            <a:r>
+              <a:rPr lang="zh-CN" altLang="en-US" sz="1400" dirty="0" smtClean="0"/>
+              <a:t>全是字母的</a:t>
+            </a:r>
+            <a:r>
+              <a:rPr lang="en-US" altLang="zh-CN" sz="1400" dirty="0" smtClean="0"/>
+              <a:t>6-16</a:t>
+            </a:r>
+            <a:r>
+              <a:rPr lang="zh-CN" altLang="en-US" sz="1400" dirty="0" smtClean="0"/>
+              <a:t>位字符串不能通过</a:t>
+            </a:r>
+            <a:endParaRPr lang="en-US" altLang="zh-CN" sz="1400" dirty="0" smtClean="0"/>
+          </a:p>
+          <a:p>
+            <a:r>
+              <a:rPr lang="en-US" altLang="zh-CN" sz="1400" dirty="0" smtClean="0"/>
+              <a:t>(?![a-</a:t>
+            </a:r>
+            <a:r>
+              <a:rPr lang="en-US" altLang="zh-CN" sz="1400" dirty="0" err="1" smtClean="0"/>
+              <a:t>zA</a:t>
+            </a:r>
+            <a:r>
+              <a:rPr lang="en-US" altLang="zh-CN" sz="1400" dirty="0" smtClean="0"/>
+              <a:t>-Z]{6,16})</a:t>
+            </a:r>
+            <a:endParaRPr lang="en-US" altLang="zh-CN" sz="1400" dirty="0"/>
+          </a:p>
+          <a:p>
+            <a:endParaRPr lang="zh-CN" altLang="en-US" sz="1400" dirty="0"/>
+          </a:p>
+        </p:txBody>
+      </p:sp>
+    </p:spTree>
+    <p:extLst>
+      <p:ext uri="{BB962C8B-B14F-4D97-AF65-F5344CB8AC3E}">
+        <p14:creationId xmlns:p14="http://schemas.microsoft.com/office/powerpoint/2010/main" val="2560749468"/>
+      </p:ext>
+    </p:extLst>
+  </p:cSld>
+  <p:clrMapOvr>
+    <a:masterClrMapping/>
+  </p:clrMapOvr>
+</p:sld>
+</file>
+
+<file path=ppt/slides/slide51.xml><?xml version="1.0" encoding="utf-8"?>
+<p:sld xmlns:a="http://schemas.openxmlformats.org/drawingml/2006/main" xmlns:r="http://schemas.openxmlformats.org/officeDocument/2006/relationships" xmlns:p="http://schemas.openxmlformats.org/presentationml/2006/main">
+  <p:cSld>
+    <p:spTree>
+      <p:nvGrpSpPr>
+        <p:cNvPr id="1" name=""/>
+        <p:cNvGrpSpPr/>
+        <p:nvPr/>
+      </p:nvGrpSpPr>
+      <p:grpSpPr>
+        <a:xfrm>
+          <a:off x="0" y="0"/>
+          <a:ext cx="0" cy="0"/>
+          <a:chOff x="0" y="0"/>
+          <a:chExt cx="0" cy="0"/>
+        </a:xfrm>
+      </p:grpSpPr>
+      <p:sp>
+        <p:nvSpPr>
+          <p:cNvPr id="2" name="标题 1"/>
+          <p:cNvSpPr>
+            <a:spLocks noGrp="1"/>
+          </p:cNvSpPr>
+          <p:nvPr>
+            <p:ph type="title"/>
+          </p:nvPr>
+        </p:nvSpPr>
+        <p:spPr/>
+        <p:txBody>
+          <a:bodyPr/>
+          <a:lstStyle/>
+          <a:p>
+            <a:r>
+              <a:rPr lang="en-US" altLang="zh-CN" dirty="0"/>
+              <a:t>3.3.7 </a:t>
+            </a:r>
+            <a:r>
+              <a:rPr lang="zh-CN" altLang="en-US" dirty="0"/>
+              <a:t>环视</a:t>
+            </a:r>
+          </a:p>
+        </p:txBody>
+      </p:sp>
+      <p:sp>
+        <p:nvSpPr>
+          <p:cNvPr id="3" name="内容占位符 2"/>
+          <p:cNvSpPr>
+            <a:spLocks noGrp="1"/>
+          </p:cNvSpPr>
+          <p:nvPr>
+            <p:ph idx="1"/>
+          </p:nvPr>
+        </p:nvSpPr>
+        <p:spPr/>
+        <p:txBody>
+          <a:bodyPr>
+            <a:normAutofit/>
+          </a:bodyPr>
+          <a:lstStyle/>
+          <a:p>
+            <a:r>
+              <a:rPr lang="en-US" altLang="zh-CN" sz="1400" b="1" dirty="0"/>
+              <a:t>3.3.7.1 </a:t>
+            </a:r>
+            <a:r>
+              <a:rPr lang="zh-CN" altLang="en-US" sz="1400" b="1" dirty="0"/>
+              <a:t>顺序肯定环视</a:t>
+            </a:r>
+            <a:r>
+              <a:rPr lang="en-US" altLang="zh-CN" sz="1400" b="1" dirty="0"/>
+              <a:t>(?=</a:t>
+            </a:r>
+            <a:r>
+              <a:rPr lang="en-US" altLang="zh-CN" sz="1400" b="1" dirty="0" err="1"/>
+              <a:t>exp</a:t>
+            </a:r>
+            <a:r>
+              <a:rPr lang="en-US" altLang="zh-CN" sz="1400" b="1" dirty="0"/>
+              <a:t>)</a:t>
+            </a:r>
+          </a:p>
+          <a:p>
+            <a:r>
+              <a:rPr lang="en-US" altLang="zh-CN" sz="1400" b="1" dirty="0"/>
+              <a:t>2) </a:t>
+            </a:r>
+            <a:r>
+              <a:rPr lang="zh-CN" altLang="en-US" sz="1400" b="1" dirty="0"/>
+              <a:t>顺序肯定环视变种用法</a:t>
+            </a:r>
+            <a:endParaRPr lang="en-US" altLang="zh-CN" sz="1400" b="1" dirty="0"/>
+          </a:p>
+          <a:p>
+            <a:r>
+              <a:rPr lang="zh-CN" altLang="en-US" sz="1400" dirty="0" smtClean="0"/>
+              <a:t>因此，连在一起就是：</a:t>
+            </a:r>
+            <a:endParaRPr lang="en-US" altLang="zh-CN" sz="1400" dirty="0" smtClean="0"/>
+          </a:p>
+          <a:p>
+            <a:r>
+              <a:rPr lang="en-US" altLang="zh-CN" sz="1400" dirty="0" smtClean="0"/>
+              <a:t>(?![0-9]{6,16})(?![a-</a:t>
+            </a:r>
+            <a:r>
+              <a:rPr lang="en-US" altLang="zh-CN" sz="1400" dirty="0" err="1" smtClean="0"/>
+              <a:t>zA</a:t>
+            </a:r>
+            <a:r>
+              <a:rPr lang="en-US" altLang="zh-CN" sz="1400" dirty="0" smtClean="0"/>
+              <a:t>-Z]{6,16})[a-zA-Z0-9]{6,16}</a:t>
+            </a:r>
+          </a:p>
+          <a:p>
+            <a:r>
+              <a:rPr lang="zh-CN" altLang="en-US" sz="1400" dirty="0" smtClean="0"/>
+              <a:t>执行结果如下图示。正则和测试文本见</a:t>
+            </a:r>
+            <a:r>
+              <a:rPr lang="en-US" altLang="zh-CN" sz="1400" dirty="0" smtClean="0"/>
+              <a:t>regularExpression14.log</a:t>
+            </a:r>
+          </a:p>
+          <a:p>
+            <a:r>
+              <a:rPr lang="zh-CN" altLang="en-US" sz="1400" dirty="0" smtClean="0"/>
+              <a:t>但是这和本小节要讲的顺序肯定环视的变种并不符合。这个知识点是顺序否定环视。</a:t>
+            </a:r>
+            <a:endParaRPr lang="en-US" altLang="zh-CN" sz="1400" dirty="0" smtClean="0"/>
+          </a:p>
+          <a:p>
+            <a:r>
+              <a:rPr lang="zh-CN" altLang="en-US" sz="1400" dirty="0" smtClean="0"/>
+              <a:t>来看网上的结果：</a:t>
+            </a:r>
+            <a:endParaRPr lang="en-US" altLang="zh-CN" sz="1400" dirty="0" smtClean="0"/>
+          </a:p>
+          <a:p>
+            <a:r>
+              <a:rPr lang="en-US" altLang="zh-CN" sz="1400" dirty="0"/>
+              <a:t>^(?=.*?[a-</a:t>
+            </a:r>
+            <a:r>
+              <a:rPr lang="en-US" altLang="zh-CN" sz="1400" dirty="0" err="1"/>
+              <a:t>zA</a:t>
+            </a:r>
+            <a:r>
+              <a:rPr lang="en-US" altLang="zh-CN" sz="1400" dirty="0"/>
+              <a:t>-Z])(?=.*?[0-9])[a-zA-Z0-9]{6,16</a:t>
+            </a:r>
+            <a:r>
+              <a:rPr lang="en-US" altLang="zh-CN" sz="1400" dirty="0" smtClean="0"/>
+              <a:t>}$</a:t>
+            </a:r>
+          </a:p>
+          <a:p>
+            <a:r>
+              <a:rPr lang="zh-CN" altLang="en-US" sz="1400" dirty="0" smtClean="0"/>
+              <a:t>对该表达式进行分析：</a:t>
+            </a:r>
+            <a:endParaRPr lang="zh-CN" altLang="en-US" sz="1400" dirty="0"/>
+          </a:p>
+        </p:txBody>
+      </p:sp>
+      <p:pic>
+        <p:nvPicPr>
+          <p:cNvPr id="2050" name="Picture 2"/>
+          <p:cNvPicPr>
+            <a:picLocks noChangeAspect="1" noChangeArrowheads="1"/>
+          </p:cNvPicPr>
+          <p:nvPr/>
+        </p:nvPicPr>
+        <p:blipFill>
+          <a:blip r:embed="rId2">
+            <a:extLst>
+              <a:ext uri="{28A0092B-C50C-407E-A947-70E740481C1C}">
+                <a14:useLocalDpi xmlns:a14="http://schemas.microsoft.com/office/drawing/2010/main" val="0"/>
+              </a:ext>
+            </a:extLst>
+          </a:blip>
+          <a:srcRect/>
+          <a:stretch>
+            <a:fillRect/>
+          </a:stretch>
+        </p:blipFill>
+        <p:spPr bwMode="auto">
+          <a:xfrm>
+            <a:off x="23700" y="4293096"/>
+            <a:ext cx="5791200" cy="4724400"/>
+          </a:xfrm>
+          <a:prstGeom prst="rect">
+            <a:avLst/>
+          </a:prstGeom>
+          <a:noFill/>
+          <a:ln>
+            <a:noFill/>
+          </a:ln>
+          <a:effectLst/>
+          <a:extLst>
+            <a:ext uri="{909E8E84-426E-40DD-AFC4-6F175D3DCCD1}">
+              <a14:hiddenFill xmlns:a14="http://schemas.microsoft.com/office/drawing/2010/main">
+                <a:solidFill>
+                  <a:schemeClr val="accent1"/>
+                </a:solidFill>
+              </a14:hiddenFill>
+            </a:ext>
+            <a:ext uri="{91240B29-F687-4F45-9708-019B960494DF}">
+              <a14:hiddenLine xmlns:a14="http://schemas.microsoft.com/office/drawing/2010/main" w="9525">
+                <a:solidFill>
+                  <a:schemeClr val="tx1"/>
+                </a:solidFill>
+                <a:miter lim="800000"/>
+                <a:headEnd/>
+                <a:tailEnd/>
+              </a14:hiddenLine>
+            </a:ext>
+            <a:ext uri="{AF507438-7753-43E0-B8FC-AC1667EBCBE1}">
+              <a14:hiddenEffects xmlns:a14="http://schemas.microsoft.com/office/drawing/2010/main">
+                <a:effectLst>
+                  <a:outerShdw dist="35921" dir="2700000" algn="ctr" rotWithShape="0">
+                    <a:schemeClr val="bg2"/>
+                  </a:outerShdw>
+                </a:effectLst>
+              </a14:hiddenEffects>
+            </a:ext>
+          </a:extLst>
+        </p:spPr>
+      </p:pic>
+    </p:spTree>
+    <p:extLst>
+      <p:ext uri="{BB962C8B-B14F-4D97-AF65-F5344CB8AC3E}">
+        <p14:creationId xmlns:p14="http://schemas.microsoft.com/office/powerpoint/2010/main" val="2441647605"/>
+      </p:ext>
+    </p:extLst>
+  </p:cSld>
+  <p:clrMapOvr>
+    <a:masterClrMapping/>
+  </p:clrMapOvr>
+</p:sld>
+</file>
+
+<file path=ppt/slides/slide52.xml><?xml version="1.0" encoding="utf-8"?>
+<p:sld xmlns:a="http://schemas.openxmlformats.org/drawingml/2006/main" xmlns:r="http://schemas.openxmlformats.org/officeDocument/2006/relationships" xmlns:p="http://schemas.openxmlformats.org/presentationml/2006/main">
+  <p:cSld>
+    <p:spTree>
+      <p:nvGrpSpPr>
+        <p:cNvPr id="1" name=""/>
+        <p:cNvGrpSpPr/>
+        <p:nvPr/>
+      </p:nvGrpSpPr>
+      <p:grpSpPr>
+        <a:xfrm>
+          <a:off x="0" y="0"/>
+          <a:ext cx="0" cy="0"/>
+          <a:chOff x="0" y="0"/>
+          <a:chExt cx="0" cy="0"/>
+        </a:xfrm>
+      </p:grpSpPr>
+      <p:sp>
+        <p:nvSpPr>
+          <p:cNvPr id="2" name="标题 1"/>
+          <p:cNvSpPr>
+            <a:spLocks noGrp="1"/>
+          </p:cNvSpPr>
+          <p:nvPr>
+            <p:ph type="title"/>
+          </p:nvPr>
+        </p:nvSpPr>
+        <p:spPr/>
+        <p:txBody>
+          <a:bodyPr/>
+          <a:lstStyle/>
+          <a:p>
+            <a:r>
+              <a:rPr lang="en-US" altLang="zh-CN" dirty="0"/>
+              <a:t>3.3.7 </a:t>
+            </a:r>
+            <a:r>
+              <a:rPr lang="zh-CN" altLang="en-US" dirty="0"/>
+              <a:t>环视</a:t>
+            </a:r>
+          </a:p>
+        </p:txBody>
+      </p:sp>
+      <p:sp>
+        <p:nvSpPr>
+          <p:cNvPr id="3" name="内容占位符 2"/>
+          <p:cNvSpPr>
+            <a:spLocks noGrp="1"/>
+          </p:cNvSpPr>
+          <p:nvPr>
+            <p:ph idx="1"/>
+          </p:nvPr>
+        </p:nvSpPr>
+        <p:spPr/>
+        <p:txBody>
+          <a:bodyPr>
+            <a:normAutofit/>
+          </a:bodyPr>
+          <a:lstStyle/>
+          <a:p>
+            <a:r>
+              <a:rPr lang="en-US" altLang="zh-CN" sz="1400" dirty="0"/>
+              <a:t>^(?=</a:t>
+            </a:r>
+            <a:r>
+              <a:rPr lang="en-US" altLang="zh-CN" sz="1400" dirty="0">
+                <a:solidFill>
+                  <a:srgbClr val="FF0000"/>
+                </a:solidFill>
+              </a:rPr>
+              <a:t>.*?</a:t>
+            </a:r>
+            <a:r>
+              <a:rPr lang="en-US" altLang="zh-CN" sz="1400" dirty="0"/>
+              <a:t>[a-</a:t>
+            </a:r>
+            <a:r>
+              <a:rPr lang="en-US" altLang="zh-CN" sz="1400" dirty="0" err="1"/>
+              <a:t>zA</a:t>
+            </a:r>
+            <a:r>
+              <a:rPr lang="en-US" altLang="zh-CN" sz="1400" dirty="0"/>
+              <a:t>-Z])(?=</a:t>
+            </a:r>
+            <a:r>
+              <a:rPr lang="en-US" altLang="zh-CN" sz="1400" dirty="0">
+                <a:solidFill>
+                  <a:srgbClr val="FF0000"/>
+                </a:solidFill>
+              </a:rPr>
+              <a:t>.*?</a:t>
+            </a:r>
+            <a:r>
+              <a:rPr lang="en-US" altLang="zh-CN" sz="1400" dirty="0"/>
+              <a:t>[0-9])[a-zA-Z0-9]{6,16}$</a:t>
+            </a:r>
+          </a:p>
+          <a:p>
+            <a:r>
+              <a:rPr lang="zh-CN" altLang="en-US" sz="1400" dirty="0" smtClean="0"/>
+              <a:t>我不理解的是标红部分的那个</a:t>
+            </a:r>
+            <a:r>
+              <a:rPr lang="en-US" altLang="zh-CN" sz="1400" dirty="0" smtClean="0"/>
+              <a:t>?</a:t>
+            </a:r>
+            <a:r>
+              <a:rPr lang="zh-CN" altLang="en-US" sz="1400" dirty="0" smtClean="0"/>
+              <a:t>代表什么含义。但是他的大体思路和我是一致的。也是要使用环视对正则所匹配的内容做限定。</a:t>
+            </a:r>
+            <a:endParaRPr lang="en-US" altLang="zh-CN" sz="1400" dirty="0" smtClean="0"/>
+          </a:p>
+          <a:p>
+            <a:r>
+              <a:rPr lang="zh-CN" altLang="en-US" sz="1400" dirty="0" smtClean="0"/>
+              <a:t>这里的这个</a:t>
+            </a:r>
+            <a:r>
+              <a:rPr lang="en-US" altLang="zh-CN" sz="1400" dirty="0" smtClean="0"/>
+              <a:t>?</a:t>
+            </a:r>
+            <a:r>
+              <a:rPr lang="zh-CN" altLang="en-US" sz="1400" dirty="0" smtClean="0"/>
+              <a:t>表示非贪婪模式。后文中会提到。</a:t>
+            </a:r>
+            <a:endParaRPr lang="en-US" altLang="zh-CN" sz="1400" dirty="0" smtClean="0"/>
+          </a:p>
+          <a:p>
+            <a:r>
+              <a:rPr lang="en-US" altLang="zh-CN" sz="1400" b="1" dirty="0" smtClean="0"/>
+              <a:t>3.3.7.2</a:t>
+            </a:r>
+            <a:r>
+              <a:rPr lang="zh-CN" altLang="en-US" sz="1400" b="1" dirty="0"/>
+              <a:t>顺序</a:t>
+            </a:r>
+            <a:r>
+              <a:rPr lang="zh-CN" altLang="en-US" sz="1400" b="1" dirty="0" smtClean="0"/>
+              <a:t>否定环视</a:t>
+            </a:r>
+            <a:endParaRPr lang="en-US" altLang="zh-CN" sz="1400" b="1" dirty="0" smtClean="0"/>
+          </a:p>
+          <a:p>
+            <a:r>
+              <a:rPr lang="en-US" altLang="zh-CN" sz="1400" b="1" dirty="0" smtClean="0"/>
+              <a:t>1) </a:t>
+            </a:r>
+            <a:r>
+              <a:rPr lang="zh-CN" altLang="en-US" sz="1400" b="1" dirty="0" smtClean="0"/>
+              <a:t>顺序否定环视的常规用法</a:t>
+            </a:r>
+            <a:endParaRPr lang="en-US" altLang="zh-CN" sz="1400" b="1" dirty="0" smtClean="0"/>
+          </a:p>
+          <a:p>
+            <a:r>
+              <a:rPr lang="zh-CN" altLang="en-US" sz="1400" dirty="0" smtClean="0"/>
+              <a:t>需求：</a:t>
+            </a:r>
+            <a:endParaRPr lang="en-US" altLang="zh-CN" sz="1400" dirty="0" smtClean="0"/>
+          </a:p>
+          <a:p>
+            <a:r>
+              <a:rPr lang="zh-CN" altLang="en-US" sz="1400" dirty="0" smtClean="0"/>
+              <a:t>源字符串</a:t>
+            </a:r>
+            <a:endParaRPr lang="en-US" altLang="zh-CN" sz="1400" dirty="0" smtClean="0"/>
+          </a:p>
+          <a:p>
+            <a:r>
+              <a:rPr lang="en-US" altLang="zh-CN" sz="1400" dirty="0"/>
+              <a:t>notexefile1.txt </a:t>
+            </a:r>
+            <a:endParaRPr lang="en-US" altLang="zh-CN" sz="1400" dirty="0" smtClean="0"/>
+          </a:p>
+          <a:p>
+            <a:r>
+              <a:rPr lang="en-US" altLang="zh-CN" sz="1400" dirty="0" smtClean="0"/>
+              <a:t>exefile1.exe </a:t>
+            </a:r>
+          </a:p>
+          <a:p>
+            <a:r>
+              <a:rPr lang="en-US" altLang="zh-CN" sz="1400" dirty="0" smtClean="0"/>
+              <a:t>exefile2.exe </a:t>
+            </a:r>
+          </a:p>
+          <a:p>
+            <a:r>
+              <a:rPr lang="en-US" altLang="zh-CN" sz="1400" dirty="0" smtClean="0"/>
+              <a:t>exefile3.exe </a:t>
+            </a:r>
+          </a:p>
+          <a:p>
+            <a:r>
+              <a:rPr lang="en-US" altLang="zh-CN" sz="1400" dirty="0" smtClean="0"/>
+              <a:t>notexefile2.php </a:t>
+            </a:r>
+          </a:p>
+          <a:p>
+            <a:r>
+              <a:rPr lang="en-US" altLang="zh-CN" sz="1400" dirty="0" smtClean="0"/>
+              <a:t>notexefile3.sh</a:t>
+            </a:r>
+          </a:p>
+          <a:p>
+            <a:r>
+              <a:rPr lang="zh-CN" altLang="en-US" sz="1400" dirty="0"/>
+              <a:t>获取</a:t>
+            </a:r>
+            <a:r>
+              <a:rPr lang="zh-CN" altLang="en-US" sz="1400" dirty="0" smtClean="0"/>
+              <a:t>后缀不为</a:t>
+            </a:r>
+            <a:r>
+              <a:rPr lang="en-US" altLang="zh-CN" sz="1400" dirty="0"/>
+              <a:t>.exe</a:t>
+            </a:r>
+            <a:r>
+              <a:rPr lang="zh-CN" altLang="en-US" sz="1400" dirty="0"/>
+              <a:t>的文件名</a:t>
+            </a:r>
+            <a:r>
+              <a:rPr lang="en-US" altLang="zh-CN" sz="1400" dirty="0"/>
+              <a:t>(</a:t>
+            </a:r>
+            <a:r>
+              <a:rPr lang="zh-CN" altLang="en-US" sz="1400" dirty="0"/>
+              <a:t>不含后缀</a:t>
+            </a:r>
+            <a:r>
+              <a:rPr lang="en-US" altLang="zh-CN" sz="1400" dirty="0"/>
+              <a:t>.exe)</a:t>
+            </a:r>
+          </a:p>
+        </p:txBody>
+      </p:sp>
+    </p:spTree>
+    <p:extLst>
+      <p:ext uri="{BB962C8B-B14F-4D97-AF65-F5344CB8AC3E}">
+        <p14:creationId xmlns:p14="http://schemas.microsoft.com/office/powerpoint/2010/main" val="3588774448"/>
+      </p:ext>
+    </p:extLst>
+  </p:cSld>
+  <p:clrMapOvr>
+    <a:masterClrMapping/>
+  </p:clrMapOvr>
+</p:sld>
+</file>
+
+<file path=ppt/slides/slide53.xml><?xml version="1.0" encoding="utf-8"?>
+<p:sld xmlns:a="http://schemas.openxmlformats.org/drawingml/2006/main" xmlns:r="http://schemas.openxmlformats.org/officeDocument/2006/relationships" xmlns:p="http://schemas.openxmlformats.org/presentationml/2006/main">
+  <p:cSld>
+    <p:spTree>
+      <p:nvGrpSpPr>
+        <p:cNvPr id="1" name=""/>
+        <p:cNvGrpSpPr/>
+        <p:nvPr/>
+      </p:nvGrpSpPr>
+      <p:grpSpPr>
+        <a:xfrm>
+          <a:off x="0" y="0"/>
+          <a:ext cx="0" cy="0"/>
+          <a:chOff x="0" y="0"/>
+          <a:chExt cx="0" cy="0"/>
+        </a:xfrm>
+      </p:grpSpPr>
+      <p:sp>
+        <p:nvSpPr>
+          <p:cNvPr id="2" name="标题 1"/>
+          <p:cNvSpPr>
+            <a:spLocks noGrp="1"/>
+          </p:cNvSpPr>
+          <p:nvPr>
+            <p:ph type="title"/>
+          </p:nvPr>
+        </p:nvSpPr>
+        <p:spPr/>
+        <p:txBody>
+          <a:bodyPr/>
+          <a:lstStyle/>
+          <a:p>
+            <a:r>
+              <a:rPr lang="en-US" altLang="zh-CN" dirty="0"/>
+              <a:t>3.3.7 </a:t>
+            </a:r>
+            <a:r>
+              <a:rPr lang="zh-CN" altLang="en-US" dirty="0"/>
+              <a:t>环视</a:t>
+            </a:r>
+          </a:p>
+        </p:txBody>
+      </p:sp>
+      <p:sp>
+        <p:nvSpPr>
+          <p:cNvPr id="3" name="内容占位符 2"/>
+          <p:cNvSpPr>
+            <a:spLocks noGrp="1"/>
+          </p:cNvSpPr>
+          <p:nvPr>
+            <p:ph idx="1"/>
+          </p:nvPr>
+        </p:nvSpPr>
+        <p:spPr/>
+        <p:txBody>
+          <a:bodyPr>
+            <a:normAutofit/>
+          </a:bodyPr>
+          <a:lstStyle/>
+          <a:p>
+            <a:r>
+              <a:rPr lang="en-US" altLang="zh-CN" sz="1400" b="1" dirty="0"/>
+              <a:t>3.3.7.2</a:t>
+            </a:r>
+            <a:r>
+              <a:rPr lang="zh-CN" altLang="en-US" sz="1400" b="1" dirty="0"/>
+              <a:t>顺序否定环视</a:t>
+            </a:r>
+            <a:endParaRPr lang="en-US" altLang="zh-CN" sz="1400" b="1" dirty="0"/>
+          </a:p>
+          <a:p>
+            <a:r>
+              <a:rPr lang="en-US" altLang="zh-CN" sz="1400" b="1" dirty="0"/>
+              <a:t>1) </a:t>
+            </a:r>
+            <a:r>
+              <a:rPr lang="zh-CN" altLang="en-US" sz="1400" b="1" dirty="0"/>
+              <a:t>顺序否定环视的常规</a:t>
+            </a:r>
+            <a:r>
+              <a:rPr lang="zh-CN" altLang="en-US" sz="1400" b="1" dirty="0" smtClean="0"/>
+              <a:t>用法</a:t>
+            </a:r>
+            <a:endParaRPr lang="en-US" altLang="zh-CN" sz="1400" b="1" dirty="0" smtClean="0"/>
+          </a:p>
+          <a:p>
+            <a:r>
+              <a:rPr lang="zh-CN" altLang="en-US" sz="1400" dirty="0"/>
+              <a:t>我</a:t>
+            </a:r>
+            <a:r>
+              <a:rPr lang="zh-CN" altLang="en-US" sz="1400" dirty="0" smtClean="0"/>
+              <a:t>的想法：</a:t>
+            </a:r>
+            <a:endParaRPr lang="en-US" altLang="zh-CN" sz="1400" dirty="0" smtClean="0"/>
+          </a:p>
+          <a:p>
+            <a:r>
+              <a:rPr lang="en-US" altLang="zh-CN" sz="1400" dirty="0" smtClean="0"/>
+              <a:t>(.+)(?!\.exe)</a:t>
+            </a:r>
+          </a:p>
+          <a:p>
+            <a:r>
+              <a:rPr lang="zh-CN" altLang="en-US" sz="1400" dirty="0" smtClean="0"/>
+              <a:t>匹配结果如下图示，很明显，这个正则不符合需求。</a:t>
+            </a:r>
+            <a:endParaRPr lang="en-US" altLang="zh-CN" sz="1400" dirty="0" smtClean="0"/>
+          </a:p>
+          <a:p>
+            <a:r>
+              <a:rPr lang="zh-CN" altLang="en-US" sz="1400" dirty="0" smtClean="0"/>
+              <a:t>那么错在何处呢？</a:t>
+            </a:r>
+            <a:endParaRPr lang="en-US" altLang="zh-CN" sz="1400" dirty="0" smtClean="0"/>
+          </a:p>
+          <a:p>
+            <a:r>
+              <a:rPr lang="zh-CN" altLang="en-US" sz="1400" dirty="0" smtClean="0"/>
+              <a:t>这涉及到正则匹配的原理。为了解释方便，这里以多行模式来进行讲解。</a:t>
+            </a:r>
+            <a:endParaRPr lang="en-US" altLang="zh-CN" sz="1400" dirty="0" smtClean="0"/>
+          </a:p>
+          <a:p>
+            <a:r>
+              <a:rPr lang="zh-CN" altLang="en-US" sz="1400" dirty="0" smtClean="0"/>
+              <a:t>正则</a:t>
+            </a:r>
+            <a:r>
+              <a:rPr lang="en-US" altLang="zh-CN" sz="1400" dirty="0" smtClean="0"/>
+              <a:t>.+</a:t>
+            </a:r>
+            <a:r>
+              <a:rPr lang="zh-CN" altLang="en-US" sz="1400" dirty="0" smtClean="0"/>
+              <a:t>：由于没有指定位置，所以从每行字符串的起始位置开始匹配。</a:t>
+            </a:r>
+            <a:r>
+              <a:rPr lang="en-US" altLang="zh-CN" sz="1400" dirty="0" smtClean="0"/>
+              <a:t>.+</a:t>
+            </a:r>
+            <a:r>
+              <a:rPr lang="zh-CN" altLang="en-US" sz="1400" dirty="0" smtClean="0"/>
+              <a:t>是贪婪模式，尽可能的多匹配，且匹配内容为除换行符外的任何字符。因此，以第</a:t>
+            </a:r>
+            <a:r>
+              <a:rPr lang="en-US" altLang="zh-CN" sz="1400" dirty="0" smtClean="0"/>
+              <a:t>1</a:t>
+            </a:r>
+            <a:r>
+              <a:rPr lang="zh-CN" altLang="en-US" sz="1400" dirty="0" smtClean="0"/>
+              <a:t>行为例，</a:t>
+            </a:r>
+            <a:r>
+              <a:rPr lang="en-US" altLang="zh-CN" sz="1400" dirty="0" smtClean="0"/>
+              <a:t>.+</a:t>
+            </a:r>
+            <a:r>
+              <a:rPr lang="zh-CN" altLang="en-US" sz="1400" dirty="0" smtClean="0"/>
+              <a:t>最终的匹配结果为</a:t>
+            </a:r>
+            <a:r>
+              <a:rPr lang="en-US" altLang="zh-CN" sz="1400" dirty="0" smtClean="0"/>
+              <a:t>notexefile1.exe</a:t>
+            </a:r>
+            <a:r>
+              <a:rPr lang="zh-CN" altLang="en-US" sz="1400" dirty="0" smtClean="0"/>
+              <a:t>。</a:t>
+            </a:r>
+            <a:endParaRPr lang="en-US" altLang="zh-CN" sz="1400" dirty="0" smtClean="0"/>
+          </a:p>
+          <a:p>
+            <a:r>
+              <a:rPr lang="zh-CN" altLang="en-US" sz="1400" dirty="0"/>
+              <a:t>环视</a:t>
+            </a:r>
+            <a:r>
+              <a:rPr lang="en-US" altLang="zh-CN" sz="1400" dirty="0" smtClean="0"/>
+              <a:t>(?!\.exe)</a:t>
+            </a:r>
+            <a:r>
+              <a:rPr lang="zh-CN" altLang="en-US" sz="1400" dirty="0" smtClean="0"/>
+              <a:t>：在字符串</a:t>
+            </a:r>
+            <a:r>
+              <a:rPr lang="en-US" altLang="zh-CN" sz="1400" dirty="0" smtClean="0"/>
+              <a:t>notexefile1.exe</a:t>
+            </a:r>
+            <a:r>
+              <a:rPr lang="zh-CN" altLang="en-US" sz="1400" dirty="0" smtClean="0"/>
+              <a:t>的结束位置的后面</a:t>
+            </a:r>
+            <a:r>
+              <a:rPr lang="en-US" altLang="zh-CN" sz="1400" dirty="0"/>
+              <a:t>4</a:t>
+            </a:r>
+            <a:r>
+              <a:rPr lang="zh-CN" altLang="en-US" sz="1400" dirty="0" smtClean="0"/>
+              <a:t>个字符，不是</a:t>
+            </a:r>
+            <a:r>
+              <a:rPr lang="en-US" altLang="zh-CN" sz="1400" dirty="0" smtClean="0"/>
+              <a:t>”.exe”</a:t>
+            </a:r>
+            <a:r>
+              <a:rPr lang="zh-CN" altLang="en-US" sz="1400" dirty="0" smtClean="0"/>
+              <a:t>。成功，第</a:t>
+            </a:r>
+            <a:r>
+              <a:rPr lang="en-US" altLang="zh-CN" sz="1400" dirty="0" smtClean="0"/>
+              <a:t>1</a:t>
+            </a:r>
+            <a:r>
+              <a:rPr lang="zh-CN" altLang="en-US" sz="1400" dirty="0" smtClean="0"/>
+              <a:t>行匹配结束。下面几行的过程和这个过程一样，因此所有内容都匹配成功了。这就是错误的原因。</a:t>
+            </a:r>
+            <a:endParaRPr lang="en-US" altLang="zh-CN" sz="1400" dirty="0"/>
+          </a:p>
+        </p:txBody>
+      </p:sp>
+      <p:pic>
+        <p:nvPicPr>
+          <p:cNvPr id="4098" name="Picture 2"/>
+          <p:cNvPicPr>
+            <a:picLocks noChangeAspect="1" noChangeArrowheads="1"/>
+          </p:cNvPicPr>
+          <p:nvPr/>
+        </p:nvPicPr>
+        <p:blipFill>
+          <a:blip r:embed="rId2">
+            <a:extLst>
+              <a:ext uri="{28A0092B-C50C-407E-A947-70E740481C1C}">
+                <a14:useLocalDpi xmlns:a14="http://schemas.microsoft.com/office/drawing/2010/main" val="0"/>
+              </a:ext>
+            </a:extLst>
+          </a:blip>
+          <a:srcRect/>
+          <a:stretch>
+            <a:fillRect/>
+          </a:stretch>
+        </p:blipFill>
+        <p:spPr bwMode="auto">
+          <a:xfrm>
+            <a:off x="-36512" y="4824908"/>
+            <a:ext cx="5572125" cy="4076700"/>
+          </a:xfrm>
+          <a:prstGeom prst="rect">
+            <a:avLst/>
+          </a:prstGeom>
+          <a:noFill/>
+          <a:ln>
+            <a:noFill/>
+          </a:ln>
+          <a:effectLst/>
+          <a:extLst>
+            <a:ext uri="{909E8E84-426E-40DD-AFC4-6F175D3DCCD1}">
+              <a14:hiddenFill xmlns:a14="http://schemas.microsoft.com/office/drawing/2010/main">
+                <a:solidFill>
+                  <a:schemeClr val="accent1"/>
+                </a:solidFill>
+              </a14:hiddenFill>
+            </a:ext>
+            <a:ext uri="{91240B29-F687-4F45-9708-019B960494DF}">
+              <a14:hiddenLine xmlns:a14="http://schemas.microsoft.com/office/drawing/2010/main" w="9525">
+                <a:solidFill>
+                  <a:schemeClr val="tx1"/>
+                </a:solidFill>
+                <a:miter lim="800000"/>
+                <a:headEnd/>
+                <a:tailEnd/>
+              </a14:hiddenLine>
+            </a:ext>
+            <a:ext uri="{AF507438-7753-43E0-B8FC-AC1667EBCBE1}">
+              <a14:hiddenEffects xmlns:a14="http://schemas.microsoft.com/office/drawing/2010/main">
+                <a:effectLst>
+                  <a:outerShdw dist="35921" dir="2700000" algn="ctr" rotWithShape="0">
+                    <a:schemeClr val="bg2"/>
+                  </a:outerShdw>
+                </a:effectLst>
+              </a14:hiddenEffects>
+            </a:ext>
+          </a:extLst>
+        </p:spPr>
+      </p:pic>
+    </p:spTree>
+    <p:extLst>
+      <p:ext uri="{BB962C8B-B14F-4D97-AF65-F5344CB8AC3E}">
+        <p14:creationId xmlns:p14="http://schemas.microsoft.com/office/powerpoint/2010/main" val="3514432816"/>
+      </p:ext>
+    </p:extLst>
+  </p:cSld>
+  <p:clrMapOvr>
+    <a:masterClrMapping/>
+  </p:clrMapOvr>
+</p:sld>
+</file>
+
+<file path=ppt/slides/slide54.xml><?xml version="1.0" encoding="utf-8"?>
+<p:sld xmlns:a="http://schemas.openxmlformats.org/drawingml/2006/main" xmlns:r="http://schemas.openxmlformats.org/officeDocument/2006/relationships" xmlns:p="http://schemas.openxmlformats.org/presentationml/2006/main">
+  <p:cSld>
+    <p:spTree>
+      <p:nvGrpSpPr>
+        <p:cNvPr id="1" name=""/>
+        <p:cNvGrpSpPr/>
+        <p:nvPr/>
+      </p:nvGrpSpPr>
+      <p:grpSpPr>
+        <a:xfrm>
+          <a:off x="0" y="0"/>
+          <a:ext cx="0" cy="0"/>
+          <a:chOff x="0" y="0"/>
+          <a:chExt cx="0" cy="0"/>
+        </a:xfrm>
+      </p:grpSpPr>
+      <p:sp>
+        <p:nvSpPr>
+          <p:cNvPr id="2" name="标题 1"/>
+          <p:cNvSpPr>
+            <a:spLocks noGrp="1"/>
+          </p:cNvSpPr>
+          <p:nvPr>
+            <p:ph type="title"/>
+          </p:nvPr>
+        </p:nvSpPr>
+        <p:spPr/>
+        <p:txBody>
+          <a:bodyPr/>
+          <a:lstStyle/>
+          <a:p>
+            <a:r>
+              <a:rPr lang="en-US" altLang="zh-CN" dirty="0"/>
+              <a:t>3.3.7 </a:t>
+            </a:r>
+            <a:r>
+              <a:rPr lang="zh-CN" altLang="en-US" dirty="0"/>
+              <a:t>环视</a:t>
+            </a:r>
+          </a:p>
+        </p:txBody>
+      </p:sp>
+      <p:sp>
+        <p:nvSpPr>
+          <p:cNvPr id="3" name="内容占位符 2"/>
+          <p:cNvSpPr>
+            <a:spLocks noGrp="1"/>
+          </p:cNvSpPr>
+          <p:nvPr>
+            <p:ph idx="1"/>
+          </p:nvPr>
+        </p:nvSpPr>
+        <p:spPr/>
+        <p:txBody>
+          <a:bodyPr>
+            <a:normAutofit/>
+          </a:bodyPr>
+          <a:lstStyle/>
+          <a:p>
+            <a:r>
+              <a:rPr lang="en-US" altLang="zh-CN" sz="1400" b="1" dirty="0"/>
+              <a:t>3.3.7.2</a:t>
+            </a:r>
+            <a:r>
+              <a:rPr lang="zh-CN" altLang="en-US" sz="1400" b="1" dirty="0"/>
+              <a:t>顺序否定环视</a:t>
+            </a:r>
+            <a:endParaRPr lang="en-US" altLang="zh-CN" sz="1400" b="1" dirty="0"/>
+          </a:p>
+          <a:p>
+            <a:r>
+              <a:rPr lang="en-US" altLang="zh-CN" sz="1400" b="1" dirty="0"/>
+              <a:t>1) </a:t>
+            </a:r>
+            <a:r>
+              <a:rPr lang="zh-CN" altLang="en-US" sz="1400" b="1" dirty="0"/>
+              <a:t>顺序否定环视的常规用法</a:t>
+            </a:r>
+            <a:endParaRPr lang="en-US" altLang="zh-CN" sz="1400" b="1" dirty="0"/>
+          </a:p>
+          <a:p>
+            <a:r>
+              <a:rPr lang="zh-CN" altLang="en-US" sz="1400" dirty="0" smtClean="0"/>
+              <a:t>为了避免这个错误，需要在环视限定的条件下，将后缀部分消耗掉，同时还要限定这个后缀不能为</a:t>
+            </a:r>
+            <a:r>
+              <a:rPr lang="en-US" altLang="zh-CN" sz="1400" dirty="0" smtClean="0"/>
+              <a:t>”.exe”</a:t>
+            </a:r>
+            <a:r>
+              <a:rPr lang="zh-CN" altLang="en-US" sz="1400" dirty="0" smtClean="0"/>
+              <a:t>。最后再用分组获取文件名。</a:t>
+            </a:r>
+            <a:endParaRPr lang="en-US" altLang="zh-CN" sz="1400" dirty="0" smtClean="0"/>
+          </a:p>
+          <a:p>
+            <a:r>
+              <a:rPr lang="zh-CN" altLang="en-US" sz="1400" dirty="0" smtClean="0"/>
+              <a:t>将后缀部分消耗掉，也就是说在</a:t>
+            </a:r>
+            <a:r>
+              <a:rPr lang="en-US" altLang="zh-CN" sz="1400" dirty="0" smtClean="0"/>
+              <a:t>(.+)</a:t>
+            </a:r>
+            <a:r>
+              <a:rPr lang="zh-CN" altLang="en-US" sz="1400" dirty="0" smtClean="0"/>
+              <a:t>的后面应该出现一部分内容，该内容专门用来匹配源字符串中的</a:t>
+            </a:r>
+            <a:r>
+              <a:rPr lang="en-US" altLang="zh-CN" sz="1400" dirty="0" smtClean="0"/>
+              <a:t>”.”</a:t>
+            </a:r>
+            <a:r>
+              <a:rPr lang="zh-CN" altLang="en-US" sz="1400" dirty="0" smtClean="0"/>
+              <a:t>后面的内容，最后再用环视去匹配</a:t>
+            </a:r>
+            <a:r>
+              <a:rPr lang="en-US" altLang="zh-CN" sz="1400" dirty="0" smtClean="0"/>
+              <a:t>(.+)</a:t>
+            </a:r>
+            <a:r>
+              <a:rPr lang="zh-CN" altLang="en-US" sz="1400" dirty="0" smtClean="0"/>
+              <a:t>后面的内容是否为</a:t>
+            </a:r>
+            <a:r>
+              <a:rPr lang="en-US" altLang="zh-CN" sz="1400" dirty="0" smtClean="0"/>
+              <a:t>.exe</a:t>
+            </a:r>
+          </a:p>
+          <a:p>
+            <a:r>
+              <a:rPr lang="en-US" altLang="zh-CN" sz="1400" dirty="0" smtClean="0"/>
+              <a:t>(.+)(?!\.exe)\.[^.]+$</a:t>
+            </a:r>
+          </a:p>
+          <a:p>
+            <a:r>
+              <a:rPr lang="zh-CN" altLang="en-US" sz="1400" dirty="0" smtClean="0"/>
+              <a:t>思路分析：</a:t>
+            </a:r>
+            <a:endParaRPr lang="en-US" altLang="zh-CN" sz="1400" dirty="0" smtClean="0"/>
+          </a:p>
+          <a:p>
+            <a:r>
+              <a:rPr lang="en-US" altLang="zh-CN" sz="1400" dirty="0" smtClean="0"/>
+              <a:t>step1.  </a:t>
+            </a:r>
+            <a:r>
+              <a:rPr lang="zh-CN" altLang="en-US" sz="1400" dirty="0" smtClean="0"/>
+              <a:t>不考虑需求中的</a:t>
+            </a:r>
+            <a:r>
+              <a:rPr lang="en-US" altLang="zh-CN" sz="1400" dirty="0" smtClean="0"/>
+              <a:t>”</a:t>
+            </a:r>
+            <a:r>
+              <a:rPr lang="zh-CN" altLang="en-US" sz="1400" dirty="0" smtClean="0"/>
+              <a:t>后缀不为</a:t>
+            </a:r>
+            <a:r>
+              <a:rPr lang="en-US" altLang="zh-CN" sz="1400" dirty="0" smtClean="0"/>
+              <a:t>.exe”</a:t>
+            </a:r>
+            <a:r>
+              <a:rPr lang="zh-CN" altLang="en-US" sz="1400" dirty="0" smtClean="0"/>
+              <a:t>，即不考虑环视的问题，先写出一个匹配文件名的正则。</a:t>
+            </a:r>
+            <a:endParaRPr lang="en-US" altLang="zh-CN" sz="1400" dirty="0" smtClean="0"/>
+          </a:p>
+          <a:p>
+            <a:r>
+              <a:rPr lang="en-US" altLang="zh-CN" sz="1400" dirty="0" smtClean="0"/>
+              <a:t>(.+)\.[^.]+$</a:t>
+            </a:r>
+            <a:r>
+              <a:rPr lang="zh-CN" altLang="en-US" sz="1400" dirty="0" smtClean="0"/>
+              <a:t>。运行结果如左下图示。</a:t>
+            </a:r>
+            <a:endParaRPr lang="en-US" altLang="zh-CN" sz="1400" dirty="0" smtClean="0"/>
+          </a:p>
+          <a:p>
+            <a:r>
+              <a:rPr lang="en-US" altLang="zh-CN" sz="1400" dirty="0" smtClean="0"/>
+              <a:t>step2. </a:t>
+            </a:r>
+            <a:r>
+              <a:rPr lang="zh-CN" altLang="en-US" sz="1400" dirty="0" smtClean="0"/>
+              <a:t>再考虑需求</a:t>
+            </a:r>
+            <a:r>
+              <a:rPr lang="en-US" altLang="zh-CN" sz="1400" dirty="0"/>
+              <a:t>”</a:t>
+            </a:r>
+            <a:r>
+              <a:rPr lang="zh-CN" altLang="en-US" sz="1400" dirty="0"/>
+              <a:t>后缀不为</a:t>
+            </a:r>
+            <a:r>
+              <a:rPr lang="en-US" altLang="zh-CN" sz="1400" dirty="0"/>
+              <a:t>.exe</a:t>
+            </a:r>
+            <a:r>
+              <a:rPr lang="en-US" altLang="zh-CN" sz="1400" dirty="0" smtClean="0"/>
+              <a:t>”</a:t>
+            </a:r>
+            <a:r>
+              <a:rPr lang="zh-CN" altLang="en-US" sz="1400" dirty="0" smtClean="0"/>
+              <a:t>，也就是在这个正则的基础上添加环视作为附加条件，过滤掉后缀为</a:t>
+            </a:r>
+            <a:r>
+              <a:rPr lang="en-US" altLang="zh-CN" sz="1400" dirty="0" smtClean="0"/>
+              <a:t>.exe</a:t>
+            </a:r>
+            <a:r>
+              <a:rPr lang="zh-CN" altLang="en-US" sz="1400" dirty="0" smtClean="0"/>
+              <a:t>的部分。运行结果如右下图示。</a:t>
+            </a:r>
+            <a:endParaRPr lang="en-US" altLang="zh-CN" sz="1400" dirty="0" smtClean="0"/>
+          </a:p>
+          <a:p>
+            <a:r>
+              <a:rPr lang="zh-CN" altLang="en-US" sz="1400" dirty="0"/>
+              <a:t>总结</a:t>
+            </a:r>
+            <a:r>
+              <a:rPr lang="zh-CN" altLang="en-US" sz="1400" dirty="0" smtClean="0"/>
+              <a:t>分析：</a:t>
+            </a:r>
+            <a:endParaRPr lang="en-US" altLang="zh-CN" sz="1400" dirty="0" smtClean="0"/>
+          </a:p>
+          <a:p>
+            <a:r>
+              <a:rPr lang="zh-CN" altLang="en-US" sz="1400" smtClean="0"/>
+              <a:t>也就是说在书写环视的过程中，应该是先完成正则的书写，然后在考虑使用环视作为附加的匹配条件进行过滤，也就是哲学上说的“先解决主要矛盾，再解决次要矛盾”。</a:t>
+            </a:r>
+            <a:endParaRPr lang="zh-CN" altLang="en-US" sz="1400" dirty="0"/>
+          </a:p>
+        </p:txBody>
+      </p:sp>
+      <p:pic>
+        <p:nvPicPr>
+          <p:cNvPr id="5122" name="Picture 2"/>
+          <p:cNvPicPr>
+            <a:picLocks noChangeAspect="1" noChangeArrowheads="1"/>
+          </p:cNvPicPr>
+          <p:nvPr/>
+        </p:nvPicPr>
+        <p:blipFill>
+          <a:blip r:embed="rId2">
+            <a:extLst>
+              <a:ext uri="{28A0092B-C50C-407E-A947-70E740481C1C}">
+                <a14:useLocalDpi xmlns:a14="http://schemas.microsoft.com/office/drawing/2010/main" val="0"/>
+              </a:ext>
+            </a:extLst>
+          </a:blip>
+          <a:srcRect/>
+          <a:stretch>
+            <a:fillRect/>
+          </a:stretch>
+        </p:blipFill>
+        <p:spPr bwMode="auto">
+          <a:xfrm>
+            <a:off x="-2556795" y="6859506"/>
+            <a:ext cx="5667375" cy="4248150"/>
+          </a:xfrm>
+          <a:prstGeom prst="rect">
+            <a:avLst/>
+          </a:prstGeom>
+          <a:noFill/>
+          <a:ln>
+            <a:noFill/>
+          </a:ln>
+          <a:effectLst/>
+          <a:extLst>
+            <a:ext uri="{909E8E84-426E-40DD-AFC4-6F175D3DCCD1}">
+              <a14:hiddenFill xmlns:a14="http://schemas.microsoft.com/office/drawing/2010/main">
+                <a:solidFill>
+                  <a:schemeClr val="accent1"/>
+                </a:solidFill>
+              </a14:hiddenFill>
+            </a:ext>
+            <a:ext uri="{91240B29-F687-4F45-9708-019B960494DF}">
+              <a14:hiddenLine xmlns:a14="http://schemas.microsoft.com/office/drawing/2010/main" w="9525">
+                <a:solidFill>
+                  <a:schemeClr val="tx1"/>
+                </a:solidFill>
+                <a:miter lim="800000"/>
+                <a:headEnd/>
+                <a:tailEnd/>
+              </a14:hiddenLine>
+            </a:ext>
+            <a:ext uri="{AF507438-7753-43E0-B8FC-AC1667EBCBE1}">
+              <a14:hiddenEffects xmlns:a14="http://schemas.microsoft.com/office/drawing/2010/main">
+                <a:effectLst>
+                  <a:outerShdw dist="35921" dir="2700000" algn="ctr" rotWithShape="0">
+                    <a:schemeClr val="bg2"/>
+                  </a:outerShdw>
+                </a:effectLst>
+              </a14:hiddenEffects>
+            </a:ext>
+          </a:extLst>
+        </p:spPr>
+      </p:pic>
+      <p:pic>
+        <p:nvPicPr>
+          <p:cNvPr id="5123" name="Picture 3"/>
+          <p:cNvPicPr>
+            <a:picLocks noChangeAspect="1" noChangeArrowheads="1"/>
+          </p:cNvPicPr>
+          <p:nvPr/>
+        </p:nvPicPr>
+        <p:blipFill>
+          <a:blip r:embed="rId3">
+            <a:extLst>
+              <a:ext uri="{28A0092B-C50C-407E-A947-70E740481C1C}">
+                <a14:useLocalDpi xmlns:a14="http://schemas.microsoft.com/office/drawing/2010/main" val="0"/>
+              </a:ext>
+            </a:extLst>
+          </a:blip>
+          <a:srcRect/>
+          <a:stretch>
+            <a:fillRect/>
+          </a:stretch>
+        </p:blipFill>
+        <p:spPr bwMode="auto">
+          <a:xfrm>
+            <a:off x="5292080" y="6859506"/>
+            <a:ext cx="5600700" cy="5667375"/>
+          </a:xfrm>
+          <a:prstGeom prst="rect">
+            <a:avLst/>
+          </a:prstGeom>
+          <a:noFill/>
+          <a:ln>
+            <a:noFill/>
+          </a:ln>
+          <a:effectLst/>
+          <a:extLst>
+            <a:ext uri="{909E8E84-426E-40DD-AFC4-6F175D3DCCD1}">
+              <a14:hiddenFill xmlns:a14="http://schemas.microsoft.com/office/drawing/2010/main">
+                <a:solidFill>
+                  <a:schemeClr val="accent1"/>
+                </a:solidFill>
+              </a14:hiddenFill>
+            </a:ext>
+            <a:ext uri="{91240B29-F687-4F45-9708-019B960494DF}">
+              <a14:hiddenLine xmlns:a14="http://schemas.microsoft.com/office/drawing/2010/main" w="9525">
+                <a:solidFill>
+                  <a:schemeClr val="tx1"/>
+                </a:solidFill>
+                <a:miter lim="800000"/>
+                <a:headEnd/>
+                <a:tailEnd/>
+              </a14:hiddenLine>
+            </a:ext>
+            <a:ext uri="{AF507438-7753-43E0-B8FC-AC1667EBCBE1}">
+              <a14:hiddenEffects xmlns:a14="http://schemas.microsoft.com/office/drawing/2010/main">
+                <a:effectLst>
+                  <a:outerShdw dist="35921" dir="2700000" algn="ctr" rotWithShape="0">
+                    <a:schemeClr val="bg2"/>
+                  </a:outerShdw>
+                </a:effectLst>
+              </a14:hiddenEffects>
+            </a:ext>
+          </a:extLst>
+        </p:spPr>
+      </p:pic>
+    </p:spTree>
+    <p:extLst>
+      <p:ext uri="{BB962C8B-B14F-4D97-AF65-F5344CB8AC3E}">
+        <p14:creationId xmlns:p14="http://schemas.microsoft.com/office/powerpoint/2010/main" val="565816168"/>
       </p:ext>
     </p:extLst>
   </p:cSld>
@@ -11075,4 +20083,289 @@
   <a:objectDefaults/>
   <a:extraClrSchemeLst/>
 </a:theme>
+</file>
+
+<file path=ppt/theme/theme2.xml><?xml version="1.0" encoding="utf-8"?>
+<a:theme xmlns:a="http://schemas.openxmlformats.org/drawingml/2006/main" name="Office 主题​​">
+  <a:themeElements>
+    <a:clrScheme name="Office">
+      <a:dk1>
+        <a:sysClr val="windowText" lastClr="000000"/>
+      </a:dk1>
+      <a:lt1>
+        <a:sysClr val="window" lastClr="FFFFFF"/>
+      </a:lt1>
+      <a:dk2>
+        <a:srgbClr val="1F497D"/>
+      </a:dk2>
+      <a:lt2>
+        <a:srgbClr val="EEECE1"/>
+      </a:lt2>
+      <a:accent1>
+        <a:srgbClr val="4F81BD"/>
+      </a:accent1>
+      <a:accent2>
+        <a:srgbClr val="C0504D"/>
+      </a:accent2>
+      <a:accent3>
+        <a:srgbClr val="9BBB59"/>
+      </a:accent3>
+      <a:accent4>
+        <a:srgbClr val="8064A2"/>
+      </a:accent4>
+      <a:accent5>
+        <a:srgbClr val="4BACC6"/>
+      </a:accent5>
+      <a:accent6>
+        <a:srgbClr val="F79646"/>
+      </a:accent6>
+      <a:hlink>
+        <a:srgbClr val="0000FF"/>
+      </a:hlink>
+      <a:folHlink>
+        <a:srgbClr val="800080"/>
+      </a:folHlink>
+    </a:clrScheme>
+    <a:fontScheme name="Office">
+      <a:majorFont>
+        <a:latin typeface="Calibri"/>
+        <a:ea typeface=""/>
+        <a:cs typeface=""/>
+        <a:font script="Jpan" typeface="ＭＳ Ｐゴシック"/>
+        <a:font script="Hang" typeface="맑은 고딕"/>
+        <a:font script="Hans" typeface="宋体"/>
+        <a:font script="Hant" typeface="新細明體"/>
+        <a:font script="Arab" typeface="Times New Roman"/>
+        <a:font script="Hebr" typeface="Times New Roman"/>
+        <a:font script="Thai" typeface="Angsana New"/>
+        <a:font script="Ethi" typeface="Nyala"/>
+        <a:font script="Beng" typeface="Vrinda"/>
+        <a:font script="Gujr" typeface="Shruti"/>
+        <a:font script="Khmr" typeface="MoolBoran"/>
+        <a:font script="Knda" typeface="Tunga"/>
+        <a:font script="Guru" typeface="Raavi"/>
+        <a:font script="Cans" typeface="Euphemia"/>
+        <a:font script="Cher" typeface="Plantagenet Cherokee"/>
+        <a:font script="Yiii" typeface="Microsoft Yi Baiti"/>
+        <a:font script="Tibt" typeface="Microsoft Himalaya"/>
+        <a:font script="Thaa" typeface="MV Boli"/>
+        <a:font script="Deva" typeface="Mangal"/>
+        <a:font script="Telu" typeface="Gautami"/>
+        <a:font script="Taml" typeface="Latha"/>
+        <a:font script="Syrc" typeface="Estrangelo Edessa"/>
+        <a:font script="Orya" typeface="Kalinga"/>
+        <a:font script="Mlym" typeface="Kartika"/>
+        <a:font script="Laoo" typeface="DokChampa"/>
+        <a:font script="Sinh" typeface="Iskoola Pota"/>
+        <a:font script="Mong" typeface="Mongolian Baiti"/>
+        <a:font script="Viet" typeface="Times New Roman"/>
+        <a:font script="Uigh" typeface="Microsoft Uighur"/>
+        <a:font script="Geor" typeface="Sylfaen"/>
+      </a:majorFont>
+      <a:minorFont>
+        <a:latin typeface="Calibri"/>
+        <a:ea typeface=""/>
+        <a:cs typeface=""/>
+        <a:font script="Jpan" typeface="ＭＳ Ｐゴシック"/>
+        <a:font script="Hang" typeface="맑은 고딕"/>
+        <a:font script="Hans" typeface="宋体"/>
+        <a:font script="Hant" typeface="新細明體"/>
+        <a:font script="Arab" typeface="Arial"/>
+        <a:font script="Hebr" typeface="Arial"/>
+        <a:font script="Thai" typeface="Cordia New"/>
+        <a:font script="Ethi" typeface="Nyala"/>
+        <a:font script="Beng" typeface="Vrinda"/>
+        <a:font script="Gujr" typeface="Shruti"/>
+        <a:font script="Khmr" typeface="DaunPenh"/>
+        <a:font script="Knda" typeface="Tunga"/>
+        <a:font script="Guru" typeface="Raavi"/>
+        <a:font script="Cans" typeface="Euphemia"/>
+        <a:font script="Cher" typeface="Plantagenet Cherokee"/>
+        <a:font script="Yiii" typeface="Microsoft Yi Baiti"/>
+        <a:font script="Tibt" typeface="Microsoft Himalaya"/>
+        <a:font script="Thaa" typeface="MV Boli"/>
+        <a:font script="Deva" typeface="Mangal"/>
+        <a:font script="Telu" typeface="Gautami"/>
+        <a:font script="Taml" typeface="Latha"/>
+        <a:font script="Syrc" typeface="Estrangelo Edessa"/>
+        <a:font script="Orya" typeface="Kalinga"/>
+        <a:font script="Mlym" typeface="Kartika"/>
+        <a:font script="Laoo" typeface="DokChampa"/>
+        <a:font script="Sinh" typeface="Iskoola Pota"/>
+        <a:font script="Mong" typeface="Mongolian Baiti"/>
+        <a:font script="Viet" typeface="Arial"/>
+        <a:font script="Uigh" typeface="Microsoft Uighur"/>
+        <a:font script="Geor" typeface="Sylfaen"/>
+      </a:minorFont>
+    </a:fontScheme>
+    <a:fmtScheme name="Office">
+      <a:fillStyleLst>
+        <a:solidFill>
+          <a:schemeClr val="phClr"/>
+        </a:solidFill>
+        <a:gradFill rotWithShape="1">
+          <a:gsLst>
+            <a:gs pos="0">
+              <a:schemeClr val="phClr">
+                <a:tint val="50000"/>
+                <a:satMod val="300000"/>
+              </a:schemeClr>
+            </a:gs>
+            <a:gs pos="35000">
+              <a:schemeClr val="phClr">
+                <a:tint val="37000"/>
+                <a:satMod val="300000"/>
+              </a:schemeClr>
+            </a:gs>
+            <a:gs pos="100000">
+              <a:schemeClr val="phClr">
+                <a:tint val="15000"/>
+                <a:satMod val="350000"/>
+              </a:schemeClr>
+            </a:gs>
+          </a:gsLst>
+          <a:lin ang="16200000" scaled="1"/>
+        </a:gradFill>
+        <a:gradFill rotWithShape="1">
+          <a:gsLst>
+            <a:gs pos="0">
+              <a:schemeClr val="phClr">
+                <a:shade val="51000"/>
+                <a:satMod val="130000"/>
+              </a:schemeClr>
+            </a:gs>
+            <a:gs pos="80000">
+              <a:schemeClr val="phClr">
+                <a:shade val="93000"/>
+                <a:satMod val="130000"/>
+              </a:schemeClr>
+            </a:gs>
+            <a:gs pos="100000">
+              <a:schemeClr val="phClr">
+                <a:shade val="94000"/>
+                <a:satMod val="135000"/>
+              </a:schemeClr>
+            </a:gs>
+          </a:gsLst>
+          <a:lin ang="16200000" scaled="0"/>
+        </a:gradFill>
+      </a:fillStyleLst>
+      <a:lnStyleLst>
+        <a:ln w="9525" cap="flat" cmpd="sng" algn="ctr">
+          <a:solidFill>
+            <a:schemeClr val="phClr">
+              <a:shade val="95000"/>
+              <a:satMod val="105000"/>
+            </a:schemeClr>
+          </a:solidFill>
+          <a:prstDash val="solid"/>
+        </a:ln>
+        <a:ln w="25400" cap="flat" cmpd="sng" algn="ctr">
+          <a:solidFill>
+            <a:schemeClr val="phClr"/>
+          </a:solidFill>
+          <a:prstDash val="solid"/>
+        </a:ln>
+        <a:ln w="38100" cap="flat" cmpd="sng" algn="ctr">
+          <a:solidFill>
+            <a:schemeClr val="phClr"/>
+          </a:solidFill>
+          <a:prstDash val="solid"/>
+        </a:ln>
+      </a:lnStyleLst>
+      <a:effectStyleLst>
+        <a:effectStyle>
+          <a:effectLst>
+            <a:outerShdw blurRad="40000" dist="20000" dir="5400000" rotWithShape="0">
+              <a:srgbClr val="000000">
+                <a:alpha val="38000"/>
+              </a:srgbClr>
+            </a:outerShdw>
+          </a:effectLst>
+        </a:effectStyle>
+        <a:effectStyle>
+          <a:effectLst>
+            <a:outerShdw blurRad="40000" dist="23000" dir="5400000" rotWithShape="0">
+              <a:srgbClr val="000000">
+                <a:alpha val="35000"/>
+              </a:srgbClr>
+            </a:outerShdw>
+          </a:effectLst>
+        </a:effectStyle>
+        <a:effectStyle>
+          <a:effectLst>
+            <a:outerShdw blurRad="40000" dist="23000" dir="5400000" rotWithShape="0">
+              <a:srgbClr val="000000">
+                <a:alpha val="35000"/>
+              </a:srgbClr>
+            </a:outerShdw>
+          </a:effectLst>
+          <a:scene3d>
+            <a:camera prst="orthographicFront">
+              <a:rot lat="0" lon="0" rev="0"/>
+            </a:camera>
+            <a:lightRig rig="threePt" dir="t">
+              <a:rot lat="0" lon="0" rev="1200000"/>
+            </a:lightRig>
+          </a:scene3d>
+          <a:sp3d>
+            <a:bevelT w="63500" h="25400"/>
+          </a:sp3d>
+        </a:effectStyle>
+      </a:effectStyleLst>
+      <a:bgFillStyleLst>
+        <a:solidFill>
+          <a:schemeClr val="phClr"/>
+        </a:solidFill>
+        <a:gradFill rotWithShape="1">
+          <a:gsLst>
+            <a:gs pos="0">
+              <a:schemeClr val="phClr">
+                <a:tint val="40000"/>
+                <a:satMod val="350000"/>
+              </a:schemeClr>
+            </a:gs>
+            <a:gs pos="40000">
+              <a:schemeClr val="phClr">
+                <a:tint val="45000"/>
+                <a:shade val="99000"/>
+                <a:satMod val="350000"/>
+              </a:schemeClr>
+            </a:gs>
+            <a:gs pos="100000">
+              <a:schemeClr val="phClr">
+                <a:shade val="20000"/>
+                <a:satMod val="255000"/>
+              </a:schemeClr>
+            </a:gs>
+          </a:gsLst>
+          <a:path path="circle">
+            <a:fillToRect l="50000" t="-80000" r="50000" b="180000"/>
+          </a:path>
+        </a:gradFill>
+        <a:gradFill rotWithShape="1">
+          <a:gsLst>
+            <a:gs pos="0">
+              <a:schemeClr val="phClr">
+                <a:tint val="80000"/>
+                <a:satMod val="300000"/>
+              </a:schemeClr>
+            </a:gs>
+            <a:gs pos="100000">
+              <a:schemeClr val="phClr">
+                <a:shade val="30000"/>
+                <a:satMod val="200000"/>
+              </a:schemeClr>
+            </a:gs>
+          </a:gsLst>
+          <a:path path="circle">
+            <a:fillToRect l="50000" t="50000" r="50000" b="50000"/>
+          </a:path>
+        </a:gradFill>
+      </a:bgFillStyleLst>
+    </a:fmtScheme>
+  </a:themeElements>
+  <a:objectDefaults/>
+  <a:extraClrSchemeLst/>
+</a:theme>
 </file>
--- a/《PHP核心技术与最佳实践》第3章--正则表达式基础与应用/3.3 正则表达式匹配规则.pptx
+++ b/《PHP核心技术与最佳实践》第3章--正则表达式基础与应用/3.3 正则表达式匹配规则.pptx
@@ -5,7 +5,7 @@
     <p:sldMasterId id="2147483648" r:id="rId1"/>
   </p:sldMasterIdLst>
   <p:notesMasterIdLst>
-    <p:notesMasterId r:id="rId56"/>
+    <p:notesMasterId r:id="rId59"/>
   </p:notesMasterIdLst>
   <p:sldIdLst>
     <p:sldId id="256" r:id="rId2"/>
@@ -62,6 +62,9 @@
     <p:sldId id="307" r:id="rId53"/>
     <p:sldId id="308" r:id="rId54"/>
     <p:sldId id="309" r:id="rId55"/>
+    <p:sldId id="310" r:id="rId56"/>
+    <p:sldId id="311" r:id="rId57"/>
+    <p:sldId id="312" r:id="rId58"/>
   </p:sldIdLst>
   <p:sldSz cx="9144000" cy="6858000" type="screen4x3"/>
   <p:notesSz cx="6858000" cy="9144000"/>
@@ -588,6 +591,94 @@
     <p:extLst>
       <p:ext uri="{BB962C8B-B14F-4D97-AF65-F5344CB8AC3E}">
         <p14:creationId xmlns:p14="http://schemas.microsoft.com/office/powerpoint/2010/main" val="1551703559"/>
+      </p:ext>
+    </p:extLst>
+  </p:cSld>
+  <p:clrMapOvr>
+    <a:masterClrMapping/>
+  </p:clrMapOvr>
+</p:notes>
+</file>
+
+<file path=ppt/notesSlides/notesSlide2.xml><?xml version="1.0" encoding="utf-8"?>
+<p:notes xmlns:a="http://schemas.openxmlformats.org/drawingml/2006/main" xmlns:r="http://schemas.openxmlformats.org/officeDocument/2006/relationships" xmlns:p="http://schemas.openxmlformats.org/presentationml/2006/main">
+  <p:cSld>
+    <p:spTree>
+      <p:nvGrpSpPr>
+        <p:cNvPr id="1" name=""/>
+        <p:cNvGrpSpPr/>
+        <p:nvPr/>
+      </p:nvGrpSpPr>
+      <p:grpSpPr>
+        <a:xfrm>
+          <a:off x="0" y="0"/>
+          <a:ext cx="0" cy="0"/>
+          <a:chOff x="0" y="0"/>
+          <a:chExt cx="0" cy="0"/>
+        </a:xfrm>
+      </p:grpSpPr>
+      <p:sp>
+        <p:nvSpPr>
+          <p:cNvPr id="2" name="幻灯片图像占位符 1"/>
+          <p:cNvSpPr>
+            <a:spLocks noGrp="1" noRot="1" noChangeAspect="1"/>
+          </p:cNvSpPr>
+          <p:nvPr>
+            <p:ph type="sldImg"/>
+          </p:nvPr>
+        </p:nvSpPr>
+        <p:spPr/>
+      </p:sp>
+      <p:sp>
+        <p:nvSpPr>
+          <p:cNvPr id="3" name="备注占位符 2"/>
+          <p:cNvSpPr>
+            <a:spLocks noGrp="1"/>
+          </p:cNvSpPr>
+          <p:nvPr>
+            <p:ph type="body" idx="1"/>
+          </p:nvPr>
+        </p:nvSpPr>
+        <p:spPr/>
+        <p:txBody>
+          <a:bodyPr/>
+          <a:lstStyle/>
+          <a:p>
+            <a:r>
+              <a:rPr lang="en-US" altLang="zh-CN" dirty="0" smtClean="0"/>
+              <a:t>https://www.cnblogs.com/Zjmainstay/p/regexp-lookaround.html</a:t>
+            </a:r>
+            <a:endParaRPr lang="zh-CN" altLang="en-US" dirty="0"/>
+          </a:p>
+        </p:txBody>
+      </p:sp>
+      <p:sp>
+        <p:nvSpPr>
+          <p:cNvPr id="4" name="灯片编号占位符 3"/>
+          <p:cNvSpPr>
+            <a:spLocks noGrp="1"/>
+          </p:cNvSpPr>
+          <p:nvPr>
+            <p:ph type="sldNum" sz="quarter" idx="10"/>
+          </p:nvPr>
+        </p:nvSpPr>
+        <p:spPr/>
+        <p:txBody>
+          <a:bodyPr/>
+          <a:lstStyle/>
+          <a:p>
+            <a:fld id="{8FE635F7-250E-4D8F-9227-339E324A9C55}" type="slidenum">
+              <a:rPr lang="zh-CN" altLang="en-US" smtClean="0"/>
+              <a:t>55</a:t>
+            </a:fld>
+            <a:endParaRPr lang="zh-CN" altLang="en-US"/>
+          </a:p>
+        </p:txBody>
+      </p:sp>
+    </p:spTree>
+    <p:extLst>
+      <p:ext uri="{BB962C8B-B14F-4D97-AF65-F5344CB8AC3E}">
+        <p14:creationId xmlns:p14="http://schemas.microsoft.com/office/powerpoint/2010/main" val="3993679943"/>
       </p:ext>
     </p:extLst>
   </p:cSld>
@@ -15915,15 +16006,7 @@
                   <a:srgbClr val="0070C0"/>
                 </a:solidFill>
               </a:rPr>
-              <a:t>用我自己的话说就是：在主表达式开始匹配之前，先找到环视子表达式所描述的位置，对该位置前或后的内容，用环视子表达式进行匹配，当且仅当环视子表达式匹配成功后，才能开始主表达式的匹配过程。且最终匹配出的内容，仅有符合主表达式所描述模式的内容</a:t>
-            </a:r>
-            <a:r>
-              <a:rPr lang="zh-CN" altLang="en-US" sz="1400" dirty="0" smtClean="0">
-                <a:solidFill>
-                  <a:srgbClr val="0070C0"/>
-                </a:solidFill>
-              </a:rPr>
-              <a:t>。</a:t>
+              <a:t>用我自己的话说就是：在主表达式开始匹配之前，先找到环视子表达式所描述的位置，对该位置前或后的内容，用环视子表达式进行匹配，当且仅当环视子表达式匹配成功后，才能开始主表达式的匹配过程。且最终匹配出的内容，仅有符合主表达式所描述模式的内容。</a:t>
             </a:r>
             <a:endParaRPr lang="en-US" altLang="zh-CN" sz="1400" dirty="0" smtClean="0">
               <a:solidFill>
@@ -17967,7 +18050,23 @@
             </a:r>
             <a:r>
               <a:rPr lang="zh-CN" altLang="en-US" sz="1400" b="1" dirty="0" smtClean="0"/>
-              <a:t>否定环视</a:t>
+              <a:t>否定</a:t>
+            </a:r>
+            <a:r>
+              <a:rPr lang="zh-CN" altLang="en-US" sz="1400" b="1" dirty="0" smtClean="0"/>
+              <a:t>环视</a:t>
+            </a:r>
+            <a:r>
+              <a:rPr lang="en-US" altLang="zh-CN" sz="1400" b="1" dirty="0"/>
+              <a:t>(?!</a:t>
+            </a:r>
+            <a:r>
+              <a:rPr lang="en-US" altLang="zh-CN" sz="1400" b="1" dirty="0" err="1"/>
+              <a:t>exp</a:t>
+            </a:r>
+            <a:r>
+              <a:rPr lang="en-US" altLang="zh-CN" sz="1400" b="1" dirty="0" smtClean="0"/>
+              <a:t>)</a:t>
             </a:r>
             <a:endParaRPr lang="en-US" altLang="zh-CN" sz="1400" b="1" dirty="0" smtClean="0"/>
           </a:p>
@@ -18144,7 +18243,23 @@
             </a:r>
             <a:r>
               <a:rPr lang="zh-CN" altLang="en-US" sz="1400" b="1" dirty="0"/>
-              <a:t>顺序否定环视</a:t>
+              <a:t>顺序否定</a:t>
+            </a:r>
+            <a:r>
+              <a:rPr lang="zh-CN" altLang="en-US" sz="1400" b="1" dirty="0" smtClean="0"/>
+              <a:t>环视</a:t>
+            </a:r>
+            <a:r>
+              <a:rPr lang="en-US" altLang="zh-CN" sz="1400" b="1" dirty="0"/>
+              <a:t>(?!</a:t>
+            </a:r>
+            <a:r>
+              <a:rPr lang="en-US" altLang="zh-CN" sz="1400" b="1" dirty="0" err="1"/>
+              <a:t>exp</a:t>
+            </a:r>
+            <a:r>
+              <a:rPr lang="en-US" altLang="zh-CN" sz="1400" b="1" dirty="0" smtClean="0"/>
+              <a:t>)</a:t>
             </a:r>
             <a:endParaRPr lang="en-US" altLang="zh-CN" sz="1400" b="1" dirty="0"/>
           </a:p>
@@ -18440,7 +18555,23 @@
             </a:r>
             <a:r>
               <a:rPr lang="zh-CN" altLang="en-US" sz="1400" b="1" dirty="0"/>
-              <a:t>顺序否定环视</a:t>
+              <a:t>顺序否定</a:t>
+            </a:r>
+            <a:r>
+              <a:rPr lang="zh-CN" altLang="en-US" sz="1400" b="1" dirty="0" smtClean="0"/>
+              <a:t>环视</a:t>
+            </a:r>
+            <a:r>
+              <a:rPr lang="en-US" altLang="zh-CN" sz="1400" b="1" dirty="0"/>
+              <a:t>(?!</a:t>
+            </a:r>
+            <a:r>
+              <a:rPr lang="en-US" altLang="zh-CN" sz="1400" b="1" dirty="0" err="1"/>
+              <a:t>exp</a:t>
+            </a:r>
+            <a:r>
+              <a:rPr lang="en-US" altLang="zh-CN" sz="1400" b="1" dirty="0" smtClean="0"/>
+              <a:t>)</a:t>
             </a:r>
             <a:endParaRPr lang="en-US" altLang="zh-CN" sz="1400" b="1" dirty="0"/>
           </a:p>
@@ -18607,7 +18738,7 @@
           </a:p>
           <a:p>
             <a:r>
-              <a:rPr lang="zh-CN" altLang="en-US" sz="1400" smtClean="0"/>
+              <a:rPr lang="zh-CN" altLang="en-US" sz="1400" dirty="0" smtClean="0"/>
               <a:t>也就是说在书写环视的过程中，应该是先完成正则的书写，然后在考虑使用环视作为附加的匹配条件进行过滤，也就是哲学上说的“先解决主要矛盾，再解决次要矛盾”。</a:t>
             </a:r>
             <a:endParaRPr lang="zh-CN" altLang="en-US" sz="1400" dirty="0"/>
@@ -18746,6 +18877,882 @@
     <p:extLst>
       <p:ext uri="{BB962C8B-B14F-4D97-AF65-F5344CB8AC3E}">
         <p14:creationId xmlns:p14="http://schemas.microsoft.com/office/powerpoint/2010/main" val="565816168"/>
+      </p:ext>
+    </p:extLst>
+  </p:cSld>
+  <p:clrMapOvr>
+    <a:masterClrMapping/>
+  </p:clrMapOvr>
+</p:sld>
+</file>
+
+<file path=ppt/slides/slide55.xml><?xml version="1.0" encoding="utf-8"?>
+<p:sld xmlns:a="http://schemas.openxmlformats.org/drawingml/2006/main" xmlns:r="http://schemas.openxmlformats.org/officeDocument/2006/relationships" xmlns:p="http://schemas.openxmlformats.org/presentationml/2006/main">
+  <p:cSld>
+    <p:spTree>
+      <p:nvGrpSpPr>
+        <p:cNvPr id="1" name=""/>
+        <p:cNvGrpSpPr/>
+        <p:nvPr/>
+      </p:nvGrpSpPr>
+      <p:grpSpPr>
+        <a:xfrm>
+          <a:off x="0" y="0"/>
+          <a:ext cx="0" cy="0"/>
+          <a:chOff x="0" y="0"/>
+          <a:chExt cx="0" cy="0"/>
+        </a:xfrm>
+      </p:grpSpPr>
+      <p:sp>
+        <p:nvSpPr>
+          <p:cNvPr id="2" name="标题 1"/>
+          <p:cNvSpPr>
+            <a:spLocks noGrp="1"/>
+          </p:cNvSpPr>
+          <p:nvPr>
+            <p:ph type="title"/>
+          </p:nvPr>
+        </p:nvSpPr>
+        <p:spPr/>
+        <p:txBody>
+          <a:bodyPr/>
+          <a:lstStyle/>
+          <a:p>
+            <a:r>
+              <a:rPr lang="en-US" altLang="zh-CN" dirty="0"/>
+              <a:t>3.3.7 </a:t>
+            </a:r>
+            <a:r>
+              <a:rPr lang="zh-CN" altLang="en-US" dirty="0"/>
+              <a:t>环视</a:t>
+            </a:r>
+          </a:p>
+        </p:txBody>
+      </p:sp>
+      <p:sp>
+        <p:nvSpPr>
+          <p:cNvPr id="3" name="内容占位符 2"/>
+          <p:cNvSpPr>
+            <a:spLocks noGrp="1"/>
+          </p:cNvSpPr>
+          <p:nvPr>
+            <p:ph idx="1"/>
+          </p:nvPr>
+        </p:nvSpPr>
+        <p:spPr/>
+        <p:txBody>
+          <a:bodyPr>
+            <a:normAutofit/>
+          </a:bodyPr>
+          <a:lstStyle/>
+          <a:p>
+            <a:r>
+              <a:rPr lang="en-US" altLang="zh-CN" sz="1400" b="1" dirty="0"/>
+              <a:t>3.3.7.2</a:t>
+            </a:r>
+            <a:r>
+              <a:rPr lang="zh-CN" altLang="en-US" sz="1400" b="1" dirty="0"/>
+              <a:t>顺序否定</a:t>
+            </a:r>
+            <a:r>
+              <a:rPr lang="zh-CN" altLang="en-US" sz="1400" b="1" dirty="0" smtClean="0"/>
+              <a:t>环视</a:t>
+            </a:r>
+            <a:r>
+              <a:rPr lang="en-US" altLang="zh-CN" sz="1400" b="1" dirty="0" smtClean="0"/>
+              <a:t>(?!</a:t>
+            </a:r>
+            <a:r>
+              <a:rPr lang="en-US" altLang="zh-CN" sz="1400" b="1" dirty="0" err="1" smtClean="0"/>
+              <a:t>exp</a:t>
+            </a:r>
+            <a:r>
+              <a:rPr lang="en-US" altLang="zh-CN" sz="1400" b="1" dirty="0" smtClean="0"/>
+              <a:t>)</a:t>
+            </a:r>
+            <a:endParaRPr lang="en-US" altLang="zh-CN" sz="1400" b="1" dirty="0"/>
+          </a:p>
+          <a:p>
+            <a:r>
+              <a:rPr lang="zh-CN" altLang="en-US" sz="1400" dirty="0" smtClean="0"/>
+              <a:t>以上内容来自网上。地址见本页备注。以下内容来自书上。</a:t>
+            </a:r>
+            <a:endParaRPr lang="en-US" altLang="zh-CN" sz="1400" dirty="0" smtClean="0"/>
+          </a:p>
+          <a:p>
+            <a:r>
+              <a:rPr lang="zh-CN" altLang="en-US" sz="1400" dirty="0" smtClean="0"/>
+              <a:t>① 概念</a:t>
+            </a:r>
+            <a:endParaRPr lang="en-US" altLang="zh-CN" sz="1400" dirty="0" smtClean="0"/>
+          </a:p>
+          <a:p>
+            <a:r>
+              <a:rPr lang="zh-CN" altLang="en-US" sz="1400" b="1" dirty="0"/>
+              <a:t>零</a:t>
+            </a:r>
+            <a:r>
+              <a:rPr lang="zh-CN" altLang="en-US" sz="1400" b="1" dirty="0" smtClean="0"/>
+              <a:t>宽度负预测先行断言，又称顺序否定环视，断言此位置后面不能匹配表达式</a:t>
+            </a:r>
+            <a:r>
+              <a:rPr lang="en-US" altLang="zh-CN" sz="1400" b="1" dirty="0" err="1" smtClean="0"/>
+              <a:t>exp</a:t>
+            </a:r>
+            <a:r>
+              <a:rPr lang="zh-CN" altLang="en-US" sz="1400" b="1" dirty="0" smtClean="0"/>
+              <a:t>。</a:t>
+            </a:r>
+            <a:endParaRPr lang="en-US" altLang="zh-CN" sz="1400" b="1" dirty="0" smtClean="0"/>
+          </a:p>
+          <a:p>
+            <a:r>
+              <a:rPr lang="zh-CN" altLang="en-US" sz="1400" dirty="0" smtClean="0"/>
+              <a:t>②</a:t>
+            </a:r>
+            <a:r>
+              <a:rPr lang="en-US" altLang="zh-CN" sz="1400" dirty="0"/>
+              <a:t> </a:t>
+            </a:r>
+            <a:r>
+              <a:rPr lang="zh-CN" altLang="en-US" sz="1400" dirty="0" smtClean="0"/>
+              <a:t>使用</a:t>
+            </a:r>
+            <a:endParaRPr lang="en-US" altLang="zh-CN" sz="1400" dirty="0" smtClean="0"/>
+          </a:p>
+          <a:p>
+            <a:r>
+              <a:rPr lang="zh-CN" altLang="en-US" sz="1400" dirty="0" smtClean="0"/>
+              <a:t>例</a:t>
+            </a:r>
+            <a:r>
+              <a:rPr lang="en-US" altLang="zh-CN" sz="1400" dirty="0" smtClean="0"/>
+              <a:t>1</a:t>
+            </a:r>
+            <a:r>
+              <a:rPr lang="zh-CN" altLang="en-US" sz="1400" dirty="0" smtClean="0"/>
+              <a:t>：匹配</a:t>
+            </a:r>
+            <a:r>
+              <a:rPr lang="en-US" altLang="zh-CN" sz="1400" dirty="0" smtClean="0"/>
+              <a:t>3</a:t>
+            </a:r>
+            <a:r>
+              <a:rPr lang="zh-CN" altLang="en-US" sz="1400" dirty="0" smtClean="0"/>
+              <a:t>位数字，而且这</a:t>
+            </a:r>
+            <a:r>
+              <a:rPr lang="en-US" altLang="zh-CN" sz="1400" dirty="0" smtClean="0"/>
+              <a:t>3</a:t>
+            </a:r>
+            <a:r>
+              <a:rPr lang="zh-CN" altLang="en-US" sz="1400" dirty="0" smtClean="0"/>
+              <a:t>位数字的后面不能为数字</a:t>
+            </a:r>
+            <a:endParaRPr lang="en-US" altLang="zh-CN" sz="1400" dirty="0" smtClean="0"/>
+          </a:p>
+          <a:p>
+            <a:r>
+              <a:rPr lang="zh-CN" altLang="en-US" sz="1400" dirty="0"/>
+              <a:t>思路</a:t>
+            </a:r>
+            <a:r>
+              <a:rPr lang="zh-CN" altLang="en-US" sz="1400" dirty="0" smtClean="0"/>
+              <a:t>分析：</a:t>
+            </a:r>
+            <a:endParaRPr lang="en-US" altLang="zh-CN" sz="1400" dirty="0" smtClean="0"/>
+          </a:p>
+          <a:p>
+            <a:r>
+              <a:rPr lang="zh-CN" altLang="en-US" sz="1400" dirty="0" smtClean="0"/>
+              <a:t>过程如刚刚所说的，先不考虑环视部分，先写正则，然后根据需求在适当的位置写环视。</a:t>
+            </a:r>
+            <a:endParaRPr lang="en-US" altLang="zh-CN" sz="1400" dirty="0" smtClean="0"/>
+          </a:p>
+          <a:p>
+            <a:r>
+              <a:rPr lang="en-US" altLang="zh-CN" sz="1400" dirty="0" smtClean="0"/>
+              <a:t>step1. </a:t>
+            </a:r>
+            <a:r>
+              <a:rPr lang="zh-CN" altLang="en-US" sz="1400" dirty="0" smtClean="0"/>
+              <a:t>正则</a:t>
+            </a:r>
+            <a:endParaRPr lang="en-US" altLang="zh-CN" sz="1400" dirty="0" smtClean="0"/>
+          </a:p>
+          <a:p>
+            <a:r>
+              <a:rPr lang="en-US" altLang="zh-CN" sz="1400" dirty="0" smtClean="0"/>
+              <a:t>3</a:t>
+            </a:r>
+            <a:r>
+              <a:rPr lang="zh-CN" altLang="en-US" sz="1400" dirty="0" smtClean="0"/>
+              <a:t>位数字：很简单 </a:t>
+            </a:r>
+            <a:r>
+              <a:rPr lang="en-US" altLang="zh-CN" sz="1400" dirty="0" smtClean="0"/>
+              <a:t>\d{3}</a:t>
+            </a:r>
+          </a:p>
+          <a:p>
+            <a:r>
+              <a:rPr lang="en-US" altLang="zh-CN" sz="1400" dirty="0" smtClean="0"/>
+              <a:t>step2. </a:t>
+            </a:r>
+            <a:r>
+              <a:rPr lang="zh-CN" altLang="en-US" sz="1400" dirty="0" smtClean="0"/>
+              <a:t>环视</a:t>
+            </a:r>
+            <a:endParaRPr lang="en-US" altLang="zh-CN" sz="1400" dirty="0" smtClean="0"/>
+          </a:p>
+          <a:p>
+            <a:r>
+              <a:rPr lang="zh-CN" altLang="en-US" sz="1400" dirty="0" smtClean="0"/>
+              <a:t>后面不能为数字：</a:t>
+            </a:r>
+            <a:r>
+              <a:rPr lang="en-US" altLang="zh-CN" sz="1400" dirty="0" smtClean="0"/>
+              <a:t>(?!\d)</a:t>
+            </a:r>
+          </a:p>
+          <a:p>
+            <a:r>
+              <a:rPr lang="en-US" altLang="zh-CN" sz="1400" dirty="0" smtClean="0"/>
+              <a:t>step3. </a:t>
+            </a:r>
+            <a:r>
+              <a:rPr lang="zh-CN" altLang="en-US" sz="1400" dirty="0" smtClean="0"/>
+              <a:t>环视的位置</a:t>
+            </a:r>
+            <a:endParaRPr lang="en-US" altLang="zh-CN" sz="1400" dirty="0" smtClean="0"/>
+          </a:p>
+          <a:p>
+            <a:r>
+              <a:rPr lang="en-US" altLang="zh-CN" sz="1400" dirty="0" smtClean="0"/>
+              <a:t>3</a:t>
+            </a:r>
+            <a:r>
+              <a:rPr lang="zh-CN" altLang="en-US" sz="1400" dirty="0" smtClean="0"/>
+              <a:t>位数字的后面：</a:t>
+            </a:r>
+            <a:r>
+              <a:rPr lang="en-US" altLang="zh-CN" sz="1400" dirty="0" smtClean="0"/>
+              <a:t>\d{3}(?!\d)</a:t>
+            </a:r>
+          </a:p>
+          <a:p>
+            <a:r>
+              <a:rPr lang="zh-CN" altLang="en-US" sz="1400" dirty="0" smtClean="0"/>
+              <a:t>结果和书上的一样。这种顺序环视出现在正则右侧位置的情况，属于</a:t>
+            </a:r>
+            <a:r>
+              <a:rPr lang="zh-CN" altLang="en-US" sz="1400" b="1" dirty="0" smtClean="0"/>
+              <a:t>常规用法</a:t>
+            </a:r>
+            <a:r>
+              <a:rPr lang="zh-CN" altLang="en-US" sz="1400" dirty="0" smtClean="0"/>
+              <a:t>。</a:t>
+            </a:r>
+            <a:endParaRPr lang="en-US" altLang="zh-CN" sz="1400" dirty="0" smtClean="0"/>
+          </a:p>
+        </p:txBody>
+      </p:sp>
+    </p:spTree>
+    <p:extLst>
+      <p:ext uri="{BB962C8B-B14F-4D97-AF65-F5344CB8AC3E}">
+        <p14:creationId xmlns:p14="http://schemas.microsoft.com/office/powerpoint/2010/main" val="2034982716"/>
+      </p:ext>
+    </p:extLst>
+  </p:cSld>
+  <p:clrMapOvr>
+    <a:masterClrMapping/>
+  </p:clrMapOvr>
+</p:sld>
+</file>
+
+<file path=ppt/slides/slide56.xml><?xml version="1.0" encoding="utf-8"?>
+<p:sld xmlns:a="http://schemas.openxmlformats.org/drawingml/2006/main" xmlns:r="http://schemas.openxmlformats.org/officeDocument/2006/relationships" xmlns:p="http://schemas.openxmlformats.org/presentationml/2006/main">
+  <p:cSld>
+    <p:spTree>
+      <p:nvGrpSpPr>
+        <p:cNvPr id="1" name=""/>
+        <p:cNvGrpSpPr/>
+        <p:nvPr/>
+      </p:nvGrpSpPr>
+      <p:grpSpPr>
+        <a:xfrm>
+          <a:off x="0" y="0"/>
+          <a:ext cx="0" cy="0"/>
+          <a:chOff x="0" y="0"/>
+          <a:chExt cx="0" cy="0"/>
+        </a:xfrm>
+      </p:grpSpPr>
+      <p:sp>
+        <p:nvSpPr>
+          <p:cNvPr id="2" name="标题 1"/>
+          <p:cNvSpPr>
+            <a:spLocks noGrp="1"/>
+          </p:cNvSpPr>
+          <p:nvPr>
+            <p:ph type="title"/>
+          </p:nvPr>
+        </p:nvSpPr>
+        <p:spPr/>
+        <p:txBody>
+          <a:bodyPr/>
+          <a:lstStyle/>
+          <a:p>
+            <a:r>
+              <a:rPr lang="en-US" altLang="zh-CN" dirty="0"/>
+              <a:t>3.3.7 </a:t>
+            </a:r>
+            <a:r>
+              <a:rPr lang="zh-CN" altLang="en-US" dirty="0"/>
+              <a:t>环视</a:t>
+            </a:r>
+          </a:p>
+        </p:txBody>
+      </p:sp>
+      <p:sp>
+        <p:nvSpPr>
+          <p:cNvPr id="3" name="内容占位符 2"/>
+          <p:cNvSpPr>
+            <a:spLocks noGrp="1"/>
+          </p:cNvSpPr>
+          <p:nvPr>
+            <p:ph idx="1"/>
+          </p:nvPr>
+        </p:nvSpPr>
+        <p:spPr/>
+        <p:txBody>
+          <a:bodyPr>
+            <a:normAutofit/>
+          </a:bodyPr>
+          <a:lstStyle/>
+          <a:p>
+            <a:r>
+              <a:rPr lang="en-US" altLang="zh-CN" sz="1400" b="1" dirty="0"/>
+              <a:t>3.3.7.2</a:t>
+            </a:r>
+            <a:r>
+              <a:rPr lang="zh-CN" altLang="en-US" sz="1400" b="1" dirty="0"/>
+              <a:t>顺序否定环视</a:t>
+            </a:r>
+            <a:r>
+              <a:rPr lang="en-US" altLang="zh-CN" sz="1400" b="1" dirty="0"/>
+              <a:t>(?!</a:t>
+            </a:r>
+            <a:r>
+              <a:rPr lang="en-US" altLang="zh-CN" sz="1400" b="1" dirty="0" err="1"/>
+              <a:t>exp</a:t>
+            </a:r>
+            <a:r>
+              <a:rPr lang="en-US" altLang="zh-CN" sz="1400" b="1" dirty="0"/>
+              <a:t>)</a:t>
+            </a:r>
+          </a:p>
+          <a:p>
+            <a:r>
+              <a:rPr lang="zh-CN" altLang="en-US" sz="1400" dirty="0"/>
+              <a:t>②</a:t>
+            </a:r>
+            <a:r>
+              <a:rPr lang="en-US" altLang="zh-CN" sz="1400" dirty="0"/>
+              <a:t> </a:t>
+            </a:r>
+            <a:r>
+              <a:rPr lang="zh-CN" altLang="en-US" sz="1400" dirty="0"/>
+              <a:t>使用</a:t>
+            </a:r>
+            <a:endParaRPr lang="en-US" altLang="zh-CN" sz="1400" dirty="0"/>
+          </a:p>
+          <a:p>
+            <a:r>
+              <a:rPr lang="zh-CN" altLang="en-US" sz="1400" dirty="0" smtClean="0"/>
+              <a:t>例</a:t>
+            </a:r>
+            <a:r>
+              <a:rPr lang="en-US" altLang="zh-CN" sz="1400" dirty="0" smtClean="0"/>
+              <a:t>2</a:t>
+            </a:r>
+            <a:r>
+              <a:rPr lang="zh-CN" altLang="en-US" sz="1400" dirty="0" smtClean="0"/>
+              <a:t>：匹配不包含连续字符串</a:t>
+            </a:r>
+            <a:r>
+              <a:rPr lang="en-US" altLang="zh-CN" sz="1400" dirty="0" err="1" smtClean="0"/>
+              <a:t>abc</a:t>
+            </a:r>
+            <a:r>
+              <a:rPr lang="zh-CN" altLang="en-US" sz="1400" dirty="0" smtClean="0"/>
+              <a:t>的单词</a:t>
+            </a:r>
+            <a:r>
+              <a:rPr lang="en-US" altLang="zh-CN" sz="1400" dirty="0" smtClean="0"/>
+              <a:t>(</a:t>
+            </a:r>
+            <a:r>
+              <a:rPr lang="zh-CN" altLang="en-US" sz="1400" dirty="0" smtClean="0"/>
+              <a:t>单词：不少于</a:t>
+            </a:r>
+            <a:r>
+              <a:rPr lang="en-US" altLang="zh-CN" sz="1400" dirty="0" smtClean="0"/>
+              <a:t>1</a:t>
+            </a:r>
+            <a:r>
+              <a:rPr lang="zh-CN" altLang="en-US" sz="1400" dirty="0" smtClean="0"/>
+              <a:t>个的连续字母和数字</a:t>
+            </a:r>
+            <a:r>
+              <a:rPr lang="en-US" altLang="zh-CN" sz="1400" dirty="0" smtClean="0"/>
+              <a:t>)</a:t>
+            </a:r>
+          </a:p>
+          <a:p>
+            <a:r>
+              <a:rPr lang="zh-CN" altLang="en-US" sz="1400" dirty="0" smtClean="0"/>
+              <a:t>思路分析：</a:t>
+            </a:r>
+            <a:endParaRPr lang="en-US" altLang="zh-CN" sz="1400" dirty="0" smtClean="0"/>
+          </a:p>
+          <a:p>
+            <a:r>
+              <a:rPr lang="en-US" altLang="zh-CN" sz="1400" dirty="0" smtClean="0"/>
+              <a:t>step1. </a:t>
+            </a:r>
+            <a:r>
+              <a:rPr lang="zh-CN" altLang="en-US" sz="1400" dirty="0" smtClean="0"/>
+              <a:t>正则</a:t>
+            </a:r>
+            <a:endParaRPr lang="en-US" altLang="zh-CN" sz="1400" dirty="0" smtClean="0"/>
+          </a:p>
+          <a:p>
+            <a:r>
+              <a:rPr lang="zh-CN" altLang="en-US" sz="1400" dirty="0" smtClean="0"/>
+              <a:t>匹配单词：</a:t>
+            </a:r>
+            <a:r>
+              <a:rPr lang="en-US" altLang="zh-CN" sz="1400" dirty="0" smtClean="0"/>
+              <a:t>[a-z]+</a:t>
+            </a:r>
+          </a:p>
+          <a:p>
+            <a:r>
+              <a:rPr lang="en-US" altLang="zh-CN" sz="1400" dirty="0" smtClean="0"/>
+              <a:t>step2. </a:t>
+            </a:r>
+            <a:r>
+              <a:rPr lang="zh-CN" altLang="en-US" sz="1400" dirty="0" smtClean="0"/>
+              <a:t>环视</a:t>
+            </a:r>
+            <a:endParaRPr lang="en-US" altLang="zh-CN" sz="1400" dirty="0" smtClean="0"/>
+          </a:p>
+          <a:p>
+            <a:r>
+              <a:rPr lang="zh-CN" altLang="en-US" sz="1400" dirty="0" smtClean="0"/>
+              <a:t>不包含连续字符串</a:t>
+            </a:r>
+            <a:r>
+              <a:rPr lang="en-US" altLang="zh-CN" sz="1400" dirty="0" err="1" smtClean="0"/>
+              <a:t>abc</a:t>
+            </a:r>
+            <a:r>
+              <a:rPr lang="zh-CN" altLang="en-US" sz="1400" dirty="0" smtClean="0"/>
+              <a:t>：</a:t>
+            </a:r>
+            <a:r>
+              <a:rPr lang="en-US" altLang="zh-CN" sz="1400" dirty="0" smtClean="0"/>
+              <a:t>(?!</a:t>
+            </a:r>
+            <a:r>
+              <a:rPr lang="en-US" altLang="zh-CN" sz="1400" dirty="0" err="1" smtClean="0"/>
+              <a:t>abc</a:t>
+            </a:r>
+            <a:r>
+              <a:rPr lang="en-US" altLang="zh-CN" sz="1400" dirty="0" smtClean="0"/>
+              <a:t>)</a:t>
+            </a:r>
+          </a:p>
+          <a:p>
+            <a:r>
+              <a:rPr lang="en-US" altLang="zh-CN" sz="1400" dirty="0" smtClean="0"/>
+              <a:t>step3. </a:t>
+            </a:r>
+            <a:r>
+              <a:rPr lang="zh-CN" altLang="en-US" sz="1400" dirty="0" smtClean="0"/>
+              <a:t>环视的位置</a:t>
+            </a:r>
+            <a:endParaRPr lang="en-US" altLang="zh-CN" sz="1400" dirty="0" smtClean="0"/>
+          </a:p>
+          <a:p>
+            <a:r>
+              <a:rPr lang="zh-CN" altLang="en-US" sz="1400" dirty="0" smtClean="0"/>
+              <a:t>这个需求对位置的描述不是很明显，但是还是可以挖掘到。对位置的描述为：</a:t>
+            </a:r>
+            <a:r>
+              <a:rPr lang="en-US" altLang="zh-CN" sz="1400" dirty="0" smtClean="0"/>
+              <a:t>”</a:t>
+            </a:r>
+            <a:r>
+              <a:rPr lang="zh-CN" altLang="en-US" sz="1400" dirty="0" smtClean="0"/>
+              <a:t>不包含</a:t>
+            </a:r>
+            <a:r>
+              <a:rPr lang="en-US" altLang="zh-CN" sz="1400" dirty="0" smtClean="0"/>
+              <a:t>”</a:t>
+            </a:r>
+            <a:r>
+              <a:rPr lang="zh-CN" altLang="en-US" sz="1400" dirty="0" smtClean="0"/>
+              <a:t>。所谓不包含的含义，就是源字符串从起始位置开始，到末端位置结束，任意一个位置的后面，均不能为字符串</a:t>
+            </a:r>
+            <a:r>
+              <a:rPr lang="en-US" altLang="zh-CN" sz="1400" dirty="0" err="1" smtClean="0"/>
+              <a:t>abc</a:t>
+            </a:r>
+            <a:r>
+              <a:rPr lang="zh-CN" altLang="en-US" sz="1400" dirty="0" smtClean="0"/>
+              <a:t>。因此，环视应该出现在正则的左侧：</a:t>
+            </a:r>
+            <a:r>
+              <a:rPr lang="en-US" altLang="zh-CN" sz="1400" dirty="0" smtClean="0"/>
+              <a:t>(?!</a:t>
+            </a:r>
+            <a:r>
+              <a:rPr lang="en-US" altLang="zh-CN" sz="1400" dirty="0" err="1" smtClean="0"/>
+              <a:t>abc</a:t>
+            </a:r>
+            <a:r>
+              <a:rPr lang="en-US" altLang="zh-CN" sz="1400" dirty="0" smtClean="0"/>
+              <a:t>)[a-z]+</a:t>
+            </a:r>
+            <a:r>
+              <a:rPr lang="zh-CN" altLang="en-US" sz="1400" dirty="0" smtClean="0"/>
+              <a:t>。</a:t>
+            </a:r>
+            <a:endParaRPr lang="en-US" altLang="zh-CN" sz="1400" dirty="0" smtClean="0"/>
+          </a:p>
+          <a:p>
+            <a:r>
+              <a:rPr lang="zh-CN" altLang="en-US" sz="1400" dirty="0" smtClean="0"/>
+              <a:t>以上是我的分析。</a:t>
+            </a:r>
+            <a:endParaRPr lang="en-US" altLang="zh-CN" sz="1400" dirty="0" smtClean="0"/>
+          </a:p>
+          <a:p>
+            <a:r>
+              <a:rPr lang="zh-CN" altLang="en-US" sz="1400" dirty="0"/>
+              <a:t>书</a:t>
+            </a:r>
+            <a:r>
+              <a:rPr lang="zh-CN" altLang="en-US" sz="1400" dirty="0" smtClean="0"/>
+              <a:t>中答案：</a:t>
+            </a:r>
+            <a:r>
+              <a:rPr lang="en-US" altLang="zh-CN" sz="1400" dirty="0" smtClean="0"/>
+              <a:t>\b((?!</a:t>
+            </a:r>
+            <a:r>
+              <a:rPr lang="en-US" altLang="zh-CN" sz="1400" dirty="0" err="1" smtClean="0"/>
+              <a:t>abc</a:t>
+            </a:r>
+            <a:r>
+              <a:rPr lang="en-US" altLang="zh-CN" sz="1400" dirty="0" smtClean="0"/>
+              <a:t>)\w)+\b</a:t>
+            </a:r>
+          </a:p>
+          <a:p>
+            <a:r>
+              <a:rPr lang="zh-CN" altLang="en-US" sz="1400" dirty="0" smtClean="0"/>
+              <a:t>用这</a:t>
+            </a:r>
+            <a:r>
+              <a:rPr lang="en-US" altLang="zh-CN" sz="1400" dirty="0" smtClean="0"/>
+              <a:t>2</a:t>
+            </a:r>
+            <a:r>
+              <a:rPr lang="zh-CN" altLang="en-US" sz="1400" dirty="0" smtClean="0"/>
+              <a:t>个正则的测试结果见下图。</a:t>
+            </a:r>
+            <a:endParaRPr lang="en-US" altLang="zh-CN" sz="1400" dirty="0" smtClean="0"/>
+          </a:p>
+          <a:p>
+            <a:r>
+              <a:rPr lang="zh-CN" altLang="en-US" sz="1400" dirty="0"/>
+              <a:t>左下</a:t>
+            </a:r>
+            <a:r>
+              <a:rPr lang="zh-CN" altLang="en-US" sz="1400" dirty="0" smtClean="0"/>
+              <a:t>图为我写的正则；右下图为书中正则。</a:t>
+            </a:r>
+            <a:endParaRPr lang="en-US" altLang="zh-CN" sz="1400" dirty="0" smtClean="0"/>
+          </a:p>
+        </p:txBody>
+      </p:sp>
+      <p:pic>
+        <p:nvPicPr>
+          <p:cNvPr id="1026" name="Picture 2"/>
+          <p:cNvPicPr>
+            <a:picLocks noChangeAspect="1" noChangeArrowheads="1"/>
+          </p:cNvPicPr>
+          <p:nvPr/>
+        </p:nvPicPr>
+        <p:blipFill>
+          <a:blip r:embed="rId2">
+            <a:extLst>
+              <a:ext uri="{28A0092B-C50C-407E-A947-70E740481C1C}">
+                <a14:useLocalDpi xmlns:a14="http://schemas.microsoft.com/office/drawing/2010/main" val="0"/>
+              </a:ext>
+            </a:extLst>
+          </a:blip>
+          <a:srcRect/>
+          <a:stretch>
+            <a:fillRect/>
+          </a:stretch>
+        </p:blipFill>
+        <p:spPr bwMode="auto">
+          <a:xfrm>
+            <a:off x="6084168" y="6872445"/>
+            <a:ext cx="5791200" cy="4724400"/>
+          </a:xfrm>
+          <a:prstGeom prst="rect">
+            <a:avLst/>
+          </a:prstGeom>
+          <a:noFill/>
+          <a:ln>
+            <a:noFill/>
+          </a:ln>
+          <a:effectLst/>
+          <a:extLst>
+            <a:ext uri="{909E8E84-426E-40DD-AFC4-6F175D3DCCD1}">
+              <a14:hiddenFill xmlns:a14="http://schemas.microsoft.com/office/drawing/2010/main">
+                <a:solidFill>
+                  <a:schemeClr val="accent1"/>
+                </a:solidFill>
+              </a14:hiddenFill>
+            </a:ext>
+            <a:ext uri="{91240B29-F687-4F45-9708-019B960494DF}">
+              <a14:hiddenLine xmlns:a14="http://schemas.microsoft.com/office/drawing/2010/main" w="9525">
+                <a:solidFill>
+                  <a:schemeClr val="tx1"/>
+                </a:solidFill>
+                <a:miter lim="800000"/>
+                <a:headEnd/>
+                <a:tailEnd/>
+              </a14:hiddenLine>
+            </a:ext>
+            <a:ext uri="{AF507438-7753-43E0-B8FC-AC1667EBCBE1}">
+              <a14:hiddenEffects xmlns:a14="http://schemas.microsoft.com/office/drawing/2010/main">
+                <a:effectLst>
+                  <a:outerShdw dist="35921" dir="2700000" algn="ctr" rotWithShape="0">
+                    <a:schemeClr val="bg2"/>
+                  </a:outerShdw>
+                </a:effectLst>
+              </a14:hiddenEffects>
+            </a:ext>
+          </a:extLst>
+        </p:spPr>
+      </p:pic>
+      <p:pic>
+        <p:nvPicPr>
+          <p:cNvPr id="1027" name="Picture 3"/>
+          <p:cNvPicPr>
+            <a:picLocks noChangeAspect="1" noChangeArrowheads="1"/>
+          </p:cNvPicPr>
+          <p:nvPr/>
+        </p:nvPicPr>
+        <p:blipFill>
+          <a:blip r:embed="rId3">
+            <a:extLst>
+              <a:ext uri="{28A0092B-C50C-407E-A947-70E740481C1C}">
+                <a14:useLocalDpi xmlns:a14="http://schemas.microsoft.com/office/drawing/2010/main" val="0"/>
+              </a:ext>
+            </a:extLst>
+          </a:blip>
+          <a:srcRect/>
+          <a:stretch>
+            <a:fillRect/>
+          </a:stretch>
+        </p:blipFill>
+        <p:spPr bwMode="auto">
+          <a:xfrm>
+            <a:off x="-412104" y="6858000"/>
+            <a:ext cx="5791200" cy="4724400"/>
+          </a:xfrm>
+          <a:prstGeom prst="rect">
+            <a:avLst/>
+          </a:prstGeom>
+          <a:noFill/>
+          <a:ln>
+            <a:noFill/>
+          </a:ln>
+          <a:effectLst/>
+          <a:extLst>
+            <a:ext uri="{909E8E84-426E-40DD-AFC4-6F175D3DCCD1}">
+              <a14:hiddenFill xmlns:a14="http://schemas.microsoft.com/office/drawing/2010/main">
+                <a:solidFill>
+                  <a:schemeClr val="accent1"/>
+                </a:solidFill>
+              </a14:hiddenFill>
+            </a:ext>
+            <a:ext uri="{91240B29-F687-4F45-9708-019B960494DF}">
+              <a14:hiddenLine xmlns:a14="http://schemas.microsoft.com/office/drawing/2010/main" w="9525">
+                <a:solidFill>
+                  <a:schemeClr val="tx1"/>
+                </a:solidFill>
+                <a:miter lim="800000"/>
+                <a:headEnd/>
+                <a:tailEnd/>
+              </a14:hiddenLine>
+            </a:ext>
+            <a:ext uri="{AF507438-7753-43E0-B8FC-AC1667EBCBE1}">
+              <a14:hiddenEffects xmlns:a14="http://schemas.microsoft.com/office/drawing/2010/main">
+                <a:effectLst>
+                  <a:outerShdw dist="35921" dir="2700000" algn="ctr" rotWithShape="0">
+                    <a:schemeClr val="bg2"/>
+                  </a:outerShdw>
+                </a:effectLst>
+              </a14:hiddenEffects>
+            </a:ext>
+          </a:extLst>
+        </p:spPr>
+      </p:pic>
+    </p:spTree>
+    <p:extLst>
+      <p:ext uri="{BB962C8B-B14F-4D97-AF65-F5344CB8AC3E}">
+        <p14:creationId xmlns:p14="http://schemas.microsoft.com/office/powerpoint/2010/main" val="601155989"/>
+      </p:ext>
+    </p:extLst>
+  </p:cSld>
+  <p:clrMapOvr>
+    <a:masterClrMapping/>
+  </p:clrMapOvr>
+</p:sld>
+</file>
+
+<file path=ppt/slides/slide57.xml><?xml version="1.0" encoding="utf-8"?>
+<p:sld xmlns:a="http://schemas.openxmlformats.org/drawingml/2006/main" xmlns:r="http://schemas.openxmlformats.org/officeDocument/2006/relationships" xmlns:p="http://schemas.openxmlformats.org/presentationml/2006/main">
+  <p:cSld>
+    <p:spTree>
+      <p:nvGrpSpPr>
+        <p:cNvPr id="1" name=""/>
+        <p:cNvGrpSpPr/>
+        <p:nvPr/>
+      </p:nvGrpSpPr>
+      <p:grpSpPr>
+        <a:xfrm>
+          <a:off x="0" y="0"/>
+          <a:ext cx="0" cy="0"/>
+          <a:chOff x="0" y="0"/>
+          <a:chExt cx="0" cy="0"/>
+        </a:xfrm>
+      </p:grpSpPr>
+      <p:sp>
+        <p:nvSpPr>
+          <p:cNvPr id="2" name="标题 1"/>
+          <p:cNvSpPr>
+            <a:spLocks noGrp="1"/>
+          </p:cNvSpPr>
+          <p:nvPr>
+            <p:ph type="title"/>
+          </p:nvPr>
+        </p:nvSpPr>
+        <p:spPr/>
+        <p:txBody>
+          <a:bodyPr/>
+          <a:lstStyle/>
+          <a:p>
+            <a:r>
+              <a:rPr lang="en-US" altLang="zh-CN" dirty="0"/>
+              <a:t>3.3.7 </a:t>
+            </a:r>
+            <a:r>
+              <a:rPr lang="zh-CN" altLang="en-US" dirty="0"/>
+              <a:t>环视</a:t>
+            </a:r>
+          </a:p>
+        </p:txBody>
+      </p:sp>
+      <p:sp>
+        <p:nvSpPr>
+          <p:cNvPr id="3" name="内容占位符 2"/>
+          <p:cNvSpPr>
+            <a:spLocks noGrp="1"/>
+          </p:cNvSpPr>
+          <p:nvPr>
+            <p:ph idx="1"/>
+          </p:nvPr>
+        </p:nvSpPr>
+        <p:spPr/>
+        <p:txBody>
+          <a:bodyPr>
+            <a:normAutofit/>
+          </a:bodyPr>
+          <a:lstStyle/>
+          <a:p>
+            <a:r>
+              <a:rPr lang="en-US" altLang="zh-CN" sz="1400" b="1" dirty="0"/>
+              <a:t>3.3.7.2</a:t>
+            </a:r>
+            <a:r>
+              <a:rPr lang="zh-CN" altLang="en-US" sz="1400" b="1" dirty="0"/>
+              <a:t>顺序否定环视</a:t>
+            </a:r>
+            <a:r>
+              <a:rPr lang="en-US" altLang="zh-CN" sz="1400" b="1" dirty="0"/>
+              <a:t>(?!</a:t>
+            </a:r>
+            <a:r>
+              <a:rPr lang="en-US" altLang="zh-CN" sz="1400" b="1" dirty="0" err="1"/>
+              <a:t>exp</a:t>
+            </a:r>
+            <a:r>
+              <a:rPr lang="en-US" altLang="zh-CN" sz="1400" b="1" dirty="0"/>
+              <a:t>)</a:t>
+            </a:r>
+          </a:p>
+          <a:p>
+            <a:r>
+              <a:rPr lang="zh-CN" altLang="en-US" sz="1400" dirty="0"/>
+              <a:t>②</a:t>
+            </a:r>
+            <a:r>
+              <a:rPr lang="en-US" altLang="zh-CN" sz="1400" dirty="0"/>
+              <a:t> </a:t>
+            </a:r>
+            <a:r>
+              <a:rPr lang="zh-CN" altLang="en-US" sz="1400" dirty="0" smtClean="0"/>
+              <a:t>使用</a:t>
+            </a:r>
+            <a:endParaRPr lang="en-US" altLang="zh-CN" sz="1400" dirty="0" smtClean="0"/>
+          </a:p>
+          <a:p>
+            <a:r>
+              <a:rPr lang="zh-CN" altLang="en-US" sz="1400" dirty="0" smtClean="0"/>
+              <a:t>分析：我的结果错在何处？</a:t>
+            </a:r>
+            <a:endParaRPr lang="en-US" altLang="zh-CN" sz="1400" dirty="0" smtClean="0"/>
+          </a:p>
+          <a:p>
+            <a:r>
+              <a:rPr lang="zh-CN" altLang="en-US" sz="1400" dirty="0" smtClean="0"/>
+              <a:t>我写的正则所描述的内容是：匹配一个字母序列，其中该字符串的前三个字符不能为</a:t>
+            </a:r>
+            <a:r>
+              <a:rPr lang="en-US" altLang="zh-CN" sz="1400" dirty="0" err="1" smtClean="0"/>
+              <a:t>abc</a:t>
+            </a:r>
+            <a:r>
+              <a:rPr lang="zh-CN" altLang="en-US" sz="1400" dirty="0" smtClean="0"/>
+              <a:t>。</a:t>
+            </a:r>
+            <a:endParaRPr lang="en-US" altLang="zh-CN" sz="1400" dirty="0" smtClean="0"/>
+          </a:p>
+        </p:txBody>
+      </p:sp>
+    </p:spTree>
+    <p:extLst>
+      <p:ext uri="{BB962C8B-B14F-4D97-AF65-F5344CB8AC3E}">
+        <p14:creationId xmlns:p14="http://schemas.microsoft.com/office/powerpoint/2010/main" val="1012375172"/>
       </p:ext>
     </p:extLst>
   </p:cSld>
